--- a/ppt/4. 语句.pptx
+++ b/ppt/4. 语句.pptx
@@ -280,7 +280,7 @@
           <a:p>
             <a:fld id="{F26537E0-B6F7-4F30-B86B-4CA7244EDE51}" type="datetimeFigureOut">
               <a:rPr lang="zh-CN" altLang="en-US" smtClean="0"/>
-              <a:t>2020/3/9</a:t>
+              <a:t>2021/3/8</a:t>
             </a:fld>
             <a:endParaRPr lang="zh-CN" altLang="en-US"/>
           </a:p>
@@ -1575,7 +1575,7 @@
           <a:p>
             <a:fld id="{28F278B1-967A-472E-BA85-F595929CDA06}" type="datetimeFigureOut">
               <a:rPr lang="zh-CN" altLang="en-US" smtClean="0"/>
-              <a:t>2020/3/9</a:t>
+              <a:t>2021/3/8</a:t>
             </a:fld>
             <a:endParaRPr lang="zh-CN" altLang="en-US"/>
           </a:p>
@@ -1743,7 +1743,7 @@
           <a:p>
             <a:fld id="{28F278B1-967A-472E-BA85-F595929CDA06}" type="datetimeFigureOut">
               <a:rPr lang="zh-CN" altLang="en-US" smtClean="0"/>
-              <a:t>2020/3/9</a:t>
+              <a:t>2021/3/8</a:t>
             </a:fld>
             <a:endParaRPr lang="zh-CN" altLang="en-US"/>
           </a:p>
@@ -1921,7 +1921,7 @@
           <a:p>
             <a:fld id="{28F278B1-967A-472E-BA85-F595929CDA06}" type="datetimeFigureOut">
               <a:rPr lang="zh-CN" altLang="en-US" smtClean="0"/>
-              <a:t>2020/3/9</a:t>
+              <a:t>2021/3/8</a:t>
             </a:fld>
             <a:endParaRPr lang="zh-CN" altLang="en-US"/>
           </a:p>
@@ -2097,7 +2097,7 @@
           <a:p>
             <a:fld id="{28F278B1-967A-472E-BA85-F595929CDA06}" type="datetimeFigureOut">
               <a:rPr lang="zh-CN" altLang="en-US" smtClean="0"/>
-              <a:t>2020/3/9</a:t>
+              <a:t>2021/3/8</a:t>
             </a:fld>
             <a:endParaRPr lang="zh-CN" altLang="en-US"/>
           </a:p>
@@ -2342,7 +2342,7 @@
           <a:p>
             <a:fld id="{28F278B1-967A-472E-BA85-F595929CDA06}" type="datetimeFigureOut">
               <a:rPr lang="zh-CN" altLang="en-US" smtClean="0"/>
-              <a:t>2020/3/9</a:t>
+              <a:t>2021/3/8</a:t>
             </a:fld>
             <a:endParaRPr lang="zh-CN" altLang="en-US"/>
           </a:p>
@@ -2571,7 +2571,7 @@
           <a:p>
             <a:fld id="{28F278B1-967A-472E-BA85-F595929CDA06}" type="datetimeFigureOut">
               <a:rPr lang="zh-CN" altLang="en-US" smtClean="0"/>
-              <a:t>2020/3/9</a:t>
+              <a:t>2021/3/8</a:t>
             </a:fld>
             <a:endParaRPr lang="zh-CN" altLang="en-US"/>
           </a:p>
@@ -2935,7 +2935,7 @@
           <a:p>
             <a:fld id="{28F278B1-967A-472E-BA85-F595929CDA06}" type="datetimeFigureOut">
               <a:rPr lang="zh-CN" altLang="en-US" smtClean="0"/>
-              <a:t>2020/3/9</a:t>
+              <a:t>2021/3/8</a:t>
             </a:fld>
             <a:endParaRPr lang="zh-CN" altLang="en-US"/>
           </a:p>
@@ -3052,7 +3052,7 @@
           <a:p>
             <a:fld id="{28F278B1-967A-472E-BA85-F595929CDA06}" type="datetimeFigureOut">
               <a:rPr lang="zh-CN" altLang="en-US" smtClean="0"/>
-              <a:t>2020/3/9</a:t>
+              <a:t>2021/3/8</a:t>
             </a:fld>
             <a:endParaRPr lang="zh-CN" altLang="en-US"/>
           </a:p>
@@ -3147,7 +3147,7 @@
           <a:p>
             <a:fld id="{28F278B1-967A-472E-BA85-F595929CDA06}" type="datetimeFigureOut">
               <a:rPr lang="zh-CN" altLang="en-US" smtClean="0"/>
-              <a:t>2020/3/9</a:t>
+              <a:t>2021/3/8</a:t>
             </a:fld>
             <a:endParaRPr lang="zh-CN" altLang="en-US"/>
           </a:p>
@@ -3422,7 +3422,7 @@
           <a:p>
             <a:fld id="{28F278B1-967A-472E-BA85-F595929CDA06}" type="datetimeFigureOut">
               <a:rPr lang="zh-CN" altLang="en-US" smtClean="0"/>
-              <a:t>2020/3/9</a:t>
+              <a:t>2021/3/8</a:t>
             </a:fld>
             <a:endParaRPr lang="zh-CN" altLang="en-US"/>
           </a:p>
@@ -3674,7 +3674,7 @@
           <a:p>
             <a:fld id="{28F278B1-967A-472E-BA85-F595929CDA06}" type="datetimeFigureOut">
               <a:rPr lang="zh-CN" altLang="en-US" smtClean="0"/>
-              <a:t>2020/3/9</a:t>
+              <a:t>2021/3/8</a:t>
             </a:fld>
             <a:endParaRPr lang="zh-CN" altLang="en-US"/>
           </a:p>
@@ -3885,7 +3885,7 @@
           <a:p>
             <a:fld id="{28F278B1-967A-472E-BA85-F595929CDA06}" type="datetimeFigureOut">
               <a:rPr lang="zh-CN" altLang="en-US" smtClean="0"/>
-              <a:t>2020/3/9</a:t>
+              <a:t>2021/3/8</a:t>
             </a:fld>
             <a:endParaRPr lang="zh-CN" altLang="en-US"/>
           </a:p>
@@ -5223,7 +5223,7 @@
         </p:blipFill>
         <p:spPr>
           <a:xfrm>
-            <a:off x="283210" y="347344"/>
+            <a:off x="315677" y="464185"/>
             <a:ext cx="11560646" cy="2964815"/>
           </a:xfrm>
           <a:prstGeom prst="rect">
@@ -8287,7 +8287,7 @@
         </p:nvSpPr>
         <p:spPr>
           <a:xfrm>
-            <a:off x="952892" y="1494297"/>
+            <a:off x="986023" y="1633445"/>
             <a:ext cx="10515600" cy="4482296"/>
           </a:xfrm>
           <a:prstGeom prst="rect">
@@ -8484,10 +8484,6 @@
               <a:buNone/>
             </a:pPr>
             <a:r>
-              <a:rPr lang="en-US" dirty="0"/>
-              <a:t>	</a:t>
-            </a:r>
-            <a:r>
               <a:rPr lang="en-US" dirty="0">
                 <a:solidFill>
                   <a:srgbClr val="0070C0"/>
@@ -8505,10 +8501,6 @@
               <a:buNone/>
             </a:pPr>
             <a:r>
-              <a:rPr lang="en-US" dirty="0"/>
-              <a:t>	</a:t>
-            </a:r>
-            <a:r>
               <a:rPr lang="en-US" dirty="0">
                 <a:solidFill>
                   <a:srgbClr val="0070C0"/>
@@ -8535,7 +8527,7 @@
             </a:pPr>
             <a:r>
               <a:rPr lang="en-US" dirty="0"/>
-              <a:t>		average += score;</a:t>
+              <a:t>	average += score;</a:t>
             </a:r>
           </a:p>
           <a:p>
@@ -8544,7 +8536,7 @@
             </a:pPr>
             <a:r>
               <a:rPr lang="en-US" dirty="0"/>
-              <a:t>		num++;</a:t>
+              <a:t>	num++;</a:t>
             </a:r>
           </a:p>
           <a:p>
@@ -8553,7 +8545,7 @@
             </a:pPr>
             <a:r>
               <a:rPr lang="en-US" dirty="0"/>
-              <a:t>	}</a:t>
+              <a:t>}</a:t>
             </a:r>
           </a:p>
         </p:txBody>
@@ -9132,7 +9124,7 @@
             </a:pPr>
             <a:r>
               <a:rPr lang="en-US" sz="3800" dirty="0"/>
-              <a:t>             double score, average{0};</a:t>
+              <a:t>          double score, average{0};</a:t>
             </a:r>
           </a:p>
           <a:p>
@@ -9328,7 +9320,7 @@
         </p:nvSpPr>
         <p:spPr>
           <a:xfrm>
-            <a:off x="5929460" y="5448692"/>
+            <a:off x="6096000" y="5448692"/>
             <a:ext cx="2516956" cy="546755"/>
           </a:xfrm>
           <a:prstGeom prst="wedgeRectCallout">
@@ -9520,7 +9512,12 @@
             <p:ph idx="1"/>
           </p:nvPr>
         </p:nvSpPr>
-        <p:spPr/>
+        <p:spPr>
+          <a:xfrm>
+            <a:off x="838200" y="1511783"/>
+            <a:ext cx="10515600" cy="4486275"/>
+          </a:xfrm>
+        </p:spPr>
         <p:txBody>
           <a:bodyPr/>
           <a:lstStyle/>
@@ -9563,8 +9560,8 @@
         </p:blipFill>
         <p:spPr>
           <a:xfrm>
-            <a:off x="1733010" y="2760678"/>
-            <a:ext cx="7052771" cy="4017541"/>
+            <a:off x="2302852" y="2588399"/>
+            <a:ext cx="7390570" cy="4209965"/>
           </a:xfrm>
           <a:prstGeom prst="rect">
             <a:avLst/>
@@ -9647,8 +9644,8 @@
         </p:nvSpPr>
         <p:spPr>
           <a:xfrm>
-            <a:off x="1112363" y="3365368"/>
-            <a:ext cx="8182466" cy="2585323"/>
+            <a:off x="1596066" y="3279229"/>
+            <a:ext cx="8475585" cy="3385542"/>
           </a:xfrm>
           <a:prstGeom prst="rect">
             <a:avLst/>
@@ -9662,127 +9659,127 @@
           <a:lstStyle/>
           <a:p>
             <a:r>
-              <a:rPr lang="en-US" altLang="zh-CN" sz="2400" dirty="0"/>
+              <a:rPr lang="en-US" altLang="zh-CN" sz="2800" dirty="0"/>
               <a:t>//</a:t>
             </a:r>
             <a:r>
-              <a:rPr lang="zh-CN" altLang="en-US" sz="2400" dirty="0"/>
+              <a:rPr lang="zh-CN" altLang="en-US" sz="2800" dirty="0"/>
               <a:t>计算</a:t>
             </a:r>
             <a:r>
-              <a:rPr lang="en-US" sz="2400" dirty="0"/>
+              <a:rPr lang="en-US" sz="2800" dirty="0"/>
               <a:t>1</a:t>
             </a:r>
             <a:r>
-              <a:rPr lang="zh-CN" altLang="en-US" sz="2400" dirty="0"/>
+              <a:rPr lang="zh-CN" altLang="en-US" sz="2800" dirty="0"/>
               <a:t>到</a:t>
             </a:r>
             <a:r>
-              <a:rPr lang="en-US" sz="2400" dirty="0"/>
+              <a:rPr lang="en-US" sz="2800" dirty="0"/>
               <a:t>100</a:t>
             </a:r>
             <a:r>
-              <a:rPr lang="zh-CN" altLang="en-US" sz="2400" dirty="0"/>
+              <a:rPr lang="zh-CN" altLang="en-US" sz="2800" dirty="0"/>
               <a:t>整数之和的代码：</a:t>
             </a:r>
-            <a:endParaRPr lang="en-US" altLang="zh-CN" sz="2400" dirty="0"/>
-          </a:p>
-          <a:p>
-            <a:endParaRPr lang="en-US" sz="2400" dirty="0"/>
+            <a:endParaRPr lang="en-US" altLang="zh-CN" sz="2800" dirty="0"/>
+          </a:p>
+          <a:p>
+            <a:endParaRPr lang="en-US" sz="2800" dirty="0"/>
           </a:p>
           <a:p>
             <a:pPr latinLnBrk="1"/>
             <a:r>
-              <a:rPr lang="en-US" sz="2400" dirty="0"/>
+              <a:rPr lang="en-US" sz="2800" dirty="0"/>
               <a:t>auto s{0} ;</a:t>
             </a:r>
             <a:br>
-              <a:rPr lang="en-US" sz="2400" dirty="0"/>
+              <a:rPr lang="en-US" sz="2800" dirty="0"/>
             </a:br>
             <a:r>
-              <a:rPr lang="en-US" sz="2400" b="1" dirty="0"/>
+              <a:rPr lang="en-US" sz="2800" b="1" dirty="0"/>
               <a:t>for</a:t>
             </a:r>
             <a:r>
-              <a:rPr lang="en-US" sz="2400" dirty="0"/>
+              <a:rPr lang="en-US" sz="2800" dirty="0"/>
               <a:t>(auto </a:t>
             </a:r>
             <a:r>
-              <a:rPr lang="en-US" sz="2400" dirty="0" err="1"/>
+              <a:rPr lang="en-US" sz="2800" dirty="0" err="1"/>
               <a:t>i</a:t>
             </a:r>
             <a:r>
-              <a:rPr lang="en-US" sz="2400" dirty="0"/>
+              <a:rPr lang="en-US" sz="2800" dirty="0"/>
               <a:t>{1} ; </a:t>
             </a:r>
             <a:r>
-              <a:rPr lang="en-US" sz="2400" dirty="0" err="1"/>
+              <a:rPr lang="en-US" sz="2800" dirty="0" err="1"/>
               <a:t>i</a:t>
             </a:r>
             <a:r>
-              <a:rPr lang="en-US" sz="2400" dirty="0"/>
+              <a:rPr lang="en-US" sz="2800" dirty="0"/>
               <a:t>&lt;=100; </a:t>
             </a:r>
             <a:r>
-              <a:rPr lang="en-US" sz="2400" dirty="0" err="1"/>
+              <a:rPr lang="en-US" sz="2800" dirty="0" err="1"/>
               <a:t>i</a:t>
             </a:r>
             <a:r>
-              <a:rPr lang="en-US" sz="2400" dirty="0"/>
+              <a:rPr lang="en-US" sz="2800" dirty="0"/>
               <a:t>++)</a:t>
             </a:r>
             <a:br>
-              <a:rPr lang="en-US" sz="2400" dirty="0"/>
+              <a:rPr lang="en-US" sz="2800" dirty="0"/>
             </a:br>
             <a:r>
-              <a:rPr lang="en-US" sz="2400" dirty="0"/>
+              <a:rPr lang="en-US" sz="2800" dirty="0"/>
               <a:t>    s += </a:t>
             </a:r>
             <a:r>
-              <a:rPr lang="en-US" sz="2400" dirty="0" err="1"/>
+              <a:rPr lang="en-US" sz="2800" dirty="0" err="1"/>
               <a:t>i</a:t>
             </a:r>
             <a:r>
-              <a:rPr lang="en-US" sz="2400" dirty="0"/>
+              <a:rPr lang="en-US" sz="2800" dirty="0"/>
               <a:t>;</a:t>
             </a:r>
             <a:br>
-              <a:rPr lang="en-US" sz="2400" dirty="0"/>
+              <a:rPr lang="en-US" sz="2800" dirty="0"/>
             </a:br>
             <a:r>
-              <a:rPr lang="en-US" sz="2400" dirty="0"/>
+              <a:rPr lang="en-US" sz="2800" dirty="0"/>
               <a:t>std::</a:t>
             </a:r>
             <a:r>
-              <a:rPr lang="en-US" sz="2400" dirty="0" err="1"/>
+              <a:rPr lang="en-US" sz="2800" dirty="0" err="1"/>
               <a:t>cout</a:t>
             </a:r>
             <a:r>
-              <a:rPr lang="en-US" sz="2400" dirty="0"/>
+              <a:rPr lang="en-US" sz="2800" dirty="0"/>
               <a:t>&lt;&lt;"1</a:t>
             </a:r>
             <a:r>
-              <a:rPr lang="zh-CN" altLang="en-US" sz="2400" dirty="0"/>
+              <a:rPr lang="zh-CN" altLang="en-US" sz="2800" dirty="0"/>
               <a:t>到</a:t>
             </a:r>
             <a:r>
-              <a:rPr lang="en-US" sz="2400" dirty="0"/>
+              <a:rPr lang="en-US" sz="2800" dirty="0"/>
               <a:t>100</a:t>
             </a:r>
             <a:r>
-              <a:rPr lang="zh-CN" altLang="en-US" sz="2400" dirty="0"/>
+              <a:rPr lang="zh-CN" altLang="en-US" sz="2800" dirty="0"/>
               <a:t>之间的整数之和是：</a:t>
             </a:r>
             <a:r>
-              <a:rPr lang="en-US" sz="2400" dirty="0"/>
+              <a:rPr lang="en-US" sz="2800" dirty="0"/>
               <a:t>"&lt;&lt;s&lt;&lt;std::</a:t>
             </a:r>
             <a:r>
-              <a:rPr lang="en-US" sz="2400" dirty="0" err="1"/>
+              <a:rPr lang="en-US" sz="2800" dirty="0" err="1"/>
               <a:t>endl</a:t>
             </a:r>
             <a:r>
-              <a:rPr lang="en-US" sz="2400" dirty="0"/>
+              <a:rPr lang="en-US" sz="2800" dirty="0"/>
               <a:t>;</a:t>
             </a:r>
           </a:p>
@@ -10131,8 +10128,8 @@
         </p:nvSpPr>
         <p:spPr>
           <a:xfrm>
-            <a:off x="735291" y="3205113"/>
-            <a:ext cx="8182466" cy="461665"/>
+            <a:off x="844314" y="3101419"/>
+            <a:ext cx="8182466" cy="523220"/>
           </a:xfrm>
           <a:prstGeom prst="rect">
             <a:avLst/>
@@ -10146,10 +10143,10 @@
           <a:lstStyle/>
           <a:p>
             <a:r>
-              <a:rPr lang="zh-CN" altLang="en-US" sz="2400" dirty="0"/>
+              <a:rPr lang="zh-CN" altLang="en-US" sz="2800" dirty="0"/>
               <a:t>等价于</a:t>
             </a:r>
-            <a:endParaRPr lang="en-US" dirty="0"/>
+            <a:endParaRPr lang="en-US" sz="2800" dirty="0"/>
           </a:p>
         </p:txBody>
       </p:sp>
@@ -10609,7 +10606,7 @@
         <p:spPr>
           <a:xfrm>
             <a:off x="914400" y="2328420"/>
-            <a:ext cx="10312923" cy="3416320"/>
+            <a:ext cx="10312923" cy="3970318"/>
           </a:xfrm>
           <a:prstGeom prst="rect">
             <a:avLst/>
@@ -10624,115 +10621,119 @@
           <a:p>
             <a:r>
               <a:rPr lang="en-US" sz="2400" dirty="0"/>
-              <a:t>              double score, average{ 0 };</a:t>
-            </a:r>
-          </a:p>
-          <a:p>
-            <a:r>
-              <a:rPr lang="en-US" sz="2400" dirty="0"/>
+              <a:t>              </a:t>
+            </a:r>
+            <a:r>
+              <a:rPr lang="en-US" sz="2800" dirty="0"/>
+              <a:t>double score, average{ 0 };</a:t>
+            </a:r>
+          </a:p>
+          <a:p>
+            <a:r>
+              <a:rPr lang="en-US" sz="2800" dirty="0"/>
               <a:t>	auto num{ 0 };</a:t>
             </a:r>
           </a:p>
           <a:p>
             <a:r>
-              <a:rPr lang="en-US" sz="2400" dirty="0"/>
+              <a:rPr lang="en-US" sz="2800" dirty="0"/>
               <a:t>	for(; std::</a:t>
             </a:r>
             <a:r>
-              <a:rPr lang="en-US" sz="2400" dirty="0" err="1"/>
+              <a:rPr lang="en-US" sz="2800" dirty="0" err="1"/>
               <a:t>cin</a:t>
             </a:r>
             <a:r>
-              <a:rPr lang="en-US" sz="2400" dirty="0"/>
+              <a:rPr lang="en-US" sz="2800" dirty="0"/>
               <a:t> &gt;&gt; score; ){</a:t>
             </a:r>
           </a:p>
           <a:p>
             <a:r>
-              <a:rPr lang="en-US" sz="2400" dirty="0"/>
+              <a:rPr lang="en-US" sz="2800" dirty="0"/>
               <a:t>		</a:t>
             </a:r>
             <a:r>
-              <a:rPr lang="en-US" sz="2400" b="1" dirty="0"/>
+              <a:rPr lang="en-US" sz="2800" b="1" dirty="0"/>
               <a:t>if</a:t>
             </a:r>
             <a:r>
-              <a:rPr lang="en-US" sz="2400" dirty="0"/>
+              <a:rPr lang="en-US" sz="2800" dirty="0"/>
               <a:t> (score &lt; 0)</a:t>
             </a:r>
           </a:p>
           <a:p>
             <a:r>
-              <a:rPr lang="en-US" sz="2400" dirty="0"/>
+              <a:rPr lang="en-US" sz="2800" dirty="0"/>
               <a:t>			</a:t>
             </a:r>
             <a:r>
-              <a:rPr lang="en-US" sz="2400" b="1" dirty="0"/>
+              <a:rPr lang="en-US" sz="2800" b="1" dirty="0"/>
               <a:t>break</a:t>
             </a:r>
             <a:r>
-              <a:rPr lang="en-US" sz="2400" dirty="0"/>
+              <a:rPr lang="en-US" sz="2800" dirty="0"/>
               <a:t>;  //</a:t>
             </a:r>
             <a:r>
-              <a:rPr lang="zh-CN" altLang="en-US" sz="2400" dirty="0"/>
+              <a:rPr lang="zh-CN" altLang="en-US" sz="2800" dirty="0"/>
               <a:t>跳出</a:t>
             </a:r>
             <a:r>
-              <a:rPr lang="en-US" sz="2400" dirty="0"/>
+              <a:rPr lang="en-US" sz="2800" dirty="0"/>
               <a:t>while</a:t>
             </a:r>
             <a:r>
-              <a:rPr lang="zh-CN" altLang="en-US" sz="2400" dirty="0"/>
+              <a:rPr lang="zh-CN" altLang="en-US" sz="2800" dirty="0"/>
               <a:t>循环</a:t>
             </a:r>
-            <a:endParaRPr lang="en-US" sz="2400" dirty="0"/>
-          </a:p>
-          <a:p>
-            <a:r>
-              <a:rPr lang="en-US" sz="2400" dirty="0"/>
+            <a:endParaRPr lang="en-US" sz="2800" dirty="0"/>
+          </a:p>
+          <a:p>
+            <a:r>
+              <a:rPr lang="en-US" sz="2800" dirty="0"/>
               <a:t>		average += score;</a:t>
             </a:r>
           </a:p>
           <a:p>
             <a:r>
-              <a:rPr lang="en-US" sz="2400" dirty="0"/>
+              <a:rPr lang="en-US" sz="2800" dirty="0"/>
               <a:t>		num++;</a:t>
             </a:r>
           </a:p>
           <a:p>
             <a:r>
-              <a:rPr lang="en-US" sz="2400" dirty="0"/>
+              <a:rPr lang="en-US" sz="2800" dirty="0"/>
               <a:t>	}</a:t>
             </a:r>
           </a:p>
           <a:p>
             <a:r>
-              <a:rPr lang="en-US" sz="2400" dirty="0"/>
+              <a:rPr lang="en-US" sz="2800" dirty="0"/>
               <a:t>	std::</a:t>
             </a:r>
             <a:r>
-              <a:rPr lang="en-US" sz="2400" dirty="0" err="1"/>
+              <a:rPr lang="en-US" sz="2800" dirty="0" err="1"/>
               <a:t>cout</a:t>
             </a:r>
             <a:r>
-              <a:rPr lang="en-US" sz="2400" dirty="0"/>
+              <a:rPr lang="en-US" sz="2800" dirty="0"/>
               <a:t> &lt;&lt; "</a:t>
             </a:r>
             <a:r>
-              <a:rPr lang="zh-CN" altLang="en-US" sz="2400" dirty="0"/>
+              <a:rPr lang="zh-CN" altLang="en-US" sz="2800" dirty="0"/>
               <a:t>平均成绩是：</a:t>
             </a:r>
             <a:r>
-              <a:rPr lang="en-US" sz="2400" dirty="0"/>
+              <a:rPr lang="en-US" sz="2800" dirty="0"/>
               <a:t>" &lt;&lt; average / num &lt;&lt; std::</a:t>
             </a:r>
             <a:r>
-              <a:rPr lang="en-US" sz="2400" dirty="0" err="1"/>
+              <a:rPr lang="en-US" sz="2800" dirty="0" err="1"/>
               <a:t>endl</a:t>
             </a:r>
             <a:r>
-              <a:rPr lang="en-US" sz="2400" dirty="0"/>
+              <a:rPr lang="en-US" sz="2800" dirty="0"/>
               <a:t>;</a:t>
             </a:r>
           </a:p>
@@ -11328,7 +11329,7 @@
         <p:spPr>
           <a:xfrm>
             <a:off x="914400" y="2328420"/>
-            <a:ext cx="10312923" cy="2677656"/>
+            <a:ext cx="10312923" cy="3108543"/>
           </a:xfrm>
           <a:prstGeom prst="rect">
             <a:avLst/>
@@ -11343,23 +11344,27 @@
           <a:p>
             <a:r>
               <a:rPr lang="en-US" sz="2400" dirty="0"/>
-              <a:t>              double score, average{ 0 };</a:t>
-            </a:r>
-          </a:p>
-          <a:p>
-            <a:r>
-              <a:rPr lang="en-US" sz="2400" dirty="0"/>
+              <a:t>              </a:t>
+            </a:r>
+            <a:r>
+              <a:rPr lang="en-US" sz="2800" dirty="0"/>
+              <a:t>double score, average{ 0 };</a:t>
+            </a:r>
+          </a:p>
+          <a:p>
+            <a:r>
+              <a:rPr lang="en-US" sz="2800" dirty="0"/>
               <a:t>	auto num{ 0 };</a:t>
             </a:r>
           </a:p>
           <a:p>
             <a:pPr latinLnBrk="1"/>
             <a:r>
-              <a:rPr lang="en-US" sz="2400" dirty="0"/>
+              <a:rPr lang="en-US" sz="2800" dirty="0"/>
               <a:t>             for(;</a:t>
             </a:r>
             <a:r>
-              <a:rPr lang="en-US" sz="2400" dirty="0">
+              <a:rPr lang="en-US" sz="2800" dirty="0">
                 <a:solidFill>
                   <a:srgbClr val="0070C0"/>
                 </a:solidFill>
@@ -11367,7 +11372,7 @@
               <a:t>std::</a:t>
             </a:r>
             <a:r>
-              <a:rPr lang="en-US" sz="2400" dirty="0" err="1">
+              <a:rPr lang="en-US" sz="2800" dirty="0" err="1">
                 <a:solidFill>
                   <a:srgbClr val="0070C0"/>
                 </a:solidFill>
@@ -11375,7 +11380,7 @@
               <a:t>cin</a:t>
             </a:r>
             <a:r>
-              <a:rPr lang="en-US" sz="2400" dirty="0">
+              <a:rPr lang="en-US" sz="2800" dirty="0">
                 <a:solidFill>
                   <a:srgbClr val="0070C0"/>
                 </a:solidFill>
@@ -11383,58 +11388,58 @@
               <a:t>&gt;&gt;score&amp;&amp;score&gt;=0</a:t>
             </a:r>
             <a:r>
-              <a:rPr lang="en-US" sz="2400" dirty="0"/>
+              <a:rPr lang="en-US" sz="2800" dirty="0"/>
               <a:t>; ){</a:t>
             </a:r>
             <a:br>
-              <a:rPr lang="en-US" sz="2400" dirty="0"/>
+              <a:rPr lang="en-US" sz="2800" dirty="0"/>
             </a:br>
             <a:r>
-              <a:rPr lang="en-US" sz="2400" dirty="0"/>
+              <a:rPr lang="en-US" sz="2800" dirty="0"/>
               <a:t>                  average += score;</a:t>
             </a:r>
             <a:br>
-              <a:rPr lang="en-US" sz="2400" dirty="0"/>
+              <a:rPr lang="en-US" sz="2800" dirty="0"/>
             </a:br>
             <a:r>
-              <a:rPr lang="en-US" sz="2400" dirty="0"/>
+              <a:rPr lang="en-US" sz="2800" dirty="0"/>
               <a:t>                  num++;</a:t>
             </a:r>
             <a:br>
-              <a:rPr lang="en-US" sz="2400" dirty="0"/>
+              <a:rPr lang="en-US" sz="2800" dirty="0"/>
             </a:br>
             <a:r>
-              <a:rPr lang="en-US" sz="2400" dirty="0"/>
+              <a:rPr lang="en-US" sz="2800" dirty="0"/>
               <a:t>             }</a:t>
             </a:r>
           </a:p>
           <a:p>
             <a:r>
-              <a:rPr lang="en-US" sz="2400" dirty="0"/>
+              <a:rPr lang="en-US" sz="2800" dirty="0"/>
               <a:t>	std::</a:t>
             </a:r>
             <a:r>
-              <a:rPr lang="en-US" sz="2400" dirty="0" err="1"/>
+              <a:rPr lang="en-US" sz="2800" dirty="0" err="1"/>
               <a:t>cout</a:t>
             </a:r>
             <a:r>
-              <a:rPr lang="en-US" sz="2400" dirty="0"/>
+              <a:rPr lang="en-US" sz="2800" dirty="0"/>
               <a:t> &lt;&lt; "</a:t>
             </a:r>
             <a:r>
-              <a:rPr lang="zh-CN" altLang="en-US" sz="2400" dirty="0"/>
+              <a:rPr lang="zh-CN" altLang="en-US" sz="2800" dirty="0"/>
               <a:t>平均成绩是：</a:t>
             </a:r>
             <a:r>
-              <a:rPr lang="en-US" sz="2400" dirty="0"/>
+              <a:rPr lang="en-US" sz="2800" dirty="0"/>
               <a:t>" &lt;&lt; average / num &lt;&lt; std::</a:t>
             </a:r>
             <a:r>
-              <a:rPr lang="en-US" sz="2400" dirty="0" err="1"/>
+              <a:rPr lang="en-US" sz="2800" dirty="0" err="1"/>
               <a:t>endl</a:t>
             </a:r>
             <a:r>
-              <a:rPr lang="en-US" sz="2400" dirty="0"/>
+              <a:rPr lang="en-US" sz="2800" dirty="0"/>
               <a:t>;</a:t>
             </a:r>
           </a:p>

--- a/ppt/4. 语句.pptx
+++ b/ppt/4. 语句.pptx
@@ -1,60 +1,56 @@
 
 <file path=ppt/presentation.xml><?xml version="1.0" encoding="utf-8"?>
-<p:presentation xmlns:a="http://schemas.openxmlformats.org/drawingml/2006/main" xmlns:r="http://schemas.openxmlformats.org/officeDocument/2006/relationships" xmlns:p="http://schemas.openxmlformats.org/presentationml/2006/main" saveSubsetFonts="1">
+<p:presentation xmlns:a="http://schemas.openxmlformats.org/drawingml/2006/main" xmlns:r="http://schemas.openxmlformats.org/officeDocument/2006/relationships" xmlns:p="http://schemas.openxmlformats.org/presentationml/2006/main">
   <p:sldMasterIdLst>
     <p:sldMasterId id="2147483648" r:id="rId1"/>
   </p:sldMasterIdLst>
   <p:notesMasterIdLst>
-    <p:notesMasterId r:id="rId49"/>
+    <p:notesMasterId r:id="rId4"/>
   </p:notesMasterIdLst>
   <p:sldIdLst>
-    <p:sldId id="280" r:id="rId2"/>
-    <p:sldId id="302" r:id="rId3"/>
-    <p:sldId id="303" r:id="rId4"/>
-    <p:sldId id="304" r:id="rId5"/>
-    <p:sldId id="295" r:id="rId6"/>
-    <p:sldId id="298" r:id="rId7"/>
-    <p:sldId id="297" r:id="rId8"/>
-    <p:sldId id="305" r:id="rId9"/>
-    <p:sldId id="306" r:id="rId10"/>
-    <p:sldId id="307" r:id="rId11"/>
-    <p:sldId id="308" r:id="rId12"/>
-    <p:sldId id="309" r:id="rId13"/>
-    <p:sldId id="310" r:id="rId14"/>
-    <p:sldId id="311" r:id="rId15"/>
-    <p:sldId id="312" r:id="rId16"/>
-    <p:sldId id="313" r:id="rId17"/>
-    <p:sldId id="314" r:id="rId18"/>
-    <p:sldId id="315" r:id="rId19"/>
-    <p:sldId id="316" r:id="rId20"/>
-    <p:sldId id="317" r:id="rId21"/>
-    <p:sldId id="318" r:id="rId22"/>
-    <p:sldId id="319" r:id="rId23"/>
-    <p:sldId id="320" r:id="rId24"/>
-    <p:sldId id="321" r:id="rId25"/>
-    <p:sldId id="322" r:id="rId26"/>
-    <p:sldId id="323" r:id="rId27"/>
-    <p:sldId id="299" r:id="rId28"/>
-    <p:sldId id="300" r:id="rId29"/>
-    <p:sldId id="493" r:id="rId30"/>
-    <p:sldId id="494" r:id="rId31"/>
-    <p:sldId id="495" r:id="rId32"/>
-    <p:sldId id="496" r:id="rId33"/>
-    <p:sldId id="497" r:id="rId34"/>
-    <p:sldId id="498" r:id="rId35"/>
-    <p:sldId id="301" r:id="rId36"/>
-    <p:sldId id="499" r:id="rId37"/>
-    <p:sldId id="500" r:id="rId38"/>
-    <p:sldId id="501" r:id="rId39"/>
-    <p:sldId id="502" r:id="rId40"/>
-    <p:sldId id="503" r:id="rId41"/>
-    <p:sldId id="505" r:id="rId42"/>
-    <p:sldId id="504" r:id="rId43"/>
-    <p:sldId id="606" r:id="rId44"/>
-    <p:sldId id="608" r:id="rId45"/>
-    <p:sldId id="607" r:id="rId46"/>
-    <p:sldId id="609" r:id="rId47"/>
-    <p:sldId id="604" r:id="rId48"/>
+    <p:sldId id="280" r:id="rId3"/>
+    <p:sldId id="302" r:id="rId5"/>
+    <p:sldId id="303" r:id="rId6"/>
+    <p:sldId id="304" r:id="rId7"/>
+    <p:sldId id="295" r:id="rId8"/>
+    <p:sldId id="298" r:id="rId9"/>
+    <p:sldId id="297" r:id="rId10"/>
+    <p:sldId id="305" r:id="rId11"/>
+    <p:sldId id="306" r:id="rId12"/>
+    <p:sldId id="307" r:id="rId13"/>
+    <p:sldId id="308" r:id="rId14"/>
+    <p:sldId id="309" r:id="rId15"/>
+    <p:sldId id="310" r:id="rId16"/>
+    <p:sldId id="311" r:id="rId17"/>
+    <p:sldId id="312" r:id="rId18"/>
+    <p:sldId id="313" r:id="rId19"/>
+    <p:sldId id="314" r:id="rId20"/>
+    <p:sldId id="315" r:id="rId21"/>
+    <p:sldId id="316" r:id="rId22"/>
+    <p:sldId id="317" r:id="rId23"/>
+    <p:sldId id="318" r:id="rId24"/>
+    <p:sldId id="319" r:id="rId25"/>
+    <p:sldId id="320" r:id="rId26"/>
+    <p:sldId id="321" r:id="rId27"/>
+    <p:sldId id="322" r:id="rId28"/>
+    <p:sldId id="323" r:id="rId29"/>
+    <p:sldId id="299" r:id="rId30"/>
+    <p:sldId id="300" r:id="rId31"/>
+    <p:sldId id="493" r:id="rId32"/>
+    <p:sldId id="494" r:id="rId33"/>
+    <p:sldId id="495" r:id="rId34"/>
+    <p:sldId id="496" r:id="rId35"/>
+    <p:sldId id="497" r:id="rId36"/>
+    <p:sldId id="498" r:id="rId37"/>
+    <p:sldId id="301" r:id="rId38"/>
+    <p:sldId id="499" r:id="rId39"/>
+    <p:sldId id="500" r:id="rId40"/>
+    <p:sldId id="501" r:id="rId41"/>
+    <p:sldId id="502" r:id="rId42"/>
+    <p:sldId id="503" r:id="rId43"/>
+    <p:sldId id="505" r:id="rId44"/>
+    <p:sldId id="504" r:id="rId45"/>
+    <p:sldId id="508" r:id="rId46"/>
   </p:sldIdLst>
   <p:sldSz cx="12192000" cy="6858000"/>
   <p:notesSz cx="6858000" cy="9144000"/>
@@ -153,34 +149,12 @@
       </a:defRPr>
     </a:lvl9pPr>
   </p:defaultTextStyle>
-  <p:extLst>
-    <p:ext uri="{EFAFB233-063F-42B5-8137-9DF3F51BA10A}">
-      <p15:sldGuideLst xmlns:p15="http://schemas.microsoft.com/office/powerpoint/2012/main">
-        <p15:guide id="1" orient="horz" pos="2160">
-          <p15:clr>
-            <a:srgbClr val="A4A3A4"/>
-          </p15:clr>
-        </p15:guide>
-        <p15:guide id="2" pos="3840">
-          <p15:clr>
-            <a:srgbClr val="A4A3A4"/>
-          </p15:clr>
-        </p15:guide>
-      </p15:sldGuideLst>
-    </p:ext>
-  </p:extLst>
 </p:presentation>
 </file>
 
 <file path=ppt/commentAuthors.xml><?xml version="1.0" encoding="utf-8"?>
 <p:cmAuthorLst xmlns:a="http://schemas.openxmlformats.org/drawingml/2006/main" xmlns:r="http://schemas.openxmlformats.org/officeDocument/2006/relationships" xmlns:p="http://schemas.openxmlformats.org/presentationml/2006/main">
-  <p:cmAuthor id="1" name="dong hongwei" initials="dh" lastIdx="1" clrIdx="0">
-    <p:extLst>
-      <p:ext uri="{19B8F6BF-5375-455C-9EA6-DF929625EA0E}">
-        <p15:presenceInfo xmlns:p15="http://schemas.microsoft.com/office/powerpoint/2012/main" userId="6e610a6aff1e8180" providerId="Windows Live"/>
-      </p:ext>
-    </p:extLst>
-  </p:cmAuthor>
+  <p:cmAuthor id="1" name="dong hongwei" initials="dh" lastIdx="1" clrIdx="0"/>
 </p:cmAuthorLst>
 </file>
 
@@ -189,11 +163,6 @@
   <p:cm authorId="1" dt="2019-12-18T11:04:55.174" idx="1">
     <p:pos x="10" y="10"/>
     <p:text/>
-    <p:extLst>
-      <p:ext uri="{C676402C-5697-4E1C-873F-D02D1690AC5C}">
-        <p15:threadingInfo xmlns:p15="http://schemas.microsoft.com/office/powerpoint/2012/main" timeZoneBias="-480"/>
-      </p:ext>
-    </p:extLst>
   </p:cm>
 </p:cmLst>
 </file>
@@ -280,7 +249,6 @@
           <a:p>
             <a:fld id="{F26537E0-B6F7-4F30-B86B-4CA7244EDE51}" type="datetimeFigureOut">
               <a:rPr lang="zh-CN" altLang="en-US" smtClean="0"/>
-              <a:t>2021/3/8</a:t>
             </a:fld>
             <a:endParaRPr lang="zh-CN" altLang="en-US"/>
           </a:p>
@@ -347,6 +315,7 @@
               <a:rPr lang="zh-CN" altLang="en-US"/>
               <a:t>单击此处编辑母版文本样式</a:t>
             </a:r>
+            <a:endParaRPr lang="zh-CN" altLang="en-US"/>
           </a:p>
           <a:p>
             <a:pPr lvl="1"/>
@@ -354,6 +323,7 @@
               <a:rPr lang="zh-CN" altLang="en-US"/>
               <a:t>第二级</a:t>
             </a:r>
+            <a:endParaRPr lang="zh-CN" altLang="en-US"/>
           </a:p>
           <a:p>
             <a:pPr lvl="2"/>
@@ -361,6 +331,7 @@
               <a:rPr lang="zh-CN" altLang="en-US"/>
               <a:t>第三级</a:t>
             </a:r>
+            <a:endParaRPr lang="zh-CN" altLang="en-US"/>
           </a:p>
           <a:p>
             <a:pPr lvl="3"/>
@@ -368,6 +339,7 @@
               <a:rPr lang="zh-CN" altLang="en-US"/>
               <a:t>第四级</a:t>
             </a:r>
+            <a:endParaRPr lang="zh-CN" altLang="en-US"/>
           </a:p>
           <a:p>
             <a:pPr lvl="4"/>
@@ -375,6 +347,7 @@
               <a:rPr lang="zh-CN" altLang="en-US"/>
               <a:t>第五级</a:t>
             </a:r>
+            <a:endParaRPr lang="zh-CN" altLang="en-US"/>
           </a:p>
         </p:txBody>
       </p:sp>
@@ -438,18 +411,12 @@
           <a:p>
             <a:fld id="{F390385D-F95C-4E89-B19C-4AA09430C76A}" type="slidenum">
               <a:rPr lang="zh-CN" altLang="en-US" smtClean="0"/>
-              <a:t>‹#›</a:t>
             </a:fld>
             <a:endParaRPr lang="zh-CN" altLang="en-US"/>
           </a:p>
         </p:txBody>
       </p:sp>
     </p:spTree>
-    <p:extLst>
-      <p:ext uri="{BB962C8B-B14F-4D97-AF65-F5344CB8AC3E}">
-        <p14:creationId xmlns:p14="http://schemas.microsoft.com/office/powerpoint/2010/main" val="1796975185"/>
-      </p:ext>
-    </p:extLst>
   </p:cSld>
   <p:clrMap bg1="lt1" tx1="dk1" bg2="lt2" tx2="dk2" accent1="accent1" accent2="accent2" accent3="accent3" accent4="accent4" accent5="accent5" accent6="accent6" hlink="hlink" folHlink="folHlink"/>
   <p:notesStyle>
@@ -605,13 +572,13 @@
               <a:buSzTx/>
               <a:buFontTx/>
               <a:buNone/>
-              <a:tabLst/>
               <a:defRPr/>
             </a:pPr>
             <a:r>
               <a:rPr lang="en-US" altLang="zh-CN" dirty="0"/>
               <a:t>https://isocpp.org/wiki/</a:t>
             </a:r>
+            <a:endParaRPr lang="en-US" altLang="zh-CN" dirty="0"/>
           </a:p>
           <a:p>
             <a:pPr marL="0" marR="0" indent="0" algn="l" defTabSz="914400" rtl="0" eaLnBrk="1" fontAlgn="auto" latinLnBrk="0" hangingPunct="1">
@@ -628,7 +595,6 @@
               <a:buSzTx/>
               <a:buFontTx/>
               <a:buNone/>
-              <a:tabLst/>
               <a:defRPr/>
             </a:pPr>
             <a:r>
@@ -659,18 +625,12 @@
           <a:p>
             <a:fld id="{F390385D-F95C-4E89-B19C-4AA09430C76A}" type="slidenum">
               <a:rPr lang="zh-CN" altLang="en-US" smtClean="0"/>
-              <a:t>1</a:t>
             </a:fld>
             <a:endParaRPr lang="zh-CN" altLang="en-US"/>
           </a:p>
         </p:txBody>
       </p:sp>
     </p:spTree>
-    <p:extLst>
-      <p:ext uri="{BB962C8B-B14F-4D97-AF65-F5344CB8AC3E}">
-        <p14:creationId xmlns:p14="http://schemas.microsoft.com/office/powerpoint/2010/main" val="3282606377"/>
-      </p:ext>
-    </p:extLst>
   </p:cSld>
   <p:clrMapOvr>
     <a:masterClrMapping/>
@@ -736,13 +696,13 @@
               <a:buSzTx/>
               <a:buFontTx/>
               <a:buNone/>
-              <a:tabLst/>
               <a:defRPr/>
             </a:pPr>
             <a:r>
               <a:rPr lang="en-US" altLang="zh-CN" dirty="0"/>
               <a:t>https://isocpp.org/wiki/</a:t>
             </a:r>
+            <a:endParaRPr lang="en-US" altLang="zh-CN" dirty="0"/>
           </a:p>
           <a:p>
             <a:pPr marL="0" marR="0" indent="0" algn="l" defTabSz="914400" rtl="0" eaLnBrk="1" fontAlgn="auto" latinLnBrk="0" hangingPunct="1">
@@ -759,7 +719,6 @@
               <a:buSzTx/>
               <a:buFontTx/>
               <a:buNone/>
-              <a:tabLst/>
               <a:defRPr/>
             </a:pPr>
             <a:r>
@@ -790,18 +749,12 @@
           <a:p>
             <a:fld id="{F390385D-F95C-4E89-B19C-4AA09430C76A}" type="slidenum">
               <a:rPr lang="zh-CN" altLang="en-US" smtClean="0"/>
-              <a:t>5</a:t>
             </a:fld>
             <a:endParaRPr lang="zh-CN" altLang="en-US"/>
           </a:p>
         </p:txBody>
       </p:sp>
     </p:spTree>
-    <p:extLst>
-      <p:ext uri="{BB962C8B-B14F-4D97-AF65-F5344CB8AC3E}">
-        <p14:creationId xmlns:p14="http://schemas.microsoft.com/office/powerpoint/2010/main" val="1911989141"/>
-      </p:ext>
-    </p:extLst>
   </p:cSld>
   <p:clrMapOvr>
     <a:masterClrMapping/>
@@ -867,13 +820,13 @@
               <a:buSzTx/>
               <a:buFontTx/>
               <a:buNone/>
-              <a:tabLst/>
               <a:defRPr/>
             </a:pPr>
             <a:r>
               <a:rPr lang="en-US" altLang="zh-CN" dirty="0"/>
               <a:t>https://isocpp.org/wiki/</a:t>
             </a:r>
+            <a:endParaRPr lang="en-US" altLang="zh-CN" dirty="0"/>
           </a:p>
           <a:p>
             <a:pPr marL="0" marR="0" indent="0" algn="l" defTabSz="914400" rtl="0" eaLnBrk="1" fontAlgn="auto" latinLnBrk="0" hangingPunct="1">
@@ -890,7 +843,6 @@
               <a:buSzTx/>
               <a:buFontTx/>
               <a:buNone/>
-              <a:tabLst/>
               <a:defRPr/>
             </a:pPr>
             <a:r>
@@ -921,518 +873,12 @@
           <a:p>
             <a:fld id="{F390385D-F95C-4E89-B19C-4AA09430C76A}" type="slidenum">
               <a:rPr lang="zh-CN" altLang="en-US" smtClean="0"/>
-              <a:t>27</a:t>
             </a:fld>
             <a:endParaRPr lang="zh-CN" altLang="en-US"/>
           </a:p>
         </p:txBody>
       </p:sp>
     </p:spTree>
-    <p:extLst>
-      <p:ext uri="{BB962C8B-B14F-4D97-AF65-F5344CB8AC3E}">
-        <p14:creationId xmlns:p14="http://schemas.microsoft.com/office/powerpoint/2010/main" val="274709481"/>
-      </p:ext>
-    </p:extLst>
-  </p:cSld>
-  <p:clrMapOvr>
-    <a:masterClrMapping/>
-  </p:clrMapOvr>
-</p:notes>
-</file>
-
-<file path=ppt/notesSlides/notesSlide4.xml><?xml version="1.0" encoding="utf-8"?>
-<p:notes xmlns:a="http://schemas.openxmlformats.org/drawingml/2006/main" xmlns:r="http://schemas.openxmlformats.org/officeDocument/2006/relationships" xmlns:p="http://schemas.openxmlformats.org/presentationml/2006/main">
-  <p:cSld>
-    <p:spTree>
-      <p:nvGrpSpPr>
-        <p:cNvPr id="1" name=""/>
-        <p:cNvGrpSpPr/>
-        <p:nvPr/>
-      </p:nvGrpSpPr>
-      <p:grpSpPr>
-        <a:xfrm>
-          <a:off x="0" y="0"/>
-          <a:ext cx="0" cy="0"/>
-          <a:chOff x="0" y="0"/>
-          <a:chExt cx="0" cy="0"/>
-        </a:xfrm>
-      </p:grpSpPr>
-      <p:sp>
-        <p:nvSpPr>
-          <p:cNvPr id="2" name="幻灯片图像占位符 1"/>
-          <p:cNvSpPr>
-            <a:spLocks noGrp="1" noRot="1" noChangeAspect="1"/>
-          </p:cNvSpPr>
-          <p:nvPr>
-            <p:ph type="sldImg"/>
-          </p:nvPr>
-        </p:nvSpPr>
-        <p:spPr/>
-      </p:sp>
-      <p:sp>
-        <p:nvSpPr>
-          <p:cNvPr id="3" name="备注占位符 2"/>
-          <p:cNvSpPr>
-            <a:spLocks noGrp="1"/>
-          </p:cNvSpPr>
-          <p:nvPr>
-            <p:ph type="body" idx="1"/>
-          </p:nvPr>
-        </p:nvSpPr>
-        <p:spPr/>
-        <p:txBody>
-          <a:bodyPr/>
-          <a:lstStyle/>
-          <a:p>
-            <a:pPr marL="0" marR="0" lvl="0" indent="0" algn="l" defTabSz="914400" rtl="0" eaLnBrk="1" fontAlgn="auto" latinLnBrk="0" hangingPunct="1">
-              <a:lnSpc>
-                <a:spcPct val="100000"/>
-              </a:lnSpc>
-              <a:spcBef>
-                <a:spcPts val="0"/>
-              </a:spcBef>
-              <a:spcAft>
-                <a:spcPts val="0"/>
-              </a:spcAft>
-              <a:buClrTx/>
-              <a:buSzTx/>
-              <a:buFontTx/>
-              <a:buNone/>
-              <a:tabLst/>
-              <a:defRPr/>
-            </a:pPr>
-            <a:r>
-              <a:rPr lang="en-US" dirty="0">
-                <a:hlinkClick r:id="rId3"/>
-              </a:rPr>
-              <a:t>https://zh.wikipedia.org/wiki/%E4%B9%93</a:t>
-            </a:r>
-            <a:endParaRPr lang="en-US" dirty="0">
-              <a:hlinkClick r:id="rId4"/>
-            </a:endParaRPr>
-          </a:p>
-          <a:p>
-            <a:endParaRPr lang="en-US" dirty="0"/>
-          </a:p>
-        </p:txBody>
-      </p:sp>
-      <p:sp>
-        <p:nvSpPr>
-          <p:cNvPr id="4" name="灯片编号占位符 3"/>
-          <p:cNvSpPr>
-            <a:spLocks noGrp="1"/>
-          </p:cNvSpPr>
-          <p:nvPr>
-            <p:ph type="sldNum" sz="quarter" idx="5"/>
-          </p:nvPr>
-        </p:nvSpPr>
-        <p:spPr/>
-        <p:txBody>
-          <a:bodyPr/>
-          <a:lstStyle/>
-          <a:p>
-            <a:fld id="{F390385D-F95C-4E89-B19C-4AA09430C76A}" type="slidenum">
-              <a:rPr lang="zh-CN" altLang="en-US" smtClean="0"/>
-              <a:t>42</a:t>
-            </a:fld>
-            <a:endParaRPr lang="zh-CN" altLang="en-US"/>
-          </a:p>
-        </p:txBody>
-      </p:sp>
-    </p:spTree>
-    <p:extLst>
-      <p:ext uri="{BB962C8B-B14F-4D97-AF65-F5344CB8AC3E}">
-        <p14:creationId xmlns:p14="http://schemas.microsoft.com/office/powerpoint/2010/main" val="1699769781"/>
-      </p:ext>
-    </p:extLst>
-  </p:cSld>
-  <p:clrMapOvr>
-    <a:masterClrMapping/>
-  </p:clrMapOvr>
-</p:notes>
-</file>
-
-<file path=ppt/notesSlides/notesSlide5.xml><?xml version="1.0" encoding="utf-8"?>
-<p:notes xmlns:a="http://schemas.openxmlformats.org/drawingml/2006/main" xmlns:r="http://schemas.openxmlformats.org/officeDocument/2006/relationships" xmlns:p="http://schemas.openxmlformats.org/presentationml/2006/main">
-  <p:cSld>
-    <p:spTree>
-      <p:nvGrpSpPr>
-        <p:cNvPr id="1" name=""/>
-        <p:cNvGrpSpPr/>
-        <p:nvPr/>
-      </p:nvGrpSpPr>
-      <p:grpSpPr>
-        <a:xfrm>
-          <a:off x="0" y="0"/>
-          <a:ext cx="0" cy="0"/>
-          <a:chOff x="0" y="0"/>
-          <a:chExt cx="0" cy="0"/>
-        </a:xfrm>
-      </p:grpSpPr>
-      <p:sp>
-        <p:nvSpPr>
-          <p:cNvPr id="2" name="幻灯片图像占位符 1"/>
-          <p:cNvSpPr>
-            <a:spLocks noGrp="1" noRot="1" noChangeAspect="1"/>
-          </p:cNvSpPr>
-          <p:nvPr>
-            <p:ph type="sldImg"/>
-          </p:nvPr>
-        </p:nvSpPr>
-        <p:spPr/>
-      </p:sp>
-      <p:sp>
-        <p:nvSpPr>
-          <p:cNvPr id="3" name="备注占位符 2"/>
-          <p:cNvSpPr>
-            <a:spLocks noGrp="1"/>
-          </p:cNvSpPr>
-          <p:nvPr>
-            <p:ph type="body" idx="1"/>
-          </p:nvPr>
-        </p:nvSpPr>
-        <p:spPr/>
-        <p:txBody>
-          <a:bodyPr/>
-          <a:lstStyle/>
-          <a:p>
-            <a:r>
-              <a:rPr lang="en-US" dirty="0">
-                <a:hlinkClick r:id="rId3"/>
-              </a:rPr>
-              <a:t>https://zh.wikipedia.org/wiki/%E4%B9%93</a:t>
-            </a:r>
-            <a:endParaRPr lang="en-US" dirty="0">
-              <a:hlinkClick r:id="rId4"/>
-            </a:endParaRPr>
-          </a:p>
-          <a:p>
-            <a:endParaRPr lang="en-US" dirty="0">
-              <a:hlinkClick r:id="rId4"/>
-            </a:endParaRPr>
-          </a:p>
-          <a:p>
-            <a:r>
-              <a:rPr lang="en-US" dirty="0">
-                <a:hlinkClick r:id="rId4"/>
-              </a:rPr>
-              <a:t>https://zhuanlan.zhihu.com/p/37436313</a:t>
-            </a:r>
-            <a:endParaRPr lang="en-US" dirty="0"/>
-          </a:p>
-          <a:p>
-            <a:endParaRPr lang="en-US" dirty="0"/>
-          </a:p>
-          <a:p>
-            <a:r>
-              <a:rPr lang="en-US" dirty="0">
-                <a:hlinkClick r:id="rId5"/>
-              </a:rPr>
-              <a:t>https://www.geekpark.net/news/221300</a:t>
-            </a:r>
-            <a:endParaRPr lang="en-US" dirty="0"/>
-          </a:p>
-        </p:txBody>
-      </p:sp>
-      <p:sp>
-        <p:nvSpPr>
-          <p:cNvPr id="4" name="灯片编号占位符 3"/>
-          <p:cNvSpPr>
-            <a:spLocks noGrp="1"/>
-          </p:cNvSpPr>
-          <p:nvPr>
-            <p:ph type="sldNum" sz="quarter" idx="5"/>
-          </p:nvPr>
-        </p:nvSpPr>
-        <p:spPr/>
-        <p:txBody>
-          <a:bodyPr/>
-          <a:lstStyle/>
-          <a:p>
-            <a:fld id="{F390385D-F95C-4E89-B19C-4AA09430C76A}" type="slidenum">
-              <a:rPr lang="zh-CN" altLang="en-US" smtClean="0"/>
-              <a:t>43</a:t>
-            </a:fld>
-            <a:endParaRPr lang="zh-CN" altLang="en-US"/>
-          </a:p>
-        </p:txBody>
-      </p:sp>
-    </p:spTree>
-    <p:extLst>
-      <p:ext uri="{BB962C8B-B14F-4D97-AF65-F5344CB8AC3E}">
-        <p14:creationId xmlns:p14="http://schemas.microsoft.com/office/powerpoint/2010/main" val="3945020310"/>
-      </p:ext>
-    </p:extLst>
-  </p:cSld>
-  <p:clrMapOvr>
-    <a:masterClrMapping/>
-  </p:clrMapOvr>
-</p:notes>
-</file>
-
-<file path=ppt/notesSlides/notesSlide6.xml><?xml version="1.0" encoding="utf-8"?>
-<p:notes xmlns:a="http://schemas.openxmlformats.org/drawingml/2006/main" xmlns:r="http://schemas.openxmlformats.org/officeDocument/2006/relationships" xmlns:p="http://schemas.openxmlformats.org/presentationml/2006/main">
-  <p:cSld>
-    <p:spTree>
-      <p:nvGrpSpPr>
-        <p:cNvPr id="1" name=""/>
-        <p:cNvGrpSpPr/>
-        <p:nvPr/>
-      </p:nvGrpSpPr>
-      <p:grpSpPr>
-        <a:xfrm>
-          <a:off x="0" y="0"/>
-          <a:ext cx="0" cy="0"/>
-          <a:chOff x="0" y="0"/>
-          <a:chExt cx="0" cy="0"/>
-        </a:xfrm>
-      </p:grpSpPr>
-      <p:sp>
-        <p:nvSpPr>
-          <p:cNvPr id="2" name="幻灯片图像占位符 1"/>
-          <p:cNvSpPr>
-            <a:spLocks noGrp="1" noRot="1" noChangeAspect="1"/>
-          </p:cNvSpPr>
-          <p:nvPr>
-            <p:ph type="sldImg"/>
-          </p:nvPr>
-        </p:nvSpPr>
-        <p:spPr/>
-      </p:sp>
-      <p:sp>
-        <p:nvSpPr>
-          <p:cNvPr id="3" name="备注占位符 2"/>
-          <p:cNvSpPr>
-            <a:spLocks noGrp="1"/>
-          </p:cNvSpPr>
-          <p:nvPr>
-            <p:ph type="body" idx="1"/>
-          </p:nvPr>
-        </p:nvSpPr>
-        <p:spPr/>
-        <p:txBody>
-          <a:bodyPr/>
-          <a:lstStyle/>
-          <a:p>
-            <a:r>
-              <a:rPr lang="en-US" dirty="0">
-                <a:hlinkClick r:id="rId3"/>
-              </a:rPr>
-              <a:t>https://zhuanlan.zhihu.com/p/37436313</a:t>
-            </a:r>
-            <a:endParaRPr lang="en-US" dirty="0"/>
-          </a:p>
-        </p:txBody>
-      </p:sp>
-      <p:sp>
-        <p:nvSpPr>
-          <p:cNvPr id="4" name="灯片编号占位符 3"/>
-          <p:cNvSpPr>
-            <a:spLocks noGrp="1"/>
-          </p:cNvSpPr>
-          <p:nvPr>
-            <p:ph type="sldNum" sz="quarter" idx="5"/>
-          </p:nvPr>
-        </p:nvSpPr>
-        <p:spPr/>
-        <p:txBody>
-          <a:bodyPr/>
-          <a:lstStyle/>
-          <a:p>
-            <a:fld id="{F390385D-F95C-4E89-B19C-4AA09430C76A}" type="slidenum">
-              <a:rPr lang="zh-CN" altLang="en-US" smtClean="0"/>
-              <a:t>44</a:t>
-            </a:fld>
-            <a:endParaRPr lang="zh-CN" altLang="en-US"/>
-          </a:p>
-        </p:txBody>
-      </p:sp>
-    </p:spTree>
-    <p:extLst>
-      <p:ext uri="{BB962C8B-B14F-4D97-AF65-F5344CB8AC3E}">
-        <p14:creationId xmlns:p14="http://schemas.microsoft.com/office/powerpoint/2010/main" val="466326221"/>
-      </p:ext>
-    </p:extLst>
-  </p:cSld>
-  <p:clrMapOvr>
-    <a:masterClrMapping/>
-  </p:clrMapOvr>
-</p:notes>
-</file>
-
-<file path=ppt/notesSlides/notesSlide7.xml><?xml version="1.0" encoding="utf-8"?>
-<p:notes xmlns:a="http://schemas.openxmlformats.org/drawingml/2006/main" xmlns:r="http://schemas.openxmlformats.org/officeDocument/2006/relationships" xmlns:p="http://schemas.openxmlformats.org/presentationml/2006/main">
-  <p:cSld>
-    <p:spTree>
-      <p:nvGrpSpPr>
-        <p:cNvPr id="1" name=""/>
-        <p:cNvGrpSpPr/>
-        <p:nvPr/>
-      </p:nvGrpSpPr>
-      <p:grpSpPr>
-        <a:xfrm>
-          <a:off x="0" y="0"/>
-          <a:ext cx="0" cy="0"/>
-          <a:chOff x="0" y="0"/>
-          <a:chExt cx="0" cy="0"/>
-        </a:xfrm>
-      </p:grpSpPr>
-      <p:sp>
-        <p:nvSpPr>
-          <p:cNvPr id="2" name="幻灯片图像占位符 1"/>
-          <p:cNvSpPr>
-            <a:spLocks noGrp="1" noRot="1" noChangeAspect="1"/>
-          </p:cNvSpPr>
-          <p:nvPr>
-            <p:ph type="sldImg"/>
-          </p:nvPr>
-        </p:nvSpPr>
-        <p:spPr/>
-      </p:sp>
-      <p:sp>
-        <p:nvSpPr>
-          <p:cNvPr id="3" name="备注占位符 2"/>
-          <p:cNvSpPr>
-            <a:spLocks noGrp="1"/>
-          </p:cNvSpPr>
-          <p:nvPr>
-            <p:ph type="body" idx="1"/>
-          </p:nvPr>
-        </p:nvSpPr>
-        <p:spPr/>
-        <p:txBody>
-          <a:bodyPr/>
-          <a:lstStyle/>
-          <a:p>
-            <a:r>
-              <a:rPr lang="en-US" dirty="0">
-                <a:hlinkClick r:id="rId3"/>
-              </a:rPr>
-              <a:t>https://zh.wikipedia.org/wiki/Breakout_(%E9%81%8A%E6%88%B2)</a:t>
-            </a:r>
-            <a:endParaRPr lang="en-US" dirty="0"/>
-          </a:p>
-        </p:txBody>
-      </p:sp>
-      <p:sp>
-        <p:nvSpPr>
-          <p:cNvPr id="4" name="灯片编号占位符 3"/>
-          <p:cNvSpPr>
-            <a:spLocks noGrp="1"/>
-          </p:cNvSpPr>
-          <p:nvPr>
-            <p:ph type="sldNum" sz="quarter" idx="5"/>
-          </p:nvPr>
-        </p:nvSpPr>
-        <p:spPr/>
-        <p:txBody>
-          <a:bodyPr/>
-          <a:lstStyle/>
-          <a:p>
-            <a:fld id="{F390385D-F95C-4E89-B19C-4AA09430C76A}" type="slidenum">
-              <a:rPr lang="zh-CN" altLang="en-US" smtClean="0"/>
-              <a:t>45</a:t>
-            </a:fld>
-            <a:endParaRPr lang="zh-CN" altLang="en-US"/>
-          </a:p>
-        </p:txBody>
-      </p:sp>
-    </p:spTree>
-    <p:extLst>
-      <p:ext uri="{BB962C8B-B14F-4D97-AF65-F5344CB8AC3E}">
-        <p14:creationId xmlns:p14="http://schemas.microsoft.com/office/powerpoint/2010/main" val="926821268"/>
-      </p:ext>
-    </p:extLst>
-  </p:cSld>
-  <p:clrMapOvr>
-    <a:masterClrMapping/>
-  </p:clrMapOvr>
-</p:notes>
-</file>
-
-<file path=ppt/notesSlides/notesSlide8.xml><?xml version="1.0" encoding="utf-8"?>
-<p:notes xmlns:a="http://schemas.openxmlformats.org/drawingml/2006/main" xmlns:r="http://schemas.openxmlformats.org/officeDocument/2006/relationships" xmlns:p="http://schemas.openxmlformats.org/presentationml/2006/main">
-  <p:cSld>
-    <p:spTree>
-      <p:nvGrpSpPr>
-        <p:cNvPr id="1" name=""/>
-        <p:cNvGrpSpPr/>
-        <p:nvPr/>
-      </p:nvGrpSpPr>
-      <p:grpSpPr>
-        <a:xfrm>
-          <a:off x="0" y="0"/>
-          <a:ext cx="0" cy="0"/>
-          <a:chOff x="0" y="0"/>
-          <a:chExt cx="0" cy="0"/>
-        </a:xfrm>
-      </p:grpSpPr>
-      <p:sp>
-        <p:nvSpPr>
-          <p:cNvPr id="2" name="幻灯片图像占位符 1"/>
-          <p:cNvSpPr>
-            <a:spLocks noGrp="1" noRot="1" noChangeAspect="1"/>
-          </p:cNvSpPr>
-          <p:nvPr>
-            <p:ph type="sldImg"/>
-          </p:nvPr>
-        </p:nvSpPr>
-        <p:spPr/>
-      </p:sp>
-      <p:sp>
-        <p:nvSpPr>
-          <p:cNvPr id="3" name="备注占位符 2"/>
-          <p:cNvSpPr>
-            <a:spLocks noGrp="1"/>
-          </p:cNvSpPr>
-          <p:nvPr>
-            <p:ph type="body" idx="1"/>
-          </p:nvPr>
-        </p:nvSpPr>
-        <p:spPr/>
-        <p:txBody>
-          <a:bodyPr/>
-          <a:lstStyle/>
-          <a:p>
-            <a:r>
-              <a:rPr lang="en-US" dirty="0">
-                <a:hlinkClick r:id="rId3"/>
-              </a:rPr>
-              <a:t>http://www.hw2jp.com/jp-culture/game-2/</a:t>
-            </a:r>
-            <a:endParaRPr lang="en-US" dirty="0"/>
-          </a:p>
-        </p:txBody>
-      </p:sp>
-      <p:sp>
-        <p:nvSpPr>
-          <p:cNvPr id="4" name="灯片编号占位符 3"/>
-          <p:cNvSpPr>
-            <a:spLocks noGrp="1"/>
-          </p:cNvSpPr>
-          <p:nvPr>
-            <p:ph type="sldNum" sz="quarter" idx="5"/>
-          </p:nvPr>
-        </p:nvSpPr>
-        <p:spPr/>
-        <p:txBody>
-          <a:bodyPr/>
-          <a:lstStyle/>
-          <a:p>
-            <a:fld id="{F390385D-F95C-4E89-B19C-4AA09430C76A}" type="slidenum">
-              <a:rPr lang="zh-CN" altLang="en-US" smtClean="0"/>
-              <a:t>46</a:t>
-            </a:fld>
-            <a:endParaRPr lang="zh-CN" altLang="en-US"/>
-          </a:p>
-        </p:txBody>
-      </p:sp>
-    </p:spTree>
-    <p:extLst>
-      <p:ext uri="{BB962C8B-B14F-4D97-AF65-F5344CB8AC3E}">
-        <p14:creationId xmlns:p14="http://schemas.microsoft.com/office/powerpoint/2010/main" val="4209698137"/>
-      </p:ext>
-    </p:extLst>
   </p:cSld>
   <p:clrMapOvr>
     <a:masterClrMapping/>
@@ -1488,6 +934,7 @@
               <a:rPr lang="zh-CN" altLang="en-US" dirty="0"/>
               <a:t>单击此处编辑母版标题样式</a:t>
             </a:r>
+            <a:endParaRPr lang="zh-CN" altLang="en-US" dirty="0"/>
           </a:p>
         </p:txBody>
       </p:sp>
@@ -1555,6 +1002,7 @@
               <a:rPr lang="zh-CN" altLang="en-US" dirty="0"/>
               <a:t>单击此处编辑母版副标题样式</a:t>
             </a:r>
+            <a:endParaRPr lang="zh-CN" altLang="en-US" dirty="0"/>
           </a:p>
         </p:txBody>
       </p:sp>
@@ -1575,7 +1023,6 @@
           <a:p>
             <a:fld id="{28F278B1-967A-472E-BA85-F595929CDA06}" type="datetimeFigureOut">
               <a:rPr lang="zh-CN" altLang="en-US" smtClean="0"/>
-              <a:t>2021/3/8</a:t>
             </a:fld>
             <a:endParaRPr lang="zh-CN" altLang="en-US"/>
           </a:p>
@@ -1617,18 +1064,12 @@
           <a:p>
             <a:fld id="{37AE980F-BAD9-4F80-929B-22FBB9637D2A}" type="slidenum">
               <a:rPr lang="zh-CN" altLang="en-US" smtClean="0"/>
-              <a:t>‹#›</a:t>
             </a:fld>
             <a:endParaRPr lang="zh-CN" altLang="en-US"/>
           </a:p>
         </p:txBody>
       </p:sp>
     </p:spTree>
-    <p:extLst>
-      <p:ext uri="{BB962C8B-B14F-4D97-AF65-F5344CB8AC3E}">
-        <p14:creationId xmlns:p14="http://schemas.microsoft.com/office/powerpoint/2010/main" val="3520554432"/>
-      </p:ext>
-    </p:extLst>
   </p:cSld>
   <p:clrMapOvr>
     <a:masterClrMapping/>
@@ -1672,6 +1113,7 @@
               <a:rPr lang="zh-CN" altLang="en-US"/>
               <a:t>单击此处编辑母版标题样式</a:t>
             </a:r>
+            <a:endParaRPr lang="zh-CN" altLang="en-US"/>
           </a:p>
         </p:txBody>
       </p:sp>
@@ -1695,6 +1137,7 @@
               <a:rPr lang="zh-CN" altLang="en-US"/>
               <a:t>单击此处编辑母版文本样式</a:t>
             </a:r>
+            <a:endParaRPr lang="zh-CN" altLang="en-US"/>
           </a:p>
           <a:p>
             <a:pPr lvl="1"/>
@@ -1702,6 +1145,7 @@
               <a:rPr lang="zh-CN" altLang="en-US"/>
               <a:t>第二级</a:t>
             </a:r>
+            <a:endParaRPr lang="zh-CN" altLang="en-US"/>
           </a:p>
           <a:p>
             <a:pPr lvl="2"/>
@@ -1709,6 +1153,7 @@
               <a:rPr lang="zh-CN" altLang="en-US"/>
               <a:t>第三级</a:t>
             </a:r>
+            <a:endParaRPr lang="zh-CN" altLang="en-US"/>
           </a:p>
           <a:p>
             <a:pPr lvl="3"/>
@@ -1716,6 +1161,7 @@
               <a:rPr lang="zh-CN" altLang="en-US"/>
               <a:t>第四级</a:t>
             </a:r>
+            <a:endParaRPr lang="zh-CN" altLang="en-US"/>
           </a:p>
           <a:p>
             <a:pPr lvl="4"/>
@@ -1723,6 +1169,7 @@
               <a:rPr lang="zh-CN" altLang="en-US"/>
               <a:t>第五级</a:t>
             </a:r>
+            <a:endParaRPr lang="zh-CN" altLang="en-US"/>
           </a:p>
         </p:txBody>
       </p:sp>
@@ -1743,7 +1190,6 @@
           <a:p>
             <a:fld id="{28F278B1-967A-472E-BA85-F595929CDA06}" type="datetimeFigureOut">
               <a:rPr lang="zh-CN" altLang="en-US" smtClean="0"/>
-              <a:t>2021/3/8</a:t>
             </a:fld>
             <a:endParaRPr lang="zh-CN" altLang="en-US"/>
           </a:p>
@@ -1785,18 +1231,12 @@
           <a:p>
             <a:fld id="{37AE980F-BAD9-4F80-929B-22FBB9637D2A}" type="slidenum">
               <a:rPr lang="zh-CN" altLang="en-US" smtClean="0"/>
-              <a:t>‹#›</a:t>
             </a:fld>
             <a:endParaRPr lang="zh-CN" altLang="en-US"/>
           </a:p>
         </p:txBody>
       </p:sp>
     </p:spTree>
-    <p:extLst>
-      <p:ext uri="{BB962C8B-B14F-4D97-AF65-F5344CB8AC3E}">
-        <p14:creationId xmlns:p14="http://schemas.microsoft.com/office/powerpoint/2010/main" val="4219680475"/>
-      </p:ext>
-    </p:extLst>
   </p:cSld>
   <p:clrMapOvr>
     <a:masterClrMapping/>
@@ -1845,6 +1285,7 @@
               <a:rPr lang="zh-CN" altLang="en-US"/>
               <a:t>单击此处编辑母版标题样式</a:t>
             </a:r>
+            <a:endParaRPr lang="zh-CN" altLang="en-US"/>
           </a:p>
         </p:txBody>
       </p:sp>
@@ -1873,6 +1314,7 @@
               <a:rPr lang="zh-CN" altLang="en-US"/>
               <a:t>单击此处编辑母版文本样式</a:t>
             </a:r>
+            <a:endParaRPr lang="zh-CN" altLang="en-US"/>
           </a:p>
           <a:p>
             <a:pPr lvl="1"/>
@@ -1880,6 +1322,7 @@
               <a:rPr lang="zh-CN" altLang="en-US"/>
               <a:t>第二级</a:t>
             </a:r>
+            <a:endParaRPr lang="zh-CN" altLang="en-US"/>
           </a:p>
           <a:p>
             <a:pPr lvl="2"/>
@@ -1887,6 +1330,7 @@
               <a:rPr lang="zh-CN" altLang="en-US"/>
               <a:t>第三级</a:t>
             </a:r>
+            <a:endParaRPr lang="zh-CN" altLang="en-US"/>
           </a:p>
           <a:p>
             <a:pPr lvl="3"/>
@@ -1894,6 +1338,7 @@
               <a:rPr lang="zh-CN" altLang="en-US"/>
               <a:t>第四级</a:t>
             </a:r>
+            <a:endParaRPr lang="zh-CN" altLang="en-US"/>
           </a:p>
           <a:p>
             <a:pPr lvl="4"/>
@@ -1901,6 +1346,7 @@
               <a:rPr lang="zh-CN" altLang="en-US"/>
               <a:t>第五级</a:t>
             </a:r>
+            <a:endParaRPr lang="zh-CN" altLang="en-US"/>
           </a:p>
         </p:txBody>
       </p:sp>
@@ -1921,7 +1367,6 @@
           <a:p>
             <a:fld id="{28F278B1-967A-472E-BA85-F595929CDA06}" type="datetimeFigureOut">
               <a:rPr lang="zh-CN" altLang="en-US" smtClean="0"/>
-              <a:t>2021/3/8</a:t>
             </a:fld>
             <a:endParaRPr lang="zh-CN" altLang="en-US"/>
           </a:p>
@@ -1963,18 +1408,12 @@
           <a:p>
             <a:fld id="{37AE980F-BAD9-4F80-929B-22FBB9637D2A}" type="slidenum">
               <a:rPr lang="zh-CN" altLang="en-US" smtClean="0"/>
-              <a:t>‹#›</a:t>
             </a:fld>
             <a:endParaRPr lang="zh-CN" altLang="en-US"/>
           </a:p>
         </p:txBody>
       </p:sp>
     </p:spTree>
-    <p:extLst>
-      <p:ext uri="{BB962C8B-B14F-4D97-AF65-F5344CB8AC3E}">
-        <p14:creationId xmlns:p14="http://schemas.microsoft.com/office/powerpoint/2010/main" val="733349634"/>
-      </p:ext>
-    </p:extLst>
   </p:cSld>
   <p:clrMapOvr>
     <a:masterClrMapping/>
@@ -2026,6 +1465,7 @@
               <a:rPr lang="zh-CN" altLang="en-US" dirty="0"/>
               <a:t>单击此处编辑母版标题样式</a:t>
             </a:r>
+            <a:endParaRPr lang="zh-CN" altLang="en-US" dirty="0"/>
           </a:p>
         </p:txBody>
       </p:sp>
@@ -2049,6 +1489,7 @@
               <a:rPr lang="zh-CN" altLang="en-US" dirty="0"/>
               <a:t>单击此处编辑母版文本样式</a:t>
             </a:r>
+            <a:endParaRPr lang="zh-CN" altLang="en-US" dirty="0"/>
           </a:p>
           <a:p>
             <a:pPr lvl="1"/>
@@ -2056,6 +1497,7 @@
               <a:rPr lang="zh-CN" altLang="en-US" dirty="0"/>
               <a:t>第二级</a:t>
             </a:r>
+            <a:endParaRPr lang="zh-CN" altLang="en-US" dirty="0"/>
           </a:p>
           <a:p>
             <a:pPr lvl="2"/>
@@ -2063,6 +1505,7 @@
               <a:rPr lang="zh-CN" altLang="en-US" dirty="0"/>
               <a:t>第三级</a:t>
             </a:r>
+            <a:endParaRPr lang="zh-CN" altLang="en-US" dirty="0"/>
           </a:p>
           <a:p>
             <a:pPr lvl="3"/>
@@ -2070,6 +1513,7 @@
               <a:rPr lang="zh-CN" altLang="en-US" dirty="0"/>
               <a:t>第四级</a:t>
             </a:r>
+            <a:endParaRPr lang="zh-CN" altLang="en-US" dirty="0"/>
           </a:p>
           <a:p>
             <a:pPr lvl="4"/>
@@ -2077,6 +1521,7 @@
               <a:rPr lang="zh-CN" altLang="en-US" dirty="0"/>
               <a:t>第五级</a:t>
             </a:r>
+            <a:endParaRPr lang="zh-CN" altLang="en-US" dirty="0"/>
           </a:p>
         </p:txBody>
       </p:sp>
@@ -2097,7 +1542,6 @@
           <a:p>
             <a:fld id="{28F278B1-967A-472E-BA85-F595929CDA06}" type="datetimeFigureOut">
               <a:rPr lang="zh-CN" altLang="en-US" smtClean="0"/>
-              <a:t>2021/3/8</a:t>
             </a:fld>
             <a:endParaRPr lang="zh-CN" altLang="en-US"/>
           </a:p>
@@ -2139,18 +1583,12 @@
           <a:p>
             <a:fld id="{37AE980F-BAD9-4F80-929B-22FBB9637D2A}" type="slidenum">
               <a:rPr lang="zh-CN" altLang="en-US" smtClean="0"/>
-              <a:t>‹#›</a:t>
             </a:fld>
             <a:endParaRPr lang="zh-CN" altLang="en-US"/>
           </a:p>
         </p:txBody>
       </p:sp>
     </p:spTree>
-    <p:extLst>
-      <p:ext uri="{BB962C8B-B14F-4D97-AF65-F5344CB8AC3E}">
-        <p14:creationId xmlns:p14="http://schemas.microsoft.com/office/powerpoint/2010/main" val="878799846"/>
-      </p:ext>
-    </p:extLst>
   </p:cSld>
   <p:clrMapOvr>
     <a:masterClrMapping/>
@@ -2203,6 +1641,7 @@
               <a:rPr lang="zh-CN" altLang="en-US"/>
               <a:t>单击此处编辑母版标题样式</a:t>
             </a:r>
+            <a:endParaRPr lang="zh-CN" altLang="en-US"/>
           </a:p>
         </p:txBody>
       </p:sp>
@@ -2322,6 +1761,7 @@
               <a:rPr lang="zh-CN" altLang="en-US"/>
               <a:t>单击此处编辑母版文本样式</a:t>
             </a:r>
+            <a:endParaRPr lang="zh-CN" altLang="en-US"/>
           </a:p>
         </p:txBody>
       </p:sp>
@@ -2342,7 +1782,6 @@
           <a:p>
             <a:fld id="{28F278B1-967A-472E-BA85-F595929CDA06}" type="datetimeFigureOut">
               <a:rPr lang="zh-CN" altLang="en-US" smtClean="0"/>
-              <a:t>2021/3/8</a:t>
             </a:fld>
             <a:endParaRPr lang="zh-CN" altLang="en-US"/>
           </a:p>
@@ -2384,18 +1823,12 @@
           <a:p>
             <a:fld id="{37AE980F-BAD9-4F80-929B-22FBB9637D2A}" type="slidenum">
               <a:rPr lang="zh-CN" altLang="en-US" smtClean="0"/>
-              <a:t>‹#›</a:t>
             </a:fld>
             <a:endParaRPr lang="zh-CN" altLang="en-US"/>
           </a:p>
         </p:txBody>
       </p:sp>
     </p:spTree>
-    <p:extLst>
-      <p:ext uri="{BB962C8B-B14F-4D97-AF65-F5344CB8AC3E}">
-        <p14:creationId xmlns:p14="http://schemas.microsoft.com/office/powerpoint/2010/main" val="2321912542"/>
-      </p:ext>
-    </p:extLst>
   </p:cSld>
   <p:clrMapOvr>
     <a:masterClrMapping/>
@@ -2439,6 +1872,7 @@
               <a:rPr lang="zh-CN" altLang="en-US"/>
               <a:t>单击此处编辑母版标题样式</a:t>
             </a:r>
+            <a:endParaRPr lang="zh-CN" altLang="en-US"/>
           </a:p>
         </p:txBody>
       </p:sp>
@@ -2467,6 +1901,7 @@
               <a:rPr lang="zh-CN" altLang="en-US"/>
               <a:t>单击此处编辑母版文本样式</a:t>
             </a:r>
+            <a:endParaRPr lang="zh-CN" altLang="en-US"/>
           </a:p>
           <a:p>
             <a:pPr lvl="1"/>
@@ -2474,6 +1909,7 @@
               <a:rPr lang="zh-CN" altLang="en-US"/>
               <a:t>第二级</a:t>
             </a:r>
+            <a:endParaRPr lang="zh-CN" altLang="en-US"/>
           </a:p>
           <a:p>
             <a:pPr lvl="2"/>
@@ -2481,6 +1917,7 @@
               <a:rPr lang="zh-CN" altLang="en-US"/>
               <a:t>第三级</a:t>
             </a:r>
+            <a:endParaRPr lang="zh-CN" altLang="en-US"/>
           </a:p>
           <a:p>
             <a:pPr lvl="3"/>
@@ -2488,6 +1925,7 @@
               <a:rPr lang="zh-CN" altLang="en-US"/>
               <a:t>第四级</a:t>
             </a:r>
+            <a:endParaRPr lang="zh-CN" altLang="en-US"/>
           </a:p>
           <a:p>
             <a:pPr lvl="4"/>
@@ -2495,6 +1933,7 @@
               <a:rPr lang="zh-CN" altLang="en-US"/>
               <a:t>第五级</a:t>
             </a:r>
+            <a:endParaRPr lang="zh-CN" altLang="en-US"/>
           </a:p>
         </p:txBody>
       </p:sp>
@@ -2523,6 +1962,7 @@
               <a:rPr lang="zh-CN" altLang="en-US"/>
               <a:t>单击此处编辑母版文本样式</a:t>
             </a:r>
+            <a:endParaRPr lang="zh-CN" altLang="en-US"/>
           </a:p>
           <a:p>
             <a:pPr lvl="1"/>
@@ -2530,6 +1970,7 @@
               <a:rPr lang="zh-CN" altLang="en-US"/>
               <a:t>第二级</a:t>
             </a:r>
+            <a:endParaRPr lang="zh-CN" altLang="en-US"/>
           </a:p>
           <a:p>
             <a:pPr lvl="2"/>
@@ -2537,6 +1978,7 @@
               <a:rPr lang="zh-CN" altLang="en-US"/>
               <a:t>第三级</a:t>
             </a:r>
+            <a:endParaRPr lang="zh-CN" altLang="en-US"/>
           </a:p>
           <a:p>
             <a:pPr lvl="3"/>
@@ -2544,6 +1986,7 @@
               <a:rPr lang="zh-CN" altLang="en-US"/>
               <a:t>第四级</a:t>
             </a:r>
+            <a:endParaRPr lang="zh-CN" altLang="en-US"/>
           </a:p>
           <a:p>
             <a:pPr lvl="4"/>
@@ -2551,6 +1994,7 @@
               <a:rPr lang="zh-CN" altLang="en-US"/>
               <a:t>第五级</a:t>
             </a:r>
+            <a:endParaRPr lang="zh-CN" altLang="en-US"/>
           </a:p>
         </p:txBody>
       </p:sp>
@@ -2571,7 +2015,6 @@
           <a:p>
             <a:fld id="{28F278B1-967A-472E-BA85-F595929CDA06}" type="datetimeFigureOut">
               <a:rPr lang="zh-CN" altLang="en-US" smtClean="0"/>
-              <a:t>2021/3/8</a:t>
             </a:fld>
             <a:endParaRPr lang="zh-CN" altLang="en-US"/>
           </a:p>
@@ -2613,18 +2056,12 @@
           <a:p>
             <a:fld id="{37AE980F-BAD9-4F80-929B-22FBB9637D2A}" type="slidenum">
               <a:rPr lang="zh-CN" altLang="en-US" smtClean="0"/>
-              <a:t>‹#›</a:t>
             </a:fld>
             <a:endParaRPr lang="zh-CN" altLang="en-US"/>
           </a:p>
         </p:txBody>
       </p:sp>
     </p:spTree>
-    <p:extLst>
-      <p:ext uri="{BB962C8B-B14F-4D97-AF65-F5344CB8AC3E}">
-        <p14:creationId xmlns:p14="http://schemas.microsoft.com/office/powerpoint/2010/main" val="1604778418"/>
-      </p:ext>
-    </p:extLst>
   </p:cSld>
   <p:clrMapOvr>
     <a:masterClrMapping/>
@@ -2673,6 +2110,7 @@
               <a:rPr lang="zh-CN" altLang="en-US"/>
               <a:t>单击此处编辑母版标题样式</a:t>
             </a:r>
+            <a:endParaRPr lang="zh-CN" altLang="en-US"/>
           </a:p>
         </p:txBody>
       </p:sp>
@@ -2738,6 +2176,7 @@
               <a:rPr lang="zh-CN" altLang="en-US"/>
               <a:t>单击此处编辑母版文本样式</a:t>
             </a:r>
+            <a:endParaRPr lang="zh-CN" altLang="en-US"/>
           </a:p>
         </p:txBody>
       </p:sp>
@@ -2766,6 +2205,7 @@
               <a:rPr lang="zh-CN" altLang="en-US"/>
               <a:t>单击此处编辑母版文本样式</a:t>
             </a:r>
+            <a:endParaRPr lang="zh-CN" altLang="en-US"/>
           </a:p>
           <a:p>
             <a:pPr lvl="1"/>
@@ -2773,6 +2213,7 @@
               <a:rPr lang="zh-CN" altLang="en-US"/>
               <a:t>第二级</a:t>
             </a:r>
+            <a:endParaRPr lang="zh-CN" altLang="en-US"/>
           </a:p>
           <a:p>
             <a:pPr lvl="2"/>
@@ -2780,6 +2221,7 @@
               <a:rPr lang="zh-CN" altLang="en-US"/>
               <a:t>第三级</a:t>
             </a:r>
+            <a:endParaRPr lang="zh-CN" altLang="en-US"/>
           </a:p>
           <a:p>
             <a:pPr lvl="3"/>
@@ -2787,6 +2229,7 @@
               <a:rPr lang="zh-CN" altLang="en-US"/>
               <a:t>第四级</a:t>
             </a:r>
+            <a:endParaRPr lang="zh-CN" altLang="en-US"/>
           </a:p>
           <a:p>
             <a:pPr lvl="4"/>
@@ -2794,6 +2237,7 @@
               <a:rPr lang="zh-CN" altLang="en-US"/>
               <a:t>第五级</a:t>
             </a:r>
+            <a:endParaRPr lang="zh-CN" altLang="en-US"/>
           </a:p>
         </p:txBody>
       </p:sp>
@@ -2859,6 +2303,7 @@
               <a:rPr lang="zh-CN" altLang="en-US"/>
               <a:t>单击此处编辑母版文本样式</a:t>
             </a:r>
+            <a:endParaRPr lang="zh-CN" altLang="en-US"/>
           </a:p>
         </p:txBody>
       </p:sp>
@@ -2887,6 +2332,7 @@
               <a:rPr lang="zh-CN" altLang="en-US"/>
               <a:t>单击此处编辑母版文本样式</a:t>
             </a:r>
+            <a:endParaRPr lang="zh-CN" altLang="en-US"/>
           </a:p>
           <a:p>
             <a:pPr lvl="1"/>
@@ -2894,6 +2340,7 @@
               <a:rPr lang="zh-CN" altLang="en-US"/>
               <a:t>第二级</a:t>
             </a:r>
+            <a:endParaRPr lang="zh-CN" altLang="en-US"/>
           </a:p>
           <a:p>
             <a:pPr lvl="2"/>
@@ -2901,6 +2348,7 @@
               <a:rPr lang="zh-CN" altLang="en-US"/>
               <a:t>第三级</a:t>
             </a:r>
+            <a:endParaRPr lang="zh-CN" altLang="en-US"/>
           </a:p>
           <a:p>
             <a:pPr lvl="3"/>
@@ -2908,6 +2356,7 @@
               <a:rPr lang="zh-CN" altLang="en-US"/>
               <a:t>第四级</a:t>
             </a:r>
+            <a:endParaRPr lang="zh-CN" altLang="en-US"/>
           </a:p>
           <a:p>
             <a:pPr lvl="4"/>
@@ -2915,6 +2364,7 @@
               <a:rPr lang="zh-CN" altLang="en-US"/>
               <a:t>第五级</a:t>
             </a:r>
+            <a:endParaRPr lang="zh-CN" altLang="en-US"/>
           </a:p>
         </p:txBody>
       </p:sp>
@@ -2935,7 +2385,6 @@
           <a:p>
             <a:fld id="{28F278B1-967A-472E-BA85-F595929CDA06}" type="datetimeFigureOut">
               <a:rPr lang="zh-CN" altLang="en-US" smtClean="0"/>
-              <a:t>2021/3/8</a:t>
             </a:fld>
             <a:endParaRPr lang="zh-CN" altLang="en-US"/>
           </a:p>
@@ -2977,18 +2426,12 @@
           <a:p>
             <a:fld id="{37AE980F-BAD9-4F80-929B-22FBB9637D2A}" type="slidenum">
               <a:rPr lang="zh-CN" altLang="en-US" smtClean="0"/>
-              <a:t>‹#›</a:t>
             </a:fld>
             <a:endParaRPr lang="zh-CN" altLang="en-US"/>
           </a:p>
         </p:txBody>
       </p:sp>
     </p:spTree>
-    <p:extLst>
-      <p:ext uri="{BB962C8B-B14F-4D97-AF65-F5344CB8AC3E}">
-        <p14:creationId xmlns:p14="http://schemas.microsoft.com/office/powerpoint/2010/main" val="900181726"/>
-      </p:ext>
-    </p:extLst>
   </p:cSld>
   <p:clrMapOvr>
     <a:masterClrMapping/>
@@ -3032,6 +2475,7 @@
               <a:rPr lang="zh-CN" altLang="en-US"/>
               <a:t>单击此处编辑母版标题样式</a:t>
             </a:r>
+            <a:endParaRPr lang="zh-CN" altLang="en-US"/>
           </a:p>
         </p:txBody>
       </p:sp>
@@ -3052,7 +2496,6 @@
           <a:p>
             <a:fld id="{28F278B1-967A-472E-BA85-F595929CDA06}" type="datetimeFigureOut">
               <a:rPr lang="zh-CN" altLang="en-US" smtClean="0"/>
-              <a:t>2021/3/8</a:t>
             </a:fld>
             <a:endParaRPr lang="zh-CN" altLang="en-US"/>
           </a:p>
@@ -3094,18 +2537,12 @@
           <a:p>
             <a:fld id="{37AE980F-BAD9-4F80-929B-22FBB9637D2A}" type="slidenum">
               <a:rPr lang="zh-CN" altLang="en-US" smtClean="0"/>
-              <a:t>‹#›</a:t>
             </a:fld>
             <a:endParaRPr lang="zh-CN" altLang="en-US"/>
           </a:p>
         </p:txBody>
       </p:sp>
     </p:spTree>
-    <p:extLst>
-      <p:ext uri="{BB962C8B-B14F-4D97-AF65-F5344CB8AC3E}">
-        <p14:creationId xmlns:p14="http://schemas.microsoft.com/office/powerpoint/2010/main" val="3582788847"/>
-      </p:ext>
-    </p:extLst>
   </p:cSld>
   <p:clrMapOvr>
     <a:masterClrMapping/>
@@ -3147,7 +2584,6 @@
           <a:p>
             <a:fld id="{28F278B1-967A-472E-BA85-F595929CDA06}" type="datetimeFigureOut">
               <a:rPr lang="zh-CN" altLang="en-US" smtClean="0"/>
-              <a:t>2021/3/8</a:t>
             </a:fld>
             <a:endParaRPr lang="zh-CN" altLang="en-US"/>
           </a:p>
@@ -3189,18 +2625,12 @@
           <a:p>
             <a:fld id="{37AE980F-BAD9-4F80-929B-22FBB9637D2A}" type="slidenum">
               <a:rPr lang="zh-CN" altLang="en-US" smtClean="0"/>
-              <a:t>‹#›</a:t>
             </a:fld>
             <a:endParaRPr lang="zh-CN" altLang="en-US"/>
           </a:p>
         </p:txBody>
       </p:sp>
     </p:spTree>
-    <p:extLst>
-      <p:ext uri="{BB962C8B-B14F-4D97-AF65-F5344CB8AC3E}">
-        <p14:creationId xmlns:p14="http://schemas.microsoft.com/office/powerpoint/2010/main" val="3657040190"/>
-      </p:ext>
-    </p:extLst>
   </p:cSld>
   <p:clrMapOvr>
     <a:masterClrMapping/>
@@ -3253,6 +2683,7 @@
               <a:rPr lang="zh-CN" altLang="en-US"/>
               <a:t>单击此处编辑母版标题样式</a:t>
             </a:r>
+            <a:endParaRPr lang="zh-CN" altLang="en-US"/>
           </a:p>
         </p:txBody>
       </p:sp>
@@ -3309,6 +2740,7 @@
               <a:rPr lang="zh-CN" altLang="en-US"/>
               <a:t>单击此处编辑母版文本样式</a:t>
             </a:r>
+            <a:endParaRPr lang="zh-CN" altLang="en-US"/>
           </a:p>
           <a:p>
             <a:pPr lvl="1"/>
@@ -3316,6 +2748,7 @@
               <a:rPr lang="zh-CN" altLang="en-US"/>
               <a:t>第二级</a:t>
             </a:r>
+            <a:endParaRPr lang="zh-CN" altLang="en-US"/>
           </a:p>
           <a:p>
             <a:pPr lvl="2"/>
@@ -3323,6 +2756,7 @@
               <a:rPr lang="zh-CN" altLang="en-US"/>
               <a:t>第三级</a:t>
             </a:r>
+            <a:endParaRPr lang="zh-CN" altLang="en-US"/>
           </a:p>
           <a:p>
             <a:pPr lvl="3"/>
@@ -3330,6 +2764,7 @@
               <a:rPr lang="zh-CN" altLang="en-US"/>
               <a:t>第四级</a:t>
             </a:r>
+            <a:endParaRPr lang="zh-CN" altLang="en-US"/>
           </a:p>
           <a:p>
             <a:pPr lvl="4"/>
@@ -3337,6 +2772,7 @@
               <a:rPr lang="zh-CN" altLang="en-US"/>
               <a:t>第五级</a:t>
             </a:r>
+            <a:endParaRPr lang="zh-CN" altLang="en-US"/>
           </a:p>
         </p:txBody>
       </p:sp>
@@ -3402,6 +2838,7 @@
               <a:rPr lang="zh-CN" altLang="en-US"/>
               <a:t>单击此处编辑母版文本样式</a:t>
             </a:r>
+            <a:endParaRPr lang="zh-CN" altLang="en-US"/>
           </a:p>
         </p:txBody>
       </p:sp>
@@ -3422,7 +2859,6 @@
           <a:p>
             <a:fld id="{28F278B1-967A-472E-BA85-F595929CDA06}" type="datetimeFigureOut">
               <a:rPr lang="zh-CN" altLang="en-US" smtClean="0"/>
-              <a:t>2021/3/8</a:t>
             </a:fld>
             <a:endParaRPr lang="zh-CN" altLang="en-US"/>
           </a:p>
@@ -3464,18 +2900,12 @@
           <a:p>
             <a:fld id="{37AE980F-BAD9-4F80-929B-22FBB9637D2A}" type="slidenum">
               <a:rPr lang="zh-CN" altLang="en-US" smtClean="0"/>
-              <a:t>‹#›</a:t>
             </a:fld>
             <a:endParaRPr lang="zh-CN" altLang="en-US"/>
           </a:p>
         </p:txBody>
       </p:sp>
     </p:spTree>
-    <p:extLst>
-      <p:ext uri="{BB962C8B-B14F-4D97-AF65-F5344CB8AC3E}">
-        <p14:creationId xmlns:p14="http://schemas.microsoft.com/office/powerpoint/2010/main" val="1356572433"/>
-      </p:ext>
-    </p:extLst>
   </p:cSld>
   <p:clrMapOvr>
     <a:masterClrMapping/>
@@ -3528,6 +2958,7 @@
               <a:rPr lang="zh-CN" altLang="en-US"/>
               <a:t>单击此处编辑母版标题样式</a:t>
             </a:r>
+            <a:endParaRPr lang="zh-CN" altLang="en-US"/>
           </a:p>
         </p:txBody>
       </p:sp>
@@ -3654,6 +3085,7 @@
               <a:rPr lang="zh-CN" altLang="en-US"/>
               <a:t>单击此处编辑母版文本样式</a:t>
             </a:r>
+            <a:endParaRPr lang="zh-CN" altLang="en-US"/>
           </a:p>
         </p:txBody>
       </p:sp>
@@ -3674,7 +3106,6 @@
           <a:p>
             <a:fld id="{28F278B1-967A-472E-BA85-F595929CDA06}" type="datetimeFigureOut">
               <a:rPr lang="zh-CN" altLang="en-US" smtClean="0"/>
-              <a:t>2021/3/8</a:t>
             </a:fld>
             <a:endParaRPr lang="zh-CN" altLang="en-US"/>
           </a:p>
@@ -3716,18 +3147,12 @@
           <a:p>
             <a:fld id="{37AE980F-BAD9-4F80-929B-22FBB9637D2A}" type="slidenum">
               <a:rPr lang="zh-CN" altLang="en-US" smtClean="0"/>
-              <a:t>‹#›</a:t>
             </a:fld>
             <a:endParaRPr lang="zh-CN" altLang="en-US"/>
           </a:p>
         </p:txBody>
       </p:sp>
     </p:spTree>
-    <p:extLst>
-      <p:ext uri="{BB962C8B-B14F-4D97-AF65-F5344CB8AC3E}">
-        <p14:creationId xmlns:p14="http://schemas.microsoft.com/office/powerpoint/2010/main" val="1652245183"/>
-      </p:ext>
-    </p:extLst>
   </p:cSld>
   <p:clrMapOvr>
     <a:masterClrMapping/>
@@ -3786,6 +3211,7 @@
               <a:rPr lang="zh-CN" altLang="en-US" dirty="0"/>
               <a:t>单击此处编辑母版标题样式</a:t>
             </a:r>
+            <a:endParaRPr lang="zh-CN" altLang="en-US" dirty="0"/>
           </a:p>
         </p:txBody>
       </p:sp>
@@ -3819,6 +3245,7 @@
               <a:rPr lang="zh-CN" altLang="en-US" dirty="0"/>
               <a:t>单击此处编辑母版文本样式</a:t>
             </a:r>
+            <a:endParaRPr lang="zh-CN" altLang="en-US" dirty="0"/>
           </a:p>
           <a:p>
             <a:pPr lvl="1"/>
@@ -3826,6 +3253,7 @@
               <a:rPr lang="zh-CN" altLang="en-US" dirty="0"/>
               <a:t>第二级</a:t>
             </a:r>
+            <a:endParaRPr lang="zh-CN" altLang="en-US" dirty="0"/>
           </a:p>
           <a:p>
             <a:pPr lvl="2"/>
@@ -3833,6 +3261,7 @@
               <a:rPr lang="zh-CN" altLang="en-US" dirty="0"/>
               <a:t>第三级</a:t>
             </a:r>
+            <a:endParaRPr lang="zh-CN" altLang="en-US" dirty="0"/>
           </a:p>
           <a:p>
             <a:pPr lvl="3"/>
@@ -3840,6 +3269,7 @@
               <a:rPr lang="zh-CN" altLang="en-US" dirty="0"/>
               <a:t>第四级</a:t>
             </a:r>
+            <a:endParaRPr lang="zh-CN" altLang="en-US" dirty="0"/>
           </a:p>
           <a:p>
             <a:pPr lvl="4"/>
@@ -3847,6 +3277,7 @@
               <a:rPr lang="zh-CN" altLang="en-US" dirty="0"/>
               <a:t>第五级</a:t>
             </a:r>
+            <a:endParaRPr lang="zh-CN" altLang="en-US" dirty="0"/>
           </a:p>
         </p:txBody>
       </p:sp>
@@ -3885,7 +3316,6 @@
           <a:p>
             <a:fld id="{28F278B1-967A-472E-BA85-F595929CDA06}" type="datetimeFigureOut">
               <a:rPr lang="zh-CN" altLang="en-US" smtClean="0"/>
-              <a:t>2021/3/8</a:t>
             </a:fld>
             <a:endParaRPr lang="zh-CN" altLang="en-US"/>
           </a:p>
@@ -3963,18 +3393,12 @@
           <a:p>
             <a:fld id="{37AE980F-BAD9-4F80-929B-22FBB9637D2A}" type="slidenum">
               <a:rPr lang="zh-CN" altLang="en-US" smtClean="0"/>
-              <a:t>‹#›</a:t>
             </a:fld>
             <a:endParaRPr lang="zh-CN" altLang="en-US"/>
           </a:p>
         </p:txBody>
       </p:sp>
     </p:spTree>
-    <p:extLst>
-      <p:ext uri="{BB962C8B-B14F-4D97-AF65-F5344CB8AC3E}">
-        <p14:creationId xmlns:p14="http://schemas.microsoft.com/office/powerpoint/2010/main" val="4149587863"/>
-      </p:ext>
-    </p:extLst>
   </p:cSld>
   <p:clrMap bg1="lt1" tx1="dk1" bg2="lt2" tx2="dk2" accent1="accent1" accent2="accent2" accent3="accent3" accent4="accent4" accent5="accent5" accent6="accent6" hlink="hlink" folHlink="folHlink"/>
   <p:sldLayoutIdLst>
@@ -4300,21 +3724,27 @@
             <p:ph type="ctrTitle"/>
           </p:nvPr>
         </p:nvSpPr>
-        <p:spPr/>
+        <p:spPr>
+          <a:xfrm>
+            <a:off x="1601470" y="482918"/>
+            <a:ext cx="9144000" cy="2387600"/>
+          </a:xfrm>
+        </p:spPr>
         <p:txBody>
           <a:bodyPr/>
           <a:lstStyle/>
           <a:p>
             <a:r>
-              <a:rPr lang="zh-CN" altLang="en-US" dirty="0"/>
+              <a:rPr lang="zh-CN" altLang="en-US" sz="7000" dirty="0"/>
               <a:t>控制语句</a:t>
             </a:r>
-          </a:p>
-        </p:txBody>
-      </p:sp>
-      <p:sp>
-        <p:nvSpPr>
-          <p:cNvPr id="6" name="副标题 2"/>
+            <a:endParaRPr lang="zh-CN" altLang="en-US" sz="7000" dirty="0"/>
+          </a:p>
+        </p:txBody>
+      </p:sp>
+      <p:sp>
+        <p:nvSpPr>
+          <p:cNvPr id="4" name="副标题 5"/>
           <p:cNvSpPr>
             <a:spLocks noGrp="1"/>
           </p:cNvSpPr>
@@ -4325,35 +3755,86 @@
         <p:spPr>
           <a:xfrm>
             <a:off x="1524000" y="3602038"/>
-            <a:ext cx="9144000" cy="2087562"/>
+            <a:ext cx="9144000" cy="1655762"/>
           </a:xfrm>
         </p:spPr>
         <p:txBody>
           <a:bodyPr>
-            <a:normAutofit/>
+            <a:normAutofit fontScale="90000" lnSpcReduction="20000"/>
           </a:bodyPr>
-          <a:lstStyle/>
-          <a:p>
-            <a:endParaRPr lang="en-US" altLang="zh-CN" dirty="0"/>
-          </a:p>
-          <a:p>
-            <a:r>
-              <a:rPr lang="en-US" altLang="zh-CN" dirty="0" err="1"/>
-              <a:t>hwdong</a:t>
-            </a:r>
-            <a:endParaRPr lang="en-US" altLang="zh-CN" dirty="0"/>
-          </a:p>
-          <a:p>
+          <a:p>
+            <a:pPr algn="ctr">
+              <a:lnSpc>
+                <a:spcPct val="150000"/>
+              </a:lnSpc>
+              <a:buClrTx/>
+              <a:buSzTx/>
+              <a:buFontTx/>
+            </a:pPr>
+            <a:r>
+              <a:rPr lang="en-US" altLang="zh-CN" sz="4000" dirty="0" err="1">
+                <a:solidFill>
+                  <a:srgbClr val="C00000"/>
+                </a:solidFill>
+                <a:latin typeface="+mn-ea"/>
+                <a:ea typeface="+mn-ea"/>
+                <a:cs typeface="Noto Sans Cond Blk" panose="020B0A06040504020204" pitchFamily="34"/>
+              </a:rPr>
+              <a:t>Youtube</a:t>
+            </a:r>
+            <a:r>
+              <a:rPr lang="en-US" altLang="zh-CN" sz="4000" dirty="0" err="1">
+                <a:latin typeface="+mn-ea"/>
+                <a:ea typeface="+mn-ea"/>
+                <a:cs typeface="Noto Sans Cond Blk" panose="020B0A06040504020204" pitchFamily="34"/>
+              </a:rPr>
+              <a:t>: hwdong</a:t>
+            </a:r>
+            <a:endParaRPr lang="en-US" altLang="zh-CN" sz="4000" dirty="0" err="1">
+              <a:latin typeface="+mn-ea"/>
+              <a:ea typeface="+mn-ea"/>
+              <a:cs typeface="Noto Sans Cond Blk" panose="020B0A06040504020204" pitchFamily="34"/>
+            </a:endParaRPr>
+          </a:p>
+          <a:p>
+            <a:pPr algn="ctr">
+              <a:lnSpc>
+                <a:spcPct val="150000"/>
+              </a:lnSpc>
+              <a:buClrTx/>
+              <a:buSzTx/>
+              <a:buFontTx/>
+            </a:pPr>
+            <a:r>
+              <a:rPr lang="zh-CN" altLang="en-US" sz="4000" dirty="0" err="1">
+                <a:latin typeface="+mn-ea"/>
+                <a:ea typeface="+mn-ea"/>
+                <a:cs typeface="Noto Sans Cond Blk" panose="020B0A06040504020204" pitchFamily="34"/>
+              </a:rPr>
+              <a:t>博客</a:t>
+            </a:r>
+            <a:r>
+              <a:rPr lang="en-US" altLang="zh-CN" sz="4000" dirty="0" err="1">
+                <a:latin typeface="+mn-ea"/>
+                <a:ea typeface="+mn-ea"/>
+                <a:cs typeface="Noto Sans Cond Blk" panose="020B0A06040504020204" pitchFamily="34"/>
+              </a:rPr>
+              <a:t>： </a:t>
+            </a:r>
+            <a:r>
+              <a:rPr lang="en-US" altLang="zh-CN" sz="4000" dirty="0" err="1">
+                <a:latin typeface="+mn-ea"/>
+                <a:ea typeface="+mn-ea"/>
+                <a:cs typeface="Noto Sans Cond Blk" panose="020B0A06040504020204" pitchFamily="34"/>
+                <a:hlinkClick r:id="rId1" action="ppaction://hlinkfile"/>
+              </a:rPr>
+              <a:t>https://hwdong-net.github.io</a:t>
+            </a:r>
             <a:endParaRPr lang="zh-CN" altLang="en-US" dirty="0"/>
           </a:p>
         </p:txBody>
       </p:sp>
     </p:spTree>
-    <p:extLst>
-      <p:ext uri="{BB962C8B-B14F-4D97-AF65-F5344CB8AC3E}">
-        <p14:creationId xmlns:p14="http://schemas.microsoft.com/office/powerpoint/2010/main" val="1618837487"/>
-      </p:ext>
-    </p:extLst>
   </p:cSld>
   <p:clrMapOvr>
     <a:masterClrMapping/>
@@ -4380,13 +3861,7 @@
       </p:grpSpPr>
       <p:sp>
         <p:nvSpPr>
-          <p:cNvPr id="3" name="内容占位符 2">
-            <a:extLst>
-              <a:ext uri="{FF2B5EF4-FFF2-40B4-BE49-F238E27FC236}">
-                <a16:creationId xmlns:a16="http://schemas.microsoft.com/office/drawing/2014/main" id="{EED7580B-2131-40E2-BF16-8B57E69B3884}"/>
-              </a:ext>
-            </a:extLst>
-          </p:cNvPr>
+          <p:cNvPr id="3" name="内容占位符 2"/>
           <p:cNvSpPr>
             <a:spLocks noGrp="1"/>
           </p:cNvSpPr>
@@ -4430,20 +3905,14 @@
       </p:sp>
       <p:pic>
         <p:nvPicPr>
-          <p:cNvPr id="4" name="图片 3">
-            <a:extLst>
-              <a:ext uri="{FF2B5EF4-FFF2-40B4-BE49-F238E27FC236}">
-                <a16:creationId xmlns:a16="http://schemas.microsoft.com/office/drawing/2014/main" id="{F2975E56-ABF2-492E-A9B3-49B70C2EE9E1}"/>
-              </a:ext>
-            </a:extLst>
-          </p:cNvPr>
+          <p:cNvPr id="4" name="图片 3"/>
           <p:cNvPicPr>
             <a:picLocks noChangeAspect="1"/>
           </p:cNvPicPr>
           <p:nvPr/>
         </p:nvPicPr>
         <p:blipFill>
-          <a:blip r:embed="rId2"/>
+          <a:blip r:embed="rId1"/>
           <a:stretch>
             <a:fillRect/>
           </a:stretch>
@@ -4459,11 +3928,6 @@
         </p:spPr>
       </p:pic>
     </p:spTree>
-    <p:extLst>
-      <p:ext uri="{BB962C8B-B14F-4D97-AF65-F5344CB8AC3E}">
-        <p14:creationId xmlns:p14="http://schemas.microsoft.com/office/powerpoint/2010/main" val="475740238"/>
-      </p:ext>
-    </p:extLst>
   </p:cSld>
   <p:clrMapOvr>
     <a:masterClrMapping/>
@@ -4490,13 +3954,7 @@
       </p:grpSpPr>
       <p:sp>
         <p:nvSpPr>
-          <p:cNvPr id="3" name="内容占位符 2">
-            <a:extLst>
-              <a:ext uri="{FF2B5EF4-FFF2-40B4-BE49-F238E27FC236}">
-                <a16:creationId xmlns:a16="http://schemas.microsoft.com/office/drawing/2014/main" id="{EED7580B-2131-40E2-BF16-8B57E69B3884}"/>
-              </a:ext>
-            </a:extLst>
-          </p:cNvPr>
+          <p:cNvPr id="3" name="内容占位符 2"/>
           <p:cNvSpPr>
             <a:spLocks noGrp="1"/>
           </p:cNvSpPr>
@@ -4540,20 +3998,14 @@
       </p:sp>
       <p:pic>
         <p:nvPicPr>
-          <p:cNvPr id="2" name="图片 1">
-            <a:extLst>
-              <a:ext uri="{FF2B5EF4-FFF2-40B4-BE49-F238E27FC236}">
-                <a16:creationId xmlns:a16="http://schemas.microsoft.com/office/drawing/2014/main" id="{4C6E1165-66BD-4BF8-B64E-ED9C11DFF795}"/>
-              </a:ext>
-            </a:extLst>
-          </p:cNvPr>
+          <p:cNvPr id="2" name="图片 1"/>
           <p:cNvPicPr>
             <a:picLocks noChangeAspect="1"/>
           </p:cNvPicPr>
           <p:nvPr/>
         </p:nvPicPr>
         <p:blipFill>
-          <a:blip r:embed="rId2"/>
+          <a:blip r:embed="rId1"/>
           <a:stretch>
             <a:fillRect/>
           </a:stretch>
@@ -4569,11 +4021,6 @@
         </p:spPr>
       </p:pic>
     </p:spTree>
-    <p:extLst>
-      <p:ext uri="{BB962C8B-B14F-4D97-AF65-F5344CB8AC3E}">
-        <p14:creationId xmlns:p14="http://schemas.microsoft.com/office/powerpoint/2010/main" val="850151546"/>
-      </p:ext>
-    </p:extLst>
   </p:cSld>
   <p:clrMapOvr>
     <a:masterClrMapping/>
@@ -4600,13 +4047,7 @@
       </p:grpSpPr>
       <p:sp>
         <p:nvSpPr>
-          <p:cNvPr id="3" name="内容占位符 2">
-            <a:extLst>
-              <a:ext uri="{FF2B5EF4-FFF2-40B4-BE49-F238E27FC236}">
-                <a16:creationId xmlns:a16="http://schemas.microsoft.com/office/drawing/2014/main" id="{9BEED8BB-3418-48F7-AFD7-43273380703E}"/>
-              </a:ext>
-            </a:extLst>
-          </p:cNvPr>
+          <p:cNvPr id="3" name="内容占位符 2"/>
           <p:cNvSpPr>
             <a:spLocks noGrp="1"/>
           </p:cNvSpPr>
@@ -4656,25 +4097,20 @@
               <a:rPr lang="zh-CN" altLang="en-US" dirty="0"/>
               <a:t>。</a:t>
             </a:r>
+            <a:endParaRPr lang="zh-CN" altLang="en-US" dirty="0"/>
           </a:p>
         </p:txBody>
       </p:sp>
       <p:pic>
         <p:nvPicPr>
-          <p:cNvPr id="4" name="图片 3">
-            <a:extLst>
-              <a:ext uri="{FF2B5EF4-FFF2-40B4-BE49-F238E27FC236}">
-                <a16:creationId xmlns:a16="http://schemas.microsoft.com/office/drawing/2014/main" id="{F2CE7ADA-579C-49BF-9453-879867802840}"/>
-              </a:ext>
-            </a:extLst>
-          </p:cNvPr>
+          <p:cNvPr id="4" name="图片 3"/>
           <p:cNvPicPr>
             <a:picLocks noChangeAspect="1"/>
           </p:cNvPicPr>
           <p:nvPr/>
         </p:nvPicPr>
         <p:blipFill>
-          <a:blip r:embed="rId2"/>
+          <a:blip r:embed="rId1"/>
           <a:stretch>
             <a:fillRect/>
           </a:stretch>
@@ -4690,11 +4126,6 @@
         </p:spPr>
       </p:pic>
     </p:spTree>
-    <p:extLst>
-      <p:ext uri="{BB962C8B-B14F-4D97-AF65-F5344CB8AC3E}">
-        <p14:creationId xmlns:p14="http://schemas.microsoft.com/office/powerpoint/2010/main" val="2849630018"/>
-      </p:ext>
-    </p:extLst>
   </p:cSld>
   <p:clrMapOvr>
     <a:masterClrMapping/>
@@ -4721,13 +4152,7 @@
       </p:grpSpPr>
       <p:sp>
         <p:nvSpPr>
-          <p:cNvPr id="3" name="内容占位符 2">
-            <a:extLst>
-              <a:ext uri="{FF2B5EF4-FFF2-40B4-BE49-F238E27FC236}">
-                <a16:creationId xmlns:a16="http://schemas.microsoft.com/office/drawing/2014/main" id="{0D9BA9C5-25AF-4D18-AA29-C86834AED35B}"/>
-              </a:ext>
-            </a:extLst>
-          </p:cNvPr>
+          <p:cNvPr id="3" name="内容占位符 2"/>
           <p:cNvSpPr>
             <a:spLocks noGrp="1"/>
           </p:cNvSpPr>
@@ -4779,20 +4204,14 @@
       </p:sp>
       <p:pic>
         <p:nvPicPr>
-          <p:cNvPr id="4" name="图片 3">
-            <a:extLst>
-              <a:ext uri="{FF2B5EF4-FFF2-40B4-BE49-F238E27FC236}">
-                <a16:creationId xmlns:a16="http://schemas.microsoft.com/office/drawing/2014/main" id="{AF66319E-DA6E-4CAB-9CDC-E95C83164BF1}"/>
-              </a:ext>
-            </a:extLst>
-          </p:cNvPr>
+          <p:cNvPr id="4" name="图片 3"/>
           <p:cNvPicPr>
             <a:picLocks noChangeAspect="1"/>
           </p:cNvPicPr>
           <p:nvPr/>
         </p:nvPicPr>
         <p:blipFill>
-          <a:blip r:embed="rId2"/>
+          <a:blip r:embed="rId1"/>
           <a:stretch>
             <a:fillRect/>
           </a:stretch>
@@ -4808,11 +4227,6 @@
         </p:spPr>
       </p:pic>
     </p:spTree>
-    <p:extLst>
-      <p:ext uri="{BB962C8B-B14F-4D97-AF65-F5344CB8AC3E}">
-        <p14:creationId xmlns:p14="http://schemas.microsoft.com/office/powerpoint/2010/main" val="3672410104"/>
-      </p:ext>
-    </p:extLst>
   </p:cSld>
   <p:clrMapOvr>
     <a:masterClrMapping/>
@@ -4839,13 +4253,7 @@
       </p:grpSpPr>
       <p:sp>
         <p:nvSpPr>
-          <p:cNvPr id="3" name="内容占位符 2">
-            <a:extLst>
-              <a:ext uri="{FF2B5EF4-FFF2-40B4-BE49-F238E27FC236}">
-                <a16:creationId xmlns:a16="http://schemas.microsoft.com/office/drawing/2014/main" id="{0D9BA9C5-25AF-4D18-AA29-C86834AED35B}"/>
-              </a:ext>
-            </a:extLst>
-          </p:cNvPr>
+          <p:cNvPr id="3" name="内容占位符 2"/>
           <p:cNvSpPr>
             <a:spLocks noGrp="1"/>
           </p:cNvSpPr>
@@ -4897,20 +4305,14 @@
       </p:sp>
       <p:pic>
         <p:nvPicPr>
-          <p:cNvPr id="2" name="图片 1">
-            <a:extLst>
-              <a:ext uri="{FF2B5EF4-FFF2-40B4-BE49-F238E27FC236}">
-                <a16:creationId xmlns:a16="http://schemas.microsoft.com/office/drawing/2014/main" id="{8361756B-E24F-4B1E-9D16-4E4A5BBB0854}"/>
-              </a:ext>
-            </a:extLst>
-          </p:cNvPr>
+          <p:cNvPr id="2" name="图片 1"/>
           <p:cNvPicPr>
             <a:picLocks noChangeAspect="1"/>
           </p:cNvPicPr>
           <p:nvPr/>
         </p:nvPicPr>
         <p:blipFill>
-          <a:blip r:embed="rId2"/>
+          <a:blip r:embed="rId1"/>
           <a:stretch>
             <a:fillRect/>
           </a:stretch>
@@ -4926,11 +4328,6 @@
         </p:spPr>
       </p:pic>
     </p:spTree>
-    <p:extLst>
-      <p:ext uri="{BB962C8B-B14F-4D97-AF65-F5344CB8AC3E}">
-        <p14:creationId xmlns:p14="http://schemas.microsoft.com/office/powerpoint/2010/main" val="934882620"/>
-      </p:ext>
-    </p:extLst>
   </p:cSld>
   <p:clrMapOvr>
     <a:masterClrMapping/>
@@ -4957,13 +4354,7 @@
       </p:grpSpPr>
       <p:sp>
         <p:nvSpPr>
-          <p:cNvPr id="2" name="标题 1">
-            <a:extLst>
-              <a:ext uri="{FF2B5EF4-FFF2-40B4-BE49-F238E27FC236}">
-                <a16:creationId xmlns:a16="http://schemas.microsoft.com/office/drawing/2014/main" id="{2B9D6121-A4A2-4A5C-A0A2-2490E7F80390}"/>
-              </a:ext>
-            </a:extLst>
-          </p:cNvPr>
+          <p:cNvPr id="2" name="标题 1"/>
           <p:cNvSpPr>
             <a:spLocks noGrp="1"/>
           </p:cNvSpPr>
@@ -4990,13 +4381,7 @@
       </p:sp>
       <p:sp>
         <p:nvSpPr>
-          <p:cNvPr id="3" name="内容占位符 2">
-            <a:extLst>
-              <a:ext uri="{FF2B5EF4-FFF2-40B4-BE49-F238E27FC236}">
-                <a16:creationId xmlns:a16="http://schemas.microsoft.com/office/drawing/2014/main" id="{F8F866A5-2C4C-4ED5-8A50-DA3D7914D2CB}"/>
-              </a:ext>
-            </a:extLst>
-          </p:cNvPr>
+          <p:cNvPr id="3" name="内容占位符 2"/>
           <p:cNvSpPr>
             <a:spLocks noGrp="1"/>
           </p:cNvSpPr>
@@ -5018,25 +4403,20 @@
               <a:rPr lang="zh-CN" altLang="en-US" dirty="0"/>
               <a:t>格式：</a:t>
             </a:r>
+            <a:endParaRPr lang="zh-CN" altLang="en-US" dirty="0"/>
           </a:p>
         </p:txBody>
       </p:sp>
       <p:pic>
         <p:nvPicPr>
-          <p:cNvPr id="4" name="图片 3">
-            <a:extLst>
-              <a:ext uri="{FF2B5EF4-FFF2-40B4-BE49-F238E27FC236}">
-                <a16:creationId xmlns:a16="http://schemas.microsoft.com/office/drawing/2014/main" id="{16BA9CF3-71E8-498E-ABC7-E6C3D1270642}"/>
-              </a:ext>
-            </a:extLst>
-          </p:cNvPr>
+          <p:cNvPr id="4" name="图片 3"/>
           <p:cNvPicPr>
             <a:picLocks noChangeAspect="1"/>
           </p:cNvPicPr>
           <p:nvPr/>
         </p:nvPicPr>
         <p:blipFill>
-          <a:blip r:embed="rId2"/>
+          <a:blip r:embed="rId1"/>
           <a:stretch>
             <a:fillRect/>
           </a:stretch>
@@ -5052,11 +4432,6 @@
         </p:spPr>
       </p:pic>
     </p:spTree>
-    <p:extLst>
-      <p:ext uri="{BB962C8B-B14F-4D97-AF65-F5344CB8AC3E}">
-        <p14:creationId xmlns:p14="http://schemas.microsoft.com/office/powerpoint/2010/main" val="2452042417"/>
-      </p:ext>
-    </p:extLst>
   </p:cSld>
   <p:clrMapOvr>
     <a:masterClrMapping/>
@@ -5083,20 +4458,14 @@
       </p:grpSpPr>
       <p:pic>
         <p:nvPicPr>
-          <p:cNvPr id="4" name="图片 3">
-            <a:extLst>
-              <a:ext uri="{FF2B5EF4-FFF2-40B4-BE49-F238E27FC236}">
-                <a16:creationId xmlns:a16="http://schemas.microsoft.com/office/drawing/2014/main" id="{4014F874-BBD3-4135-9E98-0B460A1A7C61}"/>
-              </a:ext>
-            </a:extLst>
-          </p:cNvPr>
+          <p:cNvPr id="4" name="图片 3"/>
           <p:cNvPicPr>
             <a:picLocks noChangeAspect="1"/>
           </p:cNvPicPr>
           <p:nvPr/>
         </p:nvPicPr>
         <p:blipFill>
-          <a:blip r:embed="rId2"/>
+          <a:blip r:embed="rId1"/>
           <a:stretch>
             <a:fillRect/>
           </a:stretch>
@@ -5112,11 +4481,6 @@
         </p:spPr>
       </p:pic>
     </p:spTree>
-    <p:extLst>
-      <p:ext uri="{BB962C8B-B14F-4D97-AF65-F5344CB8AC3E}">
-        <p14:creationId xmlns:p14="http://schemas.microsoft.com/office/powerpoint/2010/main" val="2385066025"/>
-      </p:ext>
-    </p:extLst>
   </p:cSld>
   <p:clrMapOvr>
     <a:masterClrMapping/>
@@ -5143,20 +4507,14 @@
       </p:grpSpPr>
       <p:pic>
         <p:nvPicPr>
-          <p:cNvPr id="4" name="图片 3">
-            <a:extLst>
-              <a:ext uri="{FF2B5EF4-FFF2-40B4-BE49-F238E27FC236}">
-                <a16:creationId xmlns:a16="http://schemas.microsoft.com/office/drawing/2014/main" id="{AF464D8C-202D-4C31-BC32-C08F6437A9CE}"/>
-              </a:ext>
-            </a:extLst>
-          </p:cNvPr>
+          <p:cNvPr id="4" name="图片 3"/>
           <p:cNvPicPr>
             <a:picLocks noChangeAspect="1"/>
           </p:cNvPicPr>
           <p:nvPr/>
         </p:nvPicPr>
         <p:blipFill>
-          <a:blip r:embed="rId2"/>
+          <a:blip r:embed="rId1"/>
           <a:stretch>
             <a:fillRect/>
           </a:stretch>
@@ -5172,11 +4530,6 @@
         </p:spPr>
       </p:pic>
     </p:spTree>
-    <p:extLst>
-      <p:ext uri="{BB962C8B-B14F-4D97-AF65-F5344CB8AC3E}">
-        <p14:creationId xmlns:p14="http://schemas.microsoft.com/office/powerpoint/2010/main" val="2461121328"/>
-      </p:ext>
-    </p:extLst>
   </p:cSld>
   <p:clrMapOvr>
     <a:masterClrMapping/>
@@ -5203,27 +4556,21 @@
       </p:grpSpPr>
       <p:pic>
         <p:nvPicPr>
-          <p:cNvPr id="4" name="图片 3">
-            <a:extLst>
-              <a:ext uri="{FF2B5EF4-FFF2-40B4-BE49-F238E27FC236}">
-                <a16:creationId xmlns:a16="http://schemas.microsoft.com/office/drawing/2014/main" id="{B58B3F68-B962-4B2D-8AC2-A6772D991656}"/>
-              </a:ext>
-            </a:extLst>
-          </p:cNvPr>
+          <p:cNvPr id="4" name="图片 3"/>
           <p:cNvPicPr>
             <a:picLocks noChangeAspect="1"/>
           </p:cNvPicPr>
           <p:nvPr/>
         </p:nvPicPr>
         <p:blipFill>
-          <a:blip r:embed="rId2"/>
+          <a:blip r:embed="rId1"/>
           <a:stretch>
             <a:fillRect/>
           </a:stretch>
         </p:blipFill>
         <p:spPr>
           <a:xfrm>
-            <a:off x="315677" y="464185"/>
+            <a:off x="283210" y="347344"/>
             <a:ext cx="11560646" cy="2964815"/>
           </a:xfrm>
           <a:prstGeom prst="rect">
@@ -5232,11 +4579,6 @@
         </p:spPr>
       </p:pic>
     </p:spTree>
-    <p:extLst>
-      <p:ext uri="{BB962C8B-B14F-4D97-AF65-F5344CB8AC3E}">
-        <p14:creationId xmlns:p14="http://schemas.microsoft.com/office/powerpoint/2010/main" val="1628686210"/>
-      </p:ext>
-    </p:extLst>
   </p:cSld>
   <p:clrMapOvr>
     <a:masterClrMapping/>
@@ -5263,20 +4605,14 @@
       </p:grpSpPr>
       <p:pic>
         <p:nvPicPr>
-          <p:cNvPr id="4" name="图片 3">
-            <a:extLst>
-              <a:ext uri="{FF2B5EF4-FFF2-40B4-BE49-F238E27FC236}">
-                <a16:creationId xmlns:a16="http://schemas.microsoft.com/office/drawing/2014/main" id="{8351FCE7-9412-43E8-9492-81F6A778FD6B}"/>
-              </a:ext>
-            </a:extLst>
-          </p:cNvPr>
+          <p:cNvPr id="4" name="图片 3"/>
           <p:cNvPicPr>
             <a:picLocks noChangeAspect="1"/>
           </p:cNvPicPr>
           <p:nvPr/>
         </p:nvPicPr>
         <p:blipFill>
-          <a:blip r:embed="rId2"/>
+          <a:blip r:embed="rId1"/>
           <a:stretch>
             <a:fillRect/>
           </a:stretch>
@@ -5292,11 +4628,6 @@
         </p:spPr>
       </p:pic>
     </p:spTree>
-    <p:extLst>
-      <p:ext uri="{BB962C8B-B14F-4D97-AF65-F5344CB8AC3E}">
-        <p14:creationId xmlns:p14="http://schemas.microsoft.com/office/powerpoint/2010/main" val="4100013124"/>
-      </p:ext>
-    </p:extLst>
   </p:cSld>
   <p:clrMapOvr>
     <a:masterClrMapping/>
@@ -5323,13 +4654,7 @@
       </p:grpSpPr>
       <p:sp>
         <p:nvSpPr>
-          <p:cNvPr id="2" name="标题 1">
-            <a:extLst>
-              <a:ext uri="{FF2B5EF4-FFF2-40B4-BE49-F238E27FC236}">
-                <a16:creationId xmlns:a16="http://schemas.microsoft.com/office/drawing/2014/main" id="{47719DEC-AD57-43BC-A8D7-5A50BF42D430}"/>
-              </a:ext>
-            </a:extLst>
-          </p:cNvPr>
+          <p:cNvPr id="2" name="标题 1"/>
           <p:cNvSpPr>
             <a:spLocks noGrp="1"/>
           </p:cNvSpPr>
@@ -5352,13 +4677,7 @@
       </p:sp>
       <p:sp>
         <p:nvSpPr>
-          <p:cNvPr id="3" name="内容占位符 2">
-            <a:extLst>
-              <a:ext uri="{FF2B5EF4-FFF2-40B4-BE49-F238E27FC236}">
-                <a16:creationId xmlns:a16="http://schemas.microsoft.com/office/drawing/2014/main" id="{DB7C7185-B740-441D-B85E-6C1D56E48247}"/>
-              </a:ext>
-            </a:extLst>
-          </p:cNvPr>
+          <p:cNvPr id="3" name="内容占位符 2"/>
           <p:cNvSpPr>
             <a:spLocks noGrp="1"/>
           </p:cNvSpPr>
@@ -5483,11 +4802,6 @@
         </p:txBody>
       </p:sp>
     </p:spTree>
-    <p:extLst>
-      <p:ext uri="{BB962C8B-B14F-4D97-AF65-F5344CB8AC3E}">
-        <p14:creationId xmlns:p14="http://schemas.microsoft.com/office/powerpoint/2010/main" val="322086939"/>
-      </p:ext>
-    </p:extLst>
   </p:cSld>
   <p:clrMapOvr>
     <a:masterClrMapping/>
@@ -5722,20 +5036,14 @@
       </p:grpSpPr>
       <p:pic>
         <p:nvPicPr>
-          <p:cNvPr id="4" name="图片 3">
-            <a:extLst>
-              <a:ext uri="{FF2B5EF4-FFF2-40B4-BE49-F238E27FC236}">
-                <a16:creationId xmlns:a16="http://schemas.microsoft.com/office/drawing/2014/main" id="{3A1175DC-BE5A-4BE0-928B-241B41571A3E}"/>
-              </a:ext>
-            </a:extLst>
-          </p:cNvPr>
+          <p:cNvPr id="4" name="图片 3"/>
           <p:cNvPicPr>
             <a:picLocks noChangeAspect="1"/>
           </p:cNvPicPr>
           <p:nvPr/>
         </p:nvPicPr>
         <p:blipFill>
-          <a:blip r:embed="rId2"/>
+          <a:blip r:embed="rId1"/>
           <a:stretch>
             <a:fillRect/>
           </a:stretch>
@@ -5751,11 +5059,6 @@
         </p:spPr>
       </p:pic>
     </p:spTree>
-    <p:extLst>
-      <p:ext uri="{BB962C8B-B14F-4D97-AF65-F5344CB8AC3E}">
-        <p14:creationId xmlns:p14="http://schemas.microsoft.com/office/powerpoint/2010/main" val="1966071189"/>
-      </p:ext>
-    </p:extLst>
   </p:cSld>
   <p:clrMapOvr>
     <a:masterClrMapping/>
@@ -5782,20 +5085,14 @@
       </p:grpSpPr>
       <p:pic>
         <p:nvPicPr>
-          <p:cNvPr id="4" name="图片 3">
-            <a:extLst>
-              <a:ext uri="{FF2B5EF4-FFF2-40B4-BE49-F238E27FC236}">
-                <a16:creationId xmlns:a16="http://schemas.microsoft.com/office/drawing/2014/main" id="{E8BA1D64-BC34-47FA-A28A-5EC1B29391F3}"/>
-              </a:ext>
-            </a:extLst>
-          </p:cNvPr>
+          <p:cNvPr id="4" name="图片 3"/>
           <p:cNvPicPr>
             <a:picLocks noChangeAspect="1"/>
           </p:cNvPicPr>
           <p:nvPr/>
         </p:nvPicPr>
         <p:blipFill>
-          <a:blip r:embed="rId2"/>
+          <a:blip r:embed="rId1"/>
           <a:stretch>
             <a:fillRect/>
           </a:stretch>
@@ -5811,11 +5108,6 @@
         </p:spPr>
       </p:pic>
     </p:spTree>
-    <p:extLst>
-      <p:ext uri="{BB962C8B-B14F-4D97-AF65-F5344CB8AC3E}">
-        <p14:creationId xmlns:p14="http://schemas.microsoft.com/office/powerpoint/2010/main" val="829545471"/>
-      </p:ext>
-    </p:extLst>
   </p:cSld>
   <p:clrMapOvr>
     <a:masterClrMapping/>
@@ -5842,20 +5134,14 @@
       </p:grpSpPr>
       <p:pic>
         <p:nvPicPr>
-          <p:cNvPr id="4" name="图片 3">
-            <a:extLst>
-              <a:ext uri="{FF2B5EF4-FFF2-40B4-BE49-F238E27FC236}">
-                <a16:creationId xmlns:a16="http://schemas.microsoft.com/office/drawing/2014/main" id="{0832B287-AC83-4C2A-A6CF-9B494EE1773C}"/>
-              </a:ext>
-            </a:extLst>
-          </p:cNvPr>
+          <p:cNvPr id="4" name="图片 3"/>
           <p:cNvPicPr>
             <a:picLocks noChangeAspect="1"/>
           </p:cNvPicPr>
           <p:nvPr/>
         </p:nvPicPr>
         <p:blipFill>
-          <a:blip r:embed="rId2"/>
+          <a:blip r:embed="rId1"/>
           <a:stretch>
             <a:fillRect/>
           </a:stretch>
@@ -5871,11 +5157,6 @@
         </p:spPr>
       </p:pic>
     </p:spTree>
-    <p:extLst>
-      <p:ext uri="{BB962C8B-B14F-4D97-AF65-F5344CB8AC3E}">
-        <p14:creationId xmlns:p14="http://schemas.microsoft.com/office/powerpoint/2010/main" val="2463955186"/>
-      </p:ext>
-    </p:extLst>
   </p:cSld>
   <p:clrMapOvr>
     <a:masterClrMapping/>
@@ -5902,13 +5183,7 @@
       </p:grpSpPr>
       <p:sp>
         <p:nvSpPr>
-          <p:cNvPr id="2" name="标题 1">
-            <a:extLst>
-              <a:ext uri="{FF2B5EF4-FFF2-40B4-BE49-F238E27FC236}">
-                <a16:creationId xmlns:a16="http://schemas.microsoft.com/office/drawing/2014/main" id="{B1D8CAFC-CE1A-4D78-9FF4-ECC797F1759E}"/>
-              </a:ext>
-            </a:extLst>
-          </p:cNvPr>
+          <p:cNvPr id="2" name="标题 1"/>
           <p:cNvSpPr>
             <a:spLocks noGrp="1"/>
           </p:cNvSpPr>
@@ -5935,20 +5210,14 @@
       </p:sp>
       <p:pic>
         <p:nvPicPr>
-          <p:cNvPr id="4" name="图片 3">
-            <a:extLst>
-              <a:ext uri="{FF2B5EF4-FFF2-40B4-BE49-F238E27FC236}">
-                <a16:creationId xmlns:a16="http://schemas.microsoft.com/office/drawing/2014/main" id="{E920F876-4C68-46E4-BD0B-830786330E33}"/>
-              </a:ext>
-            </a:extLst>
-          </p:cNvPr>
+          <p:cNvPr id="4" name="图片 3"/>
           <p:cNvPicPr>
             <a:picLocks noChangeAspect="1"/>
           </p:cNvPicPr>
           <p:nvPr/>
         </p:nvPicPr>
         <p:blipFill>
-          <a:blip r:embed="rId2"/>
+          <a:blip r:embed="rId1"/>
           <a:stretch>
             <a:fillRect/>
           </a:stretch>
@@ -5964,11 +5233,6 @@
         </p:spPr>
       </p:pic>
     </p:spTree>
-    <p:extLst>
-      <p:ext uri="{BB962C8B-B14F-4D97-AF65-F5344CB8AC3E}">
-        <p14:creationId xmlns:p14="http://schemas.microsoft.com/office/powerpoint/2010/main" val="3397853994"/>
-      </p:ext>
-    </p:extLst>
   </p:cSld>
   <p:clrMapOvr>
     <a:masterClrMapping/>
@@ -5995,20 +5259,14 @@
       </p:grpSpPr>
       <p:pic>
         <p:nvPicPr>
-          <p:cNvPr id="4" name="图片 3">
-            <a:extLst>
-              <a:ext uri="{FF2B5EF4-FFF2-40B4-BE49-F238E27FC236}">
-                <a16:creationId xmlns:a16="http://schemas.microsoft.com/office/drawing/2014/main" id="{F6AB71A3-93DE-4DD4-8FF5-438412A264F6}"/>
-              </a:ext>
-            </a:extLst>
-          </p:cNvPr>
+          <p:cNvPr id="4" name="图片 3"/>
           <p:cNvPicPr>
             <a:picLocks noChangeAspect="1"/>
           </p:cNvPicPr>
           <p:nvPr/>
         </p:nvPicPr>
         <p:blipFill>
-          <a:blip r:embed="rId2"/>
+          <a:blip r:embed="rId1"/>
           <a:stretch>
             <a:fillRect/>
           </a:stretch>
@@ -6025,13 +5283,7 @@
       </p:pic>
       <p:sp>
         <p:nvSpPr>
-          <p:cNvPr id="5" name="对话气泡: 矩形 4">
-            <a:extLst>
-              <a:ext uri="{FF2B5EF4-FFF2-40B4-BE49-F238E27FC236}">
-                <a16:creationId xmlns:a16="http://schemas.microsoft.com/office/drawing/2014/main" id="{665D20BE-4669-43C3-B0DC-2B24B94036A4}"/>
-              </a:ext>
-            </a:extLst>
-          </p:cNvPr>
+          <p:cNvPr id="5" name="对话气泡: 矩形 4"/>
           <p:cNvSpPr/>
           <p:nvPr/>
         </p:nvSpPr>
@@ -6092,11 +5344,6 @@
         </p:txBody>
       </p:sp>
     </p:spTree>
-    <p:extLst>
-      <p:ext uri="{BB962C8B-B14F-4D97-AF65-F5344CB8AC3E}">
-        <p14:creationId xmlns:p14="http://schemas.microsoft.com/office/powerpoint/2010/main" val="165262286"/>
-      </p:ext>
-    </p:extLst>
   </p:cSld>
   <p:clrMapOvr>
     <a:masterClrMapping/>
@@ -6201,20 +5448,14 @@
       </p:grpSpPr>
       <p:pic>
         <p:nvPicPr>
-          <p:cNvPr id="4" name="图片 3">
-            <a:extLst>
-              <a:ext uri="{FF2B5EF4-FFF2-40B4-BE49-F238E27FC236}">
-                <a16:creationId xmlns:a16="http://schemas.microsoft.com/office/drawing/2014/main" id="{2FE9348E-E32D-4E70-8AB7-4ABC8780558E}"/>
-              </a:ext>
-            </a:extLst>
-          </p:cNvPr>
+          <p:cNvPr id="4" name="图片 3"/>
           <p:cNvPicPr>
             <a:picLocks noChangeAspect="1"/>
           </p:cNvPicPr>
           <p:nvPr/>
         </p:nvPicPr>
         <p:blipFill>
-          <a:blip r:embed="rId2"/>
+          <a:blip r:embed="rId1"/>
           <a:stretch>
             <a:fillRect/>
           </a:stretch>
@@ -6230,11 +5471,6 @@
         </p:spPr>
       </p:pic>
     </p:spTree>
-    <p:extLst>
-      <p:ext uri="{BB962C8B-B14F-4D97-AF65-F5344CB8AC3E}">
-        <p14:creationId xmlns:p14="http://schemas.microsoft.com/office/powerpoint/2010/main" val="466858850"/>
-      </p:ext>
-    </p:extLst>
   </p:cSld>
   <p:clrMapOvr>
     <a:masterClrMapping/>
@@ -6261,20 +5497,14 @@
       </p:grpSpPr>
       <p:pic>
         <p:nvPicPr>
-          <p:cNvPr id="4" name="图片 3">
-            <a:extLst>
-              <a:ext uri="{FF2B5EF4-FFF2-40B4-BE49-F238E27FC236}">
-                <a16:creationId xmlns:a16="http://schemas.microsoft.com/office/drawing/2014/main" id="{33F39B51-2F49-47AD-9305-B6B05FB41B80}"/>
-              </a:ext>
-            </a:extLst>
-          </p:cNvPr>
+          <p:cNvPr id="4" name="图片 3"/>
           <p:cNvPicPr>
             <a:picLocks noChangeAspect="1"/>
           </p:cNvPicPr>
           <p:nvPr/>
         </p:nvPicPr>
         <p:blipFill>
-          <a:blip r:embed="rId2"/>
+          <a:blip r:embed="rId1"/>
           <a:stretch>
             <a:fillRect/>
           </a:stretch>
@@ -6291,13 +5521,7 @@
       </p:pic>
       <p:sp>
         <p:nvSpPr>
-          <p:cNvPr id="5" name="对话气泡: 矩形 4">
-            <a:extLst>
-              <a:ext uri="{FF2B5EF4-FFF2-40B4-BE49-F238E27FC236}">
-                <a16:creationId xmlns:a16="http://schemas.microsoft.com/office/drawing/2014/main" id="{61037731-E10B-479A-9617-E851B8CF7832}"/>
-              </a:ext>
-            </a:extLst>
-          </p:cNvPr>
+          <p:cNvPr id="5" name="对话气泡: 矩形 4"/>
           <p:cNvSpPr/>
           <p:nvPr/>
         </p:nvSpPr>
@@ -6382,11 +5606,6 @@
         </p:txBody>
       </p:sp>
     </p:spTree>
-    <p:extLst>
-      <p:ext uri="{BB962C8B-B14F-4D97-AF65-F5344CB8AC3E}">
-        <p14:creationId xmlns:p14="http://schemas.microsoft.com/office/powerpoint/2010/main" val="631724086"/>
-      </p:ext>
-    </p:extLst>
   </p:cSld>
   <p:clrMapOvr>
     <a:masterClrMapping/>
@@ -6519,13 +5738,7 @@
       </p:sp>
       <p:sp>
         <p:nvSpPr>
-          <p:cNvPr id="8" name="文本框 7">
-            <a:extLst>
-              <a:ext uri="{FF2B5EF4-FFF2-40B4-BE49-F238E27FC236}">
-                <a16:creationId xmlns:a16="http://schemas.microsoft.com/office/drawing/2014/main" id="{8098CC2E-1F55-420F-9294-DEAE1BF58B7D}"/>
-              </a:ext>
-            </a:extLst>
-          </p:cNvPr>
+          <p:cNvPr id="8" name="文本框 7"/>
           <p:cNvSpPr txBox="1"/>
           <p:nvPr/>
         </p:nvSpPr>
@@ -6573,15 +5786,11 @@
               <a:rPr lang="zh-CN" altLang="en-US" sz="3800" dirty="0"/>
               <a:t>语句</a:t>
             </a:r>
+            <a:endParaRPr lang="zh-CN" altLang="en-US" sz="3800" dirty="0"/>
           </a:p>
         </p:txBody>
       </p:sp>
     </p:spTree>
-    <p:extLst>
-      <p:ext uri="{BB962C8B-B14F-4D97-AF65-F5344CB8AC3E}">
-        <p14:creationId xmlns:p14="http://schemas.microsoft.com/office/powerpoint/2010/main" val="3284484414"/>
-      </p:ext>
-    </p:extLst>
   </p:cSld>
   <p:clrMapOvr>
     <a:masterClrMapping/>
@@ -6686,13 +5895,7 @@
       </p:grpSpPr>
       <p:sp>
         <p:nvSpPr>
-          <p:cNvPr id="2" name="标题 1">
-            <a:extLst>
-              <a:ext uri="{FF2B5EF4-FFF2-40B4-BE49-F238E27FC236}">
-                <a16:creationId xmlns:a16="http://schemas.microsoft.com/office/drawing/2014/main" id="{B222EE44-B15A-4F53-BA11-E746A8239F23}"/>
-              </a:ext>
-            </a:extLst>
-          </p:cNvPr>
+          <p:cNvPr id="2" name="标题 1"/>
           <p:cNvSpPr>
             <a:spLocks noGrp="1"/>
           </p:cNvSpPr>
@@ -6713,18 +5916,13 @@
               <a:rPr lang="zh-CN" altLang="en-US" dirty="0"/>
               <a:t>循环语句</a:t>
             </a:r>
-          </a:p>
-        </p:txBody>
-      </p:sp>
-      <p:sp>
-        <p:nvSpPr>
-          <p:cNvPr id="3" name="内容占位符 2">
-            <a:extLst>
-              <a:ext uri="{FF2B5EF4-FFF2-40B4-BE49-F238E27FC236}">
-                <a16:creationId xmlns:a16="http://schemas.microsoft.com/office/drawing/2014/main" id="{0E9CC473-6610-4CA1-B9F4-DC08E7538191}"/>
-              </a:ext>
-            </a:extLst>
-          </p:cNvPr>
+            <a:endParaRPr lang="zh-CN" altLang="en-US" dirty="0"/>
+          </a:p>
+        </p:txBody>
+      </p:sp>
+      <p:sp>
+        <p:nvSpPr>
+          <p:cNvPr id="3" name="内容占位符 2"/>
           <p:cNvSpPr>
             <a:spLocks noGrp="1"/>
           </p:cNvSpPr>
@@ -6757,6 +5955,7 @@
               <a:rPr lang="en-US" altLang="zh-CN" dirty="0"/>
               <a:t>)</a:t>
             </a:r>
+            <a:endParaRPr lang="en-US" altLang="zh-CN" dirty="0"/>
           </a:p>
           <a:p>
             <a:pPr marL="0" indent="0">
@@ -6770,21 +5969,14 @@
               <a:rPr lang="zh-CN" altLang="en-US" dirty="0"/>
               <a:t>程序块</a:t>
             </a:r>
-          </a:p>
-        </p:txBody>
-      </p:sp>
-      <p:sp>
-        <p:nvSpPr>
-          <p:cNvPr id="4" name="内容占位符 2">
-            <a:extLst>
-              <a:ext uri="{FF2B5EF4-FFF2-40B4-BE49-F238E27FC236}">
-                <a16:creationId xmlns:a16="http://schemas.microsoft.com/office/drawing/2014/main" id="{F4E58BAE-F150-401F-BFEB-F09FA313282D}"/>
-              </a:ext>
-            </a:extLst>
-          </p:cNvPr>
-          <p:cNvSpPr txBox="1">
-            <a:spLocks/>
-          </p:cNvSpPr>
+            <a:endParaRPr lang="zh-CN" altLang="en-US" dirty="0"/>
+          </a:p>
+        </p:txBody>
+      </p:sp>
+      <p:sp>
+        <p:nvSpPr>
+          <p:cNvPr id="4" name="内容占位符 2"/>
+          <p:cNvSpPr txBox="1"/>
           <p:nvPr/>
         </p:nvSpPr>
         <p:spPr>
@@ -6976,6 +6168,10 @@
               </a:rPr>
               <a:t>do</a:t>
             </a:r>
+            <a:endParaRPr lang="en-US" altLang="zh-CN" dirty="0">
+              <a:latin typeface="Noto Sans S Chinese Regular" panose="020B0500000000000000" pitchFamily="34" charset="-122"/>
+              <a:ea typeface="Noto Sans S Chinese Regular" panose="020B0500000000000000" pitchFamily="34" charset="-122"/>
+            </a:endParaRPr>
           </a:p>
           <a:p>
             <a:pPr marL="0" indent="0">
@@ -7027,11 +6223,6 @@
         </p:txBody>
       </p:sp>
     </p:spTree>
-    <p:extLst>
-      <p:ext uri="{BB962C8B-B14F-4D97-AF65-F5344CB8AC3E}">
-        <p14:creationId xmlns:p14="http://schemas.microsoft.com/office/powerpoint/2010/main" val="1953709752"/>
-      </p:ext>
-    </p:extLst>
   </p:cSld>
   <p:clrMapOvr>
     <a:masterClrMapping/>
@@ -7235,13 +6426,7 @@
       </p:grpSpPr>
       <p:sp>
         <p:nvSpPr>
-          <p:cNvPr id="2" name="标题 1">
-            <a:extLst>
-              <a:ext uri="{FF2B5EF4-FFF2-40B4-BE49-F238E27FC236}">
-                <a16:creationId xmlns:a16="http://schemas.microsoft.com/office/drawing/2014/main" id="{03C5EB6A-2D6F-4F42-807C-00A125B97C2D}"/>
-              </a:ext>
-            </a:extLst>
-          </p:cNvPr>
+          <p:cNvPr id="2" name="标题 1"/>
           <p:cNvSpPr>
             <a:spLocks noGrp="1"/>
           </p:cNvSpPr>
@@ -7272,13 +6457,7 @@
       </p:sp>
       <p:sp>
         <p:nvSpPr>
-          <p:cNvPr id="3" name="内容占位符 2">
-            <a:extLst>
-              <a:ext uri="{FF2B5EF4-FFF2-40B4-BE49-F238E27FC236}">
-                <a16:creationId xmlns:a16="http://schemas.microsoft.com/office/drawing/2014/main" id="{CABF7480-DDEA-4D92-A7C8-E4FDFB371043}"/>
-              </a:ext>
-            </a:extLst>
-          </p:cNvPr>
+          <p:cNvPr id="3" name="内容占位符 2"/>
           <p:cNvSpPr>
             <a:spLocks noGrp="1"/>
           </p:cNvSpPr>
@@ -7288,8 +6467,8 @@
         </p:nvSpPr>
         <p:spPr>
           <a:xfrm>
-            <a:off x="7964864" y="700874"/>
-            <a:ext cx="2715705" cy="647159"/>
+            <a:off x="7964805" y="701040"/>
+            <a:ext cx="3607435" cy="647065"/>
           </a:xfrm>
         </p:spPr>
         <p:txBody>
@@ -7309,16 +6488,8 @@
       </p:sp>
       <p:sp>
         <p:nvSpPr>
-          <p:cNvPr id="4" name="内容占位符 2">
-            <a:extLst>
-              <a:ext uri="{FF2B5EF4-FFF2-40B4-BE49-F238E27FC236}">
-                <a16:creationId xmlns:a16="http://schemas.microsoft.com/office/drawing/2014/main" id="{EAA8911C-B7E1-4D3A-BF91-341EE711C693}"/>
-              </a:ext>
-            </a:extLst>
-          </p:cNvPr>
-          <p:cNvSpPr txBox="1">
-            <a:spLocks/>
-          </p:cNvSpPr>
+          <p:cNvPr id="4" name="内容占位符 2"/>
+          <p:cNvSpPr txBox="1"/>
           <p:nvPr/>
         </p:nvSpPr>
         <p:spPr>
@@ -7740,15 +6911,11 @@
               <a:rPr lang="en-US" sz="2000" dirty="0"/>
               <a:t>}</a:t>
             </a:r>
+            <a:endParaRPr lang="en-US" sz="2000" dirty="0"/>
           </a:p>
         </p:txBody>
       </p:sp>
     </p:spTree>
-    <p:extLst>
-      <p:ext uri="{BB962C8B-B14F-4D97-AF65-F5344CB8AC3E}">
-        <p14:creationId xmlns:p14="http://schemas.microsoft.com/office/powerpoint/2010/main" val="1122538666"/>
-      </p:ext>
-    </p:extLst>
   </p:cSld>
   <p:clrMapOvr>
     <a:masterClrMapping/>
@@ -7853,13 +7020,7 @@
       </p:grpSpPr>
       <p:sp>
         <p:nvSpPr>
-          <p:cNvPr id="2" name="标题 1">
-            <a:extLst>
-              <a:ext uri="{FF2B5EF4-FFF2-40B4-BE49-F238E27FC236}">
-                <a16:creationId xmlns:a16="http://schemas.microsoft.com/office/drawing/2014/main" id="{CAF57F2D-C012-4BAC-95A3-2B3550C75010}"/>
-              </a:ext>
-            </a:extLst>
-          </p:cNvPr>
+          <p:cNvPr id="2" name="标题 1"/>
           <p:cNvSpPr>
             <a:spLocks noGrp="1"/>
           </p:cNvSpPr>
@@ -7876,18 +7037,13 @@
               <a:rPr lang="zh-CN" altLang="en-US" dirty="0"/>
               <a:t>复合语句</a:t>
             </a:r>
-          </a:p>
-        </p:txBody>
-      </p:sp>
-      <p:sp>
-        <p:nvSpPr>
-          <p:cNvPr id="3" name="内容占位符 2">
-            <a:extLst>
-              <a:ext uri="{FF2B5EF4-FFF2-40B4-BE49-F238E27FC236}">
-                <a16:creationId xmlns:a16="http://schemas.microsoft.com/office/drawing/2014/main" id="{946905F6-FA3C-49C6-98F5-4D1756982199}"/>
-              </a:ext>
-            </a:extLst>
-          </p:cNvPr>
+            <a:endParaRPr lang="zh-CN" altLang="en-US" dirty="0"/>
+          </a:p>
+        </p:txBody>
+      </p:sp>
+      <p:sp>
+        <p:nvSpPr>
+          <p:cNvPr id="3" name="内容占位符 2"/>
           <p:cNvSpPr>
             <a:spLocks noGrp="1"/>
           </p:cNvSpPr>
@@ -7953,25 +7109,20 @@
               <a:rPr lang="zh-CN" altLang="en-US" dirty="0"/>
               <a:t>。</a:t>
             </a:r>
+            <a:endParaRPr lang="zh-CN" altLang="en-US" dirty="0"/>
           </a:p>
         </p:txBody>
       </p:sp>
       <p:pic>
         <p:nvPicPr>
-          <p:cNvPr id="7" name="图片 6">
-            <a:extLst>
-              <a:ext uri="{FF2B5EF4-FFF2-40B4-BE49-F238E27FC236}">
-                <a16:creationId xmlns:a16="http://schemas.microsoft.com/office/drawing/2014/main" id="{53514CB0-C8FD-4404-A2B2-6548662FE42C}"/>
-              </a:ext>
-            </a:extLst>
-          </p:cNvPr>
+          <p:cNvPr id="7" name="图片 6"/>
           <p:cNvPicPr>
             <a:picLocks noChangeAspect="1"/>
           </p:cNvPicPr>
           <p:nvPr/>
         </p:nvPicPr>
         <p:blipFill>
-          <a:blip r:embed="rId2"/>
+          <a:blip r:embed="rId1"/>
           <a:stretch>
             <a:fillRect/>
           </a:stretch>
@@ -7988,13 +7139,7 @@
       </p:pic>
       <p:sp>
         <p:nvSpPr>
-          <p:cNvPr id="8" name="矩形 7">
-            <a:extLst>
-              <a:ext uri="{FF2B5EF4-FFF2-40B4-BE49-F238E27FC236}">
-                <a16:creationId xmlns:a16="http://schemas.microsoft.com/office/drawing/2014/main" id="{455AAE11-44B4-4E90-B3A5-2A61E05B4468}"/>
-              </a:ext>
-            </a:extLst>
-          </p:cNvPr>
+          <p:cNvPr id="8" name="矩形 7"/>
           <p:cNvSpPr/>
           <p:nvPr/>
         </p:nvSpPr>
@@ -8039,13 +7184,7 @@
       </p:sp>
       <p:sp>
         <p:nvSpPr>
-          <p:cNvPr id="9" name="矩形 8">
-            <a:extLst>
-              <a:ext uri="{FF2B5EF4-FFF2-40B4-BE49-F238E27FC236}">
-                <a16:creationId xmlns:a16="http://schemas.microsoft.com/office/drawing/2014/main" id="{D015A629-6148-4451-9931-D4932F8FBD40}"/>
-              </a:ext>
-            </a:extLst>
-          </p:cNvPr>
+          <p:cNvPr id="9" name="矩形 8"/>
           <p:cNvSpPr/>
           <p:nvPr/>
         </p:nvSpPr>
@@ -8089,11 +7228,6 @@
         </p:txBody>
       </p:sp>
     </p:spTree>
-    <p:extLst>
-      <p:ext uri="{BB962C8B-B14F-4D97-AF65-F5344CB8AC3E}">
-        <p14:creationId xmlns:p14="http://schemas.microsoft.com/office/powerpoint/2010/main" val="4160324529"/>
-      </p:ext>
-    </p:extLst>
   </p:cSld>
   <p:clrMapOvr>
     <a:masterClrMapping/>
@@ -8244,13 +7378,7 @@
       </p:grpSpPr>
       <p:sp>
         <p:nvSpPr>
-          <p:cNvPr id="2" name="标题 1">
-            <a:extLst>
-              <a:ext uri="{FF2B5EF4-FFF2-40B4-BE49-F238E27FC236}">
-                <a16:creationId xmlns:a16="http://schemas.microsoft.com/office/drawing/2014/main" id="{03C5EB6A-2D6F-4F42-807C-00A125B97C2D}"/>
-              </a:ext>
-            </a:extLst>
-          </p:cNvPr>
+          <p:cNvPr id="2" name="标题 1"/>
           <p:cNvSpPr>
             <a:spLocks noGrp="1"/>
           </p:cNvSpPr>
@@ -8273,22 +7401,14 @@
       </p:sp>
       <p:sp>
         <p:nvSpPr>
-          <p:cNvPr id="4" name="内容占位符 2">
-            <a:extLst>
-              <a:ext uri="{FF2B5EF4-FFF2-40B4-BE49-F238E27FC236}">
-                <a16:creationId xmlns:a16="http://schemas.microsoft.com/office/drawing/2014/main" id="{EAA8911C-B7E1-4D3A-BF91-341EE711C693}"/>
-              </a:ext>
-            </a:extLst>
-          </p:cNvPr>
-          <p:cNvSpPr txBox="1">
-            <a:spLocks/>
-          </p:cNvSpPr>
+          <p:cNvPr id="4" name="内容占位符 2"/>
+          <p:cNvSpPr txBox="1"/>
           <p:nvPr/>
         </p:nvSpPr>
         <p:spPr>
           <a:xfrm>
-            <a:off x="986023" y="1633445"/>
-            <a:ext cx="10515600" cy="4482296"/>
+            <a:off x="953135" y="1494155"/>
+            <a:ext cx="10973435" cy="4482465"/>
           </a:xfrm>
           <a:prstGeom prst="rect">
             <a:avLst/>
@@ -8472,17 +7592,22 @@
                   <a:srgbClr val="0070C0"/>
                 </a:solidFill>
               </a:rPr>
-              <a:t>auto</a:t>
+              <a:t>     auto</a:t>
             </a:r>
             <a:r>
               <a:rPr lang="en-US" dirty="0"/>
               <a:t> score{0}, average{ 0 };</a:t>
             </a:r>
+            <a:endParaRPr lang="en-US" dirty="0"/>
           </a:p>
           <a:p>
             <a:pPr marL="0" indent="0">
               <a:buNone/>
             </a:pPr>
+            <a:r>
+              <a:rPr lang="en-US" dirty="0"/>
+              <a:t>	</a:t>
+            </a:r>
             <a:r>
               <a:rPr lang="en-US" dirty="0">
                 <a:solidFill>
@@ -8495,11 +7620,16 @@
               <a:rPr lang="en-US" dirty="0"/>
               <a:t>num{ 0 };</a:t>
             </a:r>
+            <a:endParaRPr lang="en-US" dirty="0"/>
           </a:p>
           <a:p>
             <a:pPr marL="0" indent="0">
               <a:buNone/>
             </a:pPr>
+            <a:r>
+              <a:rPr lang="en-US" dirty="0"/>
+              <a:t>	</a:t>
+            </a:r>
             <a:r>
               <a:rPr lang="en-US" dirty="0">
                 <a:solidFill>
@@ -8520,6 +7650,7 @@
               <a:rPr lang="en-US" dirty="0"/>
               <a:t> &gt;&gt; score) {</a:t>
             </a:r>
+            <a:endParaRPr lang="en-US" dirty="0"/>
           </a:p>
           <a:p>
             <a:pPr marL="0" indent="0">
@@ -8527,8 +7658,9 @@
             </a:pPr>
             <a:r>
               <a:rPr lang="en-US" dirty="0"/>
-              <a:t>	average += score;</a:t>
-            </a:r>
+              <a:t>		average += score;</a:t>
+            </a:r>
+            <a:endParaRPr lang="en-US" dirty="0"/>
           </a:p>
           <a:p>
             <a:pPr marL="0" indent="0">
@@ -8536,8 +7668,9 @@
             </a:pPr>
             <a:r>
               <a:rPr lang="en-US" dirty="0"/>
-              <a:t>	num++;</a:t>
-            </a:r>
+              <a:t>		num++;</a:t>
+            </a:r>
+            <a:endParaRPr lang="en-US" dirty="0"/>
           </a:p>
           <a:p>
             <a:pPr marL="0" indent="0">
@@ -8545,17 +7678,900 @@
             </a:pPr>
             <a:r>
               <a:rPr lang="en-US" dirty="0"/>
-              <a:t>}</a:t>
-            </a:r>
+              <a:t>	}</a:t>
+            </a:r>
+            <a:endParaRPr lang="en-US" dirty="0"/>
+          </a:p>
+          <a:p>
+            <a:pPr marL="0" indent="0">
+              <a:buNone/>
+            </a:pPr>
+            <a:r>
+              <a:rPr lang="en-US" dirty="0">
+                <a:sym typeface="+mn-ea"/>
+              </a:rPr>
+              <a:t>     std::</a:t>
+            </a:r>
+            <a:r>
+              <a:rPr lang="en-US" dirty="0" err="1">
+                <a:sym typeface="+mn-ea"/>
+              </a:rPr>
+              <a:t>cout</a:t>
+            </a:r>
+            <a:r>
+              <a:rPr lang="en-US" dirty="0">
+                <a:sym typeface="+mn-ea"/>
+              </a:rPr>
+              <a:t> &lt;&lt; "</a:t>
+            </a:r>
+            <a:r>
+              <a:rPr lang="zh-CN" altLang="en-US" dirty="0">
+                <a:sym typeface="+mn-ea"/>
+              </a:rPr>
+              <a:t>平均成绩是：</a:t>
+            </a:r>
+            <a:r>
+              <a:rPr lang="en-US" dirty="0">
+                <a:sym typeface="+mn-ea"/>
+              </a:rPr>
+              <a:t>" &lt;&lt; average / num </a:t>
+            </a:r>
+            <a:br>
+              <a:rPr lang="en-US" dirty="0">
+                <a:sym typeface="+mn-ea"/>
+              </a:rPr>
+            </a:br>
+            <a:r>
+              <a:rPr lang="en-US" dirty="0">
+                <a:sym typeface="+mn-ea"/>
+              </a:rPr>
+              <a:t>               &lt;&lt; std::</a:t>
+            </a:r>
+            <a:r>
+              <a:rPr lang="en-US" dirty="0" err="1">
+                <a:sym typeface="+mn-ea"/>
+              </a:rPr>
+              <a:t>endl</a:t>
+            </a:r>
+            <a:r>
+              <a:rPr lang="en-US" dirty="0">
+                <a:sym typeface="+mn-ea"/>
+              </a:rPr>
+              <a:t>;</a:t>
+            </a:r>
+            <a:endParaRPr lang="en-US" dirty="0"/>
+          </a:p>
+          <a:p>
+            <a:pPr marL="0" indent="0">
+              <a:buNone/>
+            </a:pPr>
+            <a:endParaRPr lang="en-US" dirty="0"/>
           </a:p>
         </p:txBody>
       </p:sp>
     </p:spTree>
-    <p:extLst>
-      <p:ext uri="{BB962C8B-B14F-4D97-AF65-F5344CB8AC3E}">
-        <p14:creationId xmlns:p14="http://schemas.microsoft.com/office/powerpoint/2010/main" val="3166991561"/>
-      </p:ext>
-    </p:extLst>
+  </p:cSld>
+  <p:clrMapOvr>
+    <a:masterClrMapping/>
+  </p:clrMapOvr>
+  <p:timing>
+    <p:tnLst>
+      <p:par>
+        <p:cTn id="1" dur="indefinite" restart="never" nodeType="tmRoot">
+          <p:childTnLst>
+            <p:seq concurrent="1" nextAc="seek">
+              <p:cTn id="2" dur="indefinite" nodeType="mainSeq">
+                <p:childTnLst>
+                  <p:par>
+                    <p:cTn id="3" fill="hold">
+                      <p:stCondLst>
+                        <p:cond delay="indefinite"/>
+                      </p:stCondLst>
+                      <p:childTnLst>
+                        <p:par>
+                          <p:cTn id="4" fill="hold">
+                            <p:stCondLst>
+                              <p:cond delay="0"/>
+                            </p:stCondLst>
+                            <p:childTnLst>
+                              <p:par>
+                                <p:cTn id="5" presetID="1" presetClass="entr" presetSubtype="0" fill="hold" grpId="0" nodeType="clickEffect">
+                                  <p:stCondLst>
+                                    <p:cond delay="0"/>
+                                  </p:stCondLst>
+                                  <p:childTnLst>
+                                    <p:set>
+                                      <p:cBhvr>
+                                        <p:cTn id="6" dur="1" fill="hold">
+                                          <p:stCondLst>
+                                            <p:cond delay="0"/>
+                                          </p:stCondLst>
+                                        </p:cTn>
+                                        <p:tgtEl>
+                                          <p:spTgt spid="4"/>
+                                        </p:tgtEl>
+                                        <p:attrNameLst>
+                                          <p:attrName>style.visibility</p:attrName>
+                                        </p:attrNameLst>
+                                      </p:cBhvr>
+                                      <p:to>
+                                        <p:strVal val="visible"/>
+                                      </p:to>
+                                    </p:set>
+                                  </p:childTnLst>
+                                </p:cTn>
+                              </p:par>
+                            </p:childTnLst>
+                          </p:cTn>
+                        </p:par>
+                      </p:childTnLst>
+                    </p:cTn>
+                  </p:par>
+                  <p:par>
+                    <p:cTn id="7" fill="hold">
+                      <p:stCondLst>
+                        <p:cond delay="indefinite"/>
+                      </p:stCondLst>
+                      <p:childTnLst>
+                        <p:par>
+                          <p:cTn id="8" fill="hold">
+                            <p:stCondLst>
+                              <p:cond delay="0"/>
+                            </p:stCondLst>
+                            <p:childTnLst>
+                              <p:par>
+                                <p:cTn id="9" presetID="1" presetClass="entr" presetSubtype="0" fill="hold" nodeType="clickEffect">
+                                  <p:stCondLst>
+                                    <p:cond delay="0"/>
+                                  </p:stCondLst>
+                                  <p:childTnLst>
+                                    <p:set>
+                                      <p:cBhvr>
+                                        <p:cTn id="10" dur="1" fill="hold">
+                                          <p:stCondLst>
+                                            <p:cond delay="0"/>
+                                          </p:stCondLst>
+                                        </p:cTn>
+                                        <p:tgtEl>
+                                          <p:spTgt spid="4">
+                                            <p:txEl>
+                                              <p:pRg st="6" end="6"/>
+                                            </p:txEl>
+                                          </p:spTgt>
+                                        </p:tgtEl>
+                                        <p:attrNameLst>
+                                          <p:attrName>style.visibility</p:attrName>
+                                        </p:attrNameLst>
+                                      </p:cBhvr>
+                                      <p:to>
+                                        <p:strVal val="visible"/>
+                                      </p:to>
+                                    </p:set>
+                                  </p:childTnLst>
+                                </p:cTn>
+                              </p:par>
+                            </p:childTnLst>
+                          </p:cTn>
+                        </p:par>
+                      </p:childTnLst>
+                    </p:cTn>
+                  </p:par>
+                </p:childTnLst>
+              </p:cTn>
+              <p:prevCondLst>
+                <p:cond evt="onPrev" delay="0">
+                  <p:tgtEl>
+                    <p:sldTgt/>
+                  </p:tgtEl>
+                </p:cond>
+              </p:prevCondLst>
+              <p:nextCondLst>
+                <p:cond evt="onNext" delay="0">
+                  <p:tgtEl>
+                    <p:sldTgt/>
+                  </p:tgtEl>
+                </p:cond>
+              </p:nextCondLst>
+            </p:seq>
+          </p:childTnLst>
+        </p:cTn>
+      </p:par>
+    </p:tnLst>
+    <p:bldLst>
+      <p:bldP spid="4" grpId="0"/>
+    </p:bldLst>
+  </p:timing>
+</p:sld>
+</file>
+
+<file path=ppt/slides/slide31.xml><?xml version="1.0" encoding="utf-8"?>
+<p:sld xmlns:a="http://schemas.openxmlformats.org/drawingml/2006/main" xmlns:r="http://schemas.openxmlformats.org/officeDocument/2006/relationships" xmlns:p="http://schemas.openxmlformats.org/presentationml/2006/main">
+  <p:cSld>
+    <p:spTree>
+      <p:nvGrpSpPr>
+        <p:cNvPr id="1" name=""/>
+        <p:cNvGrpSpPr/>
+        <p:nvPr/>
+      </p:nvGrpSpPr>
+      <p:grpSpPr>
+        <a:xfrm>
+          <a:off x="0" y="0"/>
+          <a:ext cx="0" cy="0"/>
+          <a:chOff x="0" y="0"/>
+          <a:chExt cx="0" cy="0"/>
+        </a:xfrm>
+      </p:grpSpPr>
+      <p:sp>
+        <p:nvSpPr>
+          <p:cNvPr id="2" name="标题 1"/>
+          <p:cNvSpPr>
+            <a:spLocks noGrp="1"/>
+          </p:cNvSpPr>
+          <p:nvPr>
+            <p:ph type="title"/>
+          </p:nvPr>
+        </p:nvSpPr>
+        <p:spPr/>
+        <p:txBody>
+          <a:bodyPr/>
+          <a:lstStyle/>
+          <a:p>
+            <a:r>
+              <a:rPr lang="en-US" b="1" dirty="0"/>
+              <a:t>break</a:t>
+            </a:r>
+            <a:r>
+              <a:rPr lang="zh-CN" altLang="en-US" b="1" dirty="0"/>
+              <a:t>：跳出循环</a:t>
+            </a:r>
+            <a:endParaRPr lang="en-US" dirty="0"/>
+          </a:p>
+        </p:txBody>
+      </p:sp>
+      <p:sp>
+        <p:nvSpPr>
+          <p:cNvPr id="4" name="文本框 3"/>
+          <p:cNvSpPr txBox="1"/>
+          <p:nvPr/>
+        </p:nvSpPr>
+        <p:spPr>
+          <a:xfrm>
+            <a:off x="838986" y="1791092"/>
+            <a:ext cx="9379670" cy="3693319"/>
+          </a:xfrm>
+          <a:prstGeom prst="rect">
+            <a:avLst/>
+          </a:prstGeom>
+          <a:noFill/>
+        </p:spPr>
+        <p:txBody>
+          <a:bodyPr wrap="square" rtlCol="0">
+            <a:spAutoFit/>
+          </a:bodyPr>
+          <a:lstStyle/>
+          <a:p>
+            <a:r>
+              <a:rPr lang="en-US" sz="2400" dirty="0"/>
+              <a:t>	</a:t>
+            </a:r>
+            <a:r>
+              <a:rPr lang="en-US" sz="2400" dirty="0">
+                <a:solidFill>
+                  <a:srgbClr val="0070C0"/>
+                </a:solidFill>
+              </a:rPr>
+              <a:t>double</a:t>
+            </a:r>
+            <a:r>
+              <a:rPr lang="en-US" sz="2400" dirty="0"/>
+              <a:t> score, average{ 0 };</a:t>
+            </a:r>
+            <a:endParaRPr lang="en-US" sz="2400" dirty="0"/>
+          </a:p>
+          <a:p>
+            <a:r>
+              <a:rPr lang="en-US" sz="2400" dirty="0"/>
+              <a:t>	</a:t>
+            </a:r>
+            <a:r>
+              <a:rPr lang="en-US" sz="2400" dirty="0">
+                <a:solidFill>
+                  <a:srgbClr val="0070C0"/>
+                </a:solidFill>
+              </a:rPr>
+              <a:t>auto</a:t>
+            </a:r>
+            <a:r>
+              <a:rPr lang="en-US" sz="2400" dirty="0"/>
+              <a:t> num{ 0 };</a:t>
+            </a:r>
+            <a:endParaRPr lang="en-US" sz="2400" dirty="0"/>
+          </a:p>
+          <a:p>
+            <a:r>
+              <a:rPr lang="en-US" sz="2400" dirty="0"/>
+              <a:t>	</a:t>
+            </a:r>
+            <a:r>
+              <a:rPr lang="en-US" sz="2400" dirty="0">
+                <a:solidFill>
+                  <a:srgbClr val="0070C0"/>
+                </a:solidFill>
+              </a:rPr>
+              <a:t>while</a:t>
+            </a:r>
+            <a:r>
+              <a:rPr lang="en-US" sz="2400" dirty="0"/>
+              <a:t>(std::</a:t>
+            </a:r>
+            <a:r>
+              <a:rPr lang="en-US" sz="2400" dirty="0" err="1"/>
+              <a:t>cin</a:t>
+            </a:r>
+            <a:r>
+              <a:rPr lang="en-US" sz="2400" dirty="0"/>
+              <a:t> &gt;&gt; score){</a:t>
+            </a:r>
+            <a:endParaRPr lang="en-US" sz="2400" dirty="0"/>
+          </a:p>
+          <a:p>
+            <a:r>
+              <a:rPr lang="en-US" sz="2400" dirty="0"/>
+              <a:t>		</a:t>
+            </a:r>
+            <a:r>
+              <a:rPr lang="en-US" sz="2400" dirty="0">
+                <a:solidFill>
+                  <a:srgbClr val="0070C0"/>
+                </a:solidFill>
+              </a:rPr>
+              <a:t>if</a:t>
+            </a:r>
+            <a:r>
+              <a:rPr lang="en-US" sz="2400" dirty="0"/>
+              <a:t> (score &lt; 0)</a:t>
+            </a:r>
+            <a:endParaRPr lang="en-US" sz="2400" dirty="0"/>
+          </a:p>
+          <a:p>
+            <a:r>
+              <a:rPr lang="en-US" sz="2400" dirty="0"/>
+              <a:t>			</a:t>
+            </a:r>
+            <a:r>
+              <a:rPr lang="en-US" sz="2400" dirty="0">
+                <a:solidFill>
+                  <a:srgbClr val="C00000"/>
+                </a:solidFill>
+              </a:rPr>
+              <a:t>break</a:t>
+            </a:r>
+            <a:r>
+              <a:rPr lang="en-US" sz="2400" dirty="0"/>
+              <a:t>;             //</a:t>
+            </a:r>
+            <a:r>
+              <a:rPr lang="zh-CN" altLang="en-US" sz="2400" dirty="0"/>
+              <a:t>跳出</a:t>
+            </a:r>
+            <a:r>
+              <a:rPr lang="en-US" sz="2400" dirty="0"/>
+              <a:t>while</a:t>
+            </a:r>
+            <a:r>
+              <a:rPr lang="zh-CN" altLang="en-US" sz="2400" dirty="0"/>
+              <a:t>循环</a:t>
+            </a:r>
+            <a:endParaRPr lang="en-US" sz="2400" dirty="0"/>
+          </a:p>
+          <a:p>
+            <a:r>
+              <a:rPr lang="en-US" sz="2400" dirty="0"/>
+              <a:t>		 average += score;</a:t>
+            </a:r>
+            <a:endParaRPr lang="en-US" sz="2400" dirty="0"/>
+          </a:p>
+          <a:p>
+            <a:r>
+              <a:rPr lang="en-US" sz="2400" dirty="0"/>
+              <a:t>		num++;</a:t>
+            </a:r>
+            <a:endParaRPr lang="en-US" sz="2400" dirty="0"/>
+          </a:p>
+          <a:p>
+            <a:r>
+              <a:rPr lang="en-US" sz="2400" dirty="0"/>
+              <a:t>	}</a:t>
+            </a:r>
+            <a:endParaRPr lang="en-US" sz="2400" dirty="0"/>
+          </a:p>
+          <a:p>
+            <a:r>
+              <a:rPr lang="en-US" sz="2400" dirty="0"/>
+              <a:t>	std::</a:t>
+            </a:r>
+            <a:r>
+              <a:rPr lang="en-US" sz="2400" dirty="0" err="1"/>
+              <a:t>cout</a:t>
+            </a:r>
+            <a:r>
+              <a:rPr lang="en-US" sz="2400" dirty="0"/>
+              <a:t> &lt;&lt; "</a:t>
+            </a:r>
+            <a:r>
+              <a:rPr lang="zh-CN" altLang="en-US" sz="2400" dirty="0"/>
+              <a:t>平均成绩是：</a:t>
+            </a:r>
+            <a:r>
+              <a:rPr lang="en-US" sz="2400" dirty="0"/>
+              <a:t>" &lt;&lt; average / num &lt;&lt; std::</a:t>
+            </a:r>
+            <a:r>
+              <a:rPr lang="en-US" sz="2400" dirty="0" err="1"/>
+              <a:t>endl</a:t>
+            </a:r>
+            <a:r>
+              <a:rPr lang="en-US" sz="2400" dirty="0"/>
+              <a:t>;</a:t>
+            </a:r>
+            <a:endParaRPr lang="en-US" sz="2400" dirty="0"/>
+          </a:p>
+          <a:p>
+            <a:endParaRPr lang="en-US" dirty="0"/>
+          </a:p>
+        </p:txBody>
+      </p:sp>
+    </p:spTree>
+  </p:cSld>
+  <p:clrMapOvr>
+    <a:masterClrMapping/>
+  </p:clrMapOvr>
+</p:sld>
+</file>
+
+<file path=ppt/slides/slide32.xml><?xml version="1.0" encoding="utf-8"?>
+<p:sld xmlns:a="http://schemas.openxmlformats.org/drawingml/2006/main" xmlns:r="http://schemas.openxmlformats.org/officeDocument/2006/relationships" xmlns:p="http://schemas.openxmlformats.org/presentationml/2006/main">
+  <p:cSld>
+    <p:spTree>
+      <p:nvGrpSpPr>
+        <p:cNvPr id="1" name=""/>
+        <p:cNvGrpSpPr/>
+        <p:nvPr/>
+      </p:nvGrpSpPr>
+      <p:grpSpPr>
+        <a:xfrm>
+          <a:off x="0" y="0"/>
+          <a:ext cx="0" cy="0"/>
+          <a:chOff x="0" y="0"/>
+          <a:chExt cx="0" cy="0"/>
+        </a:xfrm>
+      </p:grpSpPr>
+      <p:sp>
+        <p:nvSpPr>
+          <p:cNvPr id="2" name="标题 1"/>
+          <p:cNvSpPr>
+            <a:spLocks noGrp="1"/>
+          </p:cNvSpPr>
+          <p:nvPr>
+            <p:ph type="title"/>
+          </p:nvPr>
+        </p:nvSpPr>
+        <p:spPr/>
+        <p:txBody>
+          <a:bodyPr/>
+          <a:lstStyle/>
+          <a:p>
+            <a:r>
+              <a:rPr lang="en-US" b="1" dirty="0"/>
+              <a:t>do-while</a:t>
+            </a:r>
+            <a:endParaRPr lang="en-US" dirty="0"/>
+          </a:p>
+        </p:txBody>
+      </p:sp>
+      <p:sp>
+        <p:nvSpPr>
+          <p:cNvPr id="3" name="内容占位符 2"/>
+          <p:cNvSpPr>
+            <a:spLocks noGrp="1"/>
+          </p:cNvSpPr>
+          <p:nvPr>
+            <p:ph idx="1"/>
+          </p:nvPr>
+        </p:nvSpPr>
+        <p:spPr>
+          <a:xfrm>
+            <a:off x="838200" y="1690689"/>
+            <a:ext cx="10515600" cy="2061180"/>
+          </a:xfrm>
+        </p:spPr>
+        <p:txBody>
+          <a:bodyPr/>
+          <a:lstStyle/>
+          <a:p>
+            <a:r>
+              <a:rPr lang="en-US" dirty="0"/>
+              <a:t>while</a:t>
+            </a:r>
+            <a:r>
+              <a:rPr lang="zh-CN" altLang="en-US" dirty="0"/>
+              <a:t>语句的另外一个变种是所谓的</a:t>
+            </a:r>
+            <a:r>
+              <a:rPr lang="en-US" b="1" dirty="0"/>
+              <a:t>do-while</a:t>
+            </a:r>
+            <a:r>
+              <a:rPr lang="zh-CN" altLang="en-US" dirty="0"/>
+              <a:t>语句。</a:t>
+            </a:r>
+            <a:endParaRPr lang="en-US" dirty="0"/>
+          </a:p>
+          <a:p>
+            <a:pPr marL="457200" lvl="1" indent="0" latinLnBrk="1">
+              <a:buNone/>
+            </a:pPr>
+            <a:r>
+              <a:rPr lang="en-US" b="1" dirty="0"/>
+              <a:t>do</a:t>
+            </a:r>
+            <a:br>
+              <a:rPr lang="en-US" dirty="0"/>
+            </a:br>
+            <a:r>
+              <a:rPr lang="en-US" dirty="0"/>
+              <a:t>    </a:t>
+            </a:r>
+            <a:r>
+              <a:rPr lang="zh-CN" altLang="en-US" dirty="0"/>
+              <a:t>程序块</a:t>
+            </a:r>
+            <a:br>
+              <a:rPr lang="en-US" dirty="0"/>
+            </a:br>
+            <a:r>
+              <a:rPr lang="en-US" b="1" dirty="0"/>
+              <a:t>while</a:t>
+            </a:r>
+            <a:r>
+              <a:rPr lang="en-US" dirty="0"/>
+              <a:t>(</a:t>
+            </a:r>
+            <a:r>
+              <a:rPr lang="zh-CN" altLang="en-US" dirty="0"/>
+              <a:t>表达式</a:t>
+            </a:r>
+            <a:r>
+              <a:rPr lang="en-US" dirty="0"/>
+              <a:t>);   </a:t>
+            </a:r>
+            <a:endParaRPr lang="en-US" dirty="0"/>
+          </a:p>
+          <a:p>
+            <a:pPr marL="0" indent="0">
+              <a:buNone/>
+            </a:pPr>
+            <a:endParaRPr lang="en-US" dirty="0"/>
+          </a:p>
+        </p:txBody>
+      </p:sp>
+    </p:spTree>
+  </p:cSld>
+  <p:clrMapOvr>
+    <a:masterClrMapping/>
+  </p:clrMapOvr>
+</p:sld>
+</file>
+
+<file path=ppt/slides/slide33.xml><?xml version="1.0" encoding="utf-8"?>
+<p:sld xmlns:a="http://schemas.openxmlformats.org/drawingml/2006/main" xmlns:r="http://schemas.openxmlformats.org/officeDocument/2006/relationships" xmlns:p="http://schemas.openxmlformats.org/presentationml/2006/main">
+  <p:cSld>
+    <p:spTree>
+      <p:nvGrpSpPr>
+        <p:cNvPr id="1" name=""/>
+        <p:cNvGrpSpPr/>
+        <p:nvPr/>
+      </p:nvGrpSpPr>
+      <p:grpSpPr>
+        <a:xfrm>
+          <a:off x="0" y="0"/>
+          <a:ext cx="0" cy="0"/>
+          <a:chOff x="0" y="0"/>
+          <a:chExt cx="0" cy="0"/>
+        </a:xfrm>
+      </p:grpSpPr>
+      <p:sp>
+        <p:nvSpPr>
+          <p:cNvPr id="2" name="标题 1"/>
+          <p:cNvSpPr>
+            <a:spLocks noGrp="1"/>
+          </p:cNvSpPr>
+          <p:nvPr>
+            <p:ph type="title"/>
+          </p:nvPr>
+        </p:nvSpPr>
+        <p:spPr/>
+        <p:txBody>
+          <a:bodyPr/>
+          <a:lstStyle/>
+          <a:p>
+            <a:r>
+              <a:rPr lang="en-US" b="1" dirty="0"/>
+              <a:t>do-while</a:t>
+            </a:r>
+            <a:endParaRPr lang="en-US" dirty="0"/>
+          </a:p>
+        </p:txBody>
+      </p:sp>
+      <p:sp>
+        <p:nvSpPr>
+          <p:cNvPr id="3" name="内容占位符 2"/>
+          <p:cNvSpPr>
+            <a:spLocks noGrp="1"/>
+          </p:cNvSpPr>
+          <p:nvPr>
+            <p:ph idx="1"/>
+          </p:nvPr>
+        </p:nvSpPr>
+        <p:spPr>
+          <a:xfrm>
+            <a:off x="838200" y="1690688"/>
+            <a:ext cx="10515600" cy="5167312"/>
+          </a:xfrm>
+        </p:spPr>
+        <p:txBody>
+          <a:bodyPr>
+            <a:normAutofit fontScale="62500" lnSpcReduction="20000"/>
+          </a:bodyPr>
+          <a:lstStyle/>
+          <a:p>
+            <a:pPr marL="0" indent="0">
+              <a:buNone/>
+            </a:pPr>
+            <a:r>
+              <a:rPr lang="en-US" sz="3800" dirty="0"/>
+              <a:t>      double score, average{0};</a:t>
+            </a:r>
+            <a:endParaRPr lang="en-US" sz="3800" dirty="0"/>
+          </a:p>
+          <a:p>
+            <a:pPr marL="0" indent="0">
+              <a:buNone/>
+            </a:pPr>
+            <a:r>
+              <a:rPr lang="en-US" sz="3800" dirty="0"/>
+              <a:t>	auto num{0};</a:t>
+            </a:r>
+            <a:endParaRPr lang="en-US" sz="3800" dirty="0"/>
+          </a:p>
+          <a:p>
+            <a:pPr marL="0" indent="0">
+              <a:buNone/>
+            </a:pPr>
+            <a:r>
+              <a:rPr lang="en-US" sz="3800" dirty="0"/>
+              <a:t>	std::</a:t>
+            </a:r>
+            <a:r>
+              <a:rPr lang="en-US" sz="3800" dirty="0" err="1"/>
+              <a:t>cin</a:t>
+            </a:r>
+            <a:r>
+              <a:rPr lang="en-US" sz="3800" dirty="0"/>
+              <a:t> &gt;&gt; score;          //</a:t>
+            </a:r>
+            <a:r>
+              <a:rPr lang="zh-CN" altLang="en-US" sz="3800" dirty="0"/>
+              <a:t>注意：先输入得到一个分数</a:t>
+            </a:r>
+            <a:endParaRPr lang="en-US" sz="3800" dirty="0"/>
+          </a:p>
+          <a:p>
+            <a:pPr marL="0" indent="0">
+              <a:buNone/>
+            </a:pPr>
+            <a:r>
+              <a:rPr lang="en-US" sz="3800" dirty="0"/>
+              <a:t>	</a:t>
+            </a:r>
+            <a:r>
+              <a:rPr lang="en-US" sz="3800" dirty="0">
+                <a:solidFill>
+                  <a:srgbClr val="C00000"/>
+                </a:solidFill>
+              </a:rPr>
+              <a:t>do</a:t>
+            </a:r>
+            <a:r>
+              <a:rPr lang="en-US" sz="3800" dirty="0"/>
+              <a:t> {</a:t>
+            </a:r>
+            <a:endParaRPr lang="en-US" sz="3800" dirty="0"/>
+          </a:p>
+          <a:p>
+            <a:pPr marL="0" indent="0">
+              <a:buNone/>
+            </a:pPr>
+            <a:r>
+              <a:rPr lang="en-US" sz="3800" dirty="0"/>
+              <a:t>		if (score &lt; 0)</a:t>
+            </a:r>
+            <a:endParaRPr lang="en-US" sz="3800" dirty="0"/>
+          </a:p>
+          <a:p>
+            <a:pPr marL="0" indent="0">
+              <a:buNone/>
+            </a:pPr>
+            <a:r>
+              <a:rPr lang="en-US" sz="3800" dirty="0"/>
+              <a:t>			break;          //</a:t>
+            </a:r>
+            <a:r>
+              <a:rPr lang="zh-CN" altLang="en-US" sz="3800" dirty="0"/>
+              <a:t>跳出</a:t>
+            </a:r>
+            <a:r>
+              <a:rPr lang="en-US" sz="3800" dirty="0"/>
+              <a:t>while</a:t>
+            </a:r>
+            <a:r>
+              <a:rPr lang="zh-CN" altLang="en-US" sz="3800" dirty="0"/>
+              <a:t>循环</a:t>
+            </a:r>
+            <a:endParaRPr lang="en-US" sz="3800" dirty="0"/>
+          </a:p>
+          <a:p>
+            <a:pPr marL="0" indent="0">
+              <a:buNone/>
+            </a:pPr>
+            <a:r>
+              <a:rPr lang="en-US" sz="3800" dirty="0"/>
+              <a:t>		average += score;</a:t>
+            </a:r>
+            <a:endParaRPr lang="en-US" sz="3800" dirty="0"/>
+          </a:p>
+          <a:p>
+            <a:pPr marL="0" indent="0">
+              <a:buNone/>
+            </a:pPr>
+            <a:r>
+              <a:rPr lang="en-US" sz="3800" dirty="0"/>
+              <a:t>		num++;</a:t>
+            </a:r>
+            <a:endParaRPr lang="en-US" sz="3800" dirty="0"/>
+          </a:p>
+          <a:p>
+            <a:pPr marL="0" indent="0">
+              <a:buNone/>
+            </a:pPr>
+            <a:r>
+              <a:rPr lang="en-US" sz="3800" dirty="0"/>
+              <a:t>	} </a:t>
+            </a:r>
+            <a:r>
+              <a:rPr lang="en-US" sz="3800" dirty="0">
+                <a:solidFill>
+                  <a:srgbClr val="C00000"/>
+                </a:solidFill>
+              </a:rPr>
+              <a:t>while </a:t>
+            </a:r>
+            <a:r>
+              <a:rPr lang="en-US" sz="3800" dirty="0"/>
+              <a:t>(std::</a:t>
+            </a:r>
+            <a:r>
+              <a:rPr lang="en-US" sz="3800" dirty="0" err="1"/>
+              <a:t>cin</a:t>
+            </a:r>
+            <a:r>
+              <a:rPr lang="en-US" sz="3800" dirty="0"/>
+              <a:t> &gt;&gt; score)</a:t>
+            </a:r>
+            <a:r>
+              <a:rPr lang="en-US" sz="3800" dirty="0">
+                <a:solidFill>
+                  <a:srgbClr val="C00000"/>
+                </a:solidFill>
+              </a:rPr>
+              <a:t>;</a:t>
+            </a:r>
+            <a:endParaRPr lang="en-US" sz="3800" dirty="0">
+              <a:solidFill>
+                <a:srgbClr val="C00000"/>
+              </a:solidFill>
+            </a:endParaRPr>
+          </a:p>
+          <a:p>
+            <a:pPr marL="0" indent="0" latinLnBrk="1">
+              <a:buNone/>
+            </a:pPr>
+            <a:r>
+              <a:rPr lang="en-US" sz="3800" dirty="0"/>
+              <a:t>	std::</a:t>
+            </a:r>
+            <a:r>
+              <a:rPr lang="en-US" sz="3800" dirty="0" err="1"/>
+              <a:t>cout</a:t>
+            </a:r>
+            <a:r>
+              <a:rPr lang="en-US" sz="3800" dirty="0"/>
+              <a:t> &lt;&lt; "</a:t>
+            </a:r>
+            <a:r>
+              <a:rPr lang="zh-CN" altLang="en-US" sz="3800" dirty="0"/>
+              <a:t>平均成绩是：</a:t>
+            </a:r>
+            <a:r>
+              <a:rPr lang="en-US" sz="3800" dirty="0"/>
+              <a:t>" &lt;&lt; average / num &lt;&lt; std::</a:t>
+            </a:r>
+            <a:r>
+              <a:rPr lang="en-US" sz="3800" dirty="0" err="1"/>
+              <a:t>endl</a:t>
+            </a:r>
+            <a:r>
+              <a:rPr lang="en-US" sz="3800" dirty="0"/>
+              <a:t>;</a:t>
+            </a:r>
+            <a:endParaRPr lang="en-US" sz="3800" dirty="0"/>
+          </a:p>
+          <a:p>
+            <a:pPr marL="0" indent="0">
+              <a:buNone/>
+            </a:pPr>
+            <a:endParaRPr lang="en-US" dirty="0"/>
+          </a:p>
+        </p:txBody>
+      </p:sp>
+      <p:sp>
+        <p:nvSpPr>
+          <p:cNvPr id="4" name="对话气泡: 矩形 3"/>
+          <p:cNvSpPr/>
+          <p:nvPr/>
+        </p:nvSpPr>
+        <p:spPr>
+          <a:xfrm>
+            <a:off x="7891610" y="5456947"/>
+            <a:ext cx="2516956" cy="546755"/>
+          </a:xfrm>
+          <a:prstGeom prst="wedgeRectCallout">
+            <a:avLst>
+              <a:gd name="adj1" fmla="val -69848"/>
+              <a:gd name="adj2" fmla="val 28966"/>
+            </a:avLst>
+          </a:prstGeom>
+        </p:spPr>
+        <p:style>
+          <a:lnRef idx="2">
+            <a:schemeClr val="accent1">
+              <a:shade val="50000"/>
+            </a:schemeClr>
+          </a:lnRef>
+          <a:fillRef idx="1">
+            <a:schemeClr val="accent1"/>
+          </a:fillRef>
+          <a:effectRef idx="0">
+            <a:schemeClr val="accent1"/>
+          </a:effectRef>
+          <a:fontRef idx="minor">
+            <a:schemeClr val="lt1"/>
+          </a:fontRef>
+        </p:style>
+        <p:txBody>
+          <a:bodyPr rtlCol="0" anchor="ctr"/>
+          <a:lstStyle/>
+          <a:p>
+            <a:pPr algn="ctr"/>
+            <a:r>
+              <a:rPr lang="zh-CN" altLang="en-US" sz="2400" dirty="0"/>
+              <a:t>不要忘记分号</a:t>
+            </a:r>
+            <a:endParaRPr lang="en-US" sz="2400" dirty="0"/>
+          </a:p>
+        </p:txBody>
+      </p:sp>
+    </p:spTree>
   </p:cSld>
   <p:clrMapOvr>
     <a:masterClrMapping/>
@@ -8635,816 +8651,7 @@
       </p:par>
     </p:tnLst>
     <p:bldLst>
-      <p:bldP spid="4" grpId="0"/>
-    </p:bldLst>
-  </p:timing>
-</p:sld>
-</file>
-
-<file path=ppt/slides/slide31.xml><?xml version="1.0" encoding="utf-8"?>
-<p:sld xmlns:a="http://schemas.openxmlformats.org/drawingml/2006/main" xmlns:r="http://schemas.openxmlformats.org/officeDocument/2006/relationships" xmlns:p="http://schemas.openxmlformats.org/presentationml/2006/main">
-  <p:cSld>
-    <p:spTree>
-      <p:nvGrpSpPr>
-        <p:cNvPr id="1" name=""/>
-        <p:cNvGrpSpPr/>
-        <p:nvPr/>
-      </p:nvGrpSpPr>
-      <p:grpSpPr>
-        <a:xfrm>
-          <a:off x="0" y="0"/>
-          <a:ext cx="0" cy="0"/>
-          <a:chOff x="0" y="0"/>
-          <a:chExt cx="0" cy="0"/>
-        </a:xfrm>
-      </p:grpSpPr>
-      <p:sp>
-        <p:nvSpPr>
-          <p:cNvPr id="2" name="标题 1">
-            <a:extLst>
-              <a:ext uri="{FF2B5EF4-FFF2-40B4-BE49-F238E27FC236}">
-                <a16:creationId xmlns:a16="http://schemas.microsoft.com/office/drawing/2014/main" id="{9F7474CC-B57F-4972-B472-4897BDA9F05E}"/>
-              </a:ext>
-            </a:extLst>
-          </p:cNvPr>
-          <p:cNvSpPr>
-            <a:spLocks noGrp="1"/>
-          </p:cNvSpPr>
-          <p:nvPr>
-            <p:ph type="title"/>
-          </p:nvPr>
-        </p:nvSpPr>
-        <p:spPr/>
-        <p:txBody>
-          <a:bodyPr/>
-          <a:lstStyle/>
-          <a:p>
-            <a:r>
-              <a:rPr lang="en-US" b="1" dirty="0"/>
-              <a:t>break</a:t>
-            </a:r>
-            <a:r>
-              <a:rPr lang="zh-CN" altLang="en-US" b="1" dirty="0"/>
-              <a:t>：跳出循环</a:t>
-            </a:r>
-            <a:endParaRPr lang="en-US" dirty="0"/>
-          </a:p>
-        </p:txBody>
-      </p:sp>
-      <p:sp>
-        <p:nvSpPr>
-          <p:cNvPr id="4" name="文本框 3">
-            <a:extLst>
-              <a:ext uri="{FF2B5EF4-FFF2-40B4-BE49-F238E27FC236}">
-                <a16:creationId xmlns:a16="http://schemas.microsoft.com/office/drawing/2014/main" id="{7A96DE5A-B9A9-48FC-A8A5-88220CE54D69}"/>
-              </a:ext>
-            </a:extLst>
-          </p:cNvPr>
-          <p:cNvSpPr txBox="1"/>
-          <p:nvPr/>
-        </p:nvSpPr>
-        <p:spPr>
-          <a:xfrm>
-            <a:off x="838986" y="1791092"/>
-            <a:ext cx="9379670" cy="3693319"/>
-          </a:xfrm>
-          <a:prstGeom prst="rect">
-            <a:avLst/>
-          </a:prstGeom>
-          <a:noFill/>
-        </p:spPr>
-        <p:txBody>
-          <a:bodyPr wrap="square" rtlCol="0">
-            <a:spAutoFit/>
-          </a:bodyPr>
-          <a:lstStyle/>
-          <a:p>
-            <a:r>
-              <a:rPr lang="en-US" sz="2400" dirty="0"/>
-              <a:t>	</a:t>
-            </a:r>
-            <a:r>
-              <a:rPr lang="en-US" sz="2400" dirty="0">
-                <a:solidFill>
-                  <a:srgbClr val="0070C0"/>
-                </a:solidFill>
-              </a:rPr>
-              <a:t>double</a:t>
-            </a:r>
-            <a:r>
-              <a:rPr lang="en-US" sz="2400" dirty="0"/>
-              <a:t> score, average{ 0 };</a:t>
-            </a:r>
-          </a:p>
-          <a:p>
-            <a:r>
-              <a:rPr lang="en-US" sz="2400" dirty="0"/>
-              <a:t>	</a:t>
-            </a:r>
-            <a:r>
-              <a:rPr lang="en-US" sz="2400" dirty="0">
-                <a:solidFill>
-                  <a:srgbClr val="0070C0"/>
-                </a:solidFill>
-              </a:rPr>
-              <a:t>auto</a:t>
-            </a:r>
-            <a:r>
-              <a:rPr lang="en-US" sz="2400" dirty="0"/>
-              <a:t> num{ 0 };</a:t>
-            </a:r>
-          </a:p>
-          <a:p>
-            <a:r>
-              <a:rPr lang="en-US" sz="2400" dirty="0"/>
-              <a:t>	</a:t>
-            </a:r>
-            <a:r>
-              <a:rPr lang="en-US" sz="2400" dirty="0">
-                <a:solidFill>
-                  <a:srgbClr val="0070C0"/>
-                </a:solidFill>
-              </a:rPr>
-              <a:t>while</a:t>
-            </a:r>
-            <a:r>
-              <a:rPr lang="en-US" sz="2400" dirty="0"/>
-              <a:t>(std::</a:t>
-            </a:r>
-            <a:r>
-              <a:rPr lang="en-US" sz="2400" dirty="0" err="1"/>
-              <a:t>cin</a:t>
-            </a:r>
-            <a:r>
-              <a:rPr lang="en-US" sz="2400" dirty="0"/>
-              <a:t> &gt;&gt; score){</a:t>
-            </a:r>
-          </a:p>
-          <a:p>
-            <a:r>
-              <a:rPr lang="en-US" sz="2400" dirty="0"/>
-              <a:t>		</a:t>
-            </a:r>
-            <a:r>
-              <a:rPr lang="en-US" sz="2400" dirty="0">
-                <a:solidFill>
-                  <a:srgbClr val="0070C0"/>
-                </a:solidFill>
-              </a:rPr>
-              <a:t>if</a:t>
-            </a:r>
-            <a:r>
-              <a:rPr lang="en-US" sz="2400" dirty="0"/>
-              <a:t> (score &lt; 0)</a:t>
-            </a:r>
-          </a:p>
-          <a:p>
-            <a:r>
-              <a:rPr lang="en-US" sz="2400" dirty="0"/>
-              <a:t>			</a:t>
-            </a:r>
-            <a:r>
-              <a:rPr lang="en-US" sz="2400" dirty="0">
-                <a:solidFill>
-                  <a:srgbClr val="C00000"/>
-                </a:solidFill>
-              </a:rPr>
-              <a:t>break</a:t>
-            </a:r>
-            <a:r>
-              <a:rPr lang="en-US" sz="2400" dirty="0"/>
-              <a:t>;             //</a:t>
-            </a:r>
-            <a:r>
-              <a:rPr lang="zh-CN" altLang="en-US" sz="2400" dirty="0"/>
-              <a:t>跳出</a:t>
-            </a:r>
-            <a:r>
-              <a:rPr lang="en-US" sz="2400" dirty="0"/>
-              <a:t>while</a:t>
-            </a:r>
-            <a:r>
-              <a:rPr lang="zh-CN" altLang="en-US" sz="2400" dirty="0"/>
-              <a:t>循环</a:t>
-            </a:r>
-            <a:endParaRPr lang="en-US" sz="2400" dirty="0"/>
-          </a:p>
-          <a:p>
-            <a:r>
-              <a:rPr lang="en-US" sz="2400" dirty="0"/>
-              <a:t>		 average += score;</a:t>
-            </a:r>
-          </a:p>
-          <a:p>
-            <a:r>
-              <a:rPr lang="en-US" sz="2400" dirty="0"/>
-              <a:t>		num++;</a:t>
-            </a:r>
-          </a:p>
-          <a:p>
-            <a:r>
-              <a:rPr lang="en-US" sz="2400" dirty="0"/>
-              <a:t>	}</a:t>
-            </a:r>
-          </a:p>
-          <a:p>
-            <a:r>
-              <a:rPr lang="en-US" sz="2400" dirty="0"/>
-              <a:t>	std::</a:t>
-            </a:r>
-            <a:r>
-              <a:rPr lang="en-US" sz="2400" dirty="0" err="1"/>
-              <a:t>cout</a:t>
-            </a:r>
-            <a:r>
-              <a:rPr lang="en-US" sz="2400" dirty="0"/>
-              <a:t> &lt;&lt; "</a:t>
-            </a:r>
-            <a:r>
-              <a:rPr lang="zh-CN" altLang="en-US" sz="2400" dirty="0"/>
-              <a:t>平均成绩是：</a:t>
-            </a:r>
-            <a:r>
-              <a:rPr lang="en-US" sz="2400" dirty="0"/>
-              <a:t>" &lt;&lt; average / num &lt;&lt; std::</a:t>
-            </a:r>
-            <a:r>
-              <a:rPr lang="en-US" sz="2400" dirty="0" err="1"/>
-              <a:t>endl</a:t>
-            </a:r>
-            <a:r>
-              <a:rPr lang="en-US" sz="2400" dirty="0"/>
-              <a:t>;</a:t>
-            </a:r>
-          </a:p>
-          <a:p>
-            <a:endParaRPr lang="en-US" dirty="0"/>
-          </a:p>
-        </p:txBody>
-      </p:sp>
-    </p:spTree>
-    <p:extLst>
-      <p:ext uri="{BB962C8B-B14F-4D97-AF65-F5344CB8AC3E}">
-        <p14:creationId xmlns:p14="http://schemas.microsoft.com/office/powerpoint/2010/main" val="59700726"/>
-      </p:ext>
-    </p:extLst>
-  </p:cSld>
-  <p:clrMapOvr>
-    <a:masterClrMapping/>
-  </p:clrMapOvr>
-</p:sld>
-</file>
-
-<file path=ppt/slides/slide32.xml><?xml version="1.0" encoding="utf-8"?>
-<p:sld xmlns:a="http://schemas.openxmlformats.org/drawingml/2006/main" xmlns:r="http://schemas.openxmlformats.org/officeDocument/2006/relationships" xmlns:p="http://schemas.openxmlformats.org/presentationml/2006/main">
-  <p:cSld>
-    <p:spTree>
-      <p:nvGrpSpPr>
-        <p:cNvPr id="1" name=""/>
-        <p:cNvGrpSpPr/>
-        <p:nvPr/>
-      </p:nvGrpSpPr>
-      <p:grpSpPr>
-        <a:xfrm>
-          <a:off x="0" y="0"/>
-          <a:ext cx="0" cy="0"/>
-          <a:chOff x="0" y="0"/>
-          <a:chExt cx="0" cy="0"/>
-        </a:xfrm>
-      </p:grpSpPr>
-      <p:sp>
-        <p:nvSpPr>
-          <p:cNvPr id="2" name="标题 1">
-            <a:extLst>
-              <a:ext uri="{FF2B5EF4-FFF2-40B4-BE49-F238E27FC236}">
-                <a16:creationId xmlns:a16="http://schemas.microsoft.com/office/drawing/2014/main" id="{32827A4F-8EBE-4C48-8D40-6422ACEA67F4}"/>
-              </a:ext>
-            </a:extLst>
-          </p:cNvPr>
-          <p:cNvSpPr>
-            <a:spLocks noGrp="1"/>
-          </p:cNvSpPr>
-          <p:nvPr>
-            <p:ph type="title"/>
-          </p:nvPr>
-        </p:nvSpPr>
-        <p:spPr/>
-        <p:txBody>
-          <a:bodyPr/>
-          <a:lstStyle/>
-          <a:p>
-            <a:r>
-              <a:rPr lang="en-US" b="1" dirty="0"/>
-              <a:t>do-while</a:t>
-            </a:r>
-            <a:endParaRPr lang="en-US" dirty="0"/>
-          </a:p>
-        </p:txBody>
-      </p:sp>
-      <p:sp>
-        <p:nvSpPr>
-          <p:cNvPr id="3" name="内容占位符 2">
-            <a:extLst>
-              <a:ext uri="{FF2B5EF4-FFF2-40B4-BE49-F238E27FC236}">
-                <a16:creationId xmlns:a16="http://schemas.microsoft.com/office/drawing/2014/main" id="{2A9BA726-3E52-44D1-A69A-CE024E8F1587}"/>
-              </a:ext>
-            </a:extLst>
-          </p:cNvPr>
-          <p:cNvSpPr>
-            <a:spLocks noGrp="1"/>
-          </p:cNvSpPr>
-          <p:nvPr>
-            <p:ph idx="1"/>
-          </p:nvPr>
-        </p:nvSpPr>
-        <p:spPr>
-          <a:xfrm>
-            <a:off x="838200" y="1690689"/>
-            <a:ext cx="10515600" cy="2061180"/>
-          </a:xfrm>
-        </p:spPr>
-        <p:txBody>
-          <a:bodyPr/>
-          <a:lstStyle/>
-          <a:p>
-            <a:r>
-              <a:rPr lang="en-US" dirty="0"/>
-              <a:t>while</a:t>
-            </a:r>
-            <a:r>
-              <a:rPr lang="zh-CN" altLang="en-US" dirty="0"/>
-              <a:t>语句的另外一个变种是所谓的</a:t>
-            </a:r>
-            <a:r>
-              <a:rPr lang="en-US" b="1" dirty="0"/>
-              <a:t>do-while</a:t>
-            </a:r>
-            <a:r>
-              <a:rPr lang="zh-CN" altLang="en-US" dirty="0"/>
-              <a:t>语句。</a:t>
-            </a:r>
-            <a:endParaRPr lang="en-US" dirty="0"/>
-          </a:p>
-          <a:p>
-            <a:pPr marL="457200" lvl="1" indent="0" latinLnBrk="1">
-              <a:buNone/>
-            </a:pPr>
-            <a:r>
-              <a:rPr lang="en-US" b="1" dirty="0"/>
-              <a:t>do</a:t>
-            </a:r>
-            <a:br>
-              <a:rPr lang="en-US" dirty="0"/>
-            </a:br>
-            <a:r>
-              <a:rPr lang="en-US" dirty="0"/>
-              <a:t>    </a:t>
-            </a:r>
-            <a:r>
-              <a:rPr lang="zh-CN" altLang="en-US" dirty="0"/>
-              <a:t>程序块</a:t>
-            </a:r>
-            <a:br>
-              <a:rPr lang="en-US" dirty="0"/>
-            </a:br>
-            <a:r>
-              <a:rPr lang="en-US" b="1" dirty="0"/>
-              <a:t>while</a:t>
-            </a:r>
-            <a:r>
-              <a:rPr lang="en-US" dirty="0"/>
-              <a:t>(</a:t>
-            </a:r>
-            <a:r>
-              <a:rPr lang="zh-CN" altLang="en-US" dirty="0"/>
-              <a:t>表达式</a:t>
-            </a:r>
-            <a:r>
-              <a:rPr lang="en-US" dirty="0"/>
-              <a:t>);   </a:t>
-            </a:r>
-          </a:p>
-          <a:p>
-            <a:pPr marL="0" indent="0">
-              <a:buNone/>
-            </a:pPr>
-            <a:endParaRPr lang="en-US" dirty="0"/>
-          </a:p>
-        </p:txBody>
-      </p:sp>
-    </p:spTree>
-    <p:extLst>
-      <p:ext uri="{BB962C8B-B14F-4D97-AF65-F5344CB8AC3E}">
-        <p14:creationId xmlns:p14="http://schemas.microsoft.com/office/powerpoint/2010/main" val="1919779277"/>
-      </p:ext>
-    </p:extLst>
-  </p:cSld>
-  <p:clrMapOvr>
-    <a:masterClrMapping/>
-  </p:clrMapOvr>
-</p:sld>
-</file>
-
-<file path=ppt/slides/slide33.xml><?xml version="1.0" encoding="utf-8"?>
-<p:sld xmlns:a="http://schemas.openxmlformats.org/drawingml/2006/main" xmlns:r="http://schemas.openxmlformats.org/officeDocument/2006/relationships" xmlns:p="http://schemas.openxmlformats.org/presentationml/2006/main">
-  <p:cSld>
-    <p:spTree>
-      <p:nvGrpSpPr>
-        <p:cNvPr id="1" name=""/>
-        <p:cNvGrpSpPr/>
-        <p:nvPr/>
-      </p:nvGrpSpPr>
-      <p:grpSpPr>
-        <a:xfrm>
-          <a:off x="0" y="0"/>
-          <a:ext cx="0" cy="0"/>
-          <a:chOff x="0" y="0"/>
-          <a:chExt cx="0" cy="0"/>
-        </a:xfrm>
-      </p:grpSpPr>
-      <p:sp>
-        <p:nvSpPr>
-          <p:cNvPr id="2" name="标题 1">
-            <a:extLst>
-              <a:ext uri="{FF2B5EF4-FFF2-40B4-BE49-F238E27FC236}">
-                <a16:creationId xmlns:a16="http://schemas.microsoft.com/office/drawing/2014/main" id="{32827A4F-8EBE-4C48-8D40-6422ACEA67F4}"/>
-              </a:ext>
-            </a:extLst>
-          </p:cNvPr>
-          <p:cNvSpPr>
-            <a:spLocks noGrp="1"/>
-          </p:cNvSpPr>
-          <p:nvPr>
-            <p:ph type="title"/>
-          </p:nvPr>
-        </p:nvSpPr>
-        <p:spPr/>
-        <p:txBody>
-          <a:bodyPr/>
-          <a:lstStyle/>
-          <a:p>
-            <a:r>
-              <a:rPr lang="en-US" b="1" dirty="0"/>
-              <a:t>do-while</a:t>
-            </a:r>
-            <a:endParaRPr lang="en-US" dirty="0"/>
-          </a:p>
-        </p:txBody>
-      </p:sp>
-      <p:sp>
-        <p:nvSpPr>
-          <p:cNvPr id="3" name="内容占位符 2">
-            <a:extLst>
-              <a:ext uri="{FF2B5EF4-FFF2-40B4-BE49-F238E27FC236}">
-                <a16:creationId xmlns:a16="http://schemas.microsoft.com/office/drawing/2014/main" id="{2A9BA726-3E52-44D1-A69A-CE024E8F1587}"/>
-              </a:ext>
-            </a:extLst>
-          </p:cNvPr>
-          <p:cNvSpPr>
-            <a:spLocks noGrp="1"/>
-          </p:cNvSpPr>
-          <p:nvPr>
-            <p:ph idx="1"/>
-          </p:nvPr>
-        </p:nvSpPr>
-        <p:spPr>
-          <a:xfrm>
-            <a:off x="838200" y="1690688"/>
-            <a:ext cx="10515600" cy="5167312"/>
-          </a:xfrm>
-        </p:spPr>
-        <p:txBody>
-          <a:bodyPr>
-            <a:normAutofit fontScale="62500" lnSpcReduction="20000"/>
-          </a:bodyPr>
-          <a:lstStyle/>
-          <a:p>
-            <a:pPr marL="0" indent="0">
-              <a:buNone/>
-            </a:pPr>
-            <a:r>
-              <a:rPr lang="en-US" sz="3800" dirty="0"/>
-              <a:t>          double score, average{0};</a:t>
-            </a:r>
-          </a:p>
-          <a:p>
-            <a:pPr marL="0" indent="0">
-              <a:buNone/>
-            </a:pPr>
-            <a:r>
-              <a:rPr lang="en-US" sz="3800" dirty="0"/>
-              <a:t>	auto num{0};</a:t>
-            </a:r>
-          </a:p>
-          <a:p>
-            <a:pPr marL="0" indent="0">
-              <a:buNone/>
-            </a:pPr>
-            <a:r>
-              <a:rPr lang="en-US" sz="3800" dirty="0"/>
-              <a:t>	std::</a:t>
-            </a:r>
-            <a:r>
-              <a:rPr lang="en-US" sz="3800" dirty="0" err="1"/>
-              <a:t>cin</a:t>
-            </a:r>
-            <a:r>
-              <a:rPr lang="en-US" sz="3800" dirty="0"/>
-              <a:t> &gt;&gt; score;          //</a:t>
-            </a:r>
-            <a:r>
-              <a:rPr lang="zh-CN" altLang="en-US" sz="3800" dirty="0"/>
-              <a:t>注意：先输入得到一个分数</a:t>
-            </a:r>
-            <a:endParaRPr lang="en-US" sz="3800" dirty="0"/>
-          </a:p>
-          <a:p>
-            <a:pPr marL="0" indent="0">
-              <a:buNone/>
-            </a:pPr>
-            <a:r>
-              <a:rPr lang="en-US" sz="3800" dirty="0"/>
-              <a:t>	</a:t>
-            </a:r>
-            <a:r>
-              <a:rPr lang="en-US" sz="3800" dirty="0">
-                <a:solidFill>
-                  <a:srgbClr val="C00000"/>
-                </a:solidFill>
-              </a:rPr>
-              <a:t>do</a:t>
-            </a:r>
-            <a:r>
-              <a:rPr lang="en-US" sz="3800" dirty="0"/>
-              <a:t> {</a:t>
-            </a:r>
-          </a:p>
-          <a:p>
-            <a:pPr marL="0" indent="0">
-              <a:buNone/>
-            </a:pPr>
-            <a:r>
-              <a:rPr lang="en-US" sz="3800" dirty="0"/>
-              <a:t>		if (score &lt; 0)</a:t>
-            </a:r>
-          </a:p>
-          <a:p>
-            <a:pPr marL="0" indent="0">
-              <a:buNone/>
-            </a:pPr>
-            <a:r>
-              <a:rPr lang="en-US" sz="3800" dirty="0"/>
-              <a:t>			break;          //</a:t>
-            </a:r>
-            <a:r>
-              <a:rPr lang="zh-CN" altLang="en-US" sz="3800" dirty="0"/>
-              <a:t>跳出</a:t>
-            </a:r>
-            <a:r>
-              <a:rPr lang="en-US" sz="3800" dirty="0"/>
-              <a:t>while</a:t>
-            </a:r>
-            <a:r>
-              <a:rPr lang="zh-CN" altLang="en-US" sz="3800" dirty="0"/>
-              <a:t>循环</a:t>
-            </a:r>
-            <a:endParaRPr lang="en-US" sz="3800" dirty="0"/>
-          </a:p>
-          <a:p>
-            <a:pPr marL="0" indent="0">
-              <a:buNone/>
-            </a:pPr>
-            <a:r>
-              <a:rPr lang="en-US" sz="3800" dirty="0"/>
-              <a:t>		average += score;</a:t>
-            </a:r>
-          </a:p>
-          <a:p>
-            <a:pPr marL="0" indent="0">
-              <a:buNone/>
-            </a:pPr>
-            <a:r>
-              <a:rPr lang="en-US" sz="3800" dirty="0"/>
-              <a:t>		num++;</a:t>
-            </a:r>
-          </a:p>
-          <a:p>
-            <a:pPr marL="0" indent="0">
-              <a:buNone/>
-            </a:pPr>
-            <a:r>
-              <a:rPr lang="en-US" sz="3800" dirty="0"/>
-              <a:t>	} </a:t>
-            </a:r>
-            <a:r>
-              <a:rPr lang="en-US" sz="3800" dirty="0">
-                <a:solidFill>
-                  <a:srgbClr val="C00000"/>
-                </a:solidFill>
-              </a:rPr>
-              <a:t>while </a:t>
-            </a:r>
-            <a:r>
-              <a:rPr lang="en-US" sz="3800" dirty="0"/>
-              <a:t>(std::</a:t>
-            </a:r>
-            <a:r>
-              <a:rPr lang="en-US" sz="3800" dirty="0" err="1"/>
-              <a:t>cin</a:t>
-            </a:r>
-            <a:r>
-              <a:rPr lang="en-US" sz="3800" dirty="0"/>
-              <a:t> &gt;&gt; score)</a:t>
-            </a:r>
-            <a:r>
-              <a:rPr lang="en-US" sz="3800" dirty="0">
-                <a:solidFill>
-                  <a:srgbClr val="C00000"/>
-                </a:solidFill>
-              </a:rPr>
-              <a:t>;</a:t>
-            </a:r>
-          </a:p>
-          <a:p>
-            <a:pPr marL="0" indent="0" latinLnBrk="1">
-              <a:buNone/>
-            </a:pPr>
-            <a:r>
-              <a:rPr lang="en-US" sz="3800" dirty="0"/>
-              <a:t>	std::</a:t>
-            </a:r>
-            <a:r>
-              <a:rPr lang="en-US" sz="3800" dirty="0" err="1"/>
-              <a:t>cout</a:t>
-            </a:r>
-            <a:r>
-              <a:rPr lang="en-US" sz="3800" dirty="0"/>
-              <a:t> &lt;&lt; "</a:t>
-            </a:r>
-            <a:r>
-              <a:rPr lang="zh-CN" altLang="en-US" sz="3800" dirty="0"/>
-              <a:t>平均成绩是：</a:t>
-            </a:r>
-            <a:r>
-              <a:rPr lang="en-US" sz="3800" dirty="0"/>
-              <a:t>" &lt;&lt; average / num &lt;&lt; std::</a:t>
-            </a:r>
-            <a:r>
-              <a:rPr lang="en-US" sz="3800" dirty="0" err="1"/>
-              <a:t>endl</a:t>
-            </a:r>
-            <a:r>
-              <a:rPr lang="en-US" sz="3800" dirty="0"/>
-              <a:t>;</a:t>
-            </a:r>
-          </a:p>
-          <a:p>
-            <a:pPr marL="0" indent="0">
-              <a:buNone/>
-            </a:pPr>
-            <a:endParaRPr lang="en-US" dirty="0"/>
-          </a:p>
-        </p:txBody>
-      </p:sp>
-      <p:sp>
-        <p:nvSpPr>
-          <p:cNvPr id="4" name="对话气泡: 矩形 3">
-            <a:extLst>
-              <a:ext uri="{FF2B5EF4-FFF2-40B4-BE49-F238E27FC236}">
-                <a16:creationId xmlns:a16="http://schemas.microsoft.com/office/drawing/2014/main" id="{68167E5A-646D-4AAF-833D-701AF028A133}"/>
-              </a:ext>
-            </a:extLst>
-          </p:cNvPr>
-          <p:cNvSpPr/>
-          <p:nvPr/>
-        </p:nvSpPr>
-        <p:spPr>
-          <a:xfrm>
-            <a:off x="6096000" y="5448692"/>
-            <a:ext cx="2516956" cy="546755"/>
-          </a:xfrm>
-          <a:prstGeom prst="wedgeRectCallout">
-            <a:avLst>
-              <a:gd name="adj1" fmla="val -69848"/>
-              <a:gd name="adj2" fmla="val 28966"/>
-            </a:avLst>
-          </a:prstGeom>
-        </p:spPr>
-        <p:style>
-          <a:lnRef idx="2">
-            <a:schemeClr val="accent1">
-              <a:shade val="50000"/>
-            </a:schemeClr>
-          </a:lnRef>
-          <a:fillRef idx="1">
-            <a:schemeClr val="accent1"/>
-          </a:fillRef>
-          <a:effectRef idx="0">
-            <a:schemeClr val="accent1"/>
-          </a:effectRef>
-          <a:fontRef idx="minor">
-            <a:schemeClr val="lt1"/>
-          </a:fontRef>
-        </p:style>
-        <p:txBody>
-          <a:bodyPr rtlCol="0" anchor="ctr"/>
-          <a:lstStyle/>
-          <a:p>
-            <a:pPr algn="ctr"/>
-            <a:r>
-              <a:rPr lang="zh-CN" altLang="en-US" sz="2400" dirty="0"/>
-              <a:t>不要忘记分号</a:t>
-            </a:r>
-            <a:endParaRPr lang="en-US" sz="2400" dirty="0"/>
-          </a:p>
-        </p:txBody>
-      </p:sp>
-    </p:spTree>
-    <p:extLst>
-      <p:ext uri="{BB962C8B-B14F-4D97-AF65-F5344CB8AC3E}">
-        <p14:creationId xmlns:p14="http://schemas.microsoft.com/office/powerpoint/2010/main" val="427635485"/>
-      </p:ext>
-    </p:extLst>
-  </p:cSld>
-  <p:clrMapOvr>
-    <a:masterClrMapping/>
-  </p:clrMapOvr>
-  <p:timing>
-    <p:tnLst>
-      <p:par>
-        <p:cTn id="1" dur="indefinite" restart="never" nodeType="tmRoot">
-          <p:childTnLst>
-            <p:seq concurrent="1" nextAc="seek">
-              <p:cTn id="2" dur="indefinite" nodeType="mainSeq">
-                <p:childTnLst>
-                  <p:par>
-                    <p:cTn id="3" fill="hold">
-                      <p:stCondLst>
-                        <p:cond delay="indefinite"/>
-                      </p:stCondLst>
-                      <p:childTnLst>
-                        <p:par>
-                          <p:cTn id="4" fill="hold">
-                            <p:stCondLst>
-                              <p:cond delay="0"/>
-                            </p:stCondLst>
-                            <p:childTnLst>
-                              <p:par>
-                                <p:cTn id="5" presetID="1" presetClass="entr" presetSubtype="0" fill="hold" grpId="0" nodeType="clickEffect">
-                                  <p:stCondLst>
-                                    <p:cond delay="0"/>
-                                  </p:stCondLst>
-                                  <p:childTnLst>
-                                    <p:set>
-                                      <p:cBhvr>
-                                        <p:cTn id="6" dur="1" fill="hold">
-                                          <p:stCondLst>
-                                            <p:cond delay="0"/>
-                                          </p:stCondLst>
-                                        </p:cTn>
-                                        <p:tgtEl>
-                                          <p:spTgt spid="4"/>
-                                        </p:tgtEl>
-                                        <p:attrNameLst>
-                                          <p:attrName>style.visibility</p:attrName>
-                                        </p:attrNameLst>
-                                      </p:cBhvr>
-                                      <p:to>
-                                        <p:strVal val="visible"/>
-                                      </p:to>
-                                    </p:set>
-                                  </p:childTnLst>
-                                </p:cTn>
-                              </p:par>
-                            </p:childTnLst>
-                          </p:cTn>
-                        </p:par>
-                      </p:childTnLst>
-                    </p:cTn>
-                  </p:par>
-                </p:childTnLst>
-              </p:cTn>
-              <p:prevCondLst>
-                <p:cond evt="onPrev" delay="0">
-                  <p:tgtEl>
-                    <p:sldTgt/>
-                  </p:tgtEl>
-                </p:cond>
-              </p:prevCondLst>
-              <p:nextCondLst>
-                <p:cond evt="onNext" delay="0">
-                  <p:tgtEl>
-                    <p:sldTgt/>
-                  </p:tgtEl>
-                </p:cond>
-              </p:nextCondLst>
-            </p:seq>
-          </p:childTnLst>
-        </p:cTn>
-      </p:par>
-    </p:tnLst>
-    <p:bldLst>
-      <p:bldP spid="4" grpId="0" animBg="1"/>
+      <p:bldP spid="4" grpId="0" bldLvl="0" animBg="1"/>
     </p:bldLst>
   </p:timing>
 </p:sld>
@@ -9469,13 +8676,7 @@
       </p:grpSpPr>
       <p:sp>
         <p:nvSpPr>
-          <p:cNvPr id="2" name="标题 1">
-            <a:extLst>
-              <a:ext uri="{FF2B5EF4-FFF2-40B4-BE49-F238E27FC236}">
-                <a16:creationId xmlns:a16="http://schemas.microsoft.com/office/drawing/2014/main" id="{984853FB-84EA-49EF-A5F8-0309AAD4AD58}"/>
-              </a:ext>
-            </a:extLst>
-          </p:cNvPr>
+          <p:cNvPr id="2" name="标题 1"/>
           <p:cNvSpPr>
             <a:spLocks noGrp="1"/>
           </p:cNvSpPr>
@@ -9483,7 +8684,12 @@
             <p:ph type="title"/>
           </p:nvPr>
         </p:nvSpPr>
-        <p:spPr/>
+        <p:spPr>
+          <a:xfrm>
+            <a:off x="838200" y="209550"/>
+            <a:ext cx="10515600" cy="1325563"/>
+          </a:xfrm>
+        </p:spPr>
         <p:txBody>
           <a:bodyPr/>
           <a:lstStyle/>
@@ -9498,13 +8704,7 @@
       </p:sp>
       <p:sp>
         <p:nvSpPr>
-          <p:cNvPr id="3" name="内容占位符 2">
-            <a:extLst>
-              <a:ext uri="{FF2B5EF4-FFF2-40B4-BE49-F238E27FC236}">
-                <a16:creationId xmlns:a16="http://schemas.microsoft.com/office/drawing/2014/main" id="{C607D83F-2736-4AB7-8834-8A3658875998}"/>
-              </a:ext>
-            </a:extLst>
-          </p:cNvPr>
+          <p:cNvPr id="3" name="内容占位符 2"/>
           <p:cNvSpPr>
             <a:spLocks noGrp="1"/>
           </p:cNvSpPr>
@@ -9514,7 +8714,7 @@
         </p:nvSpPr>
         <p:spPr>
           <a:xfrm>
-            <a:off x="838200" y="1511783"/>
+            <a:off x="838200" y="1431608"/>
             <a:ext cx="10515600" cy="4486275"/>
           </a:xfrm>
         </p:spPr>
@@ -9540,28 +8740,22 @@
       </p:sp>
       <p:pic>
         <p:nvPicPr>
-          <p:cNvPr id="4" name="图片 3">
-            <a:extLst>
-              <a:ext uri="{FF2B5EF4-FFF2-40B4-BE49-F238E27FC236}">
-                <a16:creationId xmlns:a16="http://schemas.microsoft.com/office/drawing/2014/main" id="{290FDA8D-4F09-46AF-891B-62D0DAF68C06}"/>
-              </a:ext>
-            </a:extLst>
-          </p:cNvPr>
+          <p:cNvPr id="4" name="图片 3"/>
           <p:cNvPicPr>
             <a:picLocks noChangeAspect="1"/>
           </p:cNvPicPr>
           <p:nvPr/>
         </p:nvPicPr>
         <p:blipFill>
-          <a:blip r:embed="rId2"/>
+          <a:blip r:embed="rId1"/>
           <a:stretch>
             <a:fillRect/>
           </a:stretch>
         </p:blipFill>
         <p:spPr>
           <a:xfrm>
-            <a:off x="2302852" y="2588399"/>
-            <a:ext cx="7390570" cy="4209965"/>
+            <a:off x="1759045" y="2544778"/>
+            <a:ext cx="7052771" cy="4017541"/>
           </a:xfrm>
           <a:prstGeom prst="rect">
             <a:avLst/>
@@ -9569,11 +8763,6 @@
         </p:spPr>
       </p:pic>
     </p:spTree>
-    <p:extLst>
-      <p:ext uri="{BB962C8B-B14F-4D97-AF65-F5344CB8AC3E}">
-        <p14:creationId xmlns:p14="http://schemas.microsoft.com/office/powerpoint/2010/main" val="354396210"/>
-      </p:ext>
-    </p:extLst>
   </p:cSld>
   <p:clrMapOvr>
     <a:masterClrMapping/>
@@ -9600,13 +8789,7 @@
       </p:grpSpPr>
       <p:sp>
         <p:nvSpPr>
-          <p:cNvPr id="2" name="标题 1">
-            <a:extLst>
-              <a:ext uri="{FF2B5EF4-FFF2-40B4-BE49-F238E27FC236}">
-                <a16:creationId xmlns:a16="http://schemas.microsoft.com/office/drawing/2014/main" id="{4DA007F9-C487-41E8-8109-D3B88CE955A9}"/>
-              </a:ext>
-            </a:extLst>
-          </p:cNvPr>
+          <p:cNvPr id="2" name="标题 1"/>
           <p:cNvSpPr>
             <a:spLocks noGrp="1"/>
           </p:cNvSpPr>
@@ -9627,25 +8810,20 @@
               <a:rPr lang="zh-CN" altLang="en-US" dirty="0"/>
               <a:t>循环语句</a:t>
             </a:r>
-          </a:p>
-        </p:txBody>
-      </p:sp>
-      <p:sp>
-        <p:nvSpPr>
-          <p:cNvPr id="4" name="文本框 3">
-            <a:extLst>
-              <a:ext uri="{FF2B5EF4-FFF2-40B4-BE49-F238E27FC236}">
-                <a16:creationId xmlns:a16="http://schemas.microsoft.com/office/drawing/2014/main" id="{AF8779E8-45F1-422D-92CF-91D52164A853}"/>
-              </a:ext>
-            </a:extLst>
-          </p:cNvPr>
+            <a:endParaRPr lang="zh-CN" altLang="en-US" dirty="0"/>
+          </a:p>
+        </p:txBody>
+      </p:sp>
+      <p:sp>
+        <p:nvSpPr>
+          <p:cNvPr id="4" name="文本框 3"/>
           <p:cNvSpPr txBox="1"/>
           <p:nvPr/>
         </p:nvSpPr>
         <p:spPr>
           <a:xfrm>
-            <a:off x="1596066" y="3279229"/>
-            <a:ext cx="8475585" cy="3385542"/>
+            <a:off x="1112363" y="3365368"/>
+            <a:ext cx="8182466" cy="2585323"/>
           </a:xfrm>
           <a:prstGeom prst="rect">
             <a:avLst/>
@@ -9659,129 +8837,130 @@
           <a:lstStyle/>
           <a:p>
             <a:r>
-              <a:rPr lang="en-US" altLang="zh-CN" sz="2800" dirty="0"/>
+              <a:rPr lang="en-US" altLang="zh-CN" sz="2400" dirty="0"/>
               <a:t>//</a:t>
             </a:r>
             <a:r>
-              <a:rPr lang="zh-CN" altLang="en-US" sz="2800" dirty="0"/>
+              <a:rPr lang="zh-CN" altLang="en-US" sz="2400" dirty="0"/>
               <a:t>计算</a:t>
             </a:r>
             <a:r>
-              <a:rPr lang="en-US" sz="2800" dirty="0"/>
+              <a:rPr lang="en-US" sz="2400" dirty="0"/>
               <a:t>1</a:t>
             </a:r>
             <a:r>
-              <a:rPr lang="zh-CN" altLang="en-US" sz="2800" dirty="0"/>
+              <a:rPr lang="zh-CN" altLang="en-US" sz="2400" dirty="0"/>
               <a:t>到</a:t>
             </a:r>
             <a:r>
-              <a:rPr lang="en-US" sz="2800" dirty="0"/>
+              <a:rPr lang="en-US" sz="2400" dirty="0"/>
               <a:t>100</a:t>
             </a:r>
             <a:r>
-              <a:rPr lang="zh-CN" altLang="en-US" sz="2800" dirty="0"/>
+              <a:rPr lang="zh-CN" altLang="en-US" sz="2400" dirty="0"/>
               <a:t>整数之和的代码：</a:t>
             </a:r>
-            <a:endParaRPr lang="en-US" altLang="zh-CN" sz="2800" dirty="0"/>
-          </a:p>
-          <a:p>
-            <a:endParaRPr lang="en-US" sz="2800" dirty="0"/>
+            <a:endParaRPr lang="en-US" altLang="zh-CN" sz="2400" dirty="0"/>
+          </a:p>
+          <a:p>
+            <a:endParaRPr lang="en-US" sz="2400" dirty="0"/>
           </a:p>
           <a:p>
             <a:pPr latinLnBrk="1"/>
             <a:r>
-              <a:rPr lang="en-US" sz="2800" dirty="0"/>
+              <a:rPr lang="en-US" sz="2400" dirty="0"/>
               <a:t>auto s{0} ;</a:t>
             </a:r>
             <a:br>
-              <a:rPr lang="en-US" sz="2800" dirty="0"/>
+              <a:rPr lang="en-US" sz="2400" dirty="0"/>
             </a:br>
             <a:r>
-              <a:rPr lang="en-US" sz="2800" b="1" dirty="0"/>
+              <a:rPr lang="en-US" sz="2400" b="1" dirty="0"/>
               <a:t>for</a:t>
             </a:r>
             <a:r>
-              <a:rPr lang="en-US" sz="2800" dirty="0"/>
+              <a:rPr lang="en-US" sz="2400" dirty="0"/>
               <a:t>(auto </a:t>
             </a:r>
             <a:r>
-              <a:rPr lang="en-US" sz="2800" dirty="0" err="1"/>
+              <a:rPr lang="en-US" sz="2400" dirty="0" err="1"/>
               <a:t>i</a:t>
             </a:r>
             <a:r>
-              <a:rPr lang="en-US" sz="2800" dirty="0"/>
+              <a:rPr lang="en-US" sz="2400" dirty="0"/>
               <a:t>{1} ; </a:t>
             </a:r>
             <a:r>
-              <a:rPr lang="en-US" sz="2800" dirty="0" err="1"/>
+              <a:rPr lang="en-US" sz="2400" dirty="0" err="1"/>
               <a:t>i</a:t>
             </a:r>
             <a:r>
-              <a:rPr lang="en-US" sz="2800" dirty="0"/>
+              <a:rPr lang="en-US" sz="2400" dirty="0"/>
               <a:t>&lt;=100; </a:t>
             </a:r>
             <a:r>
-              <a:rPr lang="en-US" sz="2800" dirty="0" err="1"/>
+              <a:rPr lang="en-US" sz="2400" dirty="0" err="1"/>
               <a:t>i</a:t>
             </a:r>
             <a:r>
-              <a:rPr lang="en-US" sz="2800" dirty="0"/>
+              <a:rPr lang="en-US" sz="2400" dirty="0"/>
               <a:t>++)</a:t>
             </a:r>
             <a:br>
-              <a:rPr lang="en-US" sz="2800" dirty="0"/>
+              <a:rPr lang="en-US" sz="2400" dirty="0"/>
             </a:br>
             <a:r>
-              <a:rPr lang="en-US" sz="2800" dirty="0"/>
+              <a:rPr lang="en-US" sz="2400" dirty="0"/>
               <a:t>    s += </a:t>
             </a:r>
             <a:r>
-              <a:rPr lang="en-US" sz="2800" dirty="0" err="1"/>
+              <a:rPr lang="en-US" sz="2400" dirty="0" err="1"/>
               <a:t>i</a:t>
             </a:r>
             <a:r>
-              <a:rPr lang="en-US" sz="2800" dirty="0"/>
+              <a:rPr lang="en-US" sz="2400" dirty="0"/>
               <a:t>;</a:t>
             </a:r>
             <a:br>
-              <a:rPr lang="en-US" sz="2800" dirty="0"/>
+              <a:rPr lang="en-US" sz="2400" dirty="0"/>
             </a:br>
             <a:r>
-              <a:rPr lang="en-US" sz="2800" dirty="0"/>
+              <a:rPr lang="en-US" sz="2400" dirty="0"/>
               <a:t>std::</a:t>
             </a:r>
             <a:r>
-              <a:rPr lang="en-US" sz="2800" dirty="0" err="1"/>
+              <a:rPr lang="en-US" sz="2400" dirty="0" err="1"/>
               <a:t>cout</a:t>
             </a:r>
             <a:r>
-              <a:rPr lang="en-US" sz="2800" dirty="0"/>
+              <a:rPr lang="en-US" sz="2400" dirty="0"/>
               <a:t>&lt;&lt;"1</a:t>
             </a:r>
             <a:r>
-              <a:rPr lang="zh-CN" altLang="en-US" sz="2800" dirty="0"/>
+              <a:rPr lang="zh-CN" altLang="en-US" sz="2400" dirty="0"/>
               <a:t>到</a:t>
             </a:r>
             <a:r>
-              <a:rPr lang="en-US" sz="2800" dirty="0"/>
+              <a:rPr lang="en-US" sz="2400" dirty="0"/>
               <a:t>100</a:t>
             </a:r>
             <a:r>
-              <a:rPr lang="zh-CN" altLang="en-US" sz="2800" dirty="0"/>
+              <a:rPr lang="zh-CN" altLang="en-US" sz="2400" dirty="0"/>
               <a:t>之间的整数之和是：</a:t>
             </a:r>
             <a:r>
-              <a:rPr lang="en-US" sz="2800" dirty="0"/>
+              <a:rPr lang="en-US" sz="2400" dirty="0"/>
               <a:t>"&lt;&lt;s&lt;&lt;std::</a:t>
             </a:r>
             <a:r>
-              <a:rPr lang="en-US" sz="2800" dirty="0" err="1"/>
+              <a:rPr lang="en-US" sz="2400" dirty="0" err="1"/>
               <a:t>endl</a:t>
             </a:r>
             <a:r>
-              <a:rPr lang="en-US" sz="2800" dirty="0"/>
+              <a:rPr lang="en-US" sz="2400" dirty="0"/>
               <a:t>;</a:t>
             </a:r>
+            <a:endParaRPr lang="en-US" sz="2400" dirty="0"/>
           </a:p>
           <a:p>
             <a:endParaRPr lang="en-US" dirty="0"/>
@@ -9790,13 +8969,7 @@
       </p:sp>
       <p:sp>
         <p:nvSpPr>
-          <p:cNvPr id="7" name="内容占位符 2">
-            <a:extLst>
-              <a:ext uri="{FF2B5EF4-FFF2-40B4-BE49-F238E27FC236}">
-                <a16:creationId xmlns:a16="http://schemas.microsoft.com/office/drawing/2014/main" id="{9537A529-FEAC-45E9-B263-E94AB121A753}"/>
-              </a:ext>
-            </a:extLst>
-          </p:cNvPr>
+          <p:cNvPr id="7" name="内容占位符 2"/>
           <p:cNvSpPr>
             <a:spLocks noGrp="1"/>
           </p:cNvSpPr>
@@ -9849,6 +9022,7 @@
               <a:rPr lang="en-US" altLang="zh-CN" dirty="0"/>
               <a:t>) </a:t>
             </a:r>
+            <a:endParaRPr lang="en-US" altLang="zh-CN" dirty="0"/>
           </a:p>
           <a:p>
             <a:pPr marL="0" indent="0">
@@ -9862,15 +9036,11 @@
               <a:rPr lang="zh-CN" altLang="en-US" dirty="0"/>
               <a:t>     程序块 </a:t>
             </a:r>
+            <a:endParaRPr lang="zh-CN" altLang="en-US" dirty="0"/>
           </a:p>
         </p:txBody>
       </p:sp>
     </p:spTree>
-    <p:extLst>
-      <p:ext uri="{BB962C8B-B14F-4D97-AF65-F5344CB8AC3E}">
-        <p14:creationId xmlns:p14="http://schemas.microsoft.com/office/powerpoint/2010/main" val="2143621085"/>
-      </p:ext>
-    </p:extLst>
   </p:cSld>
   <p:clrMapOvr>
     <a:masterClrMapping/>
@@ -10007,13 +9177,7 @@
       </p:grpSpPr>
       <p:sp>
         <p:nvSpPr>
-          <p:cNvPr id="2" name="标题 1">
-            <a:extLst>
-              <a:ext uri="{FF2B5EF4-FFF2-40B4-BE49-F238E27FC236}">
-                <a16:creationId xmlns:a16="http://schemas.microsoft.com/office/drawing/2014/main" id="{4DA007F9-C487-41E8-8109-D3B88CE955A9}"/>
-              </a:ext>
-            </a:extLst>
-          </p:cNvPr>
+          <p:cNvPr id="2" name="标题 1"/>
           <p:cNvSpPr>
             <a:spLocks noGrp="1"/>
           </p:cNvSpPr>
@@ -10034,18 +9198,13 @@
               <a:rPr lang="zh-CN" altLang="en-US" dirty="0"/>
               <a:t>循环语句</a:t>
             </a:r>
-          </a:p>
-        </p:txBody>
-      </p:sp>
-      <p:sp>
-        <p:nvSpPr>
-          <p:cNvPr id="3" name="内容占位符 2">
-            <a:extLst>
-              <a:ext uri="{FF2B5EF4-FFF2-40B4-BE49-F238E27FC236}">
-                <a16:creationId xmlns:a16="http://schemas.microsoft.com/office/drawing/2014/main" id="{E7D491DA-13FB-41EE-9DF7-B97895A156A1}"/>
-              </a:ext>
-            </a:extLst>
-          </p:cNvPr>
+            <a:endParaRPr lang="zh-CN" altLang="en-US" dirty="0"/>
+          </a:p>
+        </p:txBody>
+      </p:sp>
+      <p:sp>
+        <p:nvSpPr>
+          <p:cNvPr id="3" name="内容占位符 2"/>
           <p:cNvSpPr>
             <a:spLocks noGrp="1"/>
           </p:cNvSpPr>
@@ -10098,6 +9257,7 @@
               <a:rPr lang="en-US" altLang="zh-CN" dirty="0"/>
               <a:t>) </a:t>
             </a:r>
+            <a:endParaRPr lang="en-US" altLang="zh-CN" dirty="0"/>
           </a:p>
           <a:p>
             <a:pPr marL="0" indent="0">
@@ -10111,25 +9271,20 @@
               <a:rPr lang="zh-CN" altLang="en-US" dirty="0"/>
               <a:t>     程序块 </a:t>
             </a:r>
-          </a:p>
-        </p:txBody>
-      </p:sp>
-      <p:sp>
-        <p:nvSpPr>
-          <p:cNvPr id="4" name="文本框 3">
-            <a:extLst>
-              <a:ext uri="{FF2B5EF4-FFF2-40B4-BE49-F238E27FC236}">
-                <a16:creationId xmlns:a16="http://schemas.microsoft.com/office/drawing/2014/main" id="{AF8779E8-45F1-422D-92CF-91D52164A853}"/>
-              </a:ext>
-            </a:extLst>
-          </p:cNvPr>
+            <a:endParaRPr lang="zh-CN" altLang="en-US" dirty="0"/>
+          </a:p>
+        </p:txBody>
+      </p:sp>
+      <p:sp>
+        <p:nvSpPr>
+          <p:cNvPr id="4" name="文本框 3"/>
           <p:cNvSpPr txBox="1"/>
           <p:nvPr/>
         </p:nvSpPr>
         <p:spPr>
           <a:xfrm>
-            <a:off x="844314" y="3101419"/>
-            <a:ext cx="8182466" cy="523220"/>
+            <a:off x="735291" y="3205113"/>
+            <a:ext cx="8182466" cy="461665"/>
           </a:xfrm>
           <a:prstGeom prst="rect">
             <a:avLst/>
@@ -10143,25 +9298,17 @@
           <a:lstStyle/>
           <a:p>
             <a:r>
-              <a:rPr lang="zh-CN" altLang="en-US" sz="2800" dirty="0"/>
+              <a:rPr lang="zh-CN" altLang="en-US" sz="2400" dirty="0"/>
               <a:t>等价于</a:t>
             </a:r>
-            <a:endParaRPr lang="en-US" sz="2800" dirty="0"/>
-          </a:p>
-        </p:txBody>
-      </p:sp>
-      <p:sp>
-        <p:nvSpPr>
-          <p:cNvPr id="5" name="内容占位符 2">
-            <a:extLst>
-              <a:ext uri="{FF2B5EF4-FFF2-40B4-BE49-F238E27FC236}">
-                <a16:creationId xmlns:a16="http://schemas.microsoft.com/office/drawing/2014/main" id="{B57D818F-ACA1-428E-A2E5-04889D748CD7}"/>
-              </a:ext>
-            </a:extLst>
-          </p:cNvPr>
-          <p:cNvSpPr txBox="1">
-            <a:spLocks/>
-          </p:cNvSpPr>
+            <a:endParaRPr lang="en-US" dirty="0"/>
+          </a:p>
+        </p:txBody>
+      </p:sp>
+      <p:sp>
+        <p:nvSpPr>
+          <p:cNvPr id="5" name="内容占位符 2"/>
+          <p:cNvSpPr txBox="1"/>
           <p:nvPr/>
         </p:nvSpPr>
         <p:spPr>
@@ -10405,15 +9552,11 @@
               <a:rPr lang="en-US" dirty="0"/>
               <a:t>}    </a:t>
             </a:r>
+            <a:endParaRPr lang="en-US" dirty="0"/>
           </a:p>
         </p:txBody>
       </p:sp>
     </p:spTree>
-    <p:extLst>
-      <p:ext uri="{BB962C8B-B14F-4D97-AF65-F5344CB8AC3E}">
-        <p14:creationId xmlns:p14="http://schemas.microsoft.com/office/powerpoint/2010/main" val="1133900182"/>
-      </p:ext>
-    </p:extLst>
   </p:cSld>
   <p:clrMapOvr>
     <a:masterClrMapping/>
@@ -10519,13 +9662,7 @@
       </p:grpSpPr>
       <p:sp>
         <p:nvSpPr>
-          <p:cNvPr id="2" name="标题 1">
-            <a:extLst>
-              <a:ext uri="{FF2B5EF4-FFF2-40B4-BE49-F238E27FC236}">
-                <a16:creationId xmlns:a16="http://schemas.microsoft.com/office/drawing/2014/main" id="{4DA007F9-C487-41E8-8109-D3B88CE955A9}"/>
-              </a:ext>
-            </a:extLst>
-          </p:cNvPr>
+          <p:cNvPr id="2" name="标题 1"/>
           <p:cNvSpPr>
             <a:spLocks noGrp="1"/>
           </p:cNvSpPr>
@@ -10546,18 +9683,13 @@
               <a:rPr lang="zh-CN" altLang="en-US" dirty="0"/>
               <a:t>循环语句</a:t>
             </a:r>
-          </a:p>
-        </p:txBody>
-      </p:sp>
-      <p:sp>
-        <p:nvSpPr>
-          <p:cNvPr id="3" name="内容占位符 2">
-            <a:extLst>
-              <a:ext uri="{FF2B5EF4-FFF2-40B4-BE49-F238E27FC236}">
-                <a16:creationId xmlns:a16="http://schemas.microsoft.com/office/drawing/2014/main" id="{E7D491DA-13FB-41EE-9DF7-B97895A156A1}"/>
-              </a:ext>
-            </a:extLst>
-          </p:cNvPr>
+            <a:endParaRPr lang="zh-CN" altLang="en-US" dirty="0"/>
+          </a:p>
+        </p:txBody>
+      </p:sp>
+      <p:sp>
+        <p:nvSpPr>
+          <p:cNvPr id="3" name="内容占位符 2"/>
           <p:cNvSpPr>
             <a:spLocks noGrp="1"/>
           </p:cNvSpPr>
@@ -10593,20 +9725,14 @@
       </p:sp>
       <p:sp>
         <p:nvSpPr>
-          <p:cNvPr id="4" name="文本框 3">
-            <a:extLst>
-              <a:ext uri="{FF2B5EF4-FFF2-40B4-BE49-F238E27FC236}">
-                <a16:creationId xmlns:a16="http://schemas.microsoft.com/office/drawing/2014/main" id="{AF8779E8-45F1-422D-92CF-91D52164A853}"/>
-              </a:ext>
-            </a:extLst>
-          </p:cNvPr>
+          <p:cNvPr id="4" name="文本框 3"/>
           <p:cNvSpPr txBox="1"/>
           <p:nvPr/>
         </p:nvSpPr>
         <p:spPr>
           <a:xfrm>
             <a:off x="914400" y="2328420"/>
-            <a:ext cx="10312923" cy="3970318"/>
+            <a:ext cx="10312923" cy="3416320"/>
           </a:xfrm>
           <a:prstGeom prst="rect">
             <a:avLst/>
@@ -10621,130 +9747,129 @@
           <a:p>
             <a:r>
               <a:rPr lang="en-US" sz="2400" dirty="0"/>
-              <a:t>              </a:t>
-            </a:r>
-            <a:r>
-              <a:rPr lang="en-US" sz="2800" dirty="0"/>
-              <a:t>double score, average{ 0 };</a:t>
-            </a:r>
-          </a:p>
-          <a:p>
-            <a:r>
-              <a:rPr lang="en-US" sz="2800" dirty="0"/>
+              <a:t>              double score, average{ 0 };</a:t>
+            </a:r>
+            <a:endParaRPr lang="en-US" sz="2400" dirty="0"/>
+          </a:p>
+          <a:p>
+            <a:r>
+              <a:rPr lang="en-US" sz="2400" dirty="0"/>
               <a:t>	auto num{ 0 };</a:t>
             </a:r>
-          </a:p>
-          <a:p>
-            <a:r>
-              <a:rPr lang="en-US" sz="2800" dirty="0"/>
+            <a:endParaRPr lang="en-US" sz="2400" dirty="0"/>
+          </a:p>
+          <a:p>
+            <a:r>
+              <a:rPr lang="en-US" sz="2400" dirty="0"/>
               <a:t>	for(; std::</a:t>
             </a:r>
             <a:r>
-              <a:rPr lang="en-US" sz="2800" dirty="0" err="1"/>
+              <a:rPr lang="en-US" sz="2400" dirty="0" err="1"/>
               <a:t>cin</a:t>
             </a:r>
             <a:r>
-              <a:rPr lang="en-US" sz="2800" dirty="0"/>
+              <a:rPr lang="en-US" sz="2400" dirty="0"/>
               <a:t> &gt;&gt; score; ){</a:t>
             </a:r>
-          </a:p>
-          <a:p>
-            <a:r>
-              <a:rPr lang="en-US" sz="2800" dirty="0"/>
+            <a:endParaRPr lang="en-US" sz="2400" dirty="0"/>
+          </a:p>
+          <a:p>
+            <a:r>
+              <a:rPr lang="en-US" sz="2400" dirty="0"/>
               <a:t>		</a:t>
             </a:r>
             <a:r>
-              <a:rPr lang="en-US" sz="2800" b="1" dirty="0"/>
+              <a:rPr lang="en-US" sz="2400" b="1" dirty="0"/>
               <a:t>if</a:t>
             </a:r>
             <a:r>
-              <a:rPr lang="en-US" sz="2800" dirty="0"/>
+              <a:rPr lang="en-US" sz="2400" dirty="0"/>
               <a:t> (score &lt; 0)</a:t>
             </a:r>
-          </a:p>
-          <a:p>
-            <a:r>
-              <a:rPr lang="en-US" sz="2800" dirty="0"/>
+            <a:endParaRPr lang="en-US" sz="2400" dirty="0"/>
+          </a:p>
+          <a:p>
+            <a:r>
+              <a:rPr lang="en-US" sz="2400" dirty="0"/>
               <a:t>			</a:t>
             </a:r>
             <a:r>
-              <a:rPr lang="en-US" sz="2800" b="1" dirty="0"/>
+              <a:rPr lang="en-US" sz="2400" b="1" dirty="0"/>
               <a:t>break</a:t>
             </a:r>
             <a:r>
-              <a:rPr lang="en-US" sz="2800" dirty="0"/>
+              <a:rPr lang="en-US" sz="2400" dirty="0"/>
               <a:t>;  //</a:t>
             </a:r>
             <a:r>
-              <a:rPr lang="zh-CN" altLang="en-US" sz="2800" dirty="0"/>
+              <a:rPr lang="zh-CN" altLang="en-US" sz="2400" dirty="0"/>
               <a:t>跳出</a:t>
             </a:r>
             <a:r>
-              <a:rPr lang="en-US" sz="2800" dirty="0"/>
+              <a:rPr lang="en-US" sz="2400" dirty="0"/>
               <a:t>while</a:t>
             </a:r>
             <a:r>
-              <a:rPr lang="zh-CN" altLang="en-US" sz="2800" dirty="0"/>
+              <a:rPr lang="zh-CN" altLang="en-US" sz="2400" dirty="0"/>
               <a:t>循环</a:t>
             </a:r>
-            <a:endParaRPr lang="en-US" sz="2800" dirty="0"/>
-          </a:p>
-          <a:p>
-            <a:r>
-              <a:rPr lang="en-US" sz="2800" dirty="0"/>
+            <a:endParaRPr lang="en-US" sz="2400" dirty="0"/>
+          </a:p>
+          <a:p>
+            <a:r>
+              <a:rPr lang="en-US" sz="2400" dirty="0"/>
               <a:t>		average += score;</a:t>
             </a:r>
-          </a:p>
-          <a:p>
-            <a:r>
-              <a:rPr lang="en-US" sz="2800" dirty="0"/>
+            <a:endParaRPr lang="en-US" sz="2400" dirty="0"/>
+          </a:p>
+          <a:p>
+            <a:r>
+              <a:rPr lang="en-US" sz="2400" dirty="0"/>
               <a:t>		num++;</a:t>
             </a:r>
-          </a:p>
-          <a:p>
-            <a:r>
-              <a:rPr lang="en-US" sz="2800" dirty="0"/>
+            <a:endParaRPr lang="en-US" sz="2400" dirty="0"/>
+          </a:p>
+          <a:p>
+            <a:r>
+              <a:rPr lang="en-US" sz="2400" dirty="0"/>
               <a:t>	}</a:t>
             </a:r>
-          </a:p>
-          <a:p>
-            <a:r>
-              <a:rPr lang="en-US" sz="2800" dirty="0"/>
+            <a:endParaRPr lang="en-US" sz="2400" dirty="0"/>
+          </a:p>
+          <a:p>
+            <a:r>
+              <a:rPr lang="en-US" sz="2400" dirty="0"/>
               <a:t>	std::</a:t>
             </a:r>
             <a:r>
-              <a:rPr lang="en-US" sz="2800" dirty="0" err="1"/>
+              <a:rPr lang="en-US" sz="2400" dirty="0" err="1"/>
               <a:t>cout</a:t>
             </a:r>
             <a:r>
-              <a:rPr lang="en-US" sz="2800" dirty="0"/>
+              <a:rPr lang="en-US" sz="2400" dirty="0"/>
               <a:t> &lt;&lt; "</a:t>
             </a:r>
             <a:r>
-              <a:rPr lang="zh-CN" altLang="en-US" sz="2800" dirty="0"/>
+              <a:rPr lang="zh-CN" altLang="en-US" sz="2400" dirty="0"/>
               <a:t>平均成绩是：</a:t>
             </a:r>
             <a:r>
-              <a:rPr lang="en-US" sz="2800" dirty="0"/>
+              <a:rPr lang="en-US" sz="2400" dirty="0"/>
               <a:t>" &lt;&lt; average / num &lt;&lt; std::</a:t>
             </a:r>
             <a:r>
-              <a:rPr lang="en-US" sz="2800" dirty="0" err="1"/>
+              <a:rPr lang="en-US" sz="2400" dirty="0" err="1"/>
               <a:t>endl</a:t>
             </a:r>
             <a:r>
-              <a:rPr lang="en-US" sz="2800" dirty="0"/>
+              <a:rPr lang="en-US" sz="2400" dirty="0"/>
               <a:t>;</a:t>
             </a:r>
+            <a:endParaRPr lang="en-US" sz="2400" dirty="0"/>
           </a:p>
         </p:txBody>
       </p:sp>
     </p:spTree>
-    <p:extLst>
-      <p:ext uri="{BB962C8B-B14F-4D97-AF65-F5344CB8AC3E}">
-        <p14:creationId xmlns:p14="http://schemas.microsoft.com/office/powerpoint/2010/main" val="1117941466"/>
-      </p:ext>
-    </p:extLst>
   </p:cSld>
   <p:clrMapOvr>
     <a:masterClrMapping/>
@@ -11242,13 +10367,7 @@
       </p:grpSpPr>
       <p:sp>
         <p:nvSpPr>
-          <p:cNvPr id="2" name="标题 1">
-            <a:extLst>
-              <a:ext uri="{FF2B5EF4-FFF2-40B4-BE49-F238E27FC236}">
-                <a16:creationId xmlns:a16="http://schemas.microsoft.com/office/drawing/2014/main" id="{4DA007F9-C487-41E8-8109-D3B88CE955A9}"/>
-              </a:ext>
-            </a:extLst>
-          </p:cNvPr>
+          <p:cNvPr id="2" name="标题 1"/>
           <p:cNvSpPr>
             <a:spLocks noGrp="1"/>
           </p:cNvSpPr>
@@ -11269,18 +10388,13 @@
               <a:rPr lang="zh-CN" altLang="en-US" dirty="0"/>
               <a:t>循环语句</a:t>
             </a:r>
-          </a:p>
-        </p:txBody>
-      </p:sp>
-      <p:sp>
-        <p:nvSpPr>
-          <p:cNvPr id="3" name="内容占位符 2">
-            <a:extLst>
-              <a:ext uri="{FF2B5EF4-FFF2-40B4-BE49-F238E27FC236}">
-                <a16:creationId xmlns:a16="http://schemas.microsoft.com/office/drawing/2014/main" id="{E7D491DA-13FB-41EE-9DF7-B97895A156A1}"/>
-              </a:ext>
-            </a:extLst>
-          </p:cNvPr>
+            <a:endParaRPr lang="zh-CN" altLang="en-US" dirty="0"/>
+          </a:p>
+        </p:txBody>
+      </p:sp>
+      <p:sp>
+        <p:nvSpPr>
+          <p:cNvPr id="3" name="内容占位符 2"/>
           <p:cNvSpPr>
             <a:spLocks noGrp="1"/>
           </p:cNvSpPr>
@@ -11316,20 +10430,14 @@
       </p:sp>
       <p:sp>
         <p:nvSpPr>
-          <p:cNvPr id="4" name="文本框 3">
-            <a:extLst>
-              <a:ext uri="{FF2B5EF4-FFF2-40B4-BE49-F238E27FC236}">
-                <a16:creationId xmlns:a16="http://schemas.microsoft.com/office/drawing/2014/main" id="{AF8779E8-45F1-422D-92CF-91D52164A853}"/>
-              </a:ext>
-            </a:extLst>
-          </p:cNvPr>
+          <p:cNvPr id="4" name="文本框 3"/>
           <p:cNvSpPr txBox="1"/>
           <p:nvPr/>
         </p:nvSpPr>
         <p:spPr>
           <a:xfrm>
             <a:off x="914400" y="2328420"/>
-            <a:ext cx="10312923" cy="3108543"/>
+            <a:ext cx="10312923" cy="2677656"/>
           </a:xfrm>
           <a:prstGeom prst="rect">
             <a:avLst/>
@@ -11344,27 +10452,25 @@
           <a:p>
             <a:r>
               <a:rPr lang="en-US" sz="2400" dirty="0"/>
-              <a:t>              </a:t>
-            </a:r>
-            <a:r>
-              <a:rPr lang="en-US" sz="2800" dirty="0"/>
-              <a:t>double score, average{ 0 };</a:t>
-            </a:r>
-          </a:p>
-          <a:p>
-            <a:r>
-              <a:rPr lang="en-US" sz="2800" dirty="0"/>
+              <a:t>              double score, average{ 0 };</a:t>
+            </a:r>
+            <a:endParaRPr lang="en-US" sz="2400" dirty="0"/>
+          </a:p>
+          <a:p>
+            <a:r>
+              <a:rPr lang="en-US" sz="2400" dirty="0"/>
               <a:t>	auto num{ 0 };</a:t>
             </a:r>
+            <a:endParaRPr lang="en-US" sz="2400" dirty="0"/>
           </a:p>
           <a:p>
             <a:pPr latinLnBrk="1"/>
             <a:r>
-              <a:rPr lang="en-US" sz="2800" dirty="0"/>
+              <a:rPr lang="en-US" sz="2400" dirty="0"/>
               <a:t>             for(;</a:t>
             </a:r>
             <a:r>
-              <a:rPr lang="en-US" sz="2800" dirty="0">
+              <a:rPr lang="en-US" sz="2400" dirty="0">
                 <a:solidFill>
                   <a:srgbClr val="0070C0"/>
                 </a:solidFill>
@@ -11372,7 +10478,7 @@
               <a:t>std::</a:t>
             </a:r>
             <a:r>
-              <a:rPr lang="en-US" sz="2800" dirty="0" err="1">
+              <a:rPr lang="en-US" sz="2400" dirty="0" err="1">
                 <a:solidFill>
                   <a:srgbClr val="0070C0"/>
                 </a:solidFill>
@@ -11380,7 +10486,7 @@
               <a:t>cin</a:t>
             </a:r>
             <a:r>
-              <a:rPr lang="en-US" sz="2800" dirty="0">
+              <a:rPr lang="en-US" sz="2400" dirty="0">
                 <a:solidFill>
                   <a:srgbClr val="0070C0"/>
                 </a:solidFill>
@@ -11388,69 +10494,66 @@
               <a:t>&gt;&gt;score&amp;&amp;score&gt;=0</a:t>
             </a:r>
             <a:r>
-              <a:rPr lang="en-US" sz="2800" dirty="0"/>
+              <a:rPr lang="en-US" sz="2400" dirty="0"/>
               <a:t>; ){</a:t>
             </a:r>
             <a:br>
-              <a:rPr lang="en-US" sz="2800" dirty="0"/>
+              <a:rPr lang="en-US" sz="2400" dirty="0"/>
             </a:br>
             <a:r>
-              <a:rPr lang="en-US" sz="2800" dirty="0"/>
+              <a:rPr lang="en-US" sz="2400" dirty="0"/>
               <a:t>                  average += score;</a:t>
             </a:r>
             <a:br>
-              <a:rPr lang="en-US" sz="2800" dirty="0"/>
+              <a:rPr lang="en-US" sz="2400" dirty="0"/>
             </a:br>
             <a:r>
-              <a:rPr lang="en-US" sz="2800" dirty="0"/>
+              <a:rPr lang="en-US" sz="2400" dirty="0"/>
               <a:t>                  num++;</a:t>
             </a:r>
             <a:br>
-              <a:rPr lang="en-US" sz="2800" dirty="0"/>
+              <a:rPr lang="en-US" sz="2400" dirty="0"/>
             </a:br>
             <a:r>
-              <a:rPr lang="en-US" sz="2800" dirty="0"/>
+              <a:rPr lang="en-US" sz="2400" dirty="0"/>
               <a:t>             }</a:t>
             </a:r>
-          </a:p>
-          <a:p>
-            <a:r>
-              <a:rPr lang="en-US" sz="2800" dirty="0"/>
+            <a:endParaRPr lang="en-US" sz="2400" dirty="0"/>
+          </a:p>
+          <a:p>
+            <a:r>
+              <a:rPr lang="en-US" sz="2400" dirty="0"/>
               <a:t>	std::</a:t>
             </a:r>
             <a:r>
-              <a:rPr lang="en-US" sz="2800" dirty="0" err="1"/>
+              <a:rPr lang="en-US" sz="2400" dirty="0" err="1"/>
               <a:t>cout</a:t>
             </a:r>
             <a:r>
-              <a:rPr lang="en-US" sz="2800" dirty="0"/>
+              <a:rPr lang="en-US" sz="2400" dirty="0"/>
               <a:t> &lt;&lt; "</a:t>
             </a:r>
             <a:r>
-              <a:rPr lang="zh-CN" altLang="en-US" sz="2800" dirty="0"/>
+              <a:rPr lang="zh-CN" altLang="en-US" sz="2400" dirty="0"/>
               <a:t>平均成绩是：</a:t>
             </a:r>
             <a:r>
-              <a:rPr lang="en-US" sz="2800" dirty="0"/>
+              <a:rPr lang="en-US" sz="2400" dirty="0"/>
               <a:t>" &lt;&lt; average / num &lt;&lt; std::</a:t>
             </a:r>
             <a:r>
-              <a:rPr lang="en-US" sz="2800" dirty="0" err="1"/>
+              <a:rPr lang="en-US" sz="2400" dirty="0" err="1"/>
               <a:t>endl</a:t>
             </a:r>
             <a:r>
-              <a:rPr lang="en-US" sz="2800" dirty="0"/>
+              <a:rPr lang="en-US" sz="2400" dirty="0"/>
               <a:t>;</a:t>
             </a:r>
+            <a:endParaRPr lang="en-US" sz="2400" dirty="0"/>
           </a:p>
         </p:txBody>
       </p:sp>
     </p:spTree>
-    <p:extLst>
-      <p:ext uri="{BB962C8B-B14F-4D97-AF65-F5344CB8AC3E}">
-        <p14:creationId xmlns:p14="http://schemas.microsoft.com/office/powerpoint/2010/main" val="4058863827"/>
-      </p:ext>
-    </p:extLst>
   </p:cSld>
   <p:clrMapOvr>
     <a:masterClrMapping/>
@@ -11703,13 +10806,7 @@
       </p:grpSpPr>
       <p:sp>
         <p:nvSpPr>
-          <p:cNvPr id="2" name="标题 1">
-            <a:extLst>
-              <a:ext uri="{FF2B5EF4-FFF2-40B4-BE49-F238E27FC236}">
-                <a16:creationId xmlns:a16="http://schemas.microsoft.com/office/drawing/2014/main" id="{CBAF15B4-9C3E-41C3-98F6-35CEBCE52384}"/>
-              </a:ext>
-            </a:extLst>
-          </p:cNvPr>
+          <p:cNvPr id="2" name="标题 1"/>
           <p:cNvSpPr>
             <a:spLocks noGrp="1"/>
           </p:cNvSpPr>
@@ -11756,13 +10853,7 @@
       </p:sp>
       <p:sp>
         <p:nvSpPr>
-          <p:cNvPr id="3" name="内容占位符 2">
-            <a:extLst>
-              <a:ext uri="{FF2B5EF4-FFF2-40B4-BE49-F238E27FC236}">
-                <a16:creationId xmlns:a16="http://schemas.microsoft.com/office/drawing/2014/main" id="{C82B5DB0-BE0B-4129-AAAD-C642FB870838}"/>
-              </a:ext>
-            </a:extLst>
-          </p:cNvPr>
+          <p:cNvPr id="3" name="内容占位符 2"/>
           <p:cNvSpPr>
             <a:spLocks noGrp="1"/>
           </p:cNvSpPr>
@@ -11841,27 +10932,27 @@
               <a:t>; </a:t>
             </a:r>
             <a:r>
-              <a:rPr lang="en-US" sz="2600" i="1" dirty="0"/>
+              <a:rPr lang="en-US" sz="2200" i="1" dirty="0"/>
               <a:t>//</a:t>
             </a:r>
             <a:r>
-              <a:rPr lang="zh-CN" altLang="en-US" sz="2600" i="1" dirty="0"/>
+              <a:rPr lang="zh-CN" altLang="en-US" sz="2200" i="1" dirty="0"/>
               <a:t>停止后续语句执行，回到循环的条件表达式</a:t>
             </a:r>
             <a:r>
-              <a:rPr lang="en-US" sz="2600" i="1" dirty="0"/>
+              <a:rPr lang="en-US" sz="2200" i="1" dirty="0"/>
               <a:t>"</a:t>
             </a:r>
             <a:r>
-              <a:rPr lang="en-US" sz="2600" i="1" dirty="0" err="1"/>
+              <a:rPr lang="en-US" sz="2200" i="1" dirty="0" err="1"/>
               <a:t>i</a:t>
             </a:r>
             <a:r>
-              <a:rPr lang="en-US" sz="2600" i="1" dirty="0"/>
+              <a:rPr lang="en-US" sz="2200" i="1" dirty="0"/>
               <a:t>&lt;=100"</a:t>
             </a:r>
             <a:br>
-              <a:rPr lang="en-US" sz="2600" dirty="0"/>
+              <a:rPr lang="en-US" sz="2200" dirty="0"/>
             </a:br>
             <a:r>
               <a:rPr lang="en-US" sz="2600" dirty="0"/>
@@ -11891,6 +10982,7 @@
               <a:rPr lang="en-US" sz="2600" dirty="0"/>
               <a:t>';</a:t>
             </a:r>
+            <a:endParaRPr lang="en-US" sz="2600" dirty="0"/>
           </a:p>
           <a:p>
             <a:pPr marL="0" indent="0">
@@ -11901,11 +10993,6 @@
         </p:txBody>
       </p:sp>
     </p:spTree>
-    <p:extLst>
-      <p:ext uri="{BB962C8B-B14F-4D97-AF65-F5344CB8AC3E}">
-        <p14:creationId xmlns:p14="http://schemas.microsoft.com/office/powerpoint/2010/main" val="2419494605"/>
-      </p:ext>
-    </p:extLst>
   </p:cSld>
   <p:clrMapOvr>
     <a:masterClrMapping/>
@@ -11932,13 +11019,7 @@
       </p:grpSpPr>
       <p:sp>
         <p:nvSpPr>
-          <p:cNvPr id="2" name="标题 1">
-            <a:extLst>
-              <a:ext uri="{FF2B5EF4-FFF2-40B4-BE49-F238E27FC236}">
-                <a16:creationId xmlns:a16="http://schemas.microsoft.com/office/drawing/2014/main" id="{EF894E17-6740-4F58-8E58-2B4A04233FA3}"/>
-              </a:ext>
-            </a:extLst>
-          </p:cNvPr>
+          <p:cNvPr id="2" name="标题 1"/>
           <p:cNvSpPr>
             <a:spLocks noGrp="1"/>
           </p:cNvSpPr>
@@ -11961,13 +11042,7 @@
       </p:sp>
       <p:sp>
         <p:nvSpPr>
-          <p:cNvPr id="3" name="内容占位符 2">
-            <a:extLst>
-              <a:ext uri="{FF2B5EF4-FFF2-40B4-BE49-F238E27FC236}">
-                <a16:creationId xmlns:a16="http://schemas.microsoft.com/office/drawing/2014/main" id="{60A29C9F-47DD-4987-B45F-7E4183A4077D}"/>
-              </a:ext>
-            </a:extLst>
-          </p:cNvPr>
+          <p:cNvPr id="3" name="内容占位符 2"/>
           <p:cNvSpPr>
             <a:spLocks noGrp="1"/>
           </p:cNvSpPr>
@@ -11997,18 +11072,13 @@
               <a:rPr lang="zh-CN" altLang="en-US" dirty="0"/>
               <a:t>循环语句</a:t>
             </a:r>
-          </a:p>
-        </p:txBody>
-      </p:sp>
-      <p:sp>
-        <p:nvSpPr>
-          <p:cNvPr id="4" name="文本框 3">
-            <a:extLst>
-              <a:ext uri="{FF2B5EF4-FFF2-40B4-BE49-F238E27FC236}">
-                <a16:creationId xmlns:a16="http://schemas.microsoft.com/office/drawing/2014/main" id="{AD455C1A-3EC4-41AE-B4FB-FD9602D650D4}"/>
-              </a:ext>
-            </a:extLst>
-          </p:cNvPr>
+            <a:endParaRPr lang="zh-CN" altLang="en-US" dirty="0"/>
+          </a:p>
+        </p:txBody>
+      </p:sp>
+      <p:sp>
+        <p:nvSpPr>
+          <p:cNvPr id="4" name="文本框 3"/>
           <p:cNvSpPr txBox="1"/>
           <p:nvPr/>
         </p:nvSpPr>
@@ -12032,18 +11102,13 @@
               <a:rPr lang="zh-CN" altLang="en-US" sz="2800" dirty="0"/>
               <a:t>满足某个条件，执行相应程序块</a:t>
             </a:r>
-          </a:p>
-        </p:txBody>
-      </p:sp>
-      <p:sp>
-        <p:nvSpPr>
-          <p:cNvPr id="5" name="文本框 4">
-            <a:extLst>
-              <a:ext uri="{FF2B5EF4-FFF2-40B4-BE49-F238E27FC236}">
-                <a16:creationId xmlns:a16="http://schemas.microsoft.com/office/drawing/2014/main" id="{F473164A-39E2-469A-B4E3-08A2232194F6}"/>
-              </a:ext>
-            </a:extLst>
-          </p:cNvPr>
+            <a:endParaRPr lang="zh-CN" altLang="en-US" sz="2800" dirty="0"/>
+          </a:p>
+        </p:txBody>
+      </p:sp>
+      <p:sp>
+        <p:nvSpPr>
+          <p:cNvPr id="5" name="文本框 4"/>
           <p:cNvSpPr txBox="1"/>
           <p:nvPr/>
         </p:nvSpPr>
@@ -12067,15 +11132,11 @@
               <a:rPr lang="zh-CN" altLang="en-US" sz="2800" dirty="0"/>
               <a:t>满足某个条件，重复执行相应程序块</a:t>
             </a:r>
+            <a:endParaRPr lang="zh-CN" altLang="en-US" sz="2800" dirty="0"/>
           </a:p>
         </p:txBody>
       </p:sp>
     </p:spTree>
-    <p:extLst>
-      <p:ext uri="{BB962C8B-B14F-4D97-AF65-F5344CB8AC3E}">
-        <p14:creationId xmlns:p14="http://schemas.microsoft.com/office/powerpoint/2010/main" val="56647918"/>
-      </p:ext>
-    </p:extLst>
   </p:cSld>
   <p:clrMapOvr>
     <a:masterClrMapping/>
@@ -12211,13 +11272,7 @@
       </p:grpSpPr>
       <p:sp>
         <p:nvSpPr>
-          <p:cNvPr id="2" name="标题 1">
-            <a:extLst>
-              <a:ext uri="{FF2B5EF4-FFF2-40B4-BE49-F238E27FC236}">
-                <a16:creationId xmlns:a16="http://schemas.microsoft.com/office/drawing/2014/main" id="{E1C2A353-521E-4F7A-91D2-A8EE58003214}"/>
-              </a:ext>
-            </a:extLst>
-          </p:cNvPr>
+          <p:cNvPr id="2" name="标题 1"/>
           <p:cNvSpPr>
             <a:spLocks noGrp="1"/>
           </p:cNvSpPr>
@@ -12248,13 +11303,7 @@
       </p:sp>
       <p:sp>
         <p:nvSpPr>
-          <p:cNvPr id="3" name="内容占位符 2">
-            <a:extLst>
-              <a:ext uri="{FF2B5EF4-FFF2-40B4-BE49-F238E27FC236}">
-                <a16:creationId xmlns:a16="http://schemas.microsoft.com/office/drawing/2014/main" id="{751A3CA2-B030-4326-856E-0A82528B9221}"/>
-              </a:ext>
-            </a:extLst>
-          </p:cNvPr>
+          <p:cNvPr id="3" name="内容占位符 2"/>
           <p:cNvSpPr>
             <a:spLocks noGrp="1"/>
           </p:cNvSpPr>
@@ -12280,7 +11329,15 @@
             </a:r>
             <a:r>
               <a:rPr lang="zh-CN" altLang="en-US" dirty="0"/>
-              <a:t>关键字定义的可以跳转到标准位置的</a:t>
+              <a:t>关键字定义的可以跳转到</a:t>
+            </a:r>
+            <a:r>
+              <a:rPr lang="zh-CN" altLang="en-US" b="1" dirty="0"/>
+              <a:t>标签</a:t>
+            </a:r>
+            <a:r>
+              <a:rPr lang="zh-CN" altLang="en-US" dirty="0"/>
+              <a:t>位置的</a:t>
             </a:r>
             <a:r>
               <a:rPr lang="en-US" b="1" dirty="0" err="1"/>
@@ -12358,18 +11415,14 @@
               <a:rPr lang="en-US" dirty="0"/>
               <a:t> </a:t>
             </a:r>
-          </a:p>
-          <a:p>
             <a:endParaRPr lang="en-US" dirty="0"/>
           </a:p>
+          <a:p>
+            <a:endParaRPr lang="en-US" dirty="0"/>
+          </a:p>
         </p:txBody>
       </p:sp>
     </p:spTree>
-    <p:extLst>
-      <p:ext uri="{BB962C8B-B14F-4D97-AF65-F5344CB8AC3E}">
-        <p14:creationId xmlns:p14="http://schemas.microsoft.com/office/powerpoint/2010/main" val="3863674153"/>
-      </p:ext>
-    </p:extLst>
   </p:cSld>
   <p:clrMapOvr>
     <a:masterClrMapping/>
@@ -12396,13 +11449,7 @@
       </p:grpSpPr>
       <p:sp>
         <p:nvSpPr>
-          <p:cNvPr id="3" name="内容占位符 2">
-            <a:extLst>
-              <a:ext uri="{FF2B5EF4-FFF2-40B4-BE49-F238E27FC236}">
-                <a16:creationId xmlns:a16="http://schemas.microsoft.com/office/drawing/2014/main" id="{751A3CA2-B030-4326-856E-0A82528B9221}"/>
-              </a:ext>
-            </a:extLst>
-          </p:cNvPr>
+          <p:cNvPr id="3" name="内容占位符 2"/>
           <p:cNvSpPr>
             <a:spLocks noGrp="1"/>
           </p:cNvSpPr>
@@ -12453,6 +11500,7 @@
               <a:rPr lang="en-US" sz="4400" dirty="0"/>
               <a:t>;</a:t>
             </a:r>
+            <a:endParaRPr lang="en-US" sz="4400" dirty="0"/>
           </a:p>
           <a:p>
             <a:pPr marL="0" indent="0">
@@ -12462,6 +11510,7 @@
               <a:rPr lang="en-US" sz="4400" dirty="0"/>
               <a:t>double score, average{ 0 };</a:t>
             </a:r>
+            <a:endParaRPr lang="en-US" sz="4400" dirty="0"/>
           </a:p>
           <a:p>
             <a:pPr marL="0" indent="0">
@@ -12471,6 +11520,7 @@
               <a:rPr lang="en-US" sz="4400" dirty="0"/>
               <a:t>	auto num{ 0 };</a:t>
             </a:r>
+            <a:endParaRPr lang="en-US" sz="4400" dirty="0"/>
           </a:p>
           <a:p>
             <a:pPr marL="0" indent="0">
@@ -12488,6 +11538,7 @@
               <a:rPr lang="en-US" sz="4400" dirty="0"/>
               <a:t> &gt;&gt; score; ){</a:t>
             </a:r>
+            <a:endParaRPr lang="en-US" sz="4400" dirty="0"/>
           </a:p>
           <a:p>
             <a:pPr marL="0" indent="0">
@@ -12497,6 +11548,7 @@
               <a:rPr lang="en-US" sz="4400" dirty="0"/>
               <a:t>		if (score &lt; 0)</a:t>
             </a:r>
+            <a:endParaRPr lang="en-US" sz="4400" dirty="0"/>
           </a:p>
           <a:p>
             <a:pPr marL="0" indent="0">
@@ -12540,6 +11592,7 @@
               <a:rPr lang="en-US" sz="4400" dirty="0"/>
               <a:t>		average += score;</a:t>
             </a:r>
+            <a:endParaRPr lang="en-US" sz="4400" dirty="0"/>
           </a:p>
           <a:p>
             <a:pPr marL="0" indent="0">
@@ -12549,6 +11602,7 @@
               <a:rPr lang="en-US" sz="4400" dirty="0"/>
               <a:t>		num++;</a:t>
             </a:r>
+            <a:endParaRPr lang="en-US" sz="4400" dirty="0"/>
           </a:p>
           <a:p>
             <a:pPr marL="0" indent="0">
@@ -12558,6 +11612,7 @@
               <a:rPr lang="en-US" sz="4400" dirty="0"/>
               <a:t>	}</a:t>
             </a:r>
+            <a:endParaRPr lang="en-US" sz="4400" dirty="0"/>
           </a:p>
           <a:p>
             <a:pPr marL="0" indent="0">
@@ -12571,6 +11626,7 @@
               <a:rPr lang="en-US" sz="4400" dirty="0"/>
               <a:t>:</a:t>
             </a:r>
+            <a:endParaRPr lang="en-US" sz="4400" dirty="0"/>
           </a:p>
           <a:p>
             <a:pPr marL="0" indent="0" latinLnBrk="1">
@@ -12604,6 +11660,7 @@
               <a:rPr lang="en-US" sz="4400" dirty="0"/>
               <a:t>;</a:t>
             </a:r>
+            <a:endParaRPr lang="en-US" sz="4400" dirty="0"/>
           </a:p>
           <a:p>
             <a:pPr marL="0" indent="0">
@@ -12614,11 +11671,6 @@
         </p:txBody>
       </p:sp>
     </p:spTree>
-    <p:extLst>
-      <p:ext uri="{BB962C8B-B14F-4D97-AF65-F5344CB8AC3E}">
-        <p14:creationId xmlns:p14="http://schemas.microsoft.com/office/powerpoint/2010/main" val="1060766219"/>
-      </p:ext>
-    </p:extLst>
   </p:cSld>
   <p:clrMapOvr>
     <a:masterClrMapping/>
@@ -12645,13 +11697,7 @@
       </p:grpSpPr>
       <p:sp>
         <p:nvSpPr>
-          <p:cNvPr id="2" name="标题 1">
-            <a:extLst>
-              <a:ext uri="{FF2B5EF4-FFF2-40B4-BE49-F238E27FC236}">
-                <a16:creationId xmlns:a16="http://schemas.microsoft.com/office/drawing/2014/main" id="{279DDA44-380A-47DF-8310-B740452D4187}"/>
-              </a:ext>
-            </a:extLst>
-          </p:cNvPr>
+          <p:cNvPr id="2" name="标题 1"/>
           <p:cNvSpPr>
             <a:spLocks noGrp="1"/>
           </p:cNvSpPr>
@@ -12680,78 +11726,30 @@
           </a:p>
         </p:txBody>
       </p:sp>
-      <p:pic>
-        <p:nvPicPr>
-          <p:cNvPr id="6" name="图片 5">
-            <a:hlinkClick r:id="rId3"/>
-            <a:extLst>
-              <a:ext uri="{FF2B5EF4-FFF2-40B4-BE49-F238E27FC236}">
-                <a16:creationId xmlns:a16="http://schemas.microsoft.com/office/drawing/2014/main" id="{26A5D7A7-DB9F-400C-91A9-3773784B23FC}"/>
-              </a:ext>
-            </a:extLst>
-          </p:cNvPr>
-          <p:cNvPicPr>
-            <a:picLocks noChangeAspect="1"/>
-          </p:cNvPicPr>
-          <p:nvPr/>
-        </p:nvPicPr>
-        <p:blipFill>
-          <a:blip r:embed="rId4"/>
-          <a:stretch>
-            <a:fillRect/>
-          </a:stretch>
-        </p:blipFill>
-        <p:spPr>
-          <a:xfrm>
-            <a:off x="2265679" y="1668154"/>
-            <a:ext cx="6635313" cy="4976485"/>
-          </a:xfrm>
-          <a:prstGeom prst="rect">
-            <a:avLst/>
-          </a:prstGeom>
-        </p:spPr>
-      </p:pic>
-      <p:sp>
-        <p:nvSpPr>
-          <p:cNvPr id="7" name="文本框 6">
-            <a:extLst>
-              <a:ext uri="{FF2B5EF4-FFF2-40B4-BE49-F238E27FC236}">
-                <a16:creationId xmlns:a16="http://schemas.microsoft.com/office/drawing/2014/main" id="{61204B67-34D2-4243-A741-A337782390B7}"/>
-              </a:ext>
-            </a:extLst>
-          </p:cNvPr>
-          <p:cNvSpPr txBox="1"/>
-          <p:nvPr/>
-        </p:nvSpPr>
-        <p:spPr>
-          <a:xfrm>
-            <a:off x="9316720" y="2133600"/>
-            <a:ext cx="1869440" cy="523220"/>
-          </a:xfrm>
-          <a:prstGeom prst="rect">
-            <a:avLst/>
-          </a:prstGeom>
-          <a:noFill/>
-        </p:spPr>
-        <p:txBody>
-          <a:bodyPr wrap="square" rtlCol="0">
-            <a:spAutoFit/>
-          </a:bodyPr>
+      <p:sp>
+        <p:nvSpPr>
+          <p:cNvPr id="3" name="内容占位符 2"/>
+          <p:cNvSpPr>
+            <a:spLocks noGrp="1"/>
+          </p:cNvSpPr>
+          <p:nvPr>
+            <p:ph idx="1"/>
+          </p:nvPr>
+        </p:nvSpPr>
+        <p:spPr/>
+        <p:txBody>
+          <a:bodyPr/>
           <a:lstStyle/>
           <a:p>
             <a:r>
-              <a:rPr lang="en-US" sz="2800" dirty="0"/>
-              <a:t>Alcorn</a:t>
-            </a:r>
+              <a:rPr lang="zh-CN" altLang="en-US" dirty="0"/>
+              <a:t>参见书</a:t>
+            </a:r>
+            <a:endParaRPr lang="en-US" dirty="0"/>
           </a:p>
         </p:txBody>
       </p:sp>
     </p:spTree>
-    <p:extLst>
-      <p:ext uri="{BB962C8B-B14F-4D97-AF65-F5344CB8AC3E}">
-        <p14:creationId xmlns:p14="http://schemas.microsoft.com/office/powerpoint/2010/main" val="7835147"/>
-      </p:ext>
-    </p:extLst>
   </p:cSld>
   <p:clrMapOvr>
     <a:masterClrMapping/>
@@ -12778,13 +11776,7 @@
       </p:grpSpPr>
       <p:sp>
         <p:nvSpPr>
-          <p:cNvPr id="2" name="标题 1">
-            <a:extLst>
-              <a:ext uri="{FF2B5EF4-FFF2-40B4-BE49-F238E27FC236}">
-                <a16:creationId xmlns:a16="http://schemas.microsoft.com/office/drawing/2014/main" id="{279DDA44-380A-47DF-8310-B740452D4187}"/>
-              </a:ext>
-            </a:extLst>
-          </p:cNvPr>
+          <p:cNvPr id="2" name="标题 1"/>
           <p:cNvSpPr>
             <a:spLocks noGrp="1"/>
           </p:cNvSpPr>
@@ -12794,131 +11786,22 @@
         </p:nvSpPr>
         <p:spPr/>
         <p:txBody>
-          <a:bodyPr/>
+          <a:bodyPr>
+            <a:normAutofit/>
+          </a:bodyPr>
           <a:lstStyle/>
           <a:p>
             <a:r>
               <a:rPr lang="zh-CN" altLang="en-US" dirty="0"/>
-              <a:t>控制台游戏</a:t>
-            </a:r>
-            <a:r>
-              <a:rPr lang="en-US" dirty="0"/>
-              <a:t>-Pong</a:t>
-            </a:r>
-            <a:r>
-              <a:rPr lang="zh-CN" altLang="en-US" dirty="0"/>
-              <a:t>游戏</a:t>
-            </a:r>
-            <a:endParaRPr lang="en-US" dirty="0"/>
-          </a:p>
-        </p:txBody>
-      </p:sp>
-      <p:pic>
-        <p:nvPicPr>
-          <p:cNvPr id="6" name="图片 5">
-            <a:extLst>
-              <a:ext uri="{FF2B5EF4-FFF2-40B4-BE49-F238E27FC236}">
-                <a16:creationId xmlns:a16="http://schemas.microsoft.com/office/drawing/2014/main" id="{6DC3BDBD-0691-400A-8AB9-6E567A73AB95}"/>
-              </a:ext>
-            </a:extLst>
-          </p:cNvPr>
-          <p:cNvPicPr>
-            <a:picLocks noChangeAspect="1"/>
-          </p:cNvPicPr>
-          <p:nvPr/>
-        </p:nvPicPr>
-        <p:blipFill>
-          <a:blip r:embed="rId3"/>
-          <a:stretch>
-            <a:fillRect/>
-          </a:stretch>
-        </p:blipFill>
-        <p:spPr>
-          <a:xfrm>
-            <a:off x="2614930" y="1647507"/>
-            <a:ext cx="7626350" cy="5178538"/>
-          </a:xfrm>
-          <a:prstGeom prst="rect">
-            <a:avLst/>
-          </a:prstGeom>
-        </p:spPr>
-      </p:pic>
-    </p:spTree>
-    <p:extLst>
-      <p:ext uri="{BB962C8B-B14F-4D97-AF65-F5344CB8AC3E}">
-        <p14:creationId xmlns:p14="http://schemas.microsoft.com/office/powerpoint/2010/main" val="338449787"/>
-      </p:ext>
-    </p:extLst>
-  </p:cSld>
-  <p:clrMapOvr>
-    <a:masterClrMapping/>
-  </p:clrMapOvr>
-</p:sld>
-</file>
-
-<file path=ppt/slides/slide44.xml><?xml version="1.0" encoding="utf-8"?>
-<p:sld xmlns:a="http://schemas.openxmlformats.org/drawingml/2006/main" xmlns:r="http://schemas.openxmlformats.org/officeDocument/2006/relationships" xmlns:p="http://schemas.openxmlformats.org/presentationml/2006/main">
-  <p:cSld>
-    <p:spTree>
-      <p:nvGrpSpPr>
-        <p:cNvPr id="1" name=""/>
-        <p:cNvGrpSpPr/>
-        <p:nvPr/>
-      </p:nvGrpSpPr>
-      <p:grpSpPr>
-        <a:xfrm>
-          <a:off x="0" y="0"/>
-          <a:ext cx="0" cy="0"/>
-          <a:chOff x="0" y="0"/>
-          <a:chExt cx="0" cy="0"/>
-        </a:xfrm>
-      </p:grpSpPr>
-      <p:sp>
-        <p:nvSpPr>
-          <p:cNvPr id="2" name="标题 1">
-            <a:extLst>
-              <a:ext uri="{FF2B5EF4-FFF2-40B4-BE49-F238E27FC236}">
-                <a16:creationId xmlns:a16="http://schemas.microsoft.com/office/drawing/2014/main" id="{F7140ABA-8271-4B69-A252-5D878DBDF127}"/>
-              </a:ext>
-            </a:extLst>
-          </p:cNvPr>
-          <p:cNvSpPr>
-            <a:spLocks noGrp="1"/>
-          </p:cNvSpPr>
-          <p:nvPr>
-            <p:ph type="title"/>
-          </p:nvPr>
-        </p:nvSpPr>
-        <p:spPr/>
-        <p:txBody>
-          <a:bodyPr/>
-          <a:lstStyle/>
-          <a:p>
-            <a:r>
-              <a:rPr lang="zh-CN" altLang="en-US" dirty="0"/>
-              <a:t>乔布斯成为</a:t>
-            </a:r>
-            <a:r>
-              <a:rPr lang="en-US" altLang="zh-CN" dirty="0"/>
-              <a:t>40</a:t>
-            </a:r>
-            <a:r>
-              <a:rPr lang="zh-CN" altLang="en-US" dirty="0"/>
-              <a:t>号员工</a:t>
-            </a:r>
-            <a:endParaRPr lang="en-US" dirty="0"/>
-          </a:p>
-        </p:txBody>
-      </p:sp>
-      <p:sp>
-        <p:nvSpPr>
-          <p:cNvPr id="3" name="内容占位符 2">
-            <a:extLst>
-              <a:ext uri="{FF2B5EF4-FFF2-40B4-BE49-F238E27FC236}">
-                <a16:creationId xmlns:a16="http://schemas.microsoft.com/office/drawing/2014/main" id="{0D849E4E-FF46-4228-9E46-5F82A5EBE9FA}"/>
-              </a:ext>
-            </a:extLst>
-          </p:cNvPr>
+              <a:t>关注</a:t>
+            </a:r>
+            <a:endParaRPr lang="zh-CN" altLang="en-US" dirty="0"/>
+          </a:p>
+        </p:txBody>
+      </p:sp>
+      <p:sp>
+        <p:nvSpPr>
+          <p:cNvPr id="3" name="内容占位符 2"/>
           <p:cNvSpPr>
             <a:spLocks noGrp="1"/>
           </p:cNvSpPr>
@@ -12926,934 +11809,6 @@
             <p:ph idx="1"/>
           </p:nvPr>
         </p:nvSpPr>
-        <p:spPr/>
-        <p:txBody>
-          <a:bodyPr/>
-          <a:lstStyle/>
-          <a:p>
-            <a:r>
-              <a:rPr lang="en-US" altLang="zh-CN" dirty="0">
-                <a:hlinkClick r:id="rId3"/>
-              </a:rPr>
-              <a:t>19 </a:t>
-            </a:r>
-            <a:r>
-              <a:rPr lang="zh-CN" altLang="en-US" dirty="0">
-                <a:hlinkClick r:id="rId3"/>
-              </a:rPr>
-              <a:t>岁的乔布斯就成为了 </a:t>
-            </a:r>
-            <a:r>
-              <a:rPr lang="en-US" altLang="zh-CN" dirty="0">
-                <a:hlinkClick r:id="rId3"/>
-              </a:rPr>
-              <a:t>Atari </a:t>
-            </a:r>
-            <a:r>
-              <a:rPr lang="zh-CN" altLang="en-US" dirty="0">
-                <a:hlinkClick r:id="rId3"/>
-              </a:rPr>
-              <a:t>的第 </a:t>
-            </a:r>
-            <a:r>
-              <a:rPr lang="en-US" altLang="zh-CN" dirty="0">
-                <a:hlinkClick r:id="rId3"/>
-              </a:rPr>
-              <a:t>40 </a:t>
-            </a:r>
-            <a:r>
-              <a:rPr lang="zh-CN" altLang="en-US" dirty="0">
-                <a:hlinkClick r:id="rId3"/>
-              </a:rPr>
-              <a:t>号员</a:t>
-            </a:r>
-            <a:endParaRPr lang="en-US" altLang="zh-CN" dirty="0"/>
-          </a:p>
-          <a:p>
-            <a:r>
-              <a:rPr lang="zh-CN" altLang="en-US" dirty="0"/>
-              <a:t>很快他就成为了同事的眼中钉，傲慢、说话尖锐、对同事指手画脚，同事到老板那告状要求开除他</a:t>
-            </a:r>
-            <a:endParaRPr lang="en-US" altLang="zh-CN" dirty="0"/>
-          </a:p>
-          <a:p>
-            <a:r>
-              <a:rPr lang="zh-CN" altLang="en-US" dirty="0"/>
-              <a:t>忽悠惠普的发小沃兹尼亚克帮他开发，</a:t>
-            </a:r>
-            <a:r>
-              <a:rPr lang="en-US" altLang="zh-CN" dirty="0"/>
-              <a:t>4</a:t>
-            </a:r>
-            <a:r>
-              <a:rPr lang="zh-CN" altLang="en-US" dirty="0"/>
-              <a:t>天完成了一个月的</a:t>
-            </a:r>
-            <a:r>
-              <a:rPr lang="en-US" altLang="zh-CN" dirty="0"/>
-              <a:t>breakout</a:t>
-            </a:r>
-            <a:r>
-              <a:rPr lang="zh-CN" altLang="en-US" dirty="0"/>
-              <a:t>游戏项目</a:t>
-            </a:r>
-            <a:endParaRPr lang="en-US" dirty="0"/>
-          </a:p>
-        </p:txBody>
-      </p:sp>
-    </p:spTree>
-    <p:extLst>
-      <p:ext uri="{BB962C8B-B14F-4D97-AF65-F5344CB8AC3E}">
-        <p14:creationId xmlns:p14="http://schemas.microsoft.com/office/powerpoint/2010/main" val="3765395119"/>
-      </p:ext>
-    </p:extLst>
-  </p:cSld>
-  <p:clrMapOvr>
-    <a:masterClrMapping/>
-  </p:clrMapOvr>
-  <p:timing>
-    <p:tnLst>
-      <p:par>
-        <p:cTn id="1" dur="indefinite" restart="never" nodeType="tmRoot">
-          <p:childTnLst>
-            <p:seq concurrent="1" nextAc="seek">
-              <p:cTn id="2" dur="indefinite" nodeType="mainSeq">
-                <p:childTnLst>
-                  <p:par>
-                    <p:cTn id="3" fill="hold">
-                      <p:stCondLst>
-                        <p:cond delay="indefinite"/>
-                      </p:stCondLst>
-                      <p:childTnLst>
-                        <p:par>
-                          <p:cTn id="4" fill="hold">
-                            <p:stCondLst>
-                              <p:cond delay="0"/>
-                            </p:stCondLst>
-                            <p:childTnLst>
-                              <p:par>
-                                <p:cTn id="5" presetID="1" presetClass="entr" presetSubtype="0" fill="hold" nodeType="clickEffect">
-                                  <p:stCondLst>
-                                    <p:cond delay="0"/>
-                                  </p:stCondLst>
-                                  <p:childTnLst>
-                                    <p:set>
-                                      <p:cBhvr>
-                                        <p:cTn id="6" dur="1" fill="hold">
-                                          <p:stCondLst>
-                                            <p:cond delay="0"/>
-                                          </p:stCondLst>
-                                        </p:cTn>
-                                        <p:tgtEl>
-                                          <p:spTgt spid="3">
-                                            <p:txEl>
-                                              <p:pRg st="1" end="1"/>
-                                            </p:txEl>
-                                          </p:spTgt>
-                                        </p:tgtEl>
-                                        <p:attrNameLst>
-                                          <p:attrName>style.visibility</p:attrName>
-                                        </p:attrNameLst>
-                                      </p:cBhvr>
-                                      <p:to>
-                                        <p:strVal val="visible"/>
-                                      </p:to>
-                                    </p:set>
-                                  </p:childTnLst>
-                                </p:cTn>
-                              </p:par>
-                            </p:childTnLst>
-                          </p:cTn>
-                        </p:par>
-                      </p:childTnLst>
-                    </p:cTn>
-                  </p:par>
-                  <p:par>
-                    <p:cTn id="7" fill="hold">
-                      <p:stCondLst>
-                        <p:cond delay="indefinite"/>
-                      </p:stCondLst>
-                      <p:childTnLst>
-                        <p:par>
-                          <p:cTn id="8" fill="hold">
-                            <p:stCondLst>
-                              <p:cond delay="0"/>
-                            </p:stCondLst>
-                            <p:childTnLst>
-                              <p:par>
-                                <p:cTn id="9" presetID="1" presetClass="entr" presetSubtype="0" fill="hold" nodeType="clickEffect">
-                                  <p:stCondLst>
-                                    <p:cond delay="0"/>
-                                  </p:stCondLst>
-                                  <p:childTnLst>
-                                    <p:set>
-                                      <p:cBhvr>
-                                        <p:cTn id="10" dur="1" fill="hold">
-                                          <p:stCondLst>
-                                            <p:cond delay="0"/>
-                                          </p:stCondLst>
-                                        </p:cTn>
-                                        <p:tgtEl>
-                                          <p:spTgt spid="3">
-                                            <p:txEl>
-                                              <p:pRg st="2" end="2"/>
-                                            </p:txEl>
-                                          </p:spTgt>
-                                        </p:tgtEl>
-                                        <p:attrNameLst>
-                                          <p:attrName>style.visibility</p:attrName>
-                                        </p:attrNameLst>
-                                      </p:cBhvr>
-                                      <p:to>
-                                        <p:strVal val="visible"/>
-                                      </p:to>
-                                    </p:set>
-                                  </p:childTnLst>
-                                </p:cTn>
-                              </p:par>
-                            </p:childTnLst>
-                          </p:cTn>
-                        </p:par>
-                      </p:childTnLst>
-                    </p:cTn>
-                  </p:par>
-                </p:childTnLst>
-              </p:cTn>
-              <p:prevCondLst>
-                <p:cond evt="onPrev" delay="0">
-                  <p:tgtEl>
-                    <p:sldTgt/>
-                  </p:tgtEl>
-                </p:cond>
-              </p:prevCondLst>
-              <p:nextCondLst>
-                <p:cond evt="onNext" delay="0">
-                  <p:tgtEl>
-                    <p:sldTgt/>
-                  </p:tgtEl>
-                </p:cond>
-              </p:nextCondLst>
-            </p:seq>
-          </p:childTnLst>
-        </p:cTn>
-      </p:par>
-    </p:tnLst>
-  </p:timing>
-</p:sld>
-</file>
-
-<file path=ppt/slides/slide45.xml><?xml version="1.0" encoding="utf-8"?>
-<p:sld xmlns:a="http://schemas.openxmlformats.org/drawingml/2006/main" xmlns:r="http://schemas.openxmlformats.org/officeDocument/2006/relationships" xmlns:p="http://schemas.openxmlformats.org/presentationml/2006/main">
-  <p:cSld>
-    <p:spTree>
-      <p:nvGrpSpPr>
-        <p:cNvPr id="1" name=""/>
-        <p:cNvGrpSpPr/>
-        <p:nvPr/>
-      </p:nvGrpSpPr>
-      <p:grpSpPr>
-        <a:xfrm>
-          <a:off x="0" y="0"/>
-          <a:ext cx="0" cy="0"/>
-          <a:chOff x="0" y="0"/>
-          <a:chExt cx="0" cy="0"/>
-        </a:xfrm>
-      </p:grpSpPr>
-      <p:sp>
-        <p:nvSpPr>
-          <p:cNvPr id="2" name="标题 1">
-            <a:extLst>
-              <a:ext uri="{FF2B5EF4-FFF2-40B4-BE49-F238E27FC236}">
-                <a16:creationId xmlns:a16="http://schemas.microsoft.com/office/drawing/2014/main" id="{F7140ABA-8271-4B69-A252-5D878DBDF127}"/>
-              </a:ext>
-            </a:extLst>
-          </p:cNvPr>
-          <p:cNvSpPr>
-            <a:spLocks noGrp="1"/>
-          </p:cNvSpPr>
-          <p:nvPr>
-            <p:ph type="title"/>
-          </p:nvPr>
-        </p:nvSpPr>
-        <p:spPr/>
-        <p:txBody>
-          <a:bodyPr/>
-          <a:lstStyle/>
-          <a:p>
-            <a:r>
-              <a:rPr lang="en-US" altLang="zh-CN" dirty="0"/>
-              <a:t>breakout</a:t>
-            </a:r>
-            <a:r>
-              <a:rPr lang="zh-CN" altLang="en-US" dirty="0"/>
-              <a:t>游戏</a:t>
-            </a:r>
-            <a:endParaRPr lang="en-US" dirty="0"/>
-          </a:p>
-        </p:txBody>
-      </p:sp>
-      <p:sp>
-        <p:nvSpPr>
-          <p:cNvPr id="3" name="内容占位符 2">
-            <a:extLst>
-              <a:ext uri="{FF2B5EF4-FFF2-40B4-BE49-F238E27FC236}">
-                <a16:creationId xmlns:a16="http://schemas.microsoft.com/office/drawing/2014/main" id="{0D849E4E-FF46-4228-9E46-5F82A5EBE9FA}"/>
-              </a:ext>
-            </a:extLst>
-          </p:cNvPr>
-          <p:cNvSpPr>
-            <a:spLocks noGrp="1"/>
-          </p:cNvSpPr>
-          <p:nvPr>
-            <p:ph idx="1"/>
-          </p:nvPr>
-        </p:nvSpPr>
-        <p:spPr/>
-        <p:txBody>
-          <a:bodyPr/>
-          <a:lstStyle/>
-          <a:p>
-            <a:r>
-              <a:rPr lang="zh-CN" altLang="en-US" dirty="0"/>
-              <a:t>忽悠惠普的发小沃兹尼亚克帮他开发，</a:t>
-            </a:r>
-            <a:r>
-              <a:rPr lang="en-US" altLang="zh-CN" dirty="0"/>
-              <a:t>4</a:t>
-            </a:r>
-            <a:r>
-              <a:rPr lang="zh-CN" altLang="en-US" dirty="0"/>
-              <a:t>天完成了一个月的</a:t>
-            </a:r>
-            <a:r>
-              <a:rPr lang="en-US" altLang="zh-CN" dirty="0">
-                <a:hlinkClick r:id="rId3"/>
-              </a:rPr>
-              <a:t>breakout</a:t>
-            </a:r>
-            <a:r>
-              <a:rPr lang="zh-CN" altLang="en-US" dirty="0">
-                <a:hlinkClick r:id="rId3"/>
-              </a:rPr>
-              <a:t>游戏</a:t>
-            </a:r>
-            <a:r>
-              <a:rPr lang="zh-CN" altLang="en-US" dirty="0"/>
-              <a:t>项目</a:t>
-            </a:r>
-            <a:endParaRPr lang="en-US" dirty="0"/>
-          </a:p>
-        </p:txBody>
-      </p:sp>
-      <p:sp>
-        <p:nvSpPr>
-          <p:cNvPr id="4" name="AutoShape 4">
-            <a:extLst>
-              <a:ext uri="{FF2B5EF4-FFF2-40B4-BE49-F238E27FC236}">
-                <a16:creationId xmlns:a16="http://schemas.microsoft.com/office/drawing/2014/main" id="{A33038A0-78B8-4523-A6D3-D580AC047B58}"/>
-              </a:ext>
-            </a:extLst>
-          </p:cNvPr>
-          <p:cNvSpPr>
-            <a:spLocks noChangeAspect="1" noChangeArrowheads="1"/>
-          </p:cNvSpPr>
-          <p:nvPr/>
-        </p:nvSpPr>
-        <p:spPr bwMode="auto">
-          <a:xfrm>
-            <a:off x="5943600" y="3276600"/>
-            <a:ext cx="304800" cy="304800"/>
-          </a:xfrm>
-          <a:prstGeom prst="rect">
-            <a:avLst/>
-          </a:prstGeom>
-          <a:noFill/>
-          <a:extLst>
-            <a:ext uri="{909E8E84-426E-40DD-AFC4-6F175D3DCCD1}">
-              <a14:hiddenFill xmlns:a14="http://schemas.microsoft.com/office/drawing/2010/main">
-                <a:solidFill>
-                  <a:srgbClr val="FFFFFF"/>
-                </a:solidFill>
-              </a14:hiddenFill>
-            </a:ext>
-          </a:extLst>
-        </p:spPr>
-        <p:txBody>
-          <a:bodyPr vert="horz" wrap="square" lIns="91440" tIns="45720" rIns="91440" bIns="45720" numCol="1" anchor="t" anchorCtr="0" compatLnSpc="1">
-            <a:prstTxWarp prst="textNoShape">
-              <a:avLst/>
-            </a:prstTxWarp>
-          </a:bodyPr>
-          <a:lstStyle/>
-          <a:p>
-            <a:endParaRPr lang="en-US"/>
-          </a:p>
-        </p:txBody>
-      </p:sp>
-      <p:pic>
-        <p:nvPicPr>
-          <p:cNvPr id="5" name="图片 4">
-            <a:hlinkClick r:id="rId3"/>
-            <a:extLst>
-              <a:ext uri="{FF2B5EF4-FFF2-40B4-BE49-F238E27FC236}">
-                <a16:creationId xmlns:a16="http://schemas.microsoft.com/office/drawing/2014/main" id="{D4F458BA-2888-440E-AC68-67B00C078526}"/>
-              </a:ext>
-            </a:extLst>
-          </p:cNvPr>
-          <p:cNvPicPr>
-            <a:picLocks noChangeAspect="1"/>
-          </p:cNvPicPr>
-          <p:nvPr/>
-        </p:nvPicPr>
-        <p:blipFill>
-          <a:blip r:embed="rId4"/>
-          <a:stretch>
-            <a:fillRect/>
-          </a:stretch>
-        </p:blipFill>
-        <p:spPr>
-          <a:xfrm>
-            <a:off x="2927984" y="2864802"/>
-            <a:ext cx="5843084" cy="3820478"/>
-          </a:xfrm>
-          <a:prstGeom prst="rect">
-            <a:avLst/>
-          </a:prstGeom>
-        </p:spPr>
-      </p:pic>
-    </p:spTree>
-    <p:extLst>
-      <p:ext uri="{BB962C8B-B14F-4D97-AF65-F5344CB8AC3E}">
-        <p14:creationId xmlns:p14="http://schemas.microsoft.com/office/powerpoint/2010/main" val="2509411204"/>
-      </p:ext>
-    </p:extLst>
-  </p:cSld>
-  <p:clrMapOvr>
-    <a:masterClrMapping/>
-  </p:clrMapOvr>
-</p:sld>
-</file>
-
-<file path=ppt/slides/slide46.xml><?xml version="1.0" encoding="utf-8"?>
-<p:sld xmlns:a="http://schemas.openxmlformats.org/drawingml/2006/main" xmlns:r="http://schemas.openxmlformats.org/officeDocument/2006/relationships" xmlns:p="http://schemas.openxmlformats.org/presentationml/2006/main">
-  <p:cSld>
-    <p:spTree>
-      <p:nvGrpSpPr>
-        <p:cNvPr id="1" name=""/>
-        <p:cNvGrpSpPr/>
-        <p:nvPr/>
-      </p:nvGrpSpPr>
-      <p:grpSpPr>
-        <a:xfrm>
-          <a:off x="0" y="0"/>
-          <a:ext cx="0" cy="0"/>
-          <a:chOff x="0" y="0"/>
-          <a:chExt cx="0" cy="0"/>
-        </a:xfrm>
-      </p:grpSpPr>
-      <p:sp>
-        <p:nvSpPr>
-          <p:cNvPr id="2" name="标题 1">
-            <a:extLst>
-              <a:ext uri="{FF2B5EF4-FFF2-40B4-BE49-F238E27FC236}">
-                <a16:creationId xmlns:a16="http://schemas.microsoft.com/office/drawing/2014/main" id="{322850FB-F62B-42A1-A827-10DAF1365E01}"/>
-              </a:ext>
-            </a:extLst>
-          </p:cNvPr>
-          <p:cNvSpPr>
-            <a:spLocks noGrp="1"/>
-          </p:cNvSpPr>
-          <p:nvPr>
-            <p:ph type="title"/>
-          </p:nvPr>
-        </p:nvSpPr>
-        <p:spPr/>
-        <p:txBody>
-          <a:bodyPr/>
-          <a:lstStyle/>
-          <a:p>
-            <a:r>
-              <a:rPr lang="en-US" dirty="0"/>
-              <a:t>《PONGTRON》</a:t>
-            </a:r>
-            <a:r>
-              <a:rPr lang="zh-CN" altLang="en-US" dirty="0"/>
-              <a:t>和</a:t>
-            </a:r>
-            <a:r>
-              <a:rPr lang="en-US" altLang="zh-CN" dirty="0"/>
-              <a:t>《</a:t>
-            </a:r>
-            <a:r>
-              <a:rPr lang="en-US" dirty="0"/>
-              <a:t>ELEPONG》</a:t>
-            </a:r>
-          </a:p>
-        </p:txBody>
-      </p:sp>
-      <p:sp>
-        <p:nvSpPr>
-          <p:cNvPr id="3" name="内容占位符 2">
-            <a:extLst>
-              <a:ext uri="{FF2B5EF4-FFF2-40B4-BE49-F238E27FC236}">
-                <a16:creationId xmlns:a16="http://schemas.microsoft.com/office/drawing/2014/main" id="{3CA5B7F9-AAC8-43F7-93E0-79F442BA8B76}"/>
-              </a:ext>
-            </a:extLst>
-          </p:cNvPr>
-          <p:cNvSpPr>
-            <a:spLocks noGrp="1"/>
-          </p:cNvSpPr>
-          <p:nvPr>
-            <p:ph idx="1"/>
-          </p:nvPr>
-        </p:nvSpPr>
-        <p:spPr>
-          <a:xfrm>
-            <a:off x="838200" y="1690688"/>
-            <a:ext cx="10515600" cy="4821872"/>
-          </a:xfrm>
-        </p:spPr>
-        <p:txBody>
-          <a:bodyPr>
-            <a:normAutofit fontScale="92500" lnSpcReduction="10000"/>
-          </a:bodyPr>
-          <a:lstStyle/>
-          <a:p>
-            <a:r>
-              <a:rPr lang="zh-CN" altLang="en-US" dirty="0"/>
-              <a:t>日本的世嘉公司（</a:t>
-            </a:r>
-            <a:r>
-              <a:rPr lang="en-US" altLang="zh-CN" dirty="0"/>
-              <a:t>SEGA</a:t>
-            </a:r>
-            <a:r>
-              <a:rPr lang="zh-CN" altLang="en-US" dirty="0"/>
-              <a:t>）和太东公司（</a:t>
-            </a:r>
-            <a:r>
-              <a:rPr lang="en-US" altLang="zh-CN" dirty="0"/>
-              <a:t>TAITO</a:t>
-            </a:r>
-            <a:r>
-              <a:rPr lang="zh-CN" altLang="en-US" dirty="0"/>
-              <a:t>）于次年的几乎同时，分别推出了模仿</a:t>
-            </a:r>
-            <a:r>
-              <a:rPr lang="en-US" altLang="zh-CN" dirty="0"/>
-              <a:t>《PONG》</a:t>
-            </a:r>
-            <a:r>
-              <a:rPr lang="zh-CN" altLang="en-US" dirty="0"/>
-              <a:t>的游戏</a:t>
-            </a:r>
-            <a:r>
-              <a:rPr lang="en-US" altLang="zh-CN" dirty="0"/>
-              <a:t>——《</a:t>
-            </a:r>
-            <a:r>
-              <a:rPr lang="en-US" altLang="zh-CN" dirty="0">
-                <a:hlinkClick r:id="rId3"/>
-              </a:rPr>
-              <a:t>PONGTRON》</a:t>
-            </a:r>
-            <a:r>
-              <a:rPr lang="zh-CN" altLang="en-US" dirty="0">
-                <a:hlinkClick r:id="rId3"/>
-              </a:rPr>
-              <a:t>和</a:t>
-            </a:r>
-            <a:r>
-              <a:rPr lang="en-US" altLang="zh-CN" dirty="0">
-                <a:hlinkClick r:id="rId3"/>
-              </a:rPr>
-              <a:t>《ELEPONG》</a:t>
-            </a:r>
-            <a:r>
-              <a:rPr lang="zh-CN" altLang="en-US" dirty="0"/>
-              <a:t>，成为日本最早的电子游戏。</a:t>
-            </a:r>
-            <a:endParaRPr lang="en-US" altLang="zh-CN" dirty="0"/>
-          </a:p>
-          <a:p>
-            <a:r>
-              <a:rPr lang="en-US" dirty="0"/>
-              <a:t>TAITO</a:t>
-            </a:r>
-            <a:r>
-              <a:rPr lang="zh-CN" altLang="en-US" dirty="0"/>
-              <a:t>的</a:t>
-            </a:r>
-            <a:r>
-              <a:rPr lang="en-US" altLang="zh-CN" dirty="0"/>
-              <a:t>《</a:t>
-            </a:r>
-            <a:r>
-              <a:rPr lang="zh-CN" altLang="en-US" dirty="0"/>
-              <a:t>太空侵略者</a:t>
-            </a:r>
-            <a:r>
-              <a:rPr lang="en-US" altLang="zh-CN" dirty="0"/>
-              <a:t>》</a:t>
-            </a:r>
-          </a:p>
-          <a:p>
-            <a:r>
-              <a:rPr lang="zh-CN" altLang="en-US" dirty="0"/>
-              <a:t>任天堂在</a:t>
-            </a:r>
-            <a:r>
-              <a:rPr lang="en-US" altLang="zh-CN" dirty="0"/>
-              <a:t>1980</a:t>
-            </a:r>
-            <a:r>
-              <a:rPr lang="zh-CN" altLang="en-US" dirty="0"/>
-              <a:t>年世界首创的掌上游戏机</a:t>
-            </a:r>
-            <a:r>
-              <a:rPr lang="en-US" dirty="0"/>
-              <a:t>Game Watch</a:t>
-            </a:r>
-            <a:r>
-              <a:rPr lang="zh-CN" altLang="en-US" dirty="0"/>
-              <a:t>。</a:t>
-            </a:r>
-            <a:endParaRPr lang="en-US" altLang="zh-CN" dirty="0"/>
-          </a:p>
-          <a:p>
-            <a:r>
-              <a:rPr lang="en-US" altLang="zh-CN" dirty="0"/>
-              <a:t>1982</a:t>
-            </a:r>
-            <a:r>
-              <a:rPr lang="zh-CN" altLang="en-US" dirty="0"/>
-              <a:t>年美国美国主机游戏市场突然陷入了大量游戏滞销的状况，大量家用机游戏厂商破产倒闭，主机市场迅速缩小，这场危机被称作“雅达利冲击”。</a:t>
-            </a:r>
-            <a:endParaRPr lang="en-US" altLang="zh-CN" dirty="0"/>
-          </a:p>
-          <a:p>
-            <a:r>
-              <a:rPr lang="en-US" altLang="zh-CN" dirty="0"/>
-              <a:t>1983 </a:t>
-            </a:r>
-            <a:r>
-              <a:rPr lang="zh-CN" altLang="en-US" dirty="0"/>
-              <a:t>年任天堂在日本国内发售了第一款主机 </a:t>
-            </a:r>
-            <a:r>
-              <a:rPr lang="en-US" altLang="zh-CN" dirty="0" err="1"/>
-              <a:t>Famicom</a:t>
-            </a:r>
-            <a:r>
-              <a:rPr lang="zh-CN" altLang="en-US" dirty="0"/>
-              <a:t>（红白机）</a:t>
-            </a:r>
-            <a:endParaRPr lang="en-US" dirty="0"/>
-          </a:p>
-        </p:txBody>
-      </p:sp>
-    </p:spTree>
-    <p:extLst>
-      <p:ext uri="{BB962C8B-B14F-4D97-AF65-F5344CB8AC3E}">
-        <p14:creationId xmlns:p14="http://schemas.microsoft.com/office/powerpoint/2010/main" val="3336399938"/>
-      </p:ext>
-    </p:extLst>
-  </p:cSld>
-  <p:clrMapOvr>
-    <a:masterClrMapping/>
-  </p:clrMapOvr>
-  <p:timing>
-    <p:tnLst>
-      <p:par>
-        <p:cTn id="1" dur="indefinite" restart="never" nodeType="tmRoot">
-          <p:childTnLst>
-            <p:seq concurrent="1" nextAc="seek">
-              <p:cTn id="2" dur="indefinite" nodeType="mainSeq">
-                <p:childTnLst>
-                  <p:par>
-                    <p:cTn id="3" fill="hold">
-                      <p:stCondLst>
-                        <p:cond delay="indefinite"/>
-                      </p:stCondLst>
-                      <p:childTnLst>
-                        <p:par>
-                          <p:cTn id="4" fill="hold">
-                            <p:stCondLst>
-                              <p:cond delay="0"/>
-                            </p:stCondLst>
-                            <p:childTnLst>
-                              <p:par>
-                                <p:cTn id="5" presetID="1" presetClass="entr" presetSubtype="0" fill="hold" nodeType="clickEffect">
-                                  <p:stCondLst>
-                                    <p:cond delay="0"/>
-                                  </p:stCondLst>
-                                  <p:childTnLst>
-                                    <p:set>
-                                      <p:cBhvr>
-                                        <p:cTn id="6" dur="1" fill="hold">
-                                          <p:stCondLst>
-                                            <p:cond delay="0"/>
-                                          </p:stCondLst>
-                                        </p:cTn>
-                                        <p:tgtEl>
-                                          <p:spTgt spid="3">
-                                            <p:txEl>
-                                              <p:pRg st="1" end="1"/>
-                                            </p:txEl>
-                                          </p:spTgt>
-                                        </p:tgtEl>
-                                        <p:attrNameLst>
-                                          <p:attrName>style.visibility</p:attrName>
-                                        </p:attrNameLst>
-                                      </p:cBhvr>
-                                      <p:to>
-                                        <p:strVal val="visible"/>
-                                      </p:to>
-                                    </p:set>
-                                  </p:childTnLst>
-                                </p:cTn>
-                              </p:par>
-                            </p:childTnLst>
-                          </p:cTn>
-                        </p:par>
-                      </p:childTnLst>
-                    </p:cTn>
-                  </p:par>
-                  <p:par>
-                    <p:cTn id="7" fill="hold">
-                      <p:stCondLst>
-                        <p:cond delay="indefinite"/>
-                      </p:stCondLst>
-                      <p:childTnLst>
-                        <p:par>
-                          <p:cTn id="8" fill="hold">
-                            <p:stCondLst>
-                              <p:cond delay="0"/>
-                            </p:stCondLst>
-                            <p:childTnLst>
-                              <p:par>
-                                <p:cTn id="9" presetID="1" presetClass="entr" presetSubtype="0" fill="hold" nodeType="clickEffect">
-                                  <p:stCondLst>
-                                    <p:cond delay="0"/>
-                                  </p:stCondLst>
-                                  <p:childTnLst>
-                                    <p:set>
-                                      <p:cBhvr>
-                                        <p:cTn id="10" dur="1" fill="hold">
-                                          <p:stCondLst>
-                                            <p:cond delay="0"/>
-                                          </p:stCondLst>
-                                        </p:cTn>
-                                        <p:tgtEl>
-                                          <p:spTgt spid="3">
-                                            <p:txEl>
-                                              <p:pRg st="2" end="2"/>
-                                            </p:txEl>
-                                          </p:spTgt>
-                                        </p:tgtEl>
-                                        <p:attrNameLst>
-                                          <p:attrName>style.visibility</p:attrName>
-                                        </p:attrNameLst>
-                                      </p:cBhvr>
-                                      <p:to>
-                                        <p:strVal val="visible"/>
-                                      </p:to>
-                                    </p:set>
-                                  </p:childTnLst>
-                                </p:cTn>
-                              </p:par>
-                            </p:childTnLst>
-                          </p:cTn>
-                        </p:par>
-                      </p:childTnLst>
-                    </p:cTn>
-                  </p:par>
-                  <p:par>
-                    <p:cTn id="11" fill="hold">
-                      <p:stCondLst>
-                        <p:cond delay="indefinite"/>
-                      </p:stCondLst>
-                      <p:childTnLst>
-                        <p:par>
-                          <p:cTn id="12" fill="hold">
-                            <p:stCondLst>
-                              <p:cond delay="0"/>
-                            </p:stCondLst>
-                            <p:childTnLst>
-                              <p:par>
-                                <p:cTn id="13" presetID="1" presetClass="entr" presetSubtype="0" fill="hold" nodeType="clickEffect">
-                                  <p:stCondLst>
-                                    <p:cond delay="0"/>
-                                  </p:stCondLst>
-                                  <p:childTnLst>
-                                    <p:set>
-                                      <p:cBhvr>
-                                        <p:cTn id="14" dur="1" fill="hold">
-                                          <p:stCondLst>
-                                            <p:cond delay="0"/>
-                                          </p:stCondLst>
-                                        </p:cTn>
-                                        <p:tgtEl>
-                                          <p:spTgt spid="3">
-                                            <p:txEl>
-                                              <p:pRg st="3" end="3"/>
-                                            </p:txEl>
-                                          </p:spTgt>
-                                        </p:tgtEl>
-                                        <p:attrNameLst>
-                                          <p:attrName>style.visibility</p:attrName>
-                                        </p:attrNameLst>
-                                      </p:cBhvr>
-                                      <p:to>
-                                        <p:strVal val="visible"/>
-                                      </p:to>
-                                    </p:set>
-                                  </p:childTnLst>
-                                </p:cTn>
-                              </p:par>
-                            </p:childTnLst>
-                          </p:cTn>
-                        </p:par>
-                      </p:childTnLst>
-                    </p:cTn>
-                  </p:par>
-                  <p:par>
-                    <p:cTn id="15" fill="hold">
-                      <p:stCondLst>
-                        <p:cond delay="indefinite"/>
-                      </p:stCondLst>
-                      <p:childTnLst>
-                        <p:par>
-                          <p:cTn id="16" fill="hold">
-                            <p:stCondLst>
-                              <p:cond delay="0"/>
-                            </p:stCondLst>
-                            <p:childTnLst>
-                              <p:par>
-                                <p:cTn id="17" presetID="1" presetClass="entr" presetSubtype="0" fill="hold" nodeType="clickEffect">
-                                  <p:stCondLst>
-                                    <p:cond delay="0"/>
-                                  </p:stCondLst>
-                                  <p:childTnLst>
-                                    <p:set>
-                                      <p:cBhvr>
-                                        <p:cTn id="18" dur="1" fill="hold">
-                                          <p:stCondLst>
-                                            <p:cond delay="0"/>
-                                          </p:stCondLst>
-                                        </p:cTn>
-                                        <p:tgtEl>
-                                          <p:spTgt spid="3">
-                                            <p:txEl>
-                                              <p:pRg st="4" end="4"/>
-                                            </p:txEl>
-                                          </p:spTgt>
-                                        </p:tgtEl>
-                                        <p:attrNameLst>
-                                          <p:attrName>style.visibility</p:attrName>
-                                        </p:attrNameLst>
-                                      </p:cBhvr>
-                                      <p:to>
-                                        <p:strVal val="visible"/>
-                                      </p:to>
-                                    </p:set>
-                                  </p:childTnLst>
-                                </p:cTn>
-                              </p:par>
-                            </p:childTnLst>
-                          </p:cTn>
-                        </p:par>
-                      </p:childTnLst>
-                    </p:cTn>
-                  </p:par>
-                </p:childTnLst>
-              </p:cTn>
-              <p:prevCondLst>
-                <p:cond evt="onPrev" delay="0">
-                  <p:tgtEl>
-                    <p:sldTgt/>
-                  </p:tgtEl>
-                </p:cond>
-              </p:prevCondLst>
-              <p:nextCondLst>
-                <p:cond evt="onNext" delay="0">
-                  <p:tgtEl>
-                    <p:sldTgt/>
-                  </p:tgtEl>
-                </p:cond>
-              </p:nextCondLst>
-            </p:seq>
-          </p:childTnLst>
-        </p:cTn>
-      </p:par>
-    </p:tnLst>
-  </p:timing>
-</p:sld>
-</file>
-
-<file path=ppt/slides/slide47.xml><?xml version="1.0" encoding="utf-8"?>
-<p:sld xmlns:a="http://schemas.openxmlformats.org/drawingml/2006/main" xmlns:r="http://schemas.openxmlformats.org/officeDocument/2006/relationships" xmlns:p="http://schemas.openxmlformats.org/presentationml/2006/main">
-  <p:cSld>
-    <p:spTree>
-      <p:nvGrpSpPr>
-        <p:cNvPr id="1" name=""/>
-        <p:cNvGrpSpPr/>
-        <p:nvPr/>
-      </p:nvGrpSpPr>
-      <p:grpSpPr>
-        <a:xfrm>
-          <a:off x="0" y="0"/>
-          <a:ext cx="0" cy="0"/>
-          <a:chOff x="0" y="0"/>
-          <a:chExt cx="0" cy="0"/>
-        </a:xfrm>
-      </p:grpSpPr>
-      <p:sp>
-        <p:nvSpPr>
-          <p:cNvPr id="2" name="标题 1">
-            <a:extLst>
-              <a:ext uri="{FF2B5EF4-FFF2-40B4-BE49-F238E27FC236}">
-                <a16:creationId xmlns:a16="http://schemas.microsoft.com/office/drawing/2014/main" id="{05E7F983-2072-4362-84CE-F8C728732B09}"/>
-              </a:ext>
-            </a:extLst>
-          </p:cNvPr>
-          <p:cNvSpPr>
-            <a:spLocks noGrp="1"/>
-          </p:cNvSpPr>
-          <p:nvPr>
-            <p:ph type="title"/>
-          </p:nvPr>
-        </p:nvSpPr>
-        <p:spPr/>
-        <p:txBody>
-          <a:bodyPr>
-            <a:normAutofit/>
-          </a:bodyPr>
-          <a:lstStyle/>
-          <a:p>
-            <a:r>
-              <a:rPr lang="zh-CN" altLang="en-US" dirty="0"/>
-              <a:t>关注</a:t>
-            </a:r>
-          </a:p>
-        </p:txBody>
-      </p:sp>
-      <p:sp>
-        <p:nvSpPr>
-          <p:cNvPr id="3" name="内容占位符 2">
-            <a:extLst>
-              <a:ext uri="{FF2B5EF4-FFF2-40B4-BE49-F238E27FC236}">
-                <a16:creationId xmlns:a16="http://schemas.microsoft.com/office/drawing/2014/main" id="{EB9D0E60-DF8A-4D2F-B965-71946CE8AE1D}"/>
-              </a:ext>
-            </a:extLst>
-          </p:cNvPr>
-          <p:cNvSpPr>
-            <a:spLocks noGrp="1"/>
-          </p:cNvSpPr>
-          <p:nvPr>
-            <p:ph idx="1"/>
-          </p:nvPr>
-        </p:nvSpPr>
         <p:spPr>
           <a:xfrm>
             <a:off x="838200" y="1580606"/>
@@ -13882,7 +11837,7 @@
             </a:r>
             <a:r>
               <a:rPr lang="en-US" altLang="zh-CN" dirty="0">
-                <a:hlinkClick r:id="rId2"/>
+                <a:hlinkClick r:id="rId1"/>
               </a:rPr>
               <a:t>https://www.youtube.com/c/hwdong</a:t>
             </a:r>
@@ -13901,7 +11856,7 @@
             </a:r>
             <a:r>
               <a:rPr lang="en-US" altLang="zh-CN" dirty="0">
-                <a:hlinkClick r:id="rId3"/>
+                <a:hlinkClick r:id="rId2"/>
               </a:rPr>
               <a:t>https://hwdong-net.github.io</a:t>
             </a:r>
@@ -13915,76 +11870,24 @@
               <a:buNone/>
             </a:pPr>
             <a:r>
+              <a:rPr lang="zh-CN" altLang="en-US" dirty="0"/>
+              <a:t>网易云课堂：</a:t>
+            </a:r>
+            <a:r>
+              <a:rPr lang="zh-CN" altLang="en-US" dirty="0">
+                <a:hlinkClick r:id="rId3" action="ppaction://hlinkfile"/>
+              </a:rPr>
+              <a:t>https://study.163.com/provider/400000000236023/index.htm?share=2&amp;shareId=400000000236023</a:t>
+            </a:r>
+            <a:r>
               <a:rPr lang="en-US" altLang="zh-CN" dirty="0"/>
-              <a:t>Twitter</a:t>
-            </a:r>
-            <a:r>
-              <a:rPr lang="zh-CN" altLang="en-US" dirty="0"/>
-              <a:t>推特</a:t>
-            </a:r>
-            <a:r>
-              <a:rPr lang="en-US" altLang="zh-CN" dirty="0"/>
-              <a:t>: </a:t>
-            </a:r>
-            <a:r>
-              <a:rPr lang="en-US" altLang="zh-CN" dirty="0">
-                <a:hlinkClick r:id="rId4"/>
-              </a:rPr>
-              <a:t>https://twitter.com/hwdong </a:t>
+              <a:t> </a:t>
             </a:r>
             <a:endParaRPr lang="en-US" altLang="zh-CN" dirty="0"/>
           </a:p>
-          <a:p>
-            <a:pPr marL="0" indent="0" algn="ctr">
-              <a:lnSpc>
-                <a:spcPct val="170000"/>
-              </a:lnSpc>
-              <a:buNone/>
-            </a:pPr>
-            <a:r>
-              <a:rPr lang="en-US" altLang="zh-CN" dirty="0"/>
-              <a:t>B</a:t>
-            </a:r>
-            <a:r>
-              <a:rPr lang="zh-CN" altLang="en-US" dirty="0"/>
-              <a:t>站：</a:t>
-            </a:r>
-            <a:r>
-              <a:rPr lang="en-US" altLang="zh-CN" dirty="0" err="1"/>
-              <a:t>hw</a:t>
-            </a:r>
-            <a:r>
-              <a:rPr lang="en-US" altLang="zh-CN" dirty="0"/>
-              <a:t>-dong</a:t>
-            </a:r>
-          </a:p>
-          <a:p>
-            <a:pPr marL="0" indent="0" algn="ctr">
-              <a:lnSpc>
-                <a:spcPct val="170000"/>
-              </a:lnSpc>
-              <a:buNone/>
-            </a:pPr>
-            <a:r>
-              <a:rPr lang="zh-CN" altLang="en-US" dirty="0"/>
-              <a:t>腾讯课堂：</a:t>
-            </a:r>
-            <a:r>
-              <a:rPr lang="en-US" altLang="zh-CN" dirty="0">
-                <a:hlinkClick r:id="rId5" action="ppaction://hlinkfile"/>
-              </a:rPr>
-              <a:t>hwdong.ke.qq.com</a:t>
-            </a:r>
-            <a:endParaRPr lang="en-US" altLang="zh-CN" dirty="0"/>
-          </a:p>
         </p:txBody>
       </p:sp>
     </p:spTree>
-    <p:extLst>
-      <p:ext uri="{BB962C8B-B14F-4D97-AF65-F5344CB8AC3E}">
-        <p14:creationId xmlns:p14="http://schemas.microsoft.com/office/powerpoint/2010/main" val="1799011023"/>
-      </p:ext>
-    </p:extLst>
   </p:cSld>
   <p:clrMapOvr>
     <a:masterClrMapping/>
@@ -14039,13 +11942,7 @@
       </p:sp>
       <p:sp>
         <p:nvSpPr>
-          <p:cNvPr id="8" name="文本框 7">
-            <a:extLst>
-              <a:ext uri="{FF2B5EF4-FFF2-40B4-BE49-F238E27FC236}">
-                <a16:creationId xmlns:a16="http://schemas.microsoft.com/office/drawing/2014/main" id="{8098CC2E-1F55-420F-9294-DEAE1BF58B7D}"/>
-              </a:ext>
-            </a:extLst>
-          </p:cNvPr>
+          <p:cNvPr id="8" name="文本框 7"/>
           <p:cNvSpPr txBox="1"/>
           <p:nvPr/>
         </p:nvSpPr>
@@ -14093,15 +11990,11 @@
               <a:rPr lang="zh-CN" altLang="en-US" sz="3800" dirty="0"/>
               <a:t>语句</a:t>
             </a:r>
+            <a:endParaRPr lang="zh-CN" altLang="en-US" sz="3800" dirty="0"/>
           </a:p>
         </p:txBody>
       </p:sp>
     </p:spTree>
-    <p:extLst>
-      <p:ext uri="{BB962C8B-B14F-4D97-AF65-F5344CB8AC3E}">
-        <p14:creationId xmlns:p14="http://schemas.microsoft.com/office/powerpoint/2010/main" val="1592264779"/>
-      </p:ext>
-    </p:extLst>
   </p:cSld>
   <p:clrMapOvr>
     <a:masterClrMapping/>
@@ -14128,13 +12021,7 @@
       </p:grpSpPr>
       <p:sp>
         <p:nvSpPr>
-          <p:cNvPr id="2" name="标题 1">
-            <a:extLst>
-              <a:ext uri="{FF2B5EF4-FFF2-40B4-BE49-F238E27FC236}">
-                <a16:creationId xmlns:a16="http://schemas.microsoft.com/office/drawing/2014/main" id="{1A416249-D927-4995-B175-6C6FC6509810}"/>
-              </a:ext>
-            </a:extLst>
-          </p:cNvPr>
+          <p:cNvPr id="2" name="标题 1"/>
           <p:cNvSpPr>
             <a:spLocks noGrp="1"/>
           </p:cNvSpPr>
@@ -14155,18 +12042,13 @@
               <a:rPr lang="zh-CN" altLang="en-US" dirty="0"/>
               <a:t>语句</a:t>
             </a:r>
-          </a:p>
-        </p:txBody>
-      </p:sp>
-      <p:sp>
-        <p:nvSpPr>
-          <p:cNvPr id="3" name="内容占位符 2">
-            <a:extLst>
-              <a:ext uri="{FF2B5EF4-FFF2-40B4-BE49-F238E27FC236}">
-                <a16:creationId xmlns:a16="http://schemas.microsoft.com/office/drawing/2014/main" id="{586C1768-C937-453D-937A-3D7BAB1C6BBD}"/>
-              </a:ext>
-            </a:extLst>
-          </p:cNvPr>
+            <a:endParaRPr lang="zh-CN" altLang="en-US" dirty="0"/>
+          </a:p>
+        </p:txBody>
+      </p:sp>
+      <p:sp>
+        <p:nvSpPr>
+          <p:cNvPr id="3" name="内容占位符 2"/>
           <p:cNvSpPr>
             <a:spLocks noGrp="1"/>
           </p:cNvSpPr>
@@ -14176,8 +12058,8 @@
         </p:nvSpPr>
         <p:spPr>
           <a:xfrm>
-            <a:off x="838200" y="1690688"/>
-            <a:ext cx="2614127" cy="1325563"/>
+            <a:off x="838200" y="1691005"/>
+            <a:ext cx="2726055" cy="1325880"/>
           </a:xfrm>
         </p:spPr>
         <p:txBody>
@@ -14203,6 +12085,7 @@
               <a:rPr lang="en-US" altLang="zh-CN" dirty="0"/>
               <a:t>)</a:t>
             </a:r>
+            <a:endParaRPr lang="en-US" altLang="zh-CN" dirty="0"/>
           </a:p>
           <a:p>
             <a:pPr marL="0" indent="0">
@@ -14222,16 +12105,8 @@
       </p:sp>
       <p:sp>
         <p:nvSpPr>
-          <p:cNvPr id="4" name="内容占位符 2">
-            <a:extLst>
-              <a:ext uri="{FF2B5EF4-FFF2-40B4-BE49-F238E27FC236}">
-                <a16:creationId xmlns:a16="http://schemas.microsoft.com/office/drawing/2014/main" id="{C56D34AB-499B-46AD-9887-D04E7EBCCDFA}"/>
-              </a:ext>
-            </a:extLst>
-          </p:cNvPr>
-          <p:cNvSpPr txBox="1">
-            <a:spLocks/>
-          </p:cNvSpPr>
+          <p:cNvPr id="4" name="内容占位符 2"/>
+          <p:cNvSpPr txBox="1"/>
           <p:nvPr/>
         </p:nvSpPr>
         <p:spPr>
@@ -14444,6 +12319,10 @@
               </a:rPr>
               <a:t>)</a:t>
             </a:r>
+            <a:endParaRPr lang="en-US" altLang="zh-CN" dirty="0">
+              <a:latin typeface="Noto Sans S Chinese Regular" panose="020B0500000000000000" pitchFamily="34" charset="-122"/>
+              <a:ea typeface="Noto Sans S Chinese Regular" panose="020B0500000000000000" pitchFamily="34" charset="-122"/>
+            </a:endParaRPr>
           </a:p>
           <a:p>
             <a:pPr marL="0" indent="0">
@@ -14514,16 +12393,8 @@
       </p:sp>
       <p:sp>
         <p:nvSpPr>
-          <p:cNvPr id="5" name="内容占位符 2">
-            <a:extLst>
-              <a:ext uri="{FF2B5EF4-FFF2-40B4-BE49-F238E27FC236}">
-                <a16:creationId xmlns:a16="http://schemas.microsoft.com/office/drawing/2014/main" id="{520FFF0A-D7C3-43F6-8924-E51AD96EA54A}"/>
-              </a:ext>
-            </a:extLst>
-          </p:cNvPr>
-          <p:cNvSpPr txBox="1">
-            <a:spLocks/>
-          </p:cNvSpPr>
+          <p:cNvPr id="5" name="内容占位符 2"/>
+          <p:cNvSpPr txBox="1"/>
           <p:nvPr/>
         </p:nvSpPr>
         <p:spPr>
@@ -14736,6 +12607,10 @@
               </a:rPr>
               <a:t>)</a:t>
             </a:r>
+            <a:endParaRPr lang="en-US" altLang="zh-CN" dirty="0">
+              <a:latin typeface="Noto Sans S Chinese Regular" panose="020B0500000000000000" pitchFamily="34" charset="-122"/>
+              <a:ea typeface="Noto Sans S Chinese Regular" panose="020B0500000000000000" pitchFamily="34" charset="-122"/>
+            </a:endParaRPr>
           </a:p>
           <a:p>
             <a:pPr marL="0" indent="0">
@@ -14846,11 +12721,6 @@
         </p:txBody>
       </p:sp>
     </p:spTree>
-    <p:extLst>
-      <p:ext uri="{BB962C8B-B14F-4D97-AF65-F5344CB8AC3E}">
-        <p14:creationId xmlns:p14="http://schemas.microsoft.com/office/powerpoint/2010/main" val="4265862918"/>
-      </p:ext>
-    </p:extLst>
   </p:cSld>
   <p:clrMapOvr>
     <a:masterClrMapping/>
@@ -15100,13 +12970,7 @@
       </p:grpSpPr>
       <p:sp>
         <p:nvSpPr>
-          <p:cNvPr id="2" name="标题 1">
-            <a:extLst>
-              <a:ext uri="{FF2B5EF4-FFF2-40B4-BE49-F238E27FC236}">
-                <a16:creationId xmlns:a16="http://schemas.microsoft.com/office/drawing/2014/main" id="{19624EE2-54FF-415F-98DD-C8961128658A}"/>
-              </a:ext>
-            </a:extLst>
-          </p:cNvPr>
+          <p:cNvPr id="2" name="标题 1"/>
           <p:cNvSpPr>
             <a:spLocks noGrp="1"/>
           </p:cNvSpPr>
@@ -15127,18 +12991,13 @@
               <a:rPr lang="zh-CN" altLang="en-US" dirty="0"/>
               <a:t>语句</a:t>
             </a:r>
-          </a:p>
-        </p:txBody>
-      </p:sp>
-      <p:sp>
-        <p:nvSpPr>
-          <p:cNvPr id="3" name="内容占位符 2">
-            <a:extLst>
-              <a:ext uri="{FF2B5EF4-FFF2-40B4-BE49-F238E27FC236}">
-                <a16:creationId xmlns:a16="http://schemas.microsoft.com/office/drawing/2014/main" id="{FF4C89D4-FB6B-4934-AD30-E641698DF79D}"/>
-              </a:ext>
-            </a:extLst>
-          </p:cNvPr>
+            <a:endParaRPr lang="zh-CN" altLang="en-US" dirty="0"/>
+          </a:p>
+        </p:txBody>
+      </p:sp>
+      <p:sp>
+        <p:nvSpPr>
+          <p:cNvPr id="3" name="内容占位符 2"/>
           <p:cNvSpPr>
             <a:spLocks noGrp="1"/>
           </p:cNvSpPr>
@@ -15148,8 +13007,8 @@
         </p:nvSpPr>
         <p:spPr>
           <a:xfrm>
-            <a:off x="1090127" y="1774665"/>
-            <a:ext cx="2502159" cy="1325564"/>
+            <a:off x="1090295" y="1774825"/>
+            <a:ext cx="2821305" cy="1325880"/>
           </a:xfrm>
         </p:spPr>
         <p:txBody>
@@ -15171,6 +13030,7 @@
               <a:rPr lang="en-US" altLang="zh-CN" dirty="0"/>
               <a:t>)</a:t>
             </a:r>
+            <a:endParaRPr lang="en-US" altLang="zh-CN" dirty="0"/>
           </a:p>
           <a:p>
             <a:pPr marL="0" indent="0">
@@ -15184,27 +13044,20 @@
               <a:rPr lang="zh-CN" altLang="en-US" dirty="0"/>
               <a:t>程序块</a:t>
             </a:r>
-          </a:p>
-        </p:txBody>
-      </p:sp>
-      <p:sp>
-        <p:nvSpPr>
-          <p:cNvPr id="4" name="内容占位符 2">
-            <a:extLst>
-              <a:ext uri="{FF2B5EF4-FFF2-40B4-BE49-F238E27FC236}">
-                <a16:creationId xmlns:a16="http://schemas.microsoft.com/office/drawing/2014/main" id="{E77661A3-88E2-4016-AD59-C1AF9B8B63FE}"/>
-              </a:ext>
-            </a:extLst>
-          </p:cNvPr>
-          <p:cNvSpPr txBox="1">
-            <a:spLocks/>
-          </p:cNvSpPr>
+            <a:endParaRPr lang="zh-CN" altLang="en-US" dirty="0"/>
+          </a:p>
+        </p:txBody>
+      </p:sp>
+      <p:sp>
+        <p:nvSpPr>
+          <p:cNvPr id="4" name="内容占位符 2"/>
+          <p:cNvSpPr txBox="1"/>
           <p:nvPr/>
         </p:nvSpPr>
         <p:spPr>
           <a:xfrm>
-            <a:off x="4161454" y="1690688"/>
-            <a:ext cx="2502159" cy="2362553"/>
+            <a:off x="4161155" y="1691005"/>
+            <a:ext cx="2855595" cy="2362835"/>
           </a:xfrm>
           <a:prstGeom prst="rect">
             <a:avLst/>
@@ -15404,6 +13257,10 @@
               </a:rPr>
               <a:t>)</a:t>
             </a:r>
+            <a:endParaRPr lang="en-US" altLang="zh-CN" dirty="0">
+              <a:latin typeface="Noto Sans S Chinese Regular" panose="020B0500000000000000" pitchFamily="34" charset="-122"/>
+              <a:ea typeface="Noto Sans S Chinese Regular" panose="020B0500000000000000" pitchFamily="34" charset="-122"/>
+            </a:endParaRPr>
           </a:p>
           <a:p>
             <a:pPr marL="0" indent="0">
@@ -15441,6 +13298,10 @@
               </a:rPr>
               <a:t>else</a:t>
             </a:r>
+            <a:endParaRPr lang="en-US" altLang="zh-CN" dirty="0">
+              <a:latin typeface="Noto Sans S Chinese Regular" panose="020B0500000000000000" pitchFamily="34" charset="-122"/>
+              <a:ea typeface="Noto Sans S Chinese Regular" panose="020B0500000000000000" pitchFamily="34" charset="-122"/>
+            </a:endParaRPr>
           </a:p>
           <a:p>
             <a:pPr marL="0" indent="0">
@@ -15461,27 +13322,23 @@
               </a:rPr>
               <a:t>程序块</a:t>
             </a:r>
-          </a:p>
-        </p:txBody>
-      </p:sp>
-      <p:sp>
-        <p:nvSpPr>
-          <p:cNvPr id="5" name="内容占位符 2">
-            <a:extLst>
-              <a:ext uri="{FF2B5EF4-FFF2-40B4-BE49-F238E27FC236}">
-                <a16:creationId xmlns:a16="http://schemas.microsoft.com/office/drawing/2014/main" id="{CF7A6734-A7A1-4E0C-A1A8-A6C4D4EEC611}"/>
-              </a:ext>
-            </a:extLst>
-          </p:cNvPr>
-          <p:cNvSpPr txBox="1">
-            <a:spLocks/>
-          </p:cNvSpPr>
+            <a:endParaRPr lang="zh-CN" altLang="en-US" dirty="0">
+              <a:latin typeface="Noto Sans S Chinese Regular" panose="020B0500000000000000" pitchFamily="34" charset="-122"/>
+              <a:ea typeface="Noto Sans S Chinese Regular" panose="020B0500000000000000" pitchFamily="34" charset="-122"/>
+            </a:endParaRPr>
+          </a:p>
+        </p:txBody>
+      </p:sp>
+      <p:sp>
+        <p:nvSpPr>
+          <p:cNvPr id="5" name="内容占位符 2"/>
+          <p:cNvSpPr txBox="1"/>
           <p:nvPr/>
         </p:nvSpPr>
         <p:spPr>
           <a:xfrm>
-            <a:off x="8030547" y="1757851"/>
-            <a:ext cx="3492759" cy="3488450"/>
+            <a:off x="7867015" y="1459865"/>
+            <a:ext cx="4036695" cy="3488690"/>
           </a:xfrm>
           <a:prstGeom prst="rect">
             <a:avLst/>
@@ -15489,7 +13346,7 @@
         </p:spPr>
         <p:txBody>
           <a:bodyPr vert="horz" lIns="91440" tIns="45720" rIns="91440" bIns="45720" rtlCol="0">
-            <a:normAutofit fontScale="85000" lnSpcReduction="20000"/>
+            <a:noAutofit/>
           </a:bodyPr>
           <a:lstStyle>
             <a:lvl1pPr marL="228600" indent="-228600" algn="l" defTabSz="914400" rtl="0" eaLnBrk="1" latinLnBrk="0" hangingPunct="1">
@@ -15681,6 +13538,10 @@
               </a:rPr>
               <a:t>1)</a:t>
             </a:r>
+            <a:endParaRPr lang="en-US" altLang="zh-CN" dirty="0">
+              <a:latin typeface="Noto Sans S Chinese Regular" panose="020B0500000000000000" pitchFamily="34" charset="-122"/>
+              <a:ea typeface="Noto Sans S Chinese Regular" panose="020B0500000000000000" pitchFamily="34" charset="-122"/>
+            </a:endParaRPr>
           </a:p>
           <a:p>
             <a:pPr marL="0" indent="0">
@@ -15731,6 +13592,10 @@
               </a:rPr>
               <a:t>2)</a:t>
             </a:r>
+            <a:endParaRPr lang="en-US" altLang="zh-CN" dirty="0">
+              <a:latin typeface="Noto Sans S Chinese Regular" panose="020B0500000000000000" pitchFamily="34" charset="-122"/>
+              <a:ea typeface="Noto Sans S Chinese Regular" panose="020B0500000000000000" pitchFamily="34" charset="-122"/>
+            </a:endParaRPr>
           </a:p>
           <a:p>
             <a:pPr marL="0" indent="0">
@@ -15768,6 +13633,10 @@
               </a:rPr>
               <a:t>…</a:t>
             </a:r>
+            <a:endParaRPr lang="en-US" altLang="zh-CN" dirty="0">
+              <a:latin typeface="Noto Sans S Chinese Regular" panose="020B0500000000000000" pitchFamily="34" charset="-122"/>
+              <a:ea typeface="Noto Sans S Chinese Regular" panose="020B0500000000000000" pitchFamily="34" charset="-122"/>
+            </a:endParaRPr>
           </a:p>
           <a:p>
             <a:pPr marL="0" indent="0">
@@ -15781,6 +13650,10 @@
               </a:rPr>
               <a:t>else</a:t>
             </a:r>
+            <a:endParaRPr lang="en-US" altLang="zh-CN" dirty="0">
+              <a:latin typeface="Noto Sans S Chinese Regular" panose="020B0500000000000000" pitchFamily="34" charset="-122"/>
+              <a:ea typeface="Noto Sans S Chinese Regular" panose="020B0500000000000000" pitchFamily="34" charset="-122"/>
+            </a:endParaRPr>
           </a:p>
           <a:p>
             <a:pPr marL="0" indent="0">
@@ -15801,15 +13674,72 @@
               </a:rPr>
               <a:t>程序块</a:t>
             </a:r>
+            <a:endParaRPr lang="zh-CN" altLang="en-US" dirty="0">
+              <a:latin typeface="Noto Sans S Chinese Regular" panose="020B0500000000000000" pitchFamily="34" charset="-122"/>
+              <a:ea typeface="Noto Sans S Chinese Regular" panose="020B0500000000000000" pitchFamily="34" charset="-122"/>
+            </a:endParaRPr>
+          </a:p>
+        </p:txBody>
+      </p:sp>
+      <p:sp>
+        <p:nvSpPr>
+          <p:cNvPr id="6" name="Rectangular Callout 5"/>
+          <p:cNvSpPr/>
+          <p:nvPr/>
+        </p:nvSpPr>
+        <p:spPr>
+          <a:xfrm>
+            <a:off x="577215" y="4287520"/>
+            <a:ext cx="4002405" cy="1287145"/>
+          </a:xfrm>
+          <a:prstGeom prst="wedgeRectCallout">
+            <a:avLst>
+              <a:gd name="adj1" fmla="val -3101"/>
+              <a:gd name="adj2" fmla="val -133067"/>
+            </a:avLst>
+          </a:prstGeom>
+        </p:spPr>
+        <p:style>
+          <a:lnRef idx="2">
+            <a:schemeClr val="accent1">
+              <a:shade val="50000"/>
+            </a:schemeClr>
+          </a:lnRef>
+          <a:fillRef idx="1">
+            <a:schemeClr val="accent1"/>
+          </a:fillRef>
+          <a:effectRef idx="0">
+            <a:schemeClr val="accent1"/>
+          </a:effectRef>
+          <a:fontRef idx="minor">
+            <a:schemeClr val="lt1"/>
+          </a:fontRef>
+        </p:style>
+        <p:txBody>
+          <a:bodyPr rtlCol="0" anchor="ctr"/>
+          <a:p>
+            <a:pPr algn="l"/>
+            <a:r>
+              <a:rPr lang="zh-CN" altLang="en-US" sz="3000"/>
+              <a:t>程序块的</a:t>
+            </a:r>
+            <a:r>
+              <a:rPr lang="zh-CN" altLang="en-US" sz="3000" b="1">
+                <a:solidFill>
+                  <a:srgbClr val="C00000"/>
+                </a:solidFill>
+              </a:rPr>
+              <a:t>缩进</a:t>
+            </a:r>
+            <a:r>
+              <a:rPr lang="zh-CN" altLang="en-US" sz="3000"/>
+              <a:t>提高了代码的可读性</a:t>
+            </a:r>
+            <a:endParaRPr lang="zh-CN" altLang="en-US" sz="3000"/>
           </a:p>
         </p:txBody>
       </p:sp>
     </p:spTree>
-    <p:extLst>
-      <p:ext uri="{BB962C8B-B14F-4D97-AF65-F5344CB8AC3E}">
-        <p14:creationId xmlns:p14="http://schemas.microsoft.com/office/powerpoint/2010/main" val="606852981"/>
-      </p:ext>
-    </p:extLst>
   </p:cSld>
   <p:clrMapOvr>
     <a:masterClrMapping/>
@@ -15912,6 +13842,51 @@
                       </p:childTnLst>
                     </p:cTn>
                   </p:par>
+                  <p:par>
+                    <p:cTn id="11" fill="hold">
+                      <p:stCondLst>
+                        <p:cond delay="indefinite"/>
+                      </p:stCondLst>
+                      <p:childTnLst>
+                        <p:par>
+                          <p:cTn id="12" fill="hold">
+                            <p:stCondLst>
+                              <p:cond delay="0"/>
+                            </p:stCondLst>
+                            <p:childTnLst>
+                              <p:par>
+                                <p:cTn id="13" presetID="1" presetClass="entr" presetSubtype="0" fill="hold" grpId="0" nodeType="clickEffect">
+                                  <p:stCondLst>
+                                    <p:cond delay="0"/>
+                                  </p:stCondLst>
+                                  <p:childTnLst>
+                                    <p:set>
+                                      <p:cBhvr>
+                                        <p:cTn id="14" dur="1" fill="hold">
+                                          <p:stCondLst>
+                                            <p:cond delay="0"/>
+                                          </p:stCondLst>
+                                        </p:cTn>
+                                        <p:tgtEl>
+                                          <p:spTgt spid="6"/>
+                                        </p:tgtEl>
+                                        <p:attrNameLst>
+                                          <p:attrName>style.visibility</p:attrName>
+                                        </p:attrNameLst>
+                                      </p:cBhvr>
+                                      <p:to>
+                                        <p:strVal val="visible"/>
+                                      </p:to>
+                                    </p:set>
+                                  </p:childTnLst>
+                                </p:cTn>
+                              </p:par>
+                            </p:childTnLst>
+                          </p:cTn>
+                        </p:par>
+                      </p:childTnLst>
+                    </p:cTn>
+                  </p:par>
                 </p:childTnLst>
               </p:cTn>
               <p:prevCondLst>
@@ -15936,6 +13911,8 @@
     <p:bldLst>
       <p:bldP spid="4" grpId="0"/>
       <p:bldP spid="5" grpId="0"/>
+      <p:bldP spid="6" grpId="0" animBg="1"/>
+      <p:bldP spid="6" grpId="1" animBg="1"/>
     </p:bldLst>
   </p:timing>
 </p:sld>
@@ -15960,13 +13937,31 @@
       </p:grpSpPr>
       <p:pic>
         <p:nvPicPr>
-          <p:cNvPr id="4" name="图片 3">
-            <a:extLst>
-              <a:ext uri="{FF2B5EF4-FFF2-40B4-BE49-F238E27FC236}">
-                <a16:creationId xmlns:a16="http://schemas.microsoft.com/office/drawing/2014/main" id="{CA8EFE3F-8EE7-4263-94DC-FF2A6FA3066F}"/>
-              </a:ext>
-            </a:extLst>
-          </p:cNvPr>
+          <p:cNvPr id="4" name="图片 3"/>
+          <p:cNvPicPr>
+            <a:picLocks noChangeAspect="1"/>
+          </p:cNvPicPr>
+          <p:nvPr/>
+        </p:nvPicPr>
+        <p:blipFill>
+          <a:blip r:embed="rId1"/>
+          <a:stretch>
+            <a:fillRect/>
+          </a:stretch>
+        </p:blipFill>
+        <p:spPr>
+          <a:xfrm>
+            <a:off x="1140777" y="388620"/>
+            <a:ext cx="6800433" cy="2527300"/>
+          </a:xfrm>
+          <a:prstGeom prst="rect">
+            <a:avLst/>
+          </a:prstGeom>
+        </p:spPr>
+      </p:pic>
+      <p:pic>
+        <p:nvPicPr>
+          <p:cNvPr id="5" name="图片 4"/>
           <p:cNvPicPr>
             <a:picLocks noChangeAspect="1"/>
           </p:cNvPicPr>
@@ -15980,37 +13975,7 @@
         </p:blipFill>
         <p:spPr>
           <a:xfrm>
-            <a:off x="4751244" y="388620"/>
-            <a:ext cx="6183486" cy="2298019"/>
-          </a:xfrm>
-          <a:prstGeom prst="rect">
-            <a:avLst/>
-          </a:prstGeom>
-        </p:spPr>
-      </p:pic>
-      <p:pic>
-        <p:nvPicPr>
-          <p:cNvPr id="5" name="图片 4">
-            <a:extLst>
-              <a:ext uri="{FF2B5EF4-FFF2-40B4-BE49-F238E27FC236}">
-                <a16:creationId xmlns:a16="http://schemas.microsoft.com/office/drawing/2014/main" id="{F4D874F9-73EA-41DD-8FD2-91CD1211DC47}"/>
-              </a:ext>
-            </a:extLst>
-          </p:cNvPr>
-          <p:cNvPicPr>
-            <a:picLocks noChangeAspect="1"/>
-          </p:cNvPicPr>
-          <p:nvPr/>
-        </p:nvPicPr>
-        <p:blipFill>
-          <a:blip r:embed="rId3"/>
-          <a:stretch>
-            <a:fillRect/>
-          </a:stretch>
-        </p:blipFill>
-        <p:spPr>
-          <a:xfrm>
-            <a:off x="4675829" y="3245340"/>
+            <a:off x="1140777" y="3292474"/>
             <a:ext cx="6082983" cy="3085571"/>
           </a:xfrm>
           <a:prstGeom prst="rect">
@@ -16020,364 +13985,21 @@
       </p:pic>
       <p:sp>
         <p:nvSpPr>
-          <p:cNvPr id="6" name="内容占位符 2">
-            <a:extLst>
-              <a:ext uri="{FF2B5EF4-FFF2-40B4-BE49-F238E27FC236}">
-                <a16:creationId xmlns:a16="http://schemas.microsoft.com/office/drawing/2014/main" id="{735CF15D-B4D5-4192-8BD5-8A681E4A9C98}"/>
-              </a:ext>
-            </a:extLst>
-          </p:cNvPr>
-          <p:cNvSpPr>
-            <a:spLocks noGrp="1"/>
-          </p:cNvSpPr>
-          <p:nvPr>
-            <p:ph idx="1"/>
-          </p:nvPr>
+          <p:cNvPr id="6" name="Rectangular Callout 5"/>
+          <p:cNvSpPr/>
+          <p:nvPr/>
         </p:nvSpPr>
         <p:spPr>
           <a:xfrm>
-            <a:off x="1212675" y="652875"/>
-            <a:ext cx="2502159" cy="1325564"/>
+            <a:off x="7887335" y="1168400"/>
+            <a:ext cx="4002405" cy="1287145"/>
           </a:xfrm>
-        </p:spPr>
-        <p:txBody>
-          <a:bodyPr/>
-          <a:lstStyle/>
-          <a:p>
-            <a:pPr marL="0" indent="0">
-              <a:buNone/>
-            </a:pPr>
-            <a:r>
-              <a:rPr lang="en-US" altLang="zh-CN" dirty="0"/>
-              <a:t>if(</a:t>
-            </a:r>
-            <a:r>
-              <a:rPr lang="zh-CN" altLang="en-US" dirty="0"/>
-              <a:t>条件表达式</a:t>
-            </a:r>
-            <a:r>
-              <a:rPr lang="en-US" altLang="zh-CN" dirty="0"/>
-              <a:t>)</a:t>
-            </a:r>
-          </a:p>
-          <a:p>
-            <a:pPr marL="0" indent="0">
-              <a:buNone/>
-            </a:pPr>
-            <a:r>
-              <a:rPr lang="en-US" altLang="zh-CN" dirty="0"/>
-              <a:t>     </a:t>
-            </a:r>
-            <a:r>
-              <a:rPr lang="zh-CN" altLang="en-US" dirty="0"/>
-              <a:t>程序块</a:t>
-            </a:r>
-          </a:p>
-        </p:txBody>
-      </p:sp>
-      <p:sp>
-        <p:nvSpPr>
-          <p:cNvPr id="7" name="内容占位符 2">
-            <a:extLst>
-              <a:ext uri="{FF2B5EF4-FFF2-40B4-BE49-F238E27FC236}">
-                <a16:creationId xmlns:a16="http://schemas.microsoft.com/office/drawing/2014/main" id="{F2F31D12-3DD4-4850-A280-F3E75D11C4D6}"/>
-              </a:ext>
-            </a:extLst>
-          </p:cNvPr>
-          <p:cNvSpPr txBox="1">
-            <a:spLocks/>
-          </p:cNvSpPr>
-          <p:nvPr/>
-        </p:nvSpPr>
-        <p:spPr>
-          <a:xfrm>
-            <a:off x="1182584" y="3283818"/>
-            <a:ext cx="2502159" cy="2362553"/>
-          </a:xfrm>
-          <a:prstGeom prst="rect">
-            <a:avLst/>
+          <a:prstGeom prst="wedgeRectCallout">
+            <a:avLst>
+              <a:gd name="adj1" fmla="val -67007"/>
+              <a:gd name="adj2" fmla="val 19314"/>
+            </a:avLst>
           </a:prstGeom>
-        </p:spPr>
-        <p:txBody>
-          <a:bodyPr vert="horz" lIns="91440" tIns="45720" rIns="91440" bIns="45720" rtlCol="0">
-            <a:normAutofit lnSpcReduction="10000"/>
-          </a:bodyPr>
-          <a:lstStyle>
-            <a:lvl1pPr marL="228600" indent="-228600" algn="l" defTabSz="914400" rtl="0" eaLnBrk="1" latinLnBrk="0" hangingPunct="1">
-              <a:lnSpc>
-                <a:spcPct val="120000"/>
-              </a:lnSpc>
-              <a:spcBef>
-                <a:spcPts val="1000"/>
-              </a:spcBef>
-              <a:buFont typeface="Arial" panose="020B0604020202020204" pitchFamily="34" charset="0"/>
-              <a:buChar char="•"/>
-              <a:defRPr sz="2800" kern="1200">
-                <a:solidFill>
-                  <a:schemeClr val="tx1"/>
-                </a:solidFill>
-                <a:latin typeface="微软雅黑" panose="020B0503020204020204" pitchFamily="34" charset="-122"/>
-                <a:ea typeface="微软雅黑" panose="020B0503020204020204" pitchFamily="34" charset="-122"/>
-                <a:cs typeface="+mn-cs"/>
-              </a:defRPr>
-            </a:lvl1pPr>
-            <a:lvl2pPr marL="685800" indent="-228600" algn="l" defTabSz="914400" rtl="0" eaLnBrk="1" latinLnBrk="0" hangingPunct="1">
-              <a:lnSpc>
-                <a:spcPct val="120000"/>
-              </a:lnSpc>
-              <a:spcBef>
-                <a:spcPts val="500"/>
-              </a:spcBef>
-              <a:buFont typeface="Arial" panose="020B0604020202020204" pitchFamily="34" charset="0"/>
-              <a:buChar char="•"/>
-              <a:defRPr sz="2400" kern="1200">
-                <a:solidFill>
-                  <a:schemeClr val="tx1"/>
-                </a:solidFill>
-                <a:latin typeface="微软雅黑" panose="020B0503020204020204" pitchFamily="34" charset="-122"/>
-                <a:ea typeface="微软雅黑" panose="020B0503020204020204" pitchFamily="34" charset="-122"/>
-                <a:cs typeface="+mn-cs"/>
-              </a:defRPr>
-            </a:lvl2pPr>
-            <a:lvl3pPr marL="1143000" indent="-228600" algn="l" defTabSz="914400" rtl="0" eaLnBrk="1" latinLnBrk="0" hangingPunct="1">
-              <a:lnSpc>
-                <a:spcPct val="120000"/>
-              </a:lnSpc>
-              <a:spcBef>
-                <a:spcPts val="500"/>
-              </a:spcBef>
-              <a:buFont typeface="Arial" panose="020B0604020202020204" pitchFamily="34" charset="0"/>
-              <a:buChar char="•"/>
-              <a:defRPr sz="2000" kern="1200">
-                <a:solidFill>
-                  <a:schemeClr val="tx1"/>
-                </a:solidFill>
-                <a:latin typeface="微软雅黑" panose="020B0503020204020204" pitchFamily="34" charset="-122"/>
-                <a:ea typeface="微软雅黑" panose="020B0503020204020204" pitchFamily="34" charset="-122"/>
-                <a:cs typeface="+mn-cs"/>
-              </a:defRPr>
-            </a:lvl3pPr>
-            <a:lvl4pPr marL="1600200" indent="-228600" algn="l" defTabSz="914400" rtl="0" eaLnBrk="1" latinLnBrk="0" hangingPunct="1">
-              <a:lnSpc>
-                <a:spcPct val="120000"/>
-              </a:lnSpc>
-              <a:spcBef>
-                <a:spcPts val="500"/>
-              </a:spcBef>
-              <a:buFont typeface="Arial" panose="020B0604020202020204" pitchFamily="34" charset="0"/>
-              <a:buChar char="•"/>
-              <a:defRPr sz="1800" kern="1200">
-                <a:solidFill>
-                  <a:schemeClr val="tx1"/>
-                </a:solidFill>
-                <a:latin typeface="微软雅黑" panose="020B0503020204020204" pitchFamily="34" charset="-122"/>
-                <a:ea typeface="微软雅黑" panose="020B0503020204020204" pitchFamily="34" charset="-122"/>
-                <a:cs typeface="+mn-cs"/>
-              </a:defRPr>
-            </a:lvl4pPr>
-            <a:lvl5pPr marL="2057400" indent="-228600" algn="l" defTabSz="914400" rtl="0" eaLnBrk="1" latinLnBrk="0" hangingPunct="1">
-              <a:lnSpc>
-                <a:spcPct val="120000"/>
-              </a:lnSpc>
-              <a:spcBef>
-                <a:spcPts val="500"/>
-              </a:spcBef>
-              <a:buFont typeface="Arial" panose="020B0604020202020204" pitchFamily="34" charset="0"/>
-              <a:buChar char="•"/>
-              <a:defRPr sz="1800" kern="1200">
-                <a:solidFill>
-                  <a:schemeClr val="tx1"/>
-                </a:solidFill>
-                <a:latin typeface="微软雅黑" panose="020B0503020204020204" pitchFamily="34" charset="-122"/>
-                <a:ea typeface="微软雅黑" panose="020B0503020204020204" pitchFamily="34" charset="-122"/>
-                <a:cs typeface="+mn-cs"/>
-              </a:defRPr>
-            </a:lvl5pPr>
-            <a:lvl6pPr marL="2514600" indent="-228600" algn="l" defTabSz="914400" rtl="0" eaLnBrk="1" latinLnBrk="0" hangingPunct="1">
-              <a:lnSpc>
-                <a:spcPct val="90000"/>
-              </a:lnSpc>
-              <a:spcBef>
-                <a:spcPts val="500"/>
-              </a:spcBef>
-              <a:buFont typeface="Arial" panose="020B0604020202020204" pitchFamily="34" charset="0"/>
-              <a:buChar char="•"/>
-              <a:defRPr sz="1800" kern="1200">
-                <a:solidFill>
-                  <a:schemeClr val="tx1"/>
-                </a:solidFill>
-                <a:latin typeface="+mn-lt"/>
-                <a:ea typeface="+mn-ea"/>
-                <a:cs typeface="+mn-cs"/>
-              </a:defRPr>
-            </a:lvl6pPr>
-            <a:lvl7pPr marL="2971800" indent="-228600" algn="l" defTabSz="914400" rtl="0" eaLnBrk="1" latinLnBrk="0" hangingPunct="1">
-              <a:lnSpc>
-                <a:spcPct val="90000"/>
-              </a:lnSpc>
-              <a:spcBef>
-                <a:spcPts val="500"/>
-              </a:spcBef>
-              <a:buFont typeface="Arial" panose="020B0604020202020204" pitchFamily="34" charset="0"/>
-              <a:buChar char="•"/>
-              <a:defRPr sz="1800" kern="1200">
-                <a:solidFill>
-                  <a:schemeClr val="tx1"/>
-                </a:solidFill>
-                <a:latin typeface="+mn-lt"/>
-                <a:ea typeface="+mn-ea"/>
-                <a:cs typeface="+mn-cs"/>
-              </a:defRPr>
-            </a:lvl7pPr>
-            <a:lvl8pPr marL="3429000" indent="-228600" algn="l" defTabSz="914400" rtl="0" eaLnBrk="1" latinLnBrk="0" hangingPunct="1">
-              <a:lnSpc>
-                <a:spcPct val="90000"/>
-              </a:lnSpc>
-              <a:spcBef>
-                <a:spcPts val="500"/>
-              </a:spcBef>
-              <a:buFont typeface="Arial" panose="020B0604020202020204" pitchFamily="34" charset="0"/>
-              <a:buChar char="•"/>
-              <a:defRPr sz="1800" kern="1200">
-                <a:solidFill>
-                  <a:schemeClr val="tx1"/>
-                </a:solidFill>
-                <a:latin typeface="+mn-lt"/>
-                <a:ea typeface="+mn-ea"/>
-                <a:cs typeface="+mn-cs"/>
-              </a:defRPr>
-            </a:lvl8pPr>
-            <a:lvl9pPr marL="3886200" indent="-228600" algn="l" defTabSz="914400" rtl="0" eaLnBrk="1" latinLnBrk="0" hangingPunct="1">
-              <a:lnSpc>
-                <a:spcPct val="90000"/>
-              </a:lnSpc>
-              <a:spcBef>
-                <a:spcPts val="500"/>
-              </a:spcBef>
-              <a:buFont typeface="Arial" panose="020B0604020202020204" pitchFamily="34" charset="0"/>
-              <a:buChar char="•"/>
-              <a:defRPr sz="1800" kern="1200">
-                <a:solidFill>
-                  <a:schemeClr val="tx1"/>
-                </a:solidFill>
-                <a:latin typeface="+mn-lt"/>
-                <a:ea typeface="+mn-ea"/>
-                <a:cs typeface="+mn-cs"/>
-              </a:defRPr>
-            </a:lvl9pPr>
-          </a:lstStyle>
-          <a:p>
-            <a:pPr marL="0" indent="0">
-              <a:buFont typeface="Arial" panose="020B0604020202020204" pitchFamily="34" charset="0"/>
-              <a:buNone/>
-            </a:pPr>
-            <a:r>
-              <a:rPr lang="en-US" altLang="zh-CN" dirty="0">
-                <a:latin typeface="Noto Sans S Chinese Regular" panose="020B0500000000000000" pitchFamily="34" charset="-122"/>
-                <a:ea typeface="Noto Sans S Chinese Regular" panose="020B0500000000000000" pitchFamily="34" charset="-122"/>
-              </a:rPr>
-              <a:t>if(</a:t>
-            </a:r>
-            <a:r>
-              <a:rPr lang="zh-CN" altLang="en-US" dirty="0">
-                <a:latin typeface="Noto Sans S Chinese Regular" panose="020B0500000000000000" pitchFamily="34" charset="-122"/>
-                <a:ea typeface="Noto Sans S Chinese Regular" panose="020B0500000000000000" pitchFamily="34" charset="-122"/>
-              </a:rPr>
-              <a:t>条件表达式</a:t>
-            </a:r>
-            <a:r>
-              <a:rPr lang="en-US" altLang="zh-CN" dirty="0">
-                <a:latin typeface="Noto Sans S Chinese Regular" panose="020B0500000000000000" pitchFamily="34" charset="-122"/>
-                <a:ea typeface="Noto Sans S Chinese Regular" panose="020B0500000000000000" pitchFamily="34" charset="-122"/>
-              </a:rPr>
-              <a:t>)</a:t>
-            </a:r>
-          </a:p>
-          <a:p>
-            <a:pPr marL="0" indent="0">
-              <a:buFont typeface="Arial" panose="020B0604020202020204" pitchFamily="34" charset="0"/>
-              <a:buNone/>
-            </a:pPr>
-            <a:r>
-              <a:rPr lang="en-US" altLang="zh-CN" dirty="0">
-                <a:latin typeface="Noto Sans S Chinese Regular" panose="020B0500000000000000" pitchFamily="34" charset="-122"/>
-                <a:ea typeface="Noto Sans S Chinese Regular" panose="020B0500000000000000" pitchFamily="34" charset="-122"/>
-              </a:rPr>
-              <a:t>     </a:t>
-            </a:r>
-            <a:r>
-              <a:rPr lang="zh-CN" altLang="en-US" dirty="0">
-                <a:latin typeface="Noto Sans S Chinese Regular" panose="020B0500000000000000" pitchFamily="34" charset="-122"/>
-                <a:ea typeface="Noto Sans S Chinese Regular" panose="020B0500000000000000" pitchFamily="34" charset="-122"/>
-              </a:rPr>
-              <a:t>程序块</a:t>
-            </a:r>
-            <a:endParaRPr lang="en-US" altLang="zh-CN" dirty="0">
-              <a:latin typeface="Noto Sans S Chinese Regular" panose="020B0500000000000000" pitchFamily="34" charset="-122"/>
-              <a:ea typeface="Noto Sans S Chinese Regular" panose="020B0500000000000000" pitchFamily="34" charset="-122"/>
-            </a:endParaRPr>
-          </a:p>
-          <a:p>
-            <a:pPr marL="0" indent="0">
-              <a:buFont typeface="Arial" panose="020B0604020202020204" pitchFamily="34" charset="0"/>
-              <a:buNone/>
-            </a:pPr>
-            <a:r>
-              <a:rPr lang="en-US" altLang="zh-CN" dirty="0">
-                <a:latin typeface="Noto Sans S Chinese Regular" panose="020B0500000000000000" pitchFamily="34" charset="-122"/>
-                <a:ea typeface="Noto Sans S Chinese Regular" panose="020B0500000000000000" pitchFamily="34" charset="-122"/>
-              </a:rPr>
-              <a:t>else</a:t>
-            </a:r>
-          </a:p>
-          <a:p>
-            <a:pPr marL="0" indent="0">
-              <a:buFont typeface="Arial" panose="020B0604020202020204" pitchFamily="34" charset="0"/>
-              <a:buNone/>
-            </a:pPr>
-            <a:r>
-              <a:rPr lang="en-US" altLang="zh-CN" dirty="0">
-                <a:latin typeface="Noto Sans S Chinese Regular" panose="020B0500000000000000" pitchFamily="34" charset="-122"/>
-                <a:ea typeface="Noto Sans S Chinese Regular" panose="020B0500000000000000" pitchFamily="34" charset="-122"/>
-              </a:rPr>
-              <a:t>    </a:t>
-            </a:r>
-            <a:r>
-              <a:rPr lang="zh-CN" altLang="en-US" dirty="0">
-                <a:latin typeface="Noto Sans S Chinese Regular" panose="020B0500000000000000" pitchFamily="34" charset="-122"/>
-                <a:ea typeface="Noto Sans S Chinese Regular" panose="020B0500000000000000" pitchFamily="34" charset="-122"/>
-              </a:rPr>
-              <a:t>程序块</a:t>
-            </a:r>
-          </a:p>
-        </p:txBody>
-      </p:sp>
-      <p:sp>
-        <p:nvSpPr>
-          <p:cNvPr id="2" name="矩形 1">
-            <a:extLst>
-              <a:ext uri="{FF2B5EF4-FFF2-40B4-BE49-F238E27FC236}">
-                <a16:creationId xmlns:a16="http://schemas.microsoft.com/office/drawing/2014/main" id="{FE94E8DD-6B27-4CF8-8244-60B8EBDC6EB6}"/>
-              </a:ext>
-            </a:extLst>
-          </p:cNvPr>
-          <p:cNvSpPr/>
-          <p:nvPr/>
-        </p:nvSpPr>
-        <p:spPr>
-          <a:xfrm>
-            <a:off x="4779390" y="1480008"/>
-            <a:ext cx="6325385" cy="1272619"/>
-          </a:xfrm>
-          <a:prstGeom prst="rect">
-            <a:avLst/>
-          </a:prstGeom>
-          <a:noFill/>
-          <a:ln w="38100">
-            <a:solidFill>
-              <a:srgbClr val="00B050"/>
-            </a:solidFill>
-          </a:ln>
         </p:spPr>
         <p:style>
           <a:lnRef idx="2">
@@ -16397,42 +14019,45 @@
         </p:style>
         <p:txBody>
           <a:bodyPr rtlCol="0" anchor="ctr"/>
-          <a:lstStyle/>
-          <a:p>
-            <a:pPr algn="ctr"/>
-            <a:r>
-              <a:rPr lang="en-US" dirty="0"/>
-              <a:t>c</a:t>
-            </a:r>
-          </a:p>
-        </p:txBody>
-      </p:sp>
-      <p:sp>
-        <p:nvSpPr>
-          <p:cNvPr id="9" name="矩形 8">
-            <a:extLst>
-              <a:ext uri="{FF2B5EF4-FFF2-40B4-BE49-F238E27FC236}">
-                <a16:creationId xmlns:a16="http://schemas.microsoft.com/office/drawing/2014/main" id="{1695683D-E90B-4050-8330-E804475D1104}"/>
-              </a:ext>
-            </a:extLst>
-          </p:cNvPr>
+          <a:p>
+            <a:pPr algn="l"/>
+            <a:r>
+              <a:rPr lang="zh-CN" altLang="en-US" sz="3000"/>
+              <a:t>程序块的</a:t>
+            </a:r>
+            <a:r>
+              <a:rPr lang="zh-CN" altLang="en-US" sz="3000" b="1">
+                <a:solidFill>
+                  <a:srgbClr val="C00000"/>
+                </a:solidFill>
+              </a:rPr>
+              <a:t>缩进</a:t>
+            </a:r>
+            <a:r>
+              <a:rPr lang="zh-CN" altLang="en-US" sz="3000"/>
+              <a:t>提高了代码的可读性</a:t>
+            </a:r>
+            <a:endParaRPr lang="zh-CN" altLang="en-US" sz="3000"/>
+          </a:p>
+        </p:txBody>
+      </p:sp>
+      <p:sp>
+        <p:nvSpPr>
+          <p:cNvPr id="2" name="Rectangular Callout 1"/>
           <p:cNvSpPr/>
           <p:nvPr/>
         </p:nvSpPr>
         <p:spPr>
           <a:xfrm>
-            <a:off x="4748910" y="4213048"/>
-            <a:ext cx="6457570" cy="2157272"/>
+            <a:off x="7887335" y="4642485"/>
+            <a:ext cx="4002405" cy="1287145"/>
           </a:xfrm>
-          <a:prstGeom prst="rect">
-            <a:avLst/>
+          <a:prstGeom prst="wedgeRectCallout">
+            <a:avLst>
+              <a:gd name="adj1" fmla="val -67007"/>
+              <a:gd name="adj2" fmla="val 19314"/>
+            </a:avLst>
           </a:prstGeom>
-          <a:noFill/>
-          <a:ln w="38100">
-            <a:solidFill>
-              <a:srgbClr val="00B050"/>
-            </a:solidFill>
-          </a:ln>
         </p:spPr>
         <p:style>
           <a:lnRef idx="2">
@@ -16452,22 +14077,29 @@
         </p:style>
         <p:txBody>
           <a:bodyPr rtlCol="0" anchor="ctr"/>
-          <a:lstStyle/>
-          <a:p>
-            <a:pPr algn="ctr"/>
-            <a:r>
-              <a:rPr lang="en-US" dirty="0"/>
-              <a:t>c</a:t>
-            </a:r>
+          <a:p>
+            <a:pPr algn="l"/>
+            <a:r>
+              <a:rPr lang="zh-CN" altLang="en-US" sz="3000"/>
+              <a:t>程序块的</a:t>
+            </a:r>
+            <a:r>
+              <a:rPr lang="zh-CN" altLang="en-US" sz="3000" b="1">
+                <a:solidFill>
+                  <a:srgbClr val="C00000"/>
+                </a:solidFill>
+              </a:rPr>
+              <a:t>缩进</a:t>
+            </a:r>
+            <a:r>
+              <a:rPr lang="zh-CN" altLang="en-US" sz="3000"/>
+              <a:t>提高了代码的可读性</a:t>
+            </a:r>
+            <a:endParaRPr lang="zh-CN" altLang="en-US" sz="3000"/>
           </a:p>
         </p:txBody>
       </p:sp>
     </p:spTree>
-    <p:extLst>
-      <p:ext uri="{BB962C8B-B14F-4D97-AF65-F5344CB8AC3E}">
-        <p14:creationId xmlns:p14="http://schemas.microsoft.com/office/powerpoint/2010/main" val="3199311548"/>
-      </p:ext>
-    </p:extLst>
   </p:cSld>
   <p:clrMapOvr>
     <a:masterClrMapping/>
@@ -16493,7 +14125,7 @@
                             </p:stCondLst>
                             <p:childTnLst>
                               <p:par>
-                                <p:cTn id="5" presetID="1" presetClass="entr" presetSubtype="0" fill="hold" grpId="0" nodeType="clickEffect">
+                                <p:cTn id="5" presetID="1" presetClass="entr" presetSubtype="0" fill="hold" nodeType="clickEffect">
                                   <p:stCondLst>
                                     <p:cond delay="0"/>
                                   </p:stCondLst>
@@ -16506,7 +14138,7 @@
                                           </p:stCondLst>
                                         </p:cTn>
                                         <p:tgtEl>
-                                          <p:spTgt spid="2"/>
+                                          <p:spTgt spid="5"/>
                                         </p:tgtEl>
                                         <p:attrNameLst>
                                           <p:attrName>style.visibility</p:attrName>
@@ -16551,7 +14183,7 @@
                                           </p:stCondLst>
                                         </p:cTn>
                                         <p:tgtEl>
-                                          <p:spTgt spid="7"/>
+                                          <p:spTgt spid="6"/>
                                         </p:tgtEl>
                                         <p:attrNameLst>
                                           <p:attrName>style.visibility</p:attrName>
@@ -16583,7 +14215,7 @@
                             </p:stCondLst>
                             <p:childTnLst>
                               <p:par>
-                                <p:cTn id="13" presetID="1" presetClass="entr" presetSubtype="0" fill="hold" nodeType="clickEffect">
+                                <p:cTn id="13" presetID="1" presetClass="entr" presetSubtype="0" fill="hold" grpId="0" nodeType="clickEffect">
                                   <p:stCondLst>
                                     <p:cond delay="0"/>
                                   </p:stCondLst>
@@ -16596,52 +14228,7 @@
                                           </p:stCondLst>
                                         </p:cTn>
                                         <p:tgtEl>
-                                          <p:spTgt spid="5"/>
-                                        </p:tgtEl>
-                                        <p:attrNameLst>
-                                          <p:attrName>style.visibility</p:attrName>
-                                        </p:attrNameLst>
-                                      </p:cBhvr>
-                                      <p:to>
-                                        <p:strVal val="visible"/>
-                                      </p:to>
-                                    </p:set>
-                                  </p:childTnLst>
-                                </p:cTn>
-                              </p:par>
-                            </p:childTnLst>
-                          </p:cTn>
-                        </p:par>
-                      </p:childTnLst>
-                    </p:cTn>
-                  </p:par>
-                  <p:par>
-                    <p:cTn id="15" fill="hold">
-                      <p:stCondLst>
-                        <p:cond delay="indefinite"/>
-                      </p:stCondLst>
-                      <p:childTnLst>
-                        <p:par>
-                          <p:cTn id="16" fill="hold">
-                            <p:stCondLst>
-                              <p:cond delay="0"/>
-                            </p:stCondLst>
-                            <p:childTnLst>
-                              <p:par>
-                                <p:cTn id="17" presetID="1" presetClass="entr" presetSubtype="0" fill="hold" grpId="0" nodeType="clickEffect">
-                                  <p:stCondLst>
-                                    <p:cond delay="0"/>
-                                  </p:stCondLst>
-                                  <p:childTnLst>
-                                    <p:set>
-                                      <p:cBhvr>
-                                        <p:cTn id="18" dur="1" fill="hold">
-                                          <p:stCondLst>
-                                            <p:cond delay="0"/>
-                                          </p:stCondLst>
-                                        </p:cTn>
-                                        <p:tgtEl>
-                                          <p:spTgt spid="9"/>
+                                          <p:spTgt spid="2"/>
                                         </p:tgtEl>
                                         <p:attrNameLst>
                                           <p:attrName>style.visibility</p:attrName>
@@ -16682,9 +14269,10 @@
       </p:par>
     </p:tnLst>
     <p:bldLst>
-      <p:bldP spid="7" grpId="0"/>
-      <p:bldP spid="2" grpId="0" animBg="1"/>
-      <p:bldP spid="9" grpId="0" animBg="1"/>
+      <p:bldP spid="6" grpId="0" bldLvl="0" animBg="1"/>
+      <p:bldP spid="6" grpId="1" animBg="1"/>
+      <p:bldP spid="2" grpId="0" bldLvl="0" animBg="1"/>
+      <p:bldP spid="2" grpId="1" animBg="1"/>
     </p:bldLst>
   </p:timing>
 </p:sld>
@@ -16709,27 +14297,21 @@
       </p:grpSpPr>
       <p:pic>
         <p:nvPicPr>
-          <p:cNvPr id="4" name="图片 3">
-            <a:extLst>
-              <a:ext uri="{FF2B5EF4-FFF2-40B4-BE49-F238E27FC236}">
-                <a16:creationId xmlns:a16="http://schemas.microsoft.com/office/drawing/2014/main" id="{C3FF8447-BBD6-45E7-BE0B-EF226089D390}"/>
-              </a:ext>
-            </a:extLst>
-          </p:cNvPr>
+          <p:cNvPr id="4" name="图片 3"/>
           <p:cNvPicPr>
             <a:picLocks noChangeAspect="1"/>
           </p:cNvPicPr>
           <p:nvPr/>
         </p:nvPicPr>
         <p:blipFill>
-          <a:blip r:embed="rId2"/>
+          <a:blip r:embed="rId1"/>
           <a:stretch>
             <a:fillRect/>
           </a:stretch>
         </p:blipFill>
         <p:spPr>
           <a:xfrm>
-            <a:off x="4359910" y="685641"/>
+            <a:off x="2043430" y="441801"/>
             <a:ext cx="5779036" cy="5710238"/>
           </a:xfrm>
           <a:prstGeom prst="rect">
@@ -16739,25 +14321,19 @@
       </p:pic>
       <p:sp>
         <p:nvSpPr>
-          <p:cNvPr id="5" name="对话气泡: 矩形 4">
-            <a:extLst>
-              <a:ext uri="{FF2B5EF4-FFF2-40B4-BE49-F238E27FC236}">
-                <a16:creationId xmlns:a16="http://schemas.microsoft.com/office/drawing/2014/main" id="{80CE3258-50F1-45A4-8150-1A9242488FCC}"/>
-              </a:ext>
-            </a:extLst>
-          </p:cNvPr>
+          <p:cNvPr id="5" name="对话气泡: 矩形 4"/>
           <p:cNvSpPr/>
           <p:nvPr/>
         </p:nvSpPr>
         <p:spPr>
           <a:xfrm>
-            <a:off x="8046720" y="904240"/>
-            <a:ext cx="2936240" cy="457200"/>
+            <a:off x="8636000" y="1717040"/>
+            <a:ext cx="2926080" cy="792480"/>
           </a:xfrm>
           <a:prstGeom prst="wedgeRectCallout">
             <a:avLst>
-              <a:gd name="adj1" fmla="val -39238"/>
-              <a:gd name="adj2" fmla="val 112072"/>
+              <a:gd name="adj1" fmla="val -69791"/>
+              <a:gd name="adj2" fmla="val 24038"/>
             </a:avLst>
           </a:prstGeom>
         </p:spPr>
@@ -16786,520 +14362,15 @@
               <a:rPr lang="zh-CN" altLang="en-US" sz="2800" dirty="0"/>
               <a:t>多个互斥的条件</a:t>
             </a:r>
-          </a:p>
-        </p:txBody>
-      </p:sp>
-      <p:sp>
-        <p:nvSpPr>
-          <p:cNvPr id="6" name="内容占位符 2">
-            <a:extLst>
-              <a:ext uri="{FF2B5EF4-FFF2-40B4-BE49-F238E27FC236}">
-                <a16:creationId xmlns:a16="http://schemas.microsoft.com/office/drawing/2014/main" id="{CE27276F-BDB3-4AED-8CDA-DB768D08DD84}"/>
-              </a:ext>
-            </a:extLst>
-          </p:cNvPr>
-          <p:cNvSpPr txBox="1">
-            <a:spLocks/>
-          </p:cNvSpPr>
-          <p:nvPr/>
-        </p:nvSpPr>
-        <p:spPr>
-          <a:xfrm>
-            <a:off x="369907" y="731691"/>
-            <a:ext cx="3492759" cy="3488450"/>
-          </a:xfrm>
-          <a:prstGeom prst="rect">
-            <a:avLst/>
-          </a:prstGeom>
-        </p:spPr>
-        <p:txBody>
-          <a:bodyPr vert="horz" lIns="91440" tIns="45720" rIns="91440" bIns="45720" rtlCol="0">
-            <a:normAutofit fontScale="85000" lnSpcReduction="20000"/>
-          </a:bodyPr>
-          <a:lstStyle>
-            <a:lvl1pPr marL="228600" indent="-228600" algn="l" defTabSz="914400" rtl="0" eaLnBrk="1" latinLnBrk="0" hangingPunct="1">
-              <a:lnSpc>
-                <a:spcPct val="120000"/>
-              </a:lnSpc>
-              <a:spcBef>
-                <a:spcPts val="1000"/>
-              </a:spcBef>
-              <a:buFont typeface="Arial" panose="020B0604020202020204" pitchFamily="34" charset="0"/>
-              <a:buChar char="•"/>
-              <a:defRPr sz="2800" kern="1200">
-                <a:solidFill>
-                  <a:schemeClr val="tx1"/>
-                </a:solidFill>
-                <a:latin typeface="微软雅黑" panose="020B0503020204020204" pitchFamily="34" charset="-122"/>
-                <a:ea typeface="微软雅黑" panose="020B0503020204020204" pitchFamily="34" charset="-122"/>
-                <a:cs typeface="+mn-cs"/>
-              </a:defRPr>
-            </a:lvl1pPr>
-            <a:lvl2pPr marL="685800" indent="-228600" algn="l" defTabSz="914400" rtl="0" eaLnBrk="1" latinLnBrk="0" hangingPunct="1">
-              <a:lnSpc>
-                <a:spcPct val="120000"/>
-              </a:lnSpc>
-              <a:spcBef>
-                <a:spcPts val="500"/>
-              </a:spcBef>
-              <a:buFont typeface="Arial" panose="020B0604020202020204" pitchFamily="34" charset="0"/>
-              <a:buChar char="•"/>
-              <a:defRPr sz="2400" kern="1200">
-                <a:solidFill>
-                  <a:schemeClr val="tx1"/>
-                </a:solidFill>
-                <a:latin typeface="微软雅黑" panose="020B0503020204020204" pitchFamily="34" charset="-122"/>
-                <a:ea typeface="微软雅黑" panose="020B0503020204020204" pitchFamily="34" charset="-122"/>
-                <a:cs typeface="+mn-cs"/>
-              </a:defRPr>
-            </a:lvl2pPr>
-            <a:lvl3pPr marL="1143000" indent="-228600" algn="l" defTabSz="914400" rtl="0" eaLnBrk="1" latinLnBrk="0" hangingPunct="1">
-              <a:lnSpc>
-                <a:spcPct val="120000"/>
-              </a:lnSpc>
-              <a:spcBef>
-                <a:spcPts val="500"/>
-              </a:spcBef>
-              <a:buFont typeface="Arial" panose="020B0604020202020204" pitchFamily="34" charset="0"/>
-              <a:buChar char="•"/>
-              <a:defRPr sz="2000" kern="1200">
-                <a:solidFill>
-                  <a:schemeClr val="tx1"/>
-                </a:solidFill>
-                <a:latin typeface="微软雅黑" panose="020B0503020204020204" pitchFamily="34" charset="-122"/>
-                <a:ea typeface="微软雅黑" panose="020B0503020204020204" pitchFamily="34" charset="-122"/>
-                <a:cs typeface="+mn-cs"/>
-              </a:defRPr>
-            </a:lvl3pPr>
-            <a:lvl4pPr marL="1600200" indent="-228600" algn="l" defTabSz="914400" rtl="0" eaLnBrk="1" latinLnBrk="0" hangingPunct="1">
-              <a:lnSpc>
-                <a:spcPct val="120000"/>
-              </a:lnSpc>
-              <a:spcBef>
-                <a:spcPts val="500"/>
-              </a:spcBef>
-              <a:buFont typeface="Arial" panose="020B0604020202020204" pitchFamily="34" charset="0"/>
-              <a:buChar char="•"/>
-              <a:defRPr sz="1800" kern="1200">
-                <a:solidFill>
-                  <a:schemeClr val="tx1"/>
-                </a:solidFill>
-                <a:latin typeface="微软雅黑" panose="020B0503020204020204" pitchFamily="34" charset="-122"/>
-                <a:ea typeface="微软雅黑" panose="020B0503020204020204" pitchFamily="34" charset="-122"/>
-                <a:cs typeface="+mn-cs"/>
-              </a:defRPr>
-            </a:lvl4pPr>
-            <a:lvl5pPr marL="2057400" indent="-228600" algn="l" defTabSz="914400" rtl="0" eaLnBrk="1" latinLnBrk="0" hangingPunct="1">
-              <a:lnSpc>
-                <a:spcPct val="120000"/>
-              </a:lnSpc>
-              <a:spcBef>
-                <a:spcPts val="500"/>
-              </a:spcBef>
-              <a:buFont typeface="Arial" panose="020B0604020202020204" pitchFamily="34" charset="0"/>
-              <a:buChar char="•"/>
-              <a:defRPr sz="1800" kern="1200">
-                <a:solidFill>
-                  <a:schemeClr val="tx1"/>
-                </a:solidFill>
-                <a:latin typeface="微软雅黑" panose="020B0503020204020204" pitchFamily="34" charset="-122"/>
-                <a:ea typeface="微软雅黑" panose="020B0503020204020204" pitchFamily="34" charset="-122"/>
-                <a:cs typeface="+mn-cs"/>
-              </a:defRPr>
-            </a:lvl5pPr>
-            <a:lvl6pPr marL="2514600" indent="-228600" algn="l" defTabSz="914400" rtl="0" eaLnBrk="1" latinLnBrk="0" hangingPunct="1">
-              <a:lnSpc>
-                <a:spcPct val="90000"/>
-              </a:lnSpc>
-              <a:spcBef>
-                <a:spcPts val="500"/>
-              </a:spcBef>
-              <a:buFont typeface="Arial" panose="020B0604020202020204" pitchFamily="34" charset="0"/>
-              <a:buChar char="•"/>
-              <a:defRPr sz="1800" kern="1200">
-                <a:solidFill>
-                  <a:schemeClr val="tx1"/>
-                </a:solidFill>
-                <a:latin typeface="+mn-lt"/>
-                <a:ea typeface="+mn-ea"/>
-                <a:cs typeface="+mn-cs"/>
-              </a:defRPr>
-            </a:lvl6pPr>
-            <a:lvl7pPr marL="2971800" indent="-228600" algn="l" defTabSz="914400" rtl="0" eaLnBrk="1" latinLnBrk="0" hangingPunct="1">
-              <a:lnSpc>
-                <a:spcPct val="90000"/>
-              </a:lnSpc>
-              <a:spcBef>
-                <a:spcPts val="500"/>
-              </a:spcBef>
-              <a:buFont typeface="Arial" panose="020B0604020202020204" pitchFamily="34" charset="0"/>
-              <a:buChar char="•"/>
-              <a:defRPr sz="1800" kern="1200">
-                <a:solidFill>
-                  <a:schemeClr val="tx1"/>
-                </a:solidFill>
-                <a:latin typeface="+mn-lt"/>
-                <a:ea typeface="+mn-ea"/>
-                <a:cs typeface="+mn-cs"/>
-              </a:defRPr>
-            </a:lvl7pPr>
-            <a:lvl8pPr marL="3429000" indent="-228600" algn="l" defTabSz="914400" rtl="0" eaLnBrk="1" latinLnBrk="0" hangingPunct="1">
-              <a:lnSpc>
-                <a:spcPct val="90000"/>
-              </a:lnSpc>
-              <a:spcBef>
-                <a:spcPts val="500"/>
-              </a:spcBef>
-              <a:buFont typeface="Arial" panose="020B0604020202020204" pitchFamily="34" charset="0"/>
-              <a:buChar char="•"/>
-              <a:defRPr sz="1800" kern="1200">
-                <a:solidFill>
-                  <a:schemeClr val="tx1"/>
-                </a:solidFill>
-                <a:latin typeface="+mn-lt"/>
-                <a:ea typeface="+mn-ea"/>
-                <a:cs typeface="+mn-cs"/>
-              </a:defRPr>
-            </a:lvl8pPr>
-            <a:lvl9pPr marL="3886200" indent="-228600" algn="l" defTabSz="914400" rtl="0" eaLnBrk="1" latinLnBrk="0" hangingPunct="1">
-              <a:lnSpc>
-                <a:spcPct val="90000"/>
-              </a:lnSpc>
-              <a:spcBef>
-                <a:spcPts val="500"/>
-              </a:spcBef>
-              <a:buFont typeface="Arial" panose="020B0604020202020204" pitchFamily="34" charset="0"/>
-              <a:buChar char="•"/>
-              <a:defRPr sz="1800" kern="1200">
-                <a:solidFill>
-                  <a:schemeClr val="tx1"/>
-                </a:solidFill>
-                <a:latin typeface="+mn-lt"/>
-                <a:ea typeface="+mn-ea"/>
-                <a:cs typeface="+mn-cs"/>
-              </a:defRPr>
-            </a:lvl9pPr>
-          </a:lstStyle>
-          <a:p>
-            <a:pPr marL="0" indent="0">
-              <a:buFont typeface="Arial" panose="020B0604020202020204" pitchFamily="34" charset="0"/>
-              <a:buNone/>
-            </a:pPr>
-            <a:r>
-              <a:rPr lang="en-US" altLang="zh-CN" dirty="0">
-                <a:latin typeface="Noto Sans S Chinese Regular" panose="020B0500000000000000" pitchFamily="34" charset="-122"/>
-                <a:ea typeface="Noto Sans S Chinese Regular" panose="020B0500000000000000" pitchFamily="34" charset="-122"/>
-              </a:rPr>
-              <a:t>if(</a:t>
-            </a:r>
-            <a:r>
-              <a:rPr lang="zh-CN" altLang="en-US" dirty="0">
-                <a:latin typeface="Noto Sans S Chinese Regular" panose="020B0500000000000000" pitchFamily="34" charset="-122"/>
-                <a:ea typeface="Noto Sans S Chinese Regular" panose="020B0500000000000000" pitchFamily="34" charset="-122"/>
-              </a:rPr>
-              <a:t>条件表达式</a:t>
-            </a:r>
-            <a:r>
-              <a:rPr lang="en-US" altLang="zh-CN" dirty="0">
-                <a:latin typeface="Noto Sans S Chinese Regular" panose="020B0500000000000000" pitchFamily="34" charset="-122"/>
-                <a:ea typeface="Noto Sans S Chinese Regular" panose="020B0500000000000000" pitchFamily="34" charset="-122"/>
-              </a:rPr>
-              <a:t>1)</a:t>
-            </a:r>
-          </a:p>
-          <a:p>
-            <a:pPr marL="0" indent="0">
-              <a:buFont typeface="Arial" panose="020B0604020202020204" pitchFamily="34" charset="0"/>
-              <a:buNone/>
-            </a:pPr>
-            <a:r>
-              <a:rPr lang="en-US" altLang="zh-CN" dirty="0">
-                <a:latin typeface="Noto Sans S Chinese Regular" panose="020B0500000000000000" pitchFamily="34" charset="-122"/>
-                <a:ea typeface="Noto Sans S Chinese Regular" panose="020B0500000000000000" pitchFamily="34" charset="-122"/>
-              </a:rPr>
-              <a:t>     </a:t>
-            </a:r>
-            <a:r>
-              <a:rPr lang="zh-CN" altLang="en-US" dirty="0">
-                <a:latin typeface="Noto Sans S Chinese Regular" panose="020B0500000000000000" pitchFamily="34" charset="-122"/>
-                <a:ea typeface="Noto Sans S Chinese Regular" panose="020B0500000000000000" pitchFamily="34" charset="-122"/>
-              </a:rPr>
-              <a:t>程序块</a:t>
-            </a:r>
-            <a:endParaRPr lang="en-US" altLang="zh-CN" dirty="0">
-              <a:latin typeface="Noto Sans S Chinese Regular" panose="020B0500000000000000" pitchFamily="34" charset="-122"/>
-              <a:ea typeface="Noto Sans S Chinese Regular" panose="020B0500000000000000" pitchFamily="34" charset="-122"/>
-            </a:endParaRPr>
-          </a:p>
-          <a:p>
-            <a:pPr marL="0" indent="0">
-              <a:buNone/>
-            </a:pPr>
-            <a:r>
-              <a:rPr lang="en-US" altLang="zh-CN" dirty="0">
-                <a:latin typeface="Noto Sans S Chinese Regular" panose="020B0500000000000000" pitchFamily="34" charset="-122"/>
-                <a:ea typeface="Noto Sans S Chinese Regular" panose="020B0500000000000000" pitchFamily="34" charset="-122"/>
-              </a:rPr>
-              <a:t>else if(</a:t>
-            </a:r>
-            <a:r>
-              <a:rPr lang="zh-CN" altLang="en-US" dirty="0">
-                <a:latin typeface="Noto Sans S Chinese Regular" panose="020B0500000000000000" pitchFamily="34" charset="-122"/>
-                <a:ea typeface="Noto Sans S Chinese Regular" panose="020B0500000000000000" pitchFamily="34" charset="-122"/>
-              </a:rPr>
-              <a:t>条件表达式</a:t>
-            </a:r>
-            <a:r>
-              <a:rPr lang="en-US" altLang="zh-CN" dirty="0">
-                <a:latin typeface="Noto Sans S Chinese Regular" panose="020B0500000000000000" pitchFamily="34" charset="-122"/>
-                <a:ea typeface="Noto Sans S Chinese Regular" panose="020B0500000000000000" pitchFamily="34" charset="-122"/>
-              </a:rPr>
-              <a:t>2)</a:t>
-            </a:r>
-          </a:p>
-          <a:p>
-            <a:pPr marL="0" indent="0">
-              <a:buFont typeface="Arial" panose="020B0604020202020204" pitchFamily="34" charset="0"/>
-              <a:buNone/>
-            </a:pPr>
-            <a:r>
-              <a:rPr lang="en-US" altLang="zh-CN" dirty="0">
-                <a:latin typeface="Noto Sans S Chinese Regular" panose="020B0500000000000000" pitchFamily="34" charset="-122"/>
-                <a:ea typeface="Noto Sans S Chinese Regular" panose="020B0500000000000000" pitchFamily="34" charset="-122"/>
-              </a:rPr>
-              <a:t>    </a:t>
-            </a:r>
-            <a:r>
-              <a:rPr lang="zh-CN" altLang="en-US" dirty="0">
-                <a:latin typeface="Noto Sans S Chinese Regular" panose="020B0500000000000000" pitchFamily="34" charset="-122"/>
-                <a:ea typeface="Noto Sans S Chinese Regular" panose="020B0500000000000000" pitchFamily="34" charset="-122"/>
-              </a:rPr>
-              <a:t>程序块</a:t>
-            </a:r>
-            <a:endParaRPr lang="en-US" altLang="zh-CN" dirty="0">
-              <a:latin typeface="Noto Sans S Chinese Regular" panose="020B0500000000000000" pitchFamily="34" charset="-122"/>
-              <a:ea typeface="Noto Sans S Chinese Regular" panose="020B0500000000000000" pitchFamily="34" charset="-122"/>
-            </a:endParaRPr>
-          </a:p>
-          <a:p>
-            <a:pPr marL="0" indent="0">
-              <a:buFont typeface="Arial" panose="020B0604020202020204" pitchFamily="34" charset="0"/>
-              <a:buNone/>
-            </a:pPr>
-            <a:r>
-              <a:rPr lang="en-US" altLang="zh-CN" dirty="0">
-                <a:latin typeface="Noto Sans S Chinese Regular" panose="020B0500000000000000" pitchFamily="34" charset="-122"/>
-                <a:ea typeface="Noto Sans S Chinese Regular" panose="020B0500000000000000" pitchFamily="34" charset="-122"/>
-              </a:rPr>
-              <a:t>…</a:t>
-            </a:r>
-          </a:p>
-          <a:p>
-            <a:pPr marL="0" indent="0">
-              <a:buFont typeface="Arial" panose="020B0604020202020204" pitchFamily="34" charset="0"/>
-              <a:buNone/>
-            </a:pPr>
-            <a:r>
-              <a:rPr lang="en-US" altLang="zh-CN" dirty="0">
-                <a:latin typeface="Noto Sans S Chinese Regular" panose="020B0500000000000000" pitchFamily="34" charset="-122"/>
-                <a:ea typeface="Noto Sans S Chinese Regular" panose="020B0500000000000000" pitchFamily="34" charset="-122"/>
-              </a:rPr>
-              <a:t>else</a:t>
-            </a:r>
-          </a:p>
-          <a:p>
-            <a:pPr marL="0" indent="0">
-              <a:buFont typeface="Arial" panose="020B0604020202020204" pitchFamily="34" charset="0"/>
-              <a:buNone/>
-            </a:pPr>
-            <a:r>
-              <a:rPr lang="en-US" altLang="zh-CN" dirty="0">
-                <a:latin typeface="Noto Sans S Chinese Regular" panose="020B0500000000000000" pitchFamily="34" charset="-122"/>
-                <a:ea typeface="Noto Sans S Chinese Regular" panose="020B0500000000000000" pitchFamily="34" charset="-122"/>
-              </a:rPr>
-              <a:t>     </a:t>
-            </a:r>
-            <a:r>
-              <a:rPr lang="zh-CN" altLang="en-US" dirty="0">
-                <a:latin typeface="Noto Sans S Chinese Regular" panose="020B0500000000000000" pitchFamily="34" charset="-122"/>
-                <a:ea typeface="Noto Sans S Chinese Regular" panose="020B0500000000000000" pitchFamily="34" charset="-122"/>
-              </a:rPr>
-              <a:t>程序块</a:t>
-            </a:r>
-          </a:p>
-        </p:txBody>
-      </p:sp>
-      <p:sp>
-        <p:nvSpPr>
-          <p:cNvPr id="7" name="矩形 6">
-            <a:extLst>
-              <a:ext uri="{FF2B5EF4-FFF2-40B4-BE49-F238E27FC236}">
-                <a16:creationId xmlns:a16="http://schemas.microsoft.com/office/drawing/2014/main" id="{4C5611CC-EEF3-4D13-83FD-D09174B5DC55}"/>
-              </a:ext>
-            </a:extLst>
-          </p:cNvPr>
-          <p:cNvSpPr/>
-          <p:nvPr/>
-        </p:nvSpPr>
-        <p:spPr>
-          <a:xfrm>
-            <a:off x="4301871" y="1683208"/>
-            <a:ext cx="6051170" cy="4727752"/>
-          </a:xfrm>
-          <a:prstGeom prst="rect">
-            <a:avLst/>
-          </a:prstGeom>
-          <a:noFill/>
-          <a:ln w="38100">
-            <a:solidFill>
-              <a:srgbClr val="00B050"/>
-            </a:solidFill>
-          </a:ln>
-        </p:spPr>
-        <p:style>
-          <a:lnRef idx="2">
-            <a:schemeClr val="accent1">
-              <a:shade val="50000"/>
-            </a:schemeClr>
-          </a:lnRef>
-          <a:fillRef idx="1">
-            <a:schemeClr val="accent1"/>
-          </a:fillRef>
-          <a:effectRef idx="0">
-            <a:schemeClr val="accent1"/>
-          </a:effectRef>
-          <a:fontRef idx="minor">
-            <a:schemeClr val="lt1"/>
-          </a:fontRef>
-        </p:style>
-        <p:txBody>
-          <a:bodyPr rtlCol="0" anchor="ctr"/>
-          <a:lstStyle/>
-          <a:p>
-            <a:pPr algn="ctr"/>
-            <a:r>
-              <a:rPr lang="en-US" dirty="0"/>
-              <a:t>c</a:t>
-            </a:r>
+            <a:endParaRPr lang="zh-CN" altLang="en-US" sz="2800" dirty="0"/>
           </a:p>
         </p:txBody>
       </p:sp>
     </p:spTree>
-    <p:extLst>
-      <p:ext uri="{BB962C8B-B14F-4D97-AF65-F5344CB8AC3E}">
-        <p14:creationId xmlns:p14="http://schemas.microsoft.com/office/powerpoint/2010/main" val="4255092399"/>
-      </p:ext>
-    </p:extLst>
   </p:cSld>
   <p:clrMapOvr>
     <a:masterClrMapping/>
   </p:clrMapOvr>
-  <p:timing>
-    <p:tnLst>
-      <p:par>
-        <p:cTn id="1" dur="indefinite" restart="never" nodeType="tmRoot">
-          <p:childTnLst>
-            <p:seq concurrent="1" nextAc="seek">
-              <p:cTn id="2" dur="indefinite" nodeType="mainSeq">
-                <p:childTnLst>
-                  <p:par>
-                    <p:cTn id="3" fill="hold">
-                      <p:stCondLst>
-                        <p:cond delay="indefinite"/>
-                      </p:stCondLst>
-                      <p:childTnLst>
-                        <p:par>
-                          <p:cTn id="4" fill="hold">
-                            <p:stCondLst>
-                              <p:cond delay="0"/>
-                            </p:stCondLst>
-                            <p:childTnLst>
-                              <p:par>
-                                <p:cTn id="5" presetID="1" presetClass="entr" presetSubtype="0" fill="hold" grpId="0" nodeType="clickEffect">
-                                  <p:stCondLst>
-                                    <p:cond delay="0"/>
-                                  </p:stCondLst>
-                                  <p:childTnLst>
-                                    <p:set>
-                                      <p:cBhvr>
-                                        <p:cTn id="6" dur="1" fill="hold">
-                                          <p:stCondLst>
-                                            <p:cond delay="0"/>
-                                          </p:stCondLst>
-                                        </p:cTn>
-                                        <p:tgtEl>
-                                          <p:spTgt spid="7"/>
-                                        </p:tgtEl>
-                                        <p:attrNameLst>
-                                          <p:attrName>style.visibility</p:attrName>
-                                        </p:attrNameLst>
-                                      </p:cBhvr>
-                                      <p:to>
-                                        <p:strVal val="visible"/>
-                                      </p:to>
-                                    </p:set>
-                                  </p:childTnLst>
-                                </p:cTn>
-                              </p:par>
-                              <p:par>
-                                <p:cTn id="7" presetID="1" presetClass="entr" presetSubtype="0" fill="hold" grpId="0" nodeType="withEffect">
-                                  <p:stCondLst>
-                                    <p:cond delay="0"/>
-                                  </p:stCondLst>
-                                  <p:childTnLst>
-                                    <p:set>
-                                      <p:cBhvr>
-                                        <p:cTn id="8" dur="1" fill="hold">
-                                          <p:stCondLst>
-                                            <p:cond delay="0"/>
-                                          </p:stCondLst>
-                                        </p:cTn>
-                                        <p:tgtEl>
-                                          <p:spTgt spid="5"/>
-                                        </p:tgtEl>
-                                        <p:attrNameLst>
-                                          <p:attrName>style.visibility</p:attrName>
-                                        </p:attrNameLst>
-                                      </p:cBhvr>
-                                      <p:to>
-                                        <p:strVal val="visible"/>
-                                      </p:to>
-                                    </p:set>
-                                  </p:childTnLst>
-                                </p:cTn>
-                              </p:par>
-                            </p:childTnLst>
-                          </p:cTn>
-                        </p:par>
-                      </p:childTnLst>
-                    </p:cTn>
-                  </p:par>
-                </p:childTnLst>
-              </p:cTn>
-              <p:prevCondLst>
-                <p:cond evt="onPrev" delay="0">
-                  <p:tgtEl>
-                    <p:sldTgt/>
-                  </p:tgtEl>
-                </p:cond>
-              </p:prevCondLst>
-              <p:nextCondLst>
-                <p:cond evt="onNext" delay="0">
-                  <p:tgtEl>
-                    <p:sldTgt/>
-                  </p:tgtEl>
-                </p:cond>
-              </p:nextCondLst>
-            </p:seq>
-          </p:childTnLst>
-        </p:cTn>
-      </p:par>
-    </p:tnLst>
-    <p:bldLst>
-      <p:bldP spid="5" grpId="0" animBg="1"/>
-      <p:bldP spid="7" grpId="0" animBg="1"/>
-    </p:bldLst>
-  </p:timing>
 </p:sld>
 </file>
 
@@ -17554,8 +14625,6 @@
       </a:bgFillStyleLst>
     </a:fmtScheme>
   </a:themeElements>
-  <a:objectDefaults/>
-  <a:extraClrSchemeLst/>
   <a:extLst>
     <a:ext uri="{05A4C25C-085E-4340-85A3-A5531E510DB2}">
       <thm15:themeFamily xmlns:thm15="http://schemas.microsoft.com/office/thememl/2012/main" name="Office Theme" id="{62F939B6-93AF-4DB8-9C6B-D6C7DFDC589F}" vid="{4A3C46E8-61CC-4603-A589-7422A47A8E4A}"/>
@@ -17815,8 +14884,6 @@
       </a:bgFillStyleLst>
     </a:fmtScheme>
   </a:themeElements>
-  <a:objectDefaults/>
-  <a:extraClrSchemeLst/>
   <a:extLst>
     <a:ext uri="{05A4C25C-085E-4340-85A3-A5531E510DB2}">
       <thm15:themeFamily xmlns:thm15="http://schemas.microsoft.com/office/thememl/2012/main" name="Office Theme" id="{62F939B6-93AF-4DB8-9C6B-D6C7DFDC589F}" vid="{4A3C46E8-61CC-4603-A589-7422A47A8E4A}"/>
